--- a/notes/week8/week8.pptx
+++ b/notes/week8/week8.pptx
@@ -20,8 +20,13 @@
     <p:sldId id="271" r:id="rId14"/>
     <p:sldId id="272" r:id="rId15"/>
     <p:sldId id="273" r:id="rId16"/>
-    <p:sldId id="274" r:id="rId17"/>
-    <p:sldId id="258" r:id="rId18"/>
+    <p:sldId id="275" r:id="rId17"/>
+    <p:sldId id="279" r:id="rId18"/>
+    <p:sldId id="276" r:id="rId19"/>
+    <p:sldId id="277" r:id="rId20"/>
+    <p:sldId id="278" r:id="rId21"/>
+    <p:sldId id="274" r:id="rId22"/>
+    <p:sldId id="258" r:id="rId23"/>
   </p:sldIdLst>
   <p:sldSz cx="12192000" cy="6858000"/>
   <p:notesSz cx="6858000" cy="9144000"/>
@@ -120,7 +125,440 @@
       </a:defRPr>
     </a:lvl9pPr>
   </p:defaultTextStyle>
+  <p:extLst>
+    <p:ext uri="{EFAFB233-063F-42B5-8137-9DF3F51BA10A}">
+      <p15:sldGuideLst xmlns:p15="http://schemas.microsoft.com/office/powerpoint/2012/main"/>
+    </p:ext>
+  </p:extLst>
 </p:presentation>
+</file>
+
+<file path=ppt/revisionInfo.xml><?xml version="1.0" encoding="utf-8"?>
+<p1510:revInfo xmlns:a="http://schemas.openxmlformats.org/drawingml/2006/main" xmlns:r="http://schemas.openxmlformats.org/officeDocument/2006/relationships" xmlns:p1510="http://schemas.microsoft.com/office/powerpoint/2015/10/main">
+  <p1510:revLst>
+    <p1510:client id="{6507C9E3-5D4D-2047-AC1A-48E103CA2CF4}" v="23" dt="2026-02-12T20:49:02.591"/>
+  </p1510:revLst>
+</p1510:revInfo>
+</file>
+
+<file path=ppt/changesInfos/changesInfo1.xml><?xml version="1.0" encoding="utf-8"?>
+<pc:chgInfo xmlns:a="http://schemas.openxmlformats.org/drawingml/2006/main" xmlns:r="http://schemas.openxmlformats.org/officeDocument/2006/relationships" xmlns:ac="http://schemas.microsoft.com/office/drawing/2013/main/command" xmlns:pc="http://schemas.microsoft.com/office/powerpoint/2013/main/command">
+  <pc:docChgLst>
+    <pc:chgData name="Toby Donaldson" userId="2e6e5431-bb17-4c41-9985-d39c50d83c73" providerId="ADAL" clId="{7F9681A8-EEE2-56F4-9B39-ECCBEE0471AC}"/>
+    <pc:docChg chg="custSel addSld delSld modSld">
+      <pc:chgData name="Toby Donaldson" userId="2e6e5431-bb17-4c41-9985-d39c50d83c73" providerId="ADAL" clId="{7F9681A8-EEE2-56F4-9B39-ECCBEE0471AC}" dt="2026-02-12T20:49:16.394" v="804" actId="21"/>
+      <pc:docMkLst>
+        <pc:docMk/>
+      </pc:docMkLst>
+      <pc:sldChg chg="addSp modSp">
+        <pc:chgData name="Toby Donaldson" userId="2e6e5431-bb17-4c41-9985-d39c50d83c73" providerId="ADAL" clId="{7F9681A8-EEE2-56F4-9B39-ECCBEE0471AC}" dt="2026-02-12T20:37:28.811" v="45"/>
+        <pc:sldMkLst>
+          <pc:docMk/>
+          <pc:sldMk cId="586440292" sldId="259"/>
+        </pc:sldMkLst>
+        <pc:spChg chg="add mod">
+          <ac:chgData name="Toby Donaldson" userId="2e6e5431-bb17-4c41-9985-d39c50d83c73" providerId="ADAL" clId="{7F9681A8-EEE2-56F4-9B39-ECCBEE0471AC}" dt="2026-02-12T20:37:28.811" v="45"/>
+          <ac:spMkLst>
+            <pc:docMk/>
+            <pc:sldMk cId="586440292" sldId="259"/>
+            <ac:spMk id="5" creationId="{F98E20C7-B854-DA92-FAE2-DC12BE695F20}"/>
+          </ac:spMkLst>
+        </pc:spChg>
+      </pc:sldChg>
+      <pc:sldChg chg="addSp delSp modSp add del mod">
+        <pc:chgData name="Toby Donaldson" userId="2e6e5431-bb17-4c41-9985-d39c50d83c73" providerId="ADAL" clId="{7F9681A8-EEE2-56F4-9B39-ECCBEE0471AC}" dt="2026-02-12T20:48:56.916" v="801" actId="2696"/>
+        <pc:sldMkLst>
+          <pc:docMk/>
+          <pc:sldMk cId="362482407" sldId="275"/>
+        </pc:sldMkLst>
+        <pc:spChg chg="del">
+          <ac:chgData name="Toby Donaldson" userId="2e6e5431-bb17-4c41-9985-d39c50d83c73" providerId="ADAL" clId="{7F9681A8-EEE2-56F4-9B39-ECCBEE0471AC}" dt="2026-02-12T20:35:28.923" v="1" actId="21"/>
+          <ac:spMkLst>
+            <pc:docMk/>
+            <pc:sldMk cId="362482407" sldId="275"/>
+            <ac:spMk id="3" creationId="{DC8820E8-B130-7F1B-B84C-88AA0ABEC804}"/>
+          </ac:spMkLst>
+        </pc:spChg>
+        <pc:spChg chg="add del mod">
+          <ac:chgData name="Toby Donaldson" userId="2e6e5431-bb17-4c41-9985-d39c50d83c73" providerId="ADAL" clId="{7F9681A8-EEE2-56F4-9B39-ECCBEE0471AC}" dt="2026-02-12T20:35:34.679" v="2" actId="21"/>
+          <ac:spMkLst>
+            <pc:docMk/>
+            <pc:sldMk cId="362482407" sldId="275"/>
+            <ac:spMk id="5" creationId="{0D5570C5-AF3F-0715-0ABD-5320E7A91296}"/>
+          </ac:spMkLst>
+        </pc:spChg>
+        <pc:spChg chg="add mod">
+          <ac:chgData name="Toby Donaldson" userId="2e6e5431-bb17-4c41-9985-d39c50d83c73" providerId="ADAL" clId="{7F9681A8-EEE2-56F4-9B39-ECCBEE0471AC}" dt="2026-02-12T20:38:42.323" v="160" actId="1076"/>
+          <ac:spMkLst>
+            <pc:docMk/>
+            <pc:sldMk cId="362482407" sldId="275"/>
+            <ac:spMk id="6" creationId="{672B5CAB-943F-8541-5DC8-2AC5701F708B}"/>
+          </ac:spMkLst>
+        </pc:spChg>
+        <pc:spChg chg="add mod">
+          <ac:chgData name="Toby Donaldson" userId="2e6e5431-bb17-4c41-9985-d39c50d83c73" providerId="ADAL" clId="{7F9681A8-EEE2-56F4-9B39-ECCBEE0471AC}" dt="2026-02-12T20:39:26.718" v="169" actId="20577"/>
+          <ac:spMkLst>
+            <pc:docMk/>
+            <pc:sldMk cId="362482407" sldId="275"/>
+            <ac:spMk id="10" creationId="{86AC40DA-99A6-8ED6-9BB7-29B82392D4F9}"/>
+          </ac:spMkLst>
+        </pc:spChg>
+        <pc:spChg chg="add mod">
+          <ac:chgData name="Toby Donaldson" userId="2e6e5431-bb17-4c41-9985-d39c50d83c73" providerId="ADAL" clId="{7F9681A8-EEE2-56F4-9B39-ECCBEE0471AC}" dt="2026-02-12T20:38:56.738" v="162" actId="12788"/>
+          <ac:spMkLst>
+            <pc:docMk/>
+            <pc:sldMk cId="362482407" sldId="275"/>
+            <ac:spMk id="11" creationId="{6D5071A0-EF99-47A7-6A1D-AE8280FEF740}"/>
+          </ac:spMkLst>
+        </pc:spChg>
+        <pc:spChg chg="add mod">
+          <ac:chgData name="Toby Donaldson" userId="2e6e5431-bb17-4c41-9985-d39c50d83c73" providerId="ADAL" clId="{7F9681A8-EEE2-56F4-9B39-ECCBEE0471AC}" dt="2026-02-12T20:38:56.738" v="162" actId="12788"/>
+          <ac:spMkLst>
+            <pc:docMk/>
+            <pc:sldMk cId="362482407" sldId="275"/>
+            <ac:spMk id="12" creationId="{D406DD90-A30D-6509-E587-C79C71DA1CD4}"/>
+          </ac:spMkLst>
+        </pc:spChg>
+        <pc:spChg chg="add mod">
+          <ac:chgData name="Toby Donaldson" userId="2e6e5431-bb17-4c41-9985-d39c50d83c73" providerId="ADAL" clId="{7F9681A8-EEE2-56F4-9B39-ECCBEE0471AC}" dt="2026-02-12T20:38:56.738" v="162" actId="12788"/>
+          <ac:spMkLst>
+            <pc:docMk/>
+            <pc:sldMk cId="362482407" sldId="275"/>
+            <ac:spMk id="13" creationId="{F03E543F-6238-E16C-3EF6-0A80FE6ABD9F}"/>
+          </ac:spMkLst>
+        </pc:spChg>
+        <pc:spChg chg="add mod">
+          <ac:chgData name="Toby Donaldson" userId="2e6e5431-bb17-4c41-9985-d39c50d83c73" providerId="ADAL" clId="{7F9681A8-EEE2-56F4-9B39-ECCBEE0471AC}" dt="2026-02-12T20:38:56.738" v="162" actId="12788"/>
+          <ac:spMkLst>
+            <pc:docMk/>
+            <pc:sldMk cId="362482407" sldId="275"/>
+            <ac:spMk id="14" creationId="{F9A87772-E9B6-F578-1239-01C39DE4561A}"/>
+          </ac:spMkLst>
+        </pc:spChg>
+        <pc:spChg chg="add mod">
+          <ac:chgData name="Toby Donaldson" userId="2e6e5431-bb17-4c41-9985-d39c50d83c73" providerId="ADAL" clId="{7F9681A8-EEE2-56F4-9B39-ECCBEE0471AC}" dt="2026-02-12T20:39:09.768" v="164" actId="1076"/>
+          <ac:spMkLst>
+            <pc:docMk/>
+            <pc:sldMk cId="362482407" sldId="275"/>
+            <ac:spMk id="15" creationId="{2D2FE4DE-AD04-C1BA-0B13-A61E90B3387F}"/>
+          </ac:spMkLst>
+        </pc:spChg>
+        <pc:spChg chg="add mod">
+          <ac:chgData name="Toby Donaldson" userId="2e6e5431-bb17-4c41-9985-d39c50d83c73" providerId="ADAL" clId="{7F9681A8-EEE2-56F4-9B39-ECCBEE0471AC}" dt="2026-02-12T20:40:46.341" v="269" actId="1076"/>
+          <ac:spMkLst>
+            <pc:docMk/>
+            <pc:sldMk cId="362482407" sldId="275"/>
+            <ac:spMk id="18" creationId="{93463436-2419-3A8D-D180-EC377ED3E760}"/>
+          </ac:spMkLst>
+        </pc:spChg>
+        <pc:grpChg chg="add mod">
+          <ac:chgData name="Toby Donaldson" userId="2e6e5431-bb17-4c41-9985-d39c50d83c73" providerId="ADAL" clId="{7F9681A8-EEE2-56F4-9B39-ECCBEE0471AC}" dt="2026-02-12T20:39:32.290" v="170" actId="1076"/>
+          <ac:grpSpMkLst>
+            <pc:docMk/>
+            <pc:sldMk cId="362482407" sldId="275"/>
+            <ac:grpSpMk id="9" creationId="{EE484824-0380-F376-59D9-51C4B655DA89}"/>
+          </ac:grpSpMkLst>
+        </pc:grpChg>
+        <pc:cxnChg chg="add mod">
+          <ac:chgData name="Toby Donaldson" userId="2e6e5431-bb17-4c41-9985-d39c50d83c73" providerId="ADAL" clId="{7F9681A8-EEE2-56F4-9B39-ECCBEE0471AC}" dt="2026-02-12T20:36:03.167" v="17" actId="164"/>
+          <ac:cxnSpMkLst>
+            <pc:docMk/>
+            <pc:sldMk cId="362482407" sldId="275"/>
+            <ac:cxnSpMk id="8" creationId="{32BEDFC0-D338-C52A-F27B-065C33E01863}"/>
+          </ac:cxnSpMkLst>
+        </pc:cxnChg>
+        <pc:cxnChg chg="add">
+          <ac:chgData name="Toby Donaldson" userId="2e6e5431-bb17-4c41-9985-d39c50d83c73" providerId="ADAL" clId="{7F9681A8-EEE2-56F4-9B39-ECCBEE0471AC}" dt="2026-02-12T20:39:15.389" v="165" actId="11529"/>
+          <ac:cxnSpMkLst>
+            <pc:docMk/>
+            <pc:sldMk cId="362482407" sldId="275"/>
+            <ac:cxnSpMk id="17" creationId="{A07CDD4C-16F4-F537-2804-88F78529F217}"/>
+          </ac:cxnSpMkLst>
+        </pc:cxnChg>
+        <pc:cxnChg chg="add mod">
+          <ac:chgData name="Toby Donaldson" userId="2e6e5431-bb17-4c41-9985-d39c50d83c73" providerId="ADAL" clId="{7F9681A8-EEE2-56F4-9B39-ECCBEE0471AC}" dt="2026-02-12T20:40:54.441" v="272" actId="14100"/>
+          <ac:cxnSpMkLst>
+            <pc:docMk/>
+            <pc:sldMk cId="362482407" sldId="275"/>
+            <ac:cxnSpMk id="19" creationId="{9F106048-C46C-20E4-15A5-1A384E5ACC04}"/>
+          </ac:cxnSpMkLst>
+        </pc:cxnChg>
+      </pc:sldChg>
+      <pc:sldChg chg="delSp modSp add mod">
+        <pc:chgData name="Toby Donaldson" userId="2e6e5431-bb17-4c41-9985-d39c50d83c73" providerId="ADAL" clId="{7F9681A8-EEE2-56F4-9B39-ECCBEE0471AC}" dt="2026-02-12T20:49:16.394" v="804" actId="21"/>
+        <pc:sldMkLst>
+          <pc:docMk/>
+          <pc:sldMk cId="3363051257" sldId="275"/>
+        </pc:sldMkLst>
+        <pc:spChg chg="del">
+          <ac:chgData name="Toby Donaldson" userId="2e6e5431-bb17-4c41-9985-d39c50d83c73" providerId="ADAL" clId="{7F9681A8-EEE2-56F4-9B39-ECCBEE0471AC}" dt="2026-02-12T20:49:16.394" v="804" actId="21"/>
+          <ac:spMkLst>
+            <pc:docMk/>
+            <pc:sldMk cId="3363051257" sldId="275"/>
+            <ac:spMk id="18" creationId="{93463436-2419-3A8D-D180-EC377ED3E760}"/>
+          </ac:spMkLst>
+        </pc:spChg>
+        <pc:cxnChg chg="del mod">
+          <ac:chgData name="Toby Donaldson" userId="2e6e5431-bb17-4c41-9985-d39c50d83c73" providerId="ADAL" clId="{7F9681A8-EEE2-56F4-9B39-ECCBEE0471AC}" dt="2026-02-12T20:49:16.394" v="804" actId="21"/>
+          <ac:cxnSpMkLst>
+            <pc:docMk/>
+            <pc:sldMk cId="3363051257" sldId="275"/>
+            <ac:cxnSpMk id="19" creationId="{9F106048-C46C-20E4-15A5-1A384E5ACC04}"/>
+          </ac:cxnSpMkLst>
+        </pc:cxnChg>
+      </pc:sldChg>
+      <pc:sldChg chg="add">
+        <pc:chgData name="Toby Donaldson" userId="2e6e5431-bb17-4c41-9985-d39c50d83c73" providerId="ADAL" clId="{7F9681A8-EEE2-56F4-9B39-ECCBEE0471AC}" dt="2026-02-12T20:49:02.591" v="802"/>
+        <pc:sldMkLst>
+          <pc:docMk/>
+          <pc:sldMk cId="493803107" sldId="276"/>
+        </pc:sldMkLst>
+      </pc:sldChg>
+      <pc:sldChg chg="addSp delSp modSp add del mod">
+        <pc:chgData name="Toby Donaldson" userId="2e6e5431-bb17-4c41-9985-d39c50d83c73" providerId="ADAL" clId="{7F9681A8-EEE2-56F4-9B39-ECCBEE0471AC}" dt="2026-02-12T20:48:56.916" v="801" actId="2696"/>
+        <pc:sldMkLst>
+          <pc:docMk/>
+          <pc:sldMk cId="1876958373" sldId="276"/>
+        </pc:sldMkLst>
+        <pc:spChg chg="add mod">
+          <ac:chgData name="Toby Donaldson" userId="2e6e5431-bb17-4c41-9985-d39c50d83c73" providerId="ADAL" clId="{7F9681A8-EEE2-56F4-9B39-ECCBEE0471AC}" dt="2026-02-12T20:42:53.412" v="430" actId="692"/>
+          <ac:spMkLst>
+            <pc:docMk/>
+            <pc:sldMk cId="1876958373" sldId="276"/>
+            <ac:spMk id="3" creationId="{3F93B91E-E18A-83DF-81F7-C1BAAE61D9B4}"/>
+          </ac:spMkLst>
+        </pc:spChg>
+        <pc:spChg chg="mod">
+          <ac:chgData name="Toby Donaldson" userId="2e6e5431-bb17-4c41-9985-d39c50d83c73" providerId="ADAL" clId="{7F9681A8-EEE2-56F4-9B39-ECCBEE0471AC}" dt="2026-02-12T20:43:02.024" v="431" actId="1076"/>
+          <ac:spMkLst>
+            <pc:docMk/>
+            <pc:sldMk cId="1876958373" sldId="276"/>
+            <ac:spMk id="18" creationId="{6FC9A874-BEB9-268A-2B46-84A1C648C597}"/>
+          </ac:spMkLst>
+        </pc:spChg>
+        <pc:cxnChg chg="del mod">
+          <ac:chgData name="Toby Donaldson" userId="2e6e5431-bb17-4c41-9985-d39c50d83c73" providerId="ADAL" clId="{7F9681A8-EEE2-56F4-9B39-ECCBEE0471AC}" dt="2026-02-12T20:42:24.194" v="428" actId="21"/>
+          <ac:cxnSpMkLst>
+            <pc:docMk/>
+            <pc:sldMk cId="1876958373" sldId="276"/>
+            <ac:cxnSpMk id="19" creationId="{80C38827-AD36-CBAE-65BF-A5B765D1BDC7}"/>
+          </ac:cxnSpMkLst>
+        </pc:cxnChg>
+      </pc:sldChg>
+      <pc:sldChg chg="add">
+        <pc:chgData name="Toby Donaldson" userId="2e6e5431-bb17-4c41-9985-d39c50d83c73" providerId="ADAL" clId="{7F9681A8-EEE2-56F4-9B39-ECCBEE0471AC}" dt="2026-02-12T20:49:02.591" v="802"/>
+        <pc:sldMkLst>
+          <pc:docMk/>
+          <pc:sldMk cId="1825712921" sldId="277"/>
+        </pc:sldMkLst>
+      </pc:sldChg>
+      <pc:sldChg chg="addSp delSp modSp add del mod">
+        <pc:chgData name="Toby Donaldson" userId="2e6e5431-bb17-4c41-9985-d39c50d83c73" providerId="ADAL" clId="{7F9681A8-EEE2-56F4-9B39-ECCBEE0471AC}" dt="2026-02-12T20:48:56.916" v="801" actId="2696"/>
+        <pc:sldMkLst>
+          <pc:docMk/>
+          <pc:sldMk cId="1988495460" sldId="277"/>
+        </pc:sldMkLst>
+        <pc:spChg chg="del mod">
+          <ac:chgData name="Toby Donaldson" userId="2e6e5431-bb17-4c41-9985-d39c50d83c73" providerId="ADAL" clId="{7F9681A8-EEE2-56F4-9B39-ECCBEE0471AC}" dt="2026-02-12T20:44:38.148" v="555" actId="21"/>
+          <ac:spMkLst>
+            <pc:docMk/>
+            <pc:sldMk cId="1988495460" sldId="277"/>
+            <ac:spMk id="3" creationId="{E2FC21EB-8232-4363-82FF-5EF274020CA2}"/>
+          </ac:spMkLst>
+        </pc:spChg>
+        <pc:spChg chg="del">
+          <ac:chgData name="Toby Donaldson" userId="2e6e5431-bb17-4c41-9985-d39c50d83c73" providerId="ADAL" clId="{7F9681A8-EEE2-56F4-9B39-ECCBEE0471AC}" dt="2026-02-12T20:43:12.910" v="433" actId="21"/>
+          <ac:spMkLst>
+            <pc:docMk/>
+            <pc:sldMk cId="1988495460" sldId="277"/>
+            <ac:spMk id="15" creationId="{900CE980-51F2-DD84-DD8B-E7CC1598BFC1}"/>
+          </ac:spMkLst>
+        </pc:spChg>
+        <pc:spChg chg="mod">
+          <ac:chgData name="Toby Donaldson" userId="2e6e5431-bb17-4c41-9985-d39c50d83c73" providerId="ADAL" clId="{7F9681A8-EEE2-56F4-9B39-ECCBEE0471AC}" dt="2026-02-12T20:44:43.391" v="558" actId="1076"/>
+          <ac:spMkLst>
+            <pc:docMk/>
+            <pc:sldMk cId="1988495460" sldId="277"/>
+            <ac:spMk id="18" creationId="{95721E0A-D535-B634-D127-D4FD27A340C0}"/>
+          </ac:spMkLst>
+        </pc:spChg>
+        <pc:spChg chg="add del mod">
+          <ac:chgData name="Toby Donaldson" userId="2e6e5431-bb17-4c41-9985-d39c50d83c73" providerId="ADAL" clId="{7F9681A8-EEE2-56F4-9B39-ECCBEE0471AC}" dt="2026-02-12T20:44:39.124" v="557"/>
+          <ac:spMkLst>
+            <pc:docMk/>
+            <pc:sldMk cId="1988495460" sldId="277"/>
+            <ac:spMk id="20" creationId="{B35522EC-C35C-B175-2E16-E5E429BEF8AC}"/>
+          </ac:spMkLst>
+        </pc:spChg>
+        <pc:grpChg chg="add mod">
+          <ac:chgData name="Toby Donaldson" userId="2e6e5431-bb17-4c41-9985-d39c50d83c73" providerId="ADAL" clId="{7F9681A8-EEE2-56F4-9B39-ECCBEE0471AC}" dt="2026-02-12T20:43:47.958" v="441" actId="1076"/>
+          <ac:grpSpMkLst>
+            <pc:docMk/>
+            <pc:sldMk cId="1988495460" sldId="277"/>
+            <ac:grpSpMk id="21" creationId="{D257EF72-815C-953C-D423-8004E28F1B82}"/>
+          </ac:grpSpMkLst>
+        </pc:grpChg>
+        <pc:cxnChg chg="add mod">
+          <ac:chgData name="Toby Donaldson" userId="2e6e5431-bb17-4c41-9985-d39c50d83c73" providerId="ADAL" clId="{7F9681A8-EEE2-56F4-9B39-ECCBEE0471AC}" dt="2026-02-12T20:43:43.995" v="440" actId="164"/>
+          <ac:cxnSpMkLst>
+            <pc:docMk/>
+            <pc:sldMk cId="1988495460" sldId="277"/>
+            <ac:cxnSpMk id="5" creationId="{B5DFF8A8-15D2-DE2A-8B6F-ABA836C6DF35}"/>
+          </ac:cxnSpMkLst>
+        </pc:cxnChg>
+        <pc:cxnChg chg="add mod">
+          <ac:chgData name="Toby Donaldson" userId="2e6e5431-bb17-4c41-9985-d39c50d83c73" providerId="ADAL" clId="{7F9681A8-EEE2-56F4-9B39-ECCBEE0471AC}" dt="2026-02-12T20:43:43.995" v="440" actId="164"/>
+          <ac:cxnSpMkLst>
+            <pc:docMk/>
+            <pc:sldMk cId="1988495460" sldId="277"/>
+            <ac:cxnSpMk id="7" creationId="{FC6BD7C3-1E0D-A1C6-6E8A-8A7963D0CFF1}"/>
+          </ac:cxnSpMkLst>
+        </pc:cxnChg>
+        <pc:cxnChg chg="del mod">
+          <ac:chgData name="Toby Donaldson" userId="2e6e5431-bb17-4c41-9985-d39c50d83c73" providerId="ADAL" clId="{7F9681A8-EEE2-56F4-9B39-ECCBEE0471AC}" dt="2026-02-12T20:43:12.910" v="433" actId="21"/>
+          <ac:cxnSpMkLst>
+            <pc:docMk/>
+            <pc:sldMk cId="1988495460" sldId="277"/>
+            <ac:cxnSpMk id="17" creationId="{F70CC916-A0E4-B4F3-5622-366B63B6649F}"/>
+          </ac:cxnSpMkLst>
+        </pc:cxnChg>
+        <pc:cxnChg chg="add">
+          <ac:chgData name="Toby Donaldson" userId="2e6e5431-bb17-4c41-9985-d39c50d83c73" providerId="ADAL" clId="{7F9681A8-EEE2-56F4-9B39-ECCBEE0471AC}" dt="2026-02-12T20:44:53.170" v="559" actId="11529"/>
+          <ac:cxnSpMkLst>
+            <pc:docMk/>
+            <pc:sldMk cId="1988495460" sldId="277"/>
+            <ac:cxnSpMk id="23" creationId="{CE201D48-21CA-59D0-6B98-8D858EE9CF85}"/>
+          </ac:cxnSpMkLst>
+        </pc:cxnChg>
+      </pc:sldChg>
+      <pc:sldChg chg="add">
+        <pc:chgData name="Toby Donaldson" userId="2e6e5431-bb17-4c41-9985-d39c50d83c73" providerId="ADAL" clId="{7F9681A8-EEE2-56F4-9B39-ECCBEE0471AC}" dt="2026-02-12T20:49:02.591" v="802"/>
+        <pc:sldMkLst>
+          <pc:docMk/>
+          <pc:sldMk cId="884525296" sldId="278"/>
+        </pc:sldMkLst>
+      </pc:sldChg>
+      <pc:sldChg chg="addSp delSp modSp add del mod">
+        <pc:chgData name="Toby Donaldson" userId="2e6e5431-bb17-4c41-9985-d39c50d83c73" providerId="ADAL" clId="{7F9681A8-EEE2-56F4-9B39-ECCBEE0471AC}" dt="2026-02-12T20:48:56.916" v="801" actId="2696"/>
+        <pc:sldMkLst>
+          <pc:docMk/>
+          <pc:sldMk cId="3958240185" sldId="278"/>
+        </pc:sldMkLst>
+        <pc:spChg chg="add mod">
+          <ac:chgData name="Toby Donaldson" userId="2e6e5431-bb17-4c41-9985-d39c50d83c73" providerId="ADAL" clId="{7F9681A8-EEE2-56F4-9B39-ECCBEE0471AC}" dt="2026-02-12T20:46:07.501" v="687" actId="1076"/>
+          <ac:spMkLst>
+            <pc:docMk/>
+            <pc:sldMk cId="3958240185" sldId="278"/>
+            <ac:spMk id="4" creationId="{AF1C81F4-1BCE-67A3-A84B-EBC6B3CB3A6F}"/>
+          </ac:spMkLst>
+        </pc:spChg>
+        <pc:spChg chg="del">
+          <ac:chgData name="Toby Donaldson" userId="2e6e5431-bb17-4c41-9985-d39c50d83c73" providerId="ADAL" clId="{7F9681A8-EEE2-56F4-9B39-ECCBEE0471AC}" dt="2026-02-12T20:45:19.476" v="563" actId="21"/>
+          <ac:spMkLst>
+            <pc:docMk/>
+            <pc:sldMk cId="3958240185" sldId="278"/>
+            <ac:spMk id="14" creationId="{124C1728-0A21-0DC4-6D42-5E02433474D4}"/>
+          </ac:spMkLst>
+        </pc:spChg>
+        <pc:spChg chg="add mod">
+          <ac:chgData name="Toby Donaldson" userId="2e6e5431-bb17-4c41-9985-d39c50d83c73" providerId="ADAL" clId="{7F9681A8-EEE2-56F4-9B39-ECCBEE0471AC}" dt="2026-02-12T20:46:15.726" v="689" actId="1076"/>
+          <ac:spMkLst>
+            <pc:docMk/>
+            <pc:sldMk cId="3958240185" sldId="278"/>
+            <ac:spMk id="15" creationId="{A82883C9-24A9-8A1B-4184-F1D3DC52C7C2}"/>
+          </ac:spMkLst>
+        </pc:spChg>
+        <pc:spChg chg="add del mod">
+          <ac:chgData name="Toby Donaldson" userId="2e6e5431-bb17-4c41-9985-d39c50d83c73" providerId="ADAL" clId="{7F9681A8-EEE2-56F4-9B39-ECCBEE0471AC}" dt="2026-02-12T20:46:31.692" v="694" actId="21"/>
+          <ac:spMkLst>
+            <pc:docMk/>
+            <pc:sldMk cId="3958240185" sldId="278"/>
+            <ac:spMk id="16" creationId="{05A96F39-DB41-73BC-19C8-8D3C16344200}"/>
+          </ac:spMkLst>
+        </pc:spChg>
+        <pc:spChg chg="add mod">
+          <ac:chgData name="Toby Donaldson" userId="2e6e5431-bb17-4c41-9985-d39c50d83c73" providerId="ADAL" clId="{7F9681A8-EEE2-56F4-9B39-ECCBEE0471AC}" dt="2026-02-12T20:46:55.794" v="697" actId="692"/>
+          <ac:spMkLst>
+            <pc:docMk/>
+            <pc:sldMk cId="3958240185" sldId="278"/>
+            <ac:spMk id="17" creationId="{2BFA6F96-5502-4BF3-AE79-BEDFF3A57504}"/>
+          </ac:spMkLst>
+        </pc:spChg>
+        <pc:spChg chg="mod">
+          <ac:chgData name="Toby Donaldson" userId="2e6e5431-bb17-4c41-9985-d39c50d83c73" providerId="ADAL" clId="{7F9681A8-EEE2-56F4-9B39-ECCBEE0471AC}" dt="2026-02-12T20:45:53.496" v="684" actId="1076"/>
+          <ac:spMkLst>
+            <pc:docMk/>
+            <pc:sldMk cId="3958240185" sldId="278"/>
+            <ac:spMk id="18" creationId="{00B0DE62-3559-77CE-A840-B0DD5AA6D8E8}"/>
+          </ac:spMkLst>
+        </pc:spChg>
+        <pc:spChg chg="add mod">
+          <ac:chgData name="Toby Donaldson" userId="2e6e5431-bb17-4c41-9985-d39c50d83c73" providerId="ADAL" clId="{7F9681A8-EEE2-56F4-9B39-ECCBEE0471AC}" dt="2026-02-12T20:47:28.426" v="700" actId="692"/>
+          <ac:spMkLst>
+            <pc:docMk/>
+            <pc:sldMk cId="3958240185" sldId="278"/>
+            <ac:spMk id="19" creationId="{C484F1E2-09DB-BDC9-AB8F-2EA17D21F1CE}"/>
+          </ac:spMkLst>
+        </pc:spChg>
+        <pc:spChg chg="add mod">
+          <ac:chgData name="Toby Donaldson" userId="2e6e5431-bb17-4c41-9985-d39c50d83c73" providerId="ADAL" clId="{7F9681A8-EEE2-56F4-9B39-ECCBEE0471AC}" dt="2026-02-12T20:47:45.144" v="710" actId="1076"/>
+          <ac:spMkLst>
+            <pc:docMk/>
+            <pc:sldMk cId="3958240185" sldId="278"/>
+            <ac:spMk id="20" creationId="{E4486A5A-BAC8-B4F4-CB82-D6891BC4E4DC}"/>
+          </ac:spMkLst>
+        </pc:spChg>
+        <pc:spChg chg="add mod">
+          <ac:chgData name="Toby Donaldson" userId="2e6e5431-bb17-4c41-9985-d39c50d83c73" providerId="ADAL" clId="{7F9681A8-EEE2-56F4-9B39-ECCBEE0471AC}" dt="2026-02-12T20:48:28.813" v="800" actId="14100"/>
+          <ac:spMkLst>
+            <pc:docMk/>
+            <pc:sldMk cId="3958240185" sldId="278"/>
+            <ac:spMk id="22" creationId="{7F1A72B4-64FE-1CE7-57D2-CD3E4D789187}"/>
+          </ac:spMkLst>
+        </pc:spChg>
+        <pc:grpChg chg="del">
+          <ac:chgData name="Toby Donaldson" userId="2e6e5431-bb17-4c41-9985-d39c50d83c73" providerId="ADAL" clId="{7F9681A8-EEE2-56F4-9B39-ECCBEE0471AC}" dt="2026-02-12T20:45:15.221" v="561" actId="21"/>
+          <ac:grpSpMkLst>
+            <pc:docMk/>
+            <pc:sldMk cId="3958240185" sldId="278"/>
+            <ac:grpSpMk id="21" creationId="{2E99A632-6CCE-9866-8142-24DE3F25D2EB}"/>
+          </ac:grpSpMkLst>
+        </pc:grpChg>
+        <pc:cxnChg chg="del topLvl">
+          <ac:chgData name="Toby Donaldson" userId="2e6e5431-bb17-4c41-9985-d39c50d83c73" providerId="ADAL" clId="{7F9681A8-EEE2-56F4-9B39-ECCBEE0471AC}" dt="2026-02-12T20:45:17.476" v="562" actId="21"/>
+          <ac:cxnSpMkLst>
+            <pc:docMk/>
+            <pc:sldMk cId="3958240185" sldId="278"/>
+            <ac:cxnSpMk id="5" creationId="{509CEF74-F338-97A7-4FFF-BFFE952DF18C}"/>
+          </ac:cxnSpMkLst>
+        </pc:cxnChg>
+        <pc:cxnChg chg="del topLvl">
+          <ac:chgData name="Toby Donaldson" userId="2e6e5431-bb17-4c41-9985-d39c50d83c73" providerId="ADAL" clId="{7F9681A8-EEE2-56F4-9B39-ECCBEE0471AC}" dt="2026-02-12T20:45:15.221" v="561" actId="21"/>
+          <ac:cxnSpMkLst>
+            <pc:docMk/>
+            <pc:sldMk cId="3958240185" sldId="278"/>
+            <ac:cxnSpMk id="7" creationId="{61CF42AB-F338-61A2-8DA6-039C065E44A1}"/>
+          </ac:cxnSpMkLst>
+        </pc:cxnChg>
+        <pc:cxnChg chg="del mod">
+          <ac:chgData name="Toby Donaldson" userId="2e6e5431-bb17-4c41-9985-d39c50d83c73" providerId="ADAL" clId="{7F9681A8-EEE2-56F4-9B39-ECCBEE0471AC}" dt="2026-02-12T20:45:55.282" v="685" actId="21"/>
+          <ac:cxnSpMkLst>
+            <pc:docMk/>
+            <pc:sldMk cId="3958240185" sldId="278"/>
+            <ac:cxnSpMk id="23" creationId="{BDA56A63-C584-2EF5-FA10-470C5D3CCCBB}"/>
+          </ac:cxnSpMkLst>
+        </pc:cxnChg>
+      </pc:sldChg>
+      <pc:sldChg chg="add">
+        <pc:chgData name="Toby Donaldson" userId="2e6e5431-bb17-4c41-9985-d39c50d83c73" providerId="ADAL" clId="{7F9681A8-EEE2-56F4-9B39-ECCBEE0471AC}" dt="2026-02-12T20:49:12.099" v="803" actId="2890"/>
+        <pc:sldMkLst>
+          <pc:docMk/>
+          <pc:sldMk cId="463700528" sldId="279"/>
+        </pc:sldMkLst>
+      </pc:sldChg>
+    </pc:docChg>
+  </pc:docChgLst>
+</pc:chgInfo>
 </file>
 
 <file path=ppt/slideLayouts/slideLayout1.xml><?xml version="1.0" encoding="utf-8"?>
@@ -6133,7 +6571,13 @@
   <p:cSld>
     <p:spTree>
       <p:nvGrpSpPr>
-        <p:cNvPr id="1" name=""/>
+        <p:cNvPr id="1" name="">
+          <a:extLst>
+            <a:ext uri="{FF2B5EF4-FFF2-40B4-BE49-F238E27FC236}">
+              <a16:creationId xmlns:a16="http://schemas.microsoft.com/office/drawing/2014/main" id="{7BD02016-372E-EDD4-B078-DBBE52A9AB0D}"/>
+            </a:ext>
+          </a:extLst>
+        </p:cNvPr>
         <p:cNvGrpSpPr/>
         <p:nvPr/>
       </p:nvGrpSpPr>
@@ -6150,7 +6594,7 @@
           <p:cNvPr id="2" name="Title 1">
             <a:extLst>
               <a:ext uri="{FF2B5EF4-FFF2-40B4-BE49-F238E27FC236}">
-                <a16:creationId xmlns:a16="http://schemas.microsoft.com/office/drawing/2014/main" id="{69D3C949-08F2-82CE-79A3-68DEB0094D36}"/>
+                <a16:creationId xmlns:a16="http://schemas.microsoft.com/office/drawing/2014/main" id="{693165A6-910C-7363-078A-EFD82C23ADB4}"/>
               </a:ext>
             </a:extLst>
           </p:cNvPr>
@@ -6173,49 +6617,375 @@
           </a:p>
         </p:txBody>
       </p:sp>
-      <p:sp>
-        <p:nvSpPr>
-          <p:cNvPr id="3" name="Content Placeholder 2">
-            <a:extLst>
-              <a:ext uri="{FF2B5EF4-FFF2-40B4-BE49-F238E27FC236}">
-                <a16:creationId xmlns:a16="http://schemas.microsoft.com/office/drawing/2014/main" id="{406C4C09-85D7-6F52-CB93-339DBA77B806}"/>
-              </a:ext>
-            </a:extLst>
-          </p:cNvPr>
-          <p:cNvSpPr>
-            <a:spLocks noGrp="1"/>
-          </p:cNvSpPr>
-          <p:nvPr>
-            <p:ph idx="1"/>
-          </p:nvPr>
-        </p:nvSpPr>
-        <p:spPr/>
-        <p:txBody>
-          <a:bodyPr/>
-          <a:lstStyle/>
-          <a:p>
-            <a:r>
-              <a:rPr lang="en-US" dirty="0"/>
-              <a:t>See </a:t>
-            </a:r>
-            <a:r>
-              <a:rPr lang="en-US" dirty="0" err="1">
-                <a:latin typeface="Consolas" panose="020B0609020204030204" pitchFamily="49" charset="0"/>
-                <a:cs typeface="Consolas" panose="020B0609020204030204" pitchFamily="49" charset="0"/>
-              </a:rPr>
-              <a:t>exception_demo.cpp</a:t>
-            </a:r>
-            <a:r>
-              <a:rPr lang="en-US" dirty="0"/>
-              <a:t> in the notes for examples …</a:t>
-            </a:r>
-          </a:p>
-        </p:txBody>
-      </p:sp>
+      <p:grpSp>
+        <p:nvGrpSpPr>
+          <p:cNvPr id="9" name="Group 8">
+            <a:extLst>
+              <a:ext uri="{FF2B5EF4-FFF2-40B4-BE49-F238E27FC236}">
+                <a16:creationId xmlns:a16="http://schemas.microsoft.com/office/drawing/2014/main" id="{EE484824-0380-F376-59D9-51C4B655DA89}"/>
+              </a:ext>
+            </a:extLst>
+          </p:cNvPr>
+          <p:cNvGrpSpPr/>
+          <p:nvPr/>
+        </p:nvGrpSpPr>
+        <p:grpSpPr>
+          <a:xfrm>
+            <a:off x="5199845" y="4882756"/>
+            <a:ext cx="1792309" cy="539958"/>
+            <a:chOff x="5055476" y="4635062"/>
+            <a:chExt cx="1792309" cy="539958"/>
+          </a:xfrm>
+        </p:grpSpPr>
+        <p:sp>
+          <p:nvSpPr>
+            <p:cNvPr id="6" name="TextBox 5">
+              <a:extLst>
+                <a:ext uri="{FF2B5EF4-FFF2-40B4-BE49-F238E27FC236}">
+                  <a16:creationId xmlns:a16="http://schemas.microsoft.com/office/drawing/2014/main" id="{672B5CAB-943F-8541-5DC8-2AC5701F708B}"/>
+                </a:ext>
+              </a:extLst>
+            </p:cNvPr>
+            <p:cNvSpPr txBox="1"/>
+            <p:nvPr/>
+          </p:nvSpPr>
+          <p:spPr>
+            <a:xfrm>
+              <a:off x="5122954" y="4651800"/>
+              <a:ext cx="1724831" cy="523220"/>
+            </a:xfrm>
+            <a:prstGeom prst="rect">
+              <a:avLst/>
+            </a:prstGeom>
+            <a:noFill/>
+          </p:spPr>
+          <p:txBody>
+            <a:bodyPr wrap="none" rtlCol="0">
+              <a:spAutoFit/>
+            </a:bodyPr>
+            <a:lstStyle/>
+            <a:p>
+              <a:r>
+                <a:rPr lang="en-US" sz="2800" dirty="0"/>
+                <a:t>Call stack</a:t>
+              </a:r>
+            </a:p>
+          </p:txBody>
+        </p:sp>
+        <p:cxnSp>
+          <p:nvCxnSpPr>
+            <p:cNvPr id="8" name="Straight Connector 7">
+              <a:extLst>
+                <a:ext uri="{FF2B5EF4-FFF2-40B4-BE49-F238E27FC236}">
+                  <a16:creationId xmlns:a16="http://schemas.microsoft.com/office/drawing/2014/main" id="{32BEDFC0-D338-C52A-F27B-065C33E01863}"/>
+                </a:ext>
+              </a:extLst>
+            </p:cNvPr>
+            <p:cNvCxnSpPr/>
+            <p:nvPr/>
+          </p:nvCxnSpPr>
+          <p:spPr>
+            <a:xfrm>
+              <a:off x="5055476" y="4635062"/>
+              <a:ext cx="1702676" cy="0"/>
+            </a:xfrm>
+            <a:prstGeom prst="line">
+              <a:avLst/>
+            </a:prstGeom>
+          </p:spPr>
+          <p:style>
+            <a:lnRef idx="2">
+              <a:schemeClr val="accent1"/>
+            </a:lnRef>
+            <a:fillRef idx="0">
+              <a:schemeClr val="accent1"/>
+            </a:fillRef>
+            <a:effectRef idx="1">
+              <a:schemeClr val="accent1"/>
+            </a:effectRef>
+            <a:fontRef idx="minor">
+              <a:schemeClr val="tx1"/>
+            </a:fontRef>
+          </p:style>
+        </p:cxnSp>
+      </p:grpSp>
+      <p:sp>
+        <p:nvSpPr>
+          <p:cNvPr id="10" name="TextBox 9">
+            <a:extLst>
+              <a:ext uri="{FF2B5EF4-FFF2-40B4-BE49-F238E27FC236}">
+                <a16:creationId xmlns:a16="http://schemas.microsoft.com/office/drawing/2014/main" id="{86AC40DA-99A6-8ED6-9BB7-29B82392D4F9}"/>
+              </a:ext>
+            </a:extLst>
+          </p:cNvPr>
+          <p:cNvSpPr txBox="1"/>
+          <p:nvPr/>
+        </p:nvSpPr>
+        <p:spPr>
+          <a:xfrm>
+            <a:off x="5563611" y="4214232"/>
+            <a:ext cx="1175322" cy="523220"/>
+          </a:xfrm>
+          <a:prstGeom prst="rect">
+            <a:avLst/>
+          </a:prstGeom>
+          <a:noFill/>
+        </p:spPr>
+        <p:txBody>
+          <a:bodyPr wrap="none" rtlCol="0">
+            <a:spAutoFit/>
+          </a:bodyPr>
+          <a:lstStyle/>
+          <a:p>
+            <a:r>
+              <a:rPr lang="en-US" sz="2800" dirty="0"/>
+              <a:t>main()</a:t>
+            </a:r>
+          </a:p>
+        </p:txBody>
+      </p:sp>
+      <p:sp>
+        <p:nvSpPr>
+          <p:cNvPr id="11" name="TextBox 10">
+            <a:extLst>
+              <a:ext uri="{FF2B5EF4-FFF2-40B4-BE49-F238E27FC236}">
+                <a16:creationId xmlns:a16="http://schemas.microsoft.com/office/drawing/2014/main" id="{6D5071A0-EF99-47A7-6A1D-AE8280FEF740}"/>
+              </a:ext>
+            </a:extLst>
+          </p:cNvPr>
+          <p:cNvSpPr txBox="1"/>
+          <p:nvPr/>
+        </p:nvSpPr>
+        <p:spPr>
+          <a:xfrm>
+            <a:off x="5751963" y="3740796"/>
+            <a:ext cx="587020" cy="523220"/>
+          </a:xfrm>
+          <a:prstGeom prst="rect">
+            <a:avLst/>
+          </a:prstGeom>
+          <a:noFill/>
+        </p:spPr>
+        <p:txBody>
+          <a:bodyPr wrap="none" rtlCol="0">
+            <a:spAutoFit/>
+          </a:bodyPr>
+          <a:lstStyle/>
+          <a:p>
+            <a:r>
+              <a:rPr lang="en-US" sz="2800" dirty="0"/>
+              <a:t>a()</a:t>
+            </a:r>
+          </a:p>
+        </p:txBody>
+      </p:sp>
+      <p:sp>
+        <p:nvSpPr>
+          <p:cNvPr id="12" name="TextBox 11">
+            <a:extLst>
+              <a:ext uri="{FF2B5EF4-FFF2-40B4-BE49-F238E27FC236}">
+                <a16:creationId xmlns:a16="http://schemas.microsoft.com/office/drawing/2014/main" id="{D406DD90-A30D-6509-E587-C79C71DA1CD4}"/>
+              </a:ext>
+            </a:extLst>
+          </p:cNvPr>
+          <p:cNvSpPr txBox="1"/>
+          <p:nvPr/>
+        </p:nvSpPr>
+        <p:spPr>
+          <a:xfrm>
+            <a:off x="5746353" y="3267360"/>
+            <a:ext cx="598241" cy="523220"/>
+          </a:xfrm>
+          <a:prstGeom prst="rect">
+            <a:avLst/>
+          </a:prstGeom>
+          <a:noFill/>
+        </p:spPr>
+        <p:txBody>
+          <a:bodyPr wrap="none" rtlCol="0">
+            <a:spAutoFit/>
+          </a:bodyPr>
+          <a:lstStyle/>
+          <a:p>
+            <a:r>
+              <a:rPr lang="en-US" sz="2800" dirty="0"/>
+              <a:t>b()</a:t>
+            </a:r>
+          </a:p>
+        </p:txBody>
+      </p:sp>
+      <p:sp>
+        <p:nvSpPr>
+          <p:cNvPr id="13" name="TextBox 12">
+            <a:extLst>
+              <a:ext uri="{FF2B5EF4-FFF2-40B4-BE49-F238E27FC236}">
+                <a16:creationId xmlns:a16="http://schemas.microsoft.com/office/drawing/2014/main" id="{F03E543F-6238-E16C-3EF6-0A80FE6ABD9F}"/>
+              </a:ext>
+            </a:extLst>
+          </p:cNvPr>
+          <p:cNvSpPr txBox="1"/>
+          <p:nvPr/>
+        </p:nvSpPr>
+        <p:spPr>
+          <a:xfrm>
+            <a:off x="5752765" y="2793924"/>
+            <a:ext cx="585417" cy="523220"/>
+          </a:xfrm>
+          <a:prstGeom prst="rect">
+            <a:avLst/>
+          </a:prstGeom>
+          <a:noFill/>
+        </p:spPr>
+        <p:txBody>
+          <a:bodyPr wrap="none" rtlCol="0">
+            <a:spAutoFit/>
+          </a:bodyPr>
+          <a:lstStyle/>
+          <a:p>
+            <a:r>
+              <a:rPr lang="en-US" sz="2800" dirty="0"/>
+              <a:t>c()</a:t>
+            </a:r>
+          </a:p>
+        </p:txBody>
+      </p:sp>
+      <p:sp>
+        <p:nvSpPr>
+          <p:cNvPr id="14" name="TextBox 13">
+            <a:extLst>
+              <a:ext uri="{FF2B5EF4-FFF2-40B4-BE49-F238E27FC236}">
+                <a16:creationId xmlns:a16="http://schemas.microsoft.com/office/drawing/2014/main" id="{F9A87772-E9B6-F578-1239-01C39DE4561A}"/>
+              </a:ext>
+            </a:extLst>
+          </p:cNvPr>
+          <p:cNvSpPr txBox="1"/>
+          <p:nvPr/>
+        </p:nvSpPr>
+        <p:spPr>
+          <a:xfrm>
+            <a:off x="5746353" y="2320488"/>
+            <a:ext cx="598241" cy="523220"/>
+          </a:xfrm>
+          <a:prstGeom prst="rect">
+            <a:avLst/>
+          </a:prstGeom>
+          <a:noFill/>
+        </p:spPr>
+        <p:txBody>
+          <a:bodyPr wrap="none" rtlCol="0">
+            <a:spAutoFit/>
+          </a:bodyPr>
+          <a:lstStyle/>
+          <a:p>
+            <a:r>
+              <a:rPr lang="en-US" sz="2800" dirty="0"/>
+              <a:t>d()</a:t>
+            </a:r>
+          </a:p>
+        </p:txBody>
+      </p:sp>
+      <p:sp>
+        <p:nvSpPr>
+          <p:cNvPr id="15" name="TextBox 14">
+            <a:extLst>
+              <a:ext uri="{FF2B5EF4-FFF2-40B4-BE49-F238E27FC236}">
+                <a16:creationId xmlns:a16="http://schemas.microsoft.com/office/drawing/2014/main" id="{2D2FE4DE-AD04-C1BA-0B13-A61E90B3387F}"/>
+              </a:ext>
+            </a:extLst>
+          </p:cNvPr>
+          <p:cNvSpPr txBox="1"/>
+          <p:nvPr/>
+        </p:nvSpPr>
+        <p:spPr>
+          <a:xfrm>
+            <a:off x="2543903" y="1690688"/>
+            <a:ext cx="2575034" cy="1200329"/>
+          </a:xfrm>
+          <a:prstGeom prst="rect">
+            <a:avLst/>
+          </a:prstGeom>
+          <a:solidFill>
+            <a:schemeClr val="accent3">
+              <a:lumMod val="20000"/>
+              <a:lumOff val="80000"/>
+            </a:schemeClr>
+          </a:solidFill>
+        </p:spPr>
+        <p:txBody>
+          <a:bodyPr wrap="square" rtlCol="0">
+            <a:spAutoFit/>
+          </a:bodyPr>
+          <a:lstStyle/>
+          <a:p>
+            <a:pPr algn="ctr"/>
+            <a:r>
+              <a:rPr lang="en-US" dirty="0">
+                <a:cs typeface="Consolas" panose="020B0609020204030204" pitchFamily="49" charset="0"/>
+              </a:rPr>
+              <a:t>Suppose function </a:t>
+            </a:r>
+            <a:r>
+              <a:rPr lang="en-US" dirty="0">
+                <a:latin typeface="Consolas" panose="020B0609020204030204" pitchFamily="49" charset="0"/>
+                <a:cs typeface="Consolas" panose="020B0609020204030204" pitchFamily="49" charset="0"/>
+              </a:rPr>
+              <a:t>d() </a:t>
+            </a:r>
+            <a:r>
+              <a:rPr lang="en-US" dirty="0">
+                <a:cs typeface="Consolas" panose="020B0609020204030204" pitchFamily="49" charset="0"/>
+              </a:rPr>
+              <a:t>throws an exception when the stack looks like this …</a:t>
+            </a:r>
+          </a:p>
+        </p:txBody>
+      </p:sp>
+      <p:cxnSp>
+        <p:nvCxnSpPr>
+          <p:cNvPr id="17" name="Straight Arrow Connector 16">
+            <a:extLst>
+              <a:ext uri="{FF2B5EF4-FFF2-40B4-BE49-F238E27FC236}">
+                <a16:creationId xmlns:a16="http://schemas.microsoft.com/office/drawing/2014/main" id="{A07CDD4C-16F4-F537-2804-88F78529F217}"/>
+              </a:ext>
+            </a:extLst>
+          </p:cNvPr>
+          <p:cNvCxnSpPr>
+            <a:stCxn id="15" idx="3"/>
+            <a:endCxn id="14" idx="1"/>
+          </p:cNvCxnSpPr>
+          <p:nvPr/>
+        </p:nvCxnSpPr>
+        <p:spPr>
+          <a:xfrm>
+            <a:off x="5118937" y="2290853"/>
+            <a:ext cx="627416" cy="291245"/>
+          </a:xfrm>
+          <a:prstGeom prst="straightConnector1">
+            <a:avLst/>
+          </a:prstGeom>
+          <a:ln>
+            <a:tailEnd type="triangle"/>
+          </a:ln>
+        </p:spPr>
+        <p:style>
+          <a:lnRef idx="2">
+            <a:schemeClr val="accent1"/>
+          </a:lnRef>
+          <a:fillRef idx="0">
+            <a:schemeClr val="accent1"/>
+          </a:fillRef>
+          <a:effectRef idx="1">
+            <a:schemeClr val="accent1"/>
+          </a:effectRef>
+          <a:fontRef idx="minor">
+            <a:schemeClr val="tx1"/>
+          </a:fontRef>
+        </p:style>
+      </p:cxnSp>
     </p:spTree>
     <p:extLst>
       <p:ext uri="{BB962C8B-B14F-4D97-AF65-F5344CB8AC3E}">
-        <p14:creationId xmlns:p14="http://schemas.microsoft.com/office/powerpoint/2010/main" val="1787469844"/>
+        <p14:creationId xmlns:p14="http://schemas.microsoft.com/office/powerpoint/2010/main" val="3363051257"/>
       </p:ext>
     </p:extLst>
   </p:cSld>
@@ -6230,7 +7000,13 @@
   <p:cSld>
     <p:spTree>
       <p:nvGrpSpPr>
-        <p:cNvPr id="1" name=""/>
+        <p:cNvPr id="1" name="">
+          <a:extLst>
+            <a:ext uri="{FF2B5EF4-FFF2-40B4-BE49-F238E27FC236}">
+              <a16:creationId xmlns:a16="http://schemas.microsoft.com/office/drawing/2014/main" id="{B9BC5834-B1E6-7952-03C3-A9C8F0FA6F30}"/>
+            </a:ext>
+          </a:extLst>
+        </p:cNvPr>
         <p:cNvGrpSpPr/>
         <p:nvPr/>
       </p:nvGrpSpPr>
@@ -6247,7 +7023,7 @@
           <p:cNvPr id="2" name="Title 1">
             <a:extLst>
               <a:ext uri="{FF2B5EF4-FFF2-40B4-BE49-F238E27FC236}">
-                <a16:creationId xmlns:a16="http://schemas.microsoft.com/office/drawing/2014/main" id="{2567A48D-1F32-1EB2-F5EA-FAF078466E2F}"/>
+                <a16:creationId xmlns:a16="http://schemas.microsoft.com/office/drawing/2014/main" id="{69557D44-60D4-E644-2D89-494C06CD3C61}"/>
               </a:ext>
             </a:extLst>
           </p:cNvPr>
@@ -6265,17 +7041,529 @@
           <a:p>
             <a:r>
               <a:rPr lang="en-US" dirty="0"/>
-              <a:t>Summary</a:t>
-            </a:r>
-          </a:p>
-        </p:txBody>
-      </p:sp>
-      <p:sp>
-        <p:nvSpPr>
-          <p:cNvPr id="3" name="Content Placeholder 2">
-            <a:extLst>
-              <a:ext uri="{FF2B5EF4-FFF2-40B4-BE49-F238E27FC236}">
-                <a16:creationId xmlns:a16="http://schemas.microsoft.com/office/drawing/2014/main" id="{2908498F-39FA-FB81-9A18-DBFB7CE03695}"/>
+              <a:t>Exceptions</a:t>
+            </a:r>
+          </a:p>
+        </p:txBody>
+      </p:sp>
+      <p:grpSp>
+        <p:nvGrpSpPr>
+          <p:cNvPr id="9" name="Group 8">
+            <a:extLst>
+              <a:ext uri="{FF2B5EF4-FFF2-40B4-BE49-F238E27FC236}">
+                <a16:creationId xmlns:a16="http://schemas.microsoft.com/office/drawing/2014/main" id="{1BCCB72C-A3CF-98B1-755C-6C0D92301213}"/>
+              </a:ext>
+            </a:extLst>
+          </p:cNvPr>
+          <p:cNvGrpSpPr/>
+          <p:nvPr/>
+        </p:nvGrpSpPr>
+        <p:grpSpPr>
+          <a:xfrm>
+            <a:off x="5199845" y="4882756"/>
+            <a:ext cx="1792309" cy="539958"/>
+            <a:chOff x="5055476" y="4635062"/>
+            <a:chExt cx="1792309" cy="539958"/>
+          </a:xfrm>
+        </p:grpSpPr>
+        <p:sp>
+          <p:nvSpPr>
+            <p:cNvPr id="6" name="TextBox 5">
+              <a:extLst>
+                <a:ext uri="{FF2B5EF4-FFF2-40B4-BE49-F238E27FC236}">
+                  <a16:creationId xmlns:a16="http://schemas.microsoft.com/office/drawing/2014/main" id="{F6F4069C-9317-1B8F-62DC-A9478E2E5643}"/>
+                </a:ext>
+              </a:extLst>
+            </p:cNvPr>
+            <p:cNvSpPr txBox="1"/>
+            <p:nvPr/>
+          </p:nvSpPr>
+          <p:spPr>
+            <a:xfrm>
+              <a:off x="5122954" y="4651800"/>
+              <a:ext cx="1724831" cy="523220"/>
+            </a:xfrm>
+            <a:prstGeom prst="rect">
+              <a:avLst/>
+            </a:prstGeom>
+            <a:noFill/>
+          </p:spPr>
+          <p:txBody>
+            <a:bodyPr wrap="none" rtlCol="0">
+              <a:spAutoFit/>
+            </a:bodyPr>
+            <a:lstStyle/>
+            <a:p>
+              <a:r>
+                <a:rPr lang="en-US" sz="2800" dirty="0"/>
+                <a:t>Call stack</a:t>
+              </a:r>
+            </a:p>
+          </p:txBody>
+        </p:sp>
+        <p:cxnSp>
+          <p:nvCxnSpPr>
+            <p:cNvPr id="8" name="Straight Connector 7">
+              <a:extLst>
+                <a:ext uri="{FF2B5EF4-FFF2-40B4-BE49-F238E27FC236}">
+                  <a16:creationId xmlns:a16="http://schemas.microsoft.com/office/drawing/2014/main" id="{E1A86890-9147-6A83-37D3-96882860323E}"/>
+                </a:ext>
+              </a:extLst>
+            </p:cNvPr>
+            <p:cNvCxnSpPr/>
+            <p:nvPr/>
+          </p:nvCxnSpPr>
+          <p:spPr>
+            <a:xfrm>
+              <a:off x="5055476" y="4635062"/>
+              <a:ext cx="1702676" cy="0"/>
+            </a:xfrm>
+            <a:prstGeom prst="line">
+              <a:avLst/>
+            </a:prstGeom>
+          </p:spPr>
+          <p:style>
+            <a:lnRef idx="2">
+              <a:schemeClr val="accent1"/>
+            </a:lnRef>
+            <a:fillRef idx="0">
+              <a:schemeClr val="accent1"/>
+            </a:fillRef>
+            <a:effectRef idx="1">
+              <a:schemeClr val="accent1"/>
+            </a:effectRef>
+            <a:fontRef idx="minor">
+              <a:schemeClr val="tx1"/>
+            </a:fontRef>
+          </p:style>
+        </p:cxnSp>
+      </p:grpSp>
+      <p:sp>
+        <p:nvSpPr>
+          <p:cNvPr id="10" name="TextBox 9">
+            <a:extLst>
+              <a:ext uri="{FF2B5EF4-FFF2-40B4-BE49-F238E27FC236}">
+                <a16:creationId xmlns:a16="http://schemas.microsoft.com/office/drawing/2014/main" id="{371095F4-354D-4237-7DEA-D0F01B028FDE}"/>
+              </a:ext>
+            </a:extLst>
+          </p:cNvPr>
+          <p:cNvSpPr txBox="1"/>
+          <p:nvPr/>
+        </p:nvSpPr>
+        <p:spPr>
+          <a:xfrm>
+            <a:off x="5563611" y="4214232"/>
+            <a:ext cx="1175322" cy="523220"/>
+          </a:xfrm>
+          <a:prstGeom prst="rect">
+            <a:avLst/>
+          </a:prstGeom>
+          <a:noFill/>
+        </p:spPr>
+        <p:txBody>
+          <a:bodyPr wrap="none" rtlCol="0">
+            <a:spAutoFit/>
+          </a:bodyPr>
+          <a:lstStyle/>
+          <a:p>
+            <a:r>
+              <a:rPr lang="en-US" sz="2800" dirty="0"/>
+              <a:t>main()</a:t>
+            </a:r>
+          </a:p>
+        </p:txBody>
+      </p:sp>
+      <p:sp>
+        <p:nvSpPr>
+          <p:cNvPr id="11" name="TextBox 10">
+            <a:extLst>
+              <a:ext uri="{FF2B5EF4-FFF2-40B4-BE49-F238E27FC236}">
+                <a16:creationId xmlns:a16="http://schemas.microsoft.com/office/drawing/2014/main" id="{C43845B3-8A5B-E2AC-0A03-0CC926216D81}"/>
+              </a:ext>
+            </a:extLst>
+          </p:cNvPr>
+          <p:cNvSpPr txBox="1"/>
+          <p:nvPr/>
+        </p:nvSpPr>
+        <p:spPr>
+          <a:xfrm>
+            <a:off x="5751963" y="3740796"/>
+            <a:ext cx="587020" cy="523220"/>
+          </a:xfrm>
+          <a:prstGeom prst="rect">
+            <a:avLst/>
+          </a:prstGeom>
+          <a:noFill/>
+        </p:spPr>
+        <p:txBody>
+          <a:bodyPr wrap="none" rtlCol="0">
+            <a:spAutoFit/>
+          </a:bodyPr>
+          <a:lstStyle/>
+          <a:p>
+            <a:r>
+              <a:rPr lang="en-US" sz="2800" dirty="0"/>
+              <a:t>a()</a:t>
+            </a:r>
+          </a:p>
+        </p:txBody>
+      </p:sp>
+      <p:sp>
+        <p:nvSpPr>
+          <p:cNvPr id="12" name="TextBox 11">
+            <a:extLst>
+              <a:ext uri="{FF2B5EF4-FFF2-40B4-BE49-F238E27FC236}">
+                <a16:creationId xmlns:a16="http://schemas.microsoft.com/office/drawing/2014/main" id="{B683ECB1-CD68-2891-E0C7-2F2D97EC68B3}"/>
+              </a:ext>
+            </a:extLst>
+          </p:cNvPr>
+          <p:cNvSpPr txBox="1"/>
+          <p:nvPr/>
+        </p:nvSpPr>
+        <p:spPr>
+          <a:xfrm>
+            <a:off x="5746353" y="3267360"/>
+            <a:ext cx="598241" cy="523220"/>
+          </a:xfrm>
+          <a:prstGeom prst="rect">
+            <a:avLst/>
+          </a:prstGeom>
+          <a:noFill/>
+        </p:spPr>
+        <p:txBody>
+          <a:bodyPr wrap="none" rtlCol="0">
+            <a:spAutoFit/>
+          </a:bodyPr>
+          <a:lstStyle/>
+          <a:p>
+            <a:r>
+              <a:rPr lang="en-US" sz="2800" dirty="0"/>
+              <a:t>b()</a:t>
+            </a:r>
+          </a:p>
+        </p:txBody>
+      </p:sp>
+      <p:sp>
+        <p:nvSpPr>
+          <p:cNvPr id="13" name="TextBox 12">
+            <a:extLst>
+              <a:ext uri="{FF2B5EF4-FFF2-40B4-BE49-F238E27FC236}">
+                <a16:creationId xmlns:a16="http://schemas.microsoft.com/office/drawing/2014/main" id="{3882CF3E-9ABB-202B-23EE-9000E20A6770}"/>
+              </a:ext>
+            </a:extLst>
+          </p:cNvPr>
+          <p:cNvSpPr txBox="1"/>
+          <p:nvPr/>
+        </p:nvSpPr>
+        <p:spPr>
+          <a:xfrm>
+            <a:off x="5752765" y="2793924"/>
+            <a:ext cx="585417" cy="523220"/>
+          </a:xfrm>
+          <a:prstGeom prst="rect">
+            <a:avLst/>
+          </a:prstGeom>
+          <a:noFill/>
+        </p:spPr>
+        <p:txBody>
+          <a:bodyPr wrap="none" rtlCol="0">
+            <a:spAutoFit/>
+          </a:bodyPr>
+          <a:lstStyle/>
+          <a:p>
+            <a:r>
+              <a:rPr lang="en-US" sz="2800" dirty="0"/>
+              <a:t>c()</a:t>
+            </a:r>
+          </a:p>
+        </p:txBody>
+      </p:sp>
+      <p:sp>
+        <p:nvSpPr>
+          <p:cNvPr id="14" name="TextBox 13">
+            <a:extLst>
+              <a:ext uri="{FF2B5EF4-FFF2-40B4-BE49-F238E27FC236}">
+                <a16:creationId xmlns:a16="http://schemas.microsoft.com/office/drawing/2014/main" id="{0373DD90-FEFD-2D37-1E77-8BF753C995F2}"/>
+              </a:ext>
+            </a:extLst>
+          </p:cNvPr>
+          <p:cNvSpPr txBox="1"/>
+          <p:nvPr/>
+        </p:nvSpPr>
+        <p:spPr>
+          <a:xfrm>
+            <a:off x="5746353" y="2320488"/>
+            <a:ext cx="598241" cy="523220"/>
+          </a:xfrm>
+          <a:prstGeom prst="rect">
+            <a:avLst/>
+          </a:prstGeom>
+          <a:noFill/>
+        </p:spPr>
+        <p:txBody>
+          <a:bodyPr wrap="none" rtlCol="0">
+            <a:spAutoFit/>
+          </a:bodyPr>
+          <a:lstStyle/>
+          <a:p>
+            <a:r>
+              <a:rPr lang="en-US" sz="2800" dirty="0"/>
+              <a:t>d()</a:t>
+            </a:r>
+          </a:p>
+        </p:txBody>
+      </p:sp>
+      <p:sp>
+        <p:nvSpPr>
+          <p:cNvPr id="15" name="TextBox 14">
+            <a:extLst>
+              <a:ext uri="{FF2B5EF4-FFF2-40B4-BE49-F238E27FC236}">
+                <a16:creationId xmlns:a16="http://schemas.microsoft.com/office/drawing/2014/main" id="{EFB2A77E-6977-6AE4-029D-99B70405289A}"/>
+              </a:ext>
+            </a:extLst>
+          </p:cNvPr>
+          <p:cNvSpPr txBox="1"/>
+          <p:nvPr/>
+        </p:nvSpPr>
+        <p:spPr>
+          <a:xfrm>
+            <a:off x="2543903" y="1690688"/>
+            <a:ext cx="2575034" cy="1200329"/>
+          </a:xfrm>
+          <a:prstGeom prst="rect">
+            <a:avLst/>
+          </a:prstGeom>
+          <a:solidFill>
+            <a:schemeClr val="accent3">
+              <a:lumMod val="20000"/>
+              <a:lumOff val="80000"/>
+            </a:schemeClr>
+          </a:solidFill>
+        </p:spPr>
+        <p:txBody>
+          <a:bodyPr wrap="square" rtlCol="0">
+            <a:spAutoFit/>
+          </a:bodyPr>
+          <a:lstStyle/>
+          <a:p>
+            <a:pPr algn="ctr"/>
+            <a:r>
+              <a:rPr lang="en-US" dirty="0">
+                <a:cs typeface="Consolas" panose="020B0609020204030204" pitchFamily="49" charset="0"/>
+              </a:rPr>
+              <a:t>Suppose function </a:t>
+            </a:r>
+            <a:r>
+              <a:rPr lang="en-US" dirty="0">
+                <a:latin typeface="Consolas" panose="020B0609020204030204" pitchFamily="49" charset="0"/>
+                <a:cs typeface="Consolas" panose="020B0609020204030204" pitchFamily="49" charset="0"/>
+              </a:rPr>
+              <a:t>d() </a:t>
+            </a:r>
+            <a:r>
+              <a:rPr lang="en-US" dirty="0">
+                <a:cs typeface="Consolas" panose="020B0609020204030204" pitchFamily="49" charset="0"/>
+              </a:rPr>
+              <a:t>throws an exception when the stack looks like this …</a:t>
+            </a:r>
+          </a:p>
+        </p:txBody>
+      </p:sp>
+      <p:cxnSp>
+        <p:nvCxnSpPr>
+          <p:cNvPr id="17" name="Straight Arrow Connector 16">
+            <a:extLst>
+              <a:ext uri="{FF2B5EF4-FFF2-40B4-BE49-F238E27FC236}">
+                <a16:creationId xmlns:a16="http://schemas.microsoft.com/office/drawing/2014/main" id="{F97C1F6A-5888-C618-4B58-E06FFAF58E63}"/>
+              </a:ext>
+            </a:extLst>
+          </p:cNvPr>
+          <p:cNvCxnSpPr>
+            <a:stCxn id="15" idx="3"/>
+            <a:endCxn id="14" idx="1"/>
+          </p:cNvCxnSpPr>
+          <p:nvPr/>
+        </p:nvCxnSpPr>
+        <p:spPr>
+          <a:xfrm>
+            <a:off x="5118937" y="2290853"/>
+            <a:ext cx="627416" cy="291245"/>
+          </a:xfrm>
+          <a:prstGeom prst="straightConnector1">
+            <a:avLst/>
+          </a:prstGeom>
+          <a:ln>
+            <a:tailEnd type="triangle"/>
+          </a:ln>
+        </p:spPr>
+        <p:style>
+          <a:lnRef idx="2">
+            <a:schemeClr val="accent1"/>
+          </a:lnRef>
+          <a:fillRef idx="0">
+            <a:schemeClr val="accent1"/>
+          </a:fillRef>
+          <a:effectRef idx="1">
+            <a:schemeClr val="accent1"/>
+          </a:effectRef>
+          <a:fontRef idx="minor">
+            <a:schemeClr val="tx1"/>
+          </a:fontRef>
+        </p:style>
+      </p:cxnSp>
+      <p:sp>
+        <p:nvSpPr>
+          <p:cNvPr id="18" name="TextBox 17">
+            <a:extLst>
+              <a:ext uri="{FF2B5EF4-FFF2-40B4-BE49-F238E27FC236}">
+                <a16:creationId xmlns:a16="http://schemas.microsoft.com/office/drawing/2014/main" id="{F0E2F8C0-F79B-B566-9838-1D580BADD2C0}"/>
+              </a:ext>
+            </a:extLst>
+          </p:cNvPr>
+          <p:cNvSpPr txBox="1"/>
+          <p:nvPr/>
+        </p:nvSpPr>
+        <p:spPr>
+          <a:xfrm>
+            <a:off x="7510040" y="915248"/>
+            <a:ext cx="2663973" cy="1200329"/>
+          </a:xfrm>
+          <a:prstGeom prst="rect">
+            <a:avLst/>
+          </a:prstGeom>
+          <a:solidFill>
+            <a:schemeClr val="accent3">
+              <a:lumMod val="20000"/>
+              <a:lumOff val="80000"/>
+            </a:schemeClr>
+          </a:solidFill>
+        </p:spPr>
+        <p:txBody>
+          <a:bodyPr wrap="square" rtlCol="0">
+            <a:spAutoFit/>
+          </a:bodyPr>
+          <a:lstStyle/>
+          <a:p>
+            <a:pPr algn="ctr"/>
+            <a:r>
+              <a:rPr lang="en-US" dirty="0">
+                <a:cs typeface="Consolas" panose="020B0609020204030204" pitchFamily="49" charset="0"/>
+              </a:rPr>
+              <a:t>If there’s a try/catch block in </a:t>
+            </a:r>
+            <a:r>
+              <a:rPr lang="en-US" dirty="0">
+                <a:latin typeface="Consolas" panose="020B0609020204030204" pitchFamily="49" charset="0"/>
+                <a:cs typeface="Consolas" panose="020B0609020204030204" pitchFamily="49" charset="0"/>
+              </a:rPr>
+              <a:t>d()</a:t>
+            </a:r>
+            <a:r>
+              <a:rPr lang="en-US" dirty="0">
+                <a:cs typeface="Consolas" panose="020B0609020204030204" pitchFamily="49" charset="0"/>
+              </a:rPr>
+              <a:t> that catches the exception, then </a:t>
+            </a:r>
+            <a:r>
+              <a:rPr lang="en-US" dirty="0">
+                <a:latin typeface="Consolas" panose="020B0609020204030204" pitchFamily="49" charset="0"/>
+                <a:cs typeface="Consolas" panose="020B0609020204030204" pitchFamily="49" charset="0"/>
+              </a:rPr>
+              <a:t>d()</a:t>
+            </a:r>
+            <a:r>
+              <a:rPr lang="en-US" dirty="0">
+                <a:cs typeface="Consolas" panose="020B0609020204030204" pitchFamily="49" charset="0"/>
+              </a:rPr>
+              <a:t> continues as usual.</a:t>
+            </a:r>
+          </a:p>
+        </p:txBody>
+      </p:sp>
+      <p:cxnSp>
+        <p:nvCxnSpPr>
+          <p:cNvPr id="19" name="Straight Arrow Connector 18">
+            <a:extLst>
+              <a:ext uri="{FF2B5EF4-FFF2-40B4-BE49-F238E27FC236}">
+                <a16:creationId xmlns:a16="http://schemas.microsoft.com/office/drawing/2014/main" id="{BAA6D78C-7F8E-855D-87C1-14B656125609}"/>
+              </a:ext>
+            </a:extLst>
+          </p:cNvPr>
+          <p:cNvCxnSpPr>
+            <a:cxnSpLocks/>
+            <a:endCxn id="14" idx="3"/>
+          </p:cNvCxnSpPr>
+          <p:nvPr/>
+        </p:nvCxnSpPr>
+        <p:spPr>
+          <a:xfrm flipH="1">
+            <a:off x="6344594" y="2114340"/>
+            <a:ext cx="1165446" cy="467758"/>
+          </a:xfrm>
+          <a:prstGeom prst="straightConnector1">
+            <a:avLst/>
+          </a:prstGeom>
+          <a:ln>
+            <a:tailEnd type="triangle"/>
+          </a:ln>
+        </p:spPr>
+        <p:style>
+          <a:lnRef idx="2">
+            <a:schemeClr val="accent1"/>
+          </a:lnRef>
+          <a:fillRef idx="0">
+            <a:schemeClr val="accent1"/>
+          </a:fillRef>
+          <a:effectRef idx="1">
+            <a:schemeClr val="accent1"/>
+          </a:effectRef>
+          <a:fontRef idx="minor">
+            <a:schemeClr val="tx1"/>
+          </a:fontRef>
+        </p:style>
+      </p:cxnSp>
+    </p:spTree>
+    <p:extLst>
+      <p:ext uri="{BB962C8B-B14F-4D97-AF65-F5344CB8AC3E}">
+        <p14:creationId xmlns:p14="http://schemas.microsoft.com/office/powerpoint/2010/main" val="463700528"/>
+      </p:ext>
+    </p:extLst>
+  </p:cSld>
+  <p:clrMapOvr>
+    <a:masterClrMapping/>
+  </p:clrMapOvr>
+</p:sld>
+</file>
+
+<file path=ppt/slides/slide18.xml><?xml version="1.0" encoding="utf-8"?>
+<p:sld xmlns:a="http://schemas.openxmlformats.org/drawingml/2006/main" xmlns:r="http://schemas.openxmlformats.org/officeDocument/2006/relationships" xmlns:p="http://schemas.openxmlformats.org/presentationml/2006/main">
+  <p:cSld>
+    <p:spTree>
+      <p:nvGrpSpPr>
+        <p:cNvPr id="1" name="">
+          <a:extLst>
+            <a:ext uri="{FF2B5EF4-FFF2-40B4-BE49-F238E27FC236}">
+              <a16:creationId xmlns:a16="http://schemas.microsoft.com/office/drawing/2014/main" id="{10D13FE5-E74F-8B22-6FD8-D5E9CE72F356}"/>
+            </a:ext>
+          </a:extLst>
+        </p:cNvPr>
+        <p:cNvGrpSpPr/>
+        <p:nvPr/>
+      </p:nvGrpSpPr>
+      <p:grpSpPr>
+        <a:xfrm>
+          <a:off x="0" y="0"/>
+          <a:ext cx="0" cy="0"/>
+          <a:chOff x="0" y="0"/>
+          <a:chExt cx="0" cy="0"/>
+        </a:xfrm>
+      </p:grpSpPr>
+      <p:sp>
+        <p:nvSpPr>
+          <p:cNvPr id="2" name="Title 1">
+            <a:extLst>
+              <a:ext uri="{FF2B5EF4-FFF2-40B4-BE49-F238E27FC236}">
+                <a16:creationId xmlns:a16="http://schemas.microsoft.com/office/drawing/2014/main" id="{C30FDB88-D3E4-2E2F-EC94-258FBFE24F22}"/>
               </a:ext>
             </a:extLst>
           </p:cNvPr>
@@ -6283,7 +7571,7 @@
             <a:spLocks noGrp="1"/>
           </p:cNvSpPr>
           <p:nvPr>
-            <p:ph idx="1"/>
+            <p:ph type="title"/>
           </p:nvPr>
         </p:nvSpPr>
         <p:spPr/>
@@ -6292,98 +7580,1114 @@
           <a:lstStyle/>
           <a:p>
             <a:r>
-              <a:rPr lang="en-US" b="1" dirty="0"/>
+              <a:rPr lang="en-US" dirty="0"/>
               <a:t>Exceptions</a:t>
             </a:r>
-            <a:r>
-              <a:rPr lang="en-US" dirty="0"/>
-              <a:t> are objects that represent serious errors</a:t>
-            </a:r>
-          </a:p>
-          <a:p>
-            <a:r>
-              <a:rPr lang="en-US" dirty="0"/>
-              <a:t>They are created with </a:t>
-            </a:r>
-            <a:r>
-              <a:rPr lang="en-US" b="1" dirty="0"/>
-              <a:t>throw</a:t>
-            </a:r>
-          </a:p>
-          <a:p>
-            <a:r>
-              <a:rPr lang="en-US" dirty="0"/>
-              <a:t>You can handle them with a </a:t>
-            </a:r>
-            <a:r>
-              <a:rPr lang="en-US" b="1" dirty="0"/>
-              <a:t>try/catch block</a:t>
-            </a:r>
-          </a:p>
-          <a:p>
-            <a:r>
-              <a:rPr lang="en-US" dirty="0"/>
-              <a:t>An </a:t>
-            </a:r>
-            <a:r>
-              <a:rPr lang="en-US" b="1" dirty="0"/>
-              <a:t>uncaught exception </a:t>
-            </a:r>
-            <a:r>
-              <a:rPr lang="en-US" dirty="0"/>
-              <a:t>propagates through all the functions on the call stack, and if none catch it it will crash the program</a:t>
-            </a:r>
-          </a:p>
-          <a:p>
-            <a:r>
-              <a:rPr lang="en-US" dirty="0"/>
-              <a:t>Object </a:t>
-            </a:r>
-            <a:r>
-              <a:rPr lang="en-US" b="1" dirty="0"/>
-              <a:t>destructors</a:t>
-            </a:r>
-            <a:r>
-              <a:rPr lang="en-US" dirty="0"/>
-              <a:t> are called correctly with exceptions</a:t>
-            </a:r>
-          </a:p>
-          <a:p>
-            <a:pPr lvl="1"/>
-            <a:r>
-              <a:rPr lang="en-US" dirty="0"/>
-              <a:t>Use </a:t>
-            </a:r>
-            <a:r>
-              <a:rPr lang="en-US" b="1" dirty="0"/>
-              <a:t>RAII</a:t>
-            </a:r>
-            <a:r>
-              <a:rPr lang="en-US" dirty="0"/>
-              <a:t> to avoid memory leaks and related errors</a:t>
-            </a:r>
-          </a:p>
-          <a:p>
-            <a:pPr lvl="1"/>
-            <a:r>
-              <a:rPr lang="en-US" dirty="0"/>
-              <a:t>Another approach is to use C++’s </a:t>
-            </a:r>
-            <a:r>
-              <a:rPr lang="en-US" b="1" dirty="0"/>
-              <a:t>smart pointers </a:t>
-            </a:r>
-            <a:r>
-              <a:rPr lang="en-US" dirty="0"/>
-              <a:t>(we won’t cover those)</a:t>
-            </a:r>
+          </a:p>
+        </p:txBody>
+      </p:sp>
+      <p:grpSp>
+        <p:nvGrpSpPr>
+          <p:cNvPr id="9" name="Group 8">
+            <a:extLst>
+              <a:ext uri="{FF2B5EF4-FFF2-40B4-BE49-F238E27FC236}">
+                <a16:creationId xmlns:a16="http://schemas.microsoft.com/office/drawing/2014/main" id="{9AA289EC-40FA-A3B1-5664-D913AA845BE9}"/>
+              </a:ext>
+            </a:extLst>
+          </p:cNvPr>
+          <p:cNvGrpSpPr/>
+          <p:nvPr/>
+        </p:nvGrpSpPr>
+        <p:grpSpPr>
+          <a:xfrm>
+            <a:off x="5199845" y="4882756"/>
+            <a:ext cx="1792309" cy="539958"/>
+            <a:chOff x="5055476" y="4635062"/>
+            <a:chExt cx="1792309" cy="539958"/>
+          </a:xfrm>
+        </p:grpSpPr>
+        <p:sp>
+          <p:nvSpPr>
+            <p:cNvPr id="6" name="TextBox 5">
+              <a:extLst>
+                <a:ext uri="{FF2B5EF4-FFF2-40B4-BE49-F238E27FC236}">
+                  <a16:creationId xmlns:a16="http://schemas.microsoft.com/office/drawing/2014/main" id="{53D0CF59-25C1-6882-B54B-CE174651FB44}"/>
+                </a:ext>
+              </a:extLst>
+            </p:cNvPr>
+            <p:cNvSpPr txBox="1"/>
+            <p:nvPr/>
+          </p:nvSpPr>
+          <p:spPr>
+            <a:xfrm>
+              <a:off x="5122954" y="4651800"/>
+              <a:ext cx="1724831" cy="523220"/>
+            </a:xfrm>
+            <a:prstGeom prst="rect">
+              <a:avLst/>
+            </a:prstGeom>
+            <a:noFill/>
+          </p:spPr>
+          <p:txBody>
+            <a:bodyPr wrap="none" rtlCol="0">
+              <a:spAutoFit/>
+            </a:bodyPr>
+            <a:lstStyle/>
+            <a:p>
+              <a:r>
+                <a:rPr lang="en-US" sz="2800" dirty="0"/>
+                <a:t>Call stack</a:t>
+              </a:r>
+            </a:p>
+          </p:txBody>
+        </p:sp>
+        <p:cxnSp>
+          <p:nvCxnSpPr>
+            <p:cNvPr id="8" name="Straight Connector 7">
+              <a:extLst>
+                <a:ext uri="{FF2B5EF4-FFF2-40B4-BE49-F238E27FC236}">
+                  <a16:creationId xmlns:a16="http://schemas.microsoft.com/office/drawing/2014/main" id="{3B5AB5BA-960E-DD43-5872-D1715A165D27}"/>
+                </a:ext>
+              </a:extLst>
+            </p:cNvPr>
+            <p:cNvCxnSpPr/>
+            <p:nvPr/>
+          </p:nvCxnSpPr>
+          <p:spPr>
+            <a:xfrm>
+              <a:off x="5055476" y="4635062"/>
+              <a:ext cx="1702676" cy="0"/>
+            </a:xfrm>
+            <a:prstGeom prst="line">
+              <a:avLst/>
+            </a:prstGeom>
+          </p:spPr>
+          <p:style>
+            <a:lnRef idx="2">
+              <a:schemeClr val="accent1"/>
+            </a:lnRef>
+            <a:fillRef idx="0">
+              <a:schemeClr val="accent1"/>
+            </a:fillRef>
+            <a:effectRef idx="1">
+              <a:schemeClr val="accent1"/>
+            </a:effectRef>
+            <a:fontRef idx="minor">
+              <a:schemeClr val="tx1"/>
+            </a:fontRef>
+          </p:style>
+        </p:cxnSp>
+      </p:grpSp>
+      <p:sp>
+        <p:nvSpPr>
+          <p:cNvPr id="10" name="TextBox 9">
+            <a:extLst>
+              <a:ext uri="{FF2B5EF4-FFF2-40B4-BE49-F238E27FC236}">
+                <a16:creationId xmlns:a16="http://schemas.microsoft.com/office/drawing/2014/main" id="{DCD4F51B-D30F-BE5A-9F7A-E1EA883B694D}"/>
+              </a:ext>
+            </a:extLst>
+          </p:cNvPr>
+          <p:cNvSpPr txBox="1"/>
+          <p:nvPr/>
+        </p:nvSpPr>
+        <p:spPr>
+          <a:xfrm>
+            <a:off x="5563611" y="4214232"/>
+            <a:ext cx="1175322" cy="523220"/>
+          </a:xfrm>
+          <a:prstGeom prst="rect">
+            <a:avLst/>
+          </a:prstGeom>
+          <a:noFill/>
+        </p:spPr>
+        <p:txBody>
+          <a:bodyPr wrap="none" rtlCol="0">
+            <a:spAutoFit/>
+          </a:bodyPr>
+          <a:lstStyle/>
+          <a:p>
+            <a:r>
+              <a:rPr lang="en-US" sz="2800" dirty="0"/>
+              <a:t>main()</a:t>
+            </a:r>
+          </a:p>
+        </p:txBody>
+      </p:sp>
+      <p:sp>
+        <p:nvSpPr>
+          <p:cNvPr id="11" name="TextBox 10">
+            <a:extLst>
+              <a:ext uri="{FF2B5EF4-FFF2-40B4-BE49-F238E27FC236}">
+                <a16:creationId xmlns:a16="http://schemas.microsoft.com/office/drawing/2014/main" id="{02C462BD-B20A-2713-FE7C-CB77066E01C5}"/>
+              </a:ext>
+            </a:extLst>
+          </p:cNvPr>
+          <p:cNvSpPr txBox="1"/>
+          <p:nvPr/>
+        </p:nvSpPr>
+        <p:spPr>
+          <a:xfrm>
+            <a:off x="5751963" y="3740796"/>
+            <a:ext cx="587020" cy="523220"/>
+          </a:xfrm>
+          <a:prstGeom prst="rect">
+            <a:avLst/>
+          </a:prstGeom>
+          <a:noFill/>
+        </p:spPr>
+        <p:txBody>
+          <a:bodyPr wrap="none" rtlCol="0">
+            <a:spAutoFit/>
+          </a:bodyPr>
+          <a:lstStyle/>
+          <a:p>
+            <a:r>
+              <a:rPr lang="en-US" sz="2800" dirty="0"/>
+              <a:t>a()</a:t>
+            </a:r>
+          </a:p>
+        </p:txBody>
+      </p:sp>
+      <p:sp>
+        <p:nvSpPr>
+          <p:cNvPr id="12" name="TextBox 11">
+            <a:extLst>
+              <a:ext uri="{FF2B5EF4-FFF2-40B4-BE49-F238E27FC236}">
+                <a16:creationId xmlns:a16="http://schemas.microsoft.com/office/drawing/2014/main" id="{E15BF426-5004-899E-68F0-6D7B79175181}"/>
+              </a:ext>
+            </a:extLst>
+          </p:cNvPr>
+          <p:cNvSpPr txBox="1"/>
+          <p:nvPr/>
+        </p:nvSpPr>
+        <p:spPr>
+          <a:xfrm>
+            <a:off x="5746353" y="3267360"/>
+            <a:ext cx="598241" cy="523220"/>
+          </a:xfrm>
+          <a:prstGeom prst="rect">
+            <a:avLst/>
+          </a:prstGeom>
+          <a:noFill/>
+        </p:spPr>
+        <p:txBody>
+          <a:bodyPr wrap="none" rtlCol="0">
+            <a:spAutoFit/>
+          </a:bodyPr>
+          <a:lstStyle/>
+          <a:p>
+            <a:r>
+              <a:rPr lang="en-US" sz="2800" dirty="0"/>
+              <a:t>b()</a:t>
+            </a:r>
+          </a:p>
+        </p:txBody>
+      </p:sp>
+      <p:sp>
+        <p:nvSpPr>
+          <p:cNvPr id="13" name="TextBox 12">
+            <a:extLst>
+              <a:ext uri="{FF2B5EF4-FFF2-40B4-BE49-F238E27FC236}">
+                <a16:creationId xmlns:a16="http://schemas.microsoft.com/office/drawing/2014/main" id="{3D2698B7-215F-63F5-7B08-824E23639477}"/>
+              </a:ext>
+            </a:extLst>
+          </p:cNvPr>
+          <p:cNvSpPr txBox="1"/>
+          <p:nvPr/>
+        </p:nvSpPr>
+        <p:spPr>
+          <a:xfrm>
+            <a:off x="5752765" y="2793924"/>
+            <a:ext cx="585417" cy="523220"/>
+          </a:xfrm>
+          <a:prstGeom prst="rect">
+            <a:avLst/>
+          </a:prstGeom>
+          <a:noFill/>
+        </p:spPr>
+        <p:txBody>
+          <a:bodyPr wrap="none" rtlCol="0">
+            <a:spAutoFit/>
+          </a:bodyPr>
+          <a:lstStyle/>
+          <a:p>
+            <a:r>
+              <a:rPr lang="en-US" sz="2800" dirty="0"/>
+              <a:t>c()</a:t>
+            </a:r>
+          </a:p>
+        </p:txBody>
+      </p:sp>
+      <p:sp>
+        <p:nvSpPr>
+          <p:cNvPr id="14" name="TextBox 13">
+            <a:extLst>
+              <a:ext uri="{FF2B5EF4-FFF2-40B4-BE49-F238E27FC236}">
+                <a16:creationId xmlns:a16="http://schemas.microsoft.com/office/drawing/2014/main" id="{C9679E37-F8F5-0A13-8757-331DB9898ECF}"/>
+              </a:ext>
+            </a:extLst>
+          </p:cNvPr>
+          <p:cNvSpPr txBox="1"/>
+          <p:nvPr/>
+        </p:nvSpPr>
+        <p:spPr>
+          <a:xfrm>
+            <a:off x="5746353" y="2320488"/>
+            <a:ext cx="598241" cy="523220"/>
+          </a:xfrm>
+          <a:prstGeom prst="rect">
+            <a:avLst/>
+          </a:prstGeom>
+          <a:noFill/>
+        </p:spPr>
+        <p:txBody>
+          <a:bodyPr wrap="none" rtlCol="0">
+            <a:spAutoFit/>
+          </a:bodyPr>
+          <a:lstStyle/>
+          <a:p>
+            <a:r>
+              <a:rPr lang="en-US" sz="2800" dirty="0"/>
+              <a:t>d()</a:t>
+            </a:r>
+          </a:p>
+        </p:txBody>
+      </p:sp>
+      <p:sp>
+        <p:nvSpPr>
+          <p:cNvPr id="15" name="TextBox 14">
+            <a:extLst>
+              <a:ext uri="{FF2B5EF4-FFF2-40B4-BE49-F238E27FC236}">
+                <a16:creationId xmlns:a16="http://schemas.microsoft.com/office/drawing/2014/main" id="{5D6AD5F1-8A22-8A81-2EA7-B24424BCDB26}"/>
+              </a:ext>
+            </a:extLst>
+          </p:cNvPr>
+          <p:cNvSpPr txBox="1"/>
+          <p:nvPr/>
+        </p:nvSpPr>
+        <p:spPr>
+          <a:xfrm>
+            <a:off x="2543903" y="1690688"/>
+            <a:ext cx="2575034" cy="1200329"/>
+          </a:xfrm>
+          <a:prstGeom prst="rect">
+            <a:avLst/>
+          </a:prstGeom>
+          <a:solidFill>
+            <a:schemeClr val="accent3">
+              <a:lumMod val="20000"/>
+              <a:lumOff val="80000"/>
+            </a:schemeClr>
+          </a:solidFill>
+        </p:spPr>
+        <p:txBody>
+          <a:bodyPr wrap="square" rtlCol="0">
+            <a:spAutoFit/>
+          </a:bodyPr>
+          <a:lstStyle/>
+          <a:p>
+            <a:pPr algn="ctr"/>
+            <a:r>
+              <a:rPr lang="en-US" dirty="0">
+                <a:cs typeface="Consolas" panose="020B0609020204030204" pitchFamily="49" charset="0"/>
+              </a:rPr>
+              <a:t>Suppose function </a:t>
+            </a:r>
+            <a:r>
+              <a:rPr lang="en-US" dirty="0">
+                <a:latin typeface="Consolas" panose="020B0609020204030204" pitchFamily="49" charset="0"/>
+                <a:cs typeface="Consolas" panose="020B0609020204030204" pitchFamily="49" charset="0"/>
+              </a:rPr>
+              <a:t>d() </a:t>
+            </a:r>
+            <a:r>
+              <a:rPr lang="en-US" dirty="0">
+                <a:cs typeface="Consolas" panose="020B0609020204030204" pitchFamily="49" charset="0"/>
+              </a:rPr>
+              <a:t>throws an exception when the stack looks like this …</a:t>
+            </a:r>
+          </a:p>
+        </p:txBody>
+      </p:sp>
+      <p:cxnSp>
+        <p:nvCxnSpPr>
+          <p:cNvPr id="17" name="Straight Arrow Connector 16">
+            <a:extLst>
+              <a:ext uri="{FF2B5EF4-FFF2-40B4-BE49-F238E27FC236}">
+                <a16:creationId xmlns:a16="http://schemas.microsoft.com/office/drawing/2014/main" id="{42C750E2-A7A3-BC23-1988-C6D232ADD3E8}"/>
+              </a:ext>
+            </a:extLst>
+          </p:cNvPr>
+          <p:cNvCxnSpPr>
+            <a:stCxn id="15" idx="3"/>
+            <a:endCxn id="14" idx="1"/>
+          </p:cNvCxnSpPr>
+          <p:nvPr/>
+        </p:nvCxnSpPr>
+        <p:spPr>
+          <a:xfrm>
+            <a:off x="5118937" y="2290853"/>
+            <a:ext cx="627416" cy="291245"/>
+          </a:xfrm>
+          <a:prstGeom prst="straightConnector1">
+            <a:avLst/>
+          </a:prstGeom>
+          <a:ln>
+            <a:tailEnd type="triangle"/>
+          </a:ln>
+        </p:spPr>
+        <p:style>
+          <a:lnRef idx="2">
+            <a:schemeClr val="accent1"/>
+          </a:lnRef>
+          <a:fillRef idx="0">
+            <a:schemeClr val="accent1"/>
+          </a:fillRef>
+          <a:effectRef idx="1">
+            <a:schemeClr val="accent1"/>
+          </a:effectRef>
+          <a:fontRef idx="minor">
+            <a:schemeClr val="tx1"/>
+          </a:fontRef>
+        </p:style>
+      </p:cxnSp>
+      <p:sp>
+        <p:nvSpPr>
+          <p:cNvPr id="18" name="TextBox 17">
+            <a:extLst>
+              <a:ext uri="{FF2B5EF4-FFF2-40B4-BE49-F238E27FC236}">
+                <a16:creationId xmlns:a16="http://schemas.microsoft.com/office/drawing/2014/main" id="{6FC9A874-BEB9-268A-2B46-84A1C648C597}"/>
+              </a:ext>
+            </a:extLst>
+          </p:cNvPr>
+          <p:cNvSpPr txBox="1"/>
+          <p:nvPr/>
+        </p:nvSpPr>
+        <p:spPr>
+          <a:xfrm>
+            <a:off x="7312332" y="2402570"/>
+            <a:ext cx="3252553" cy="1200329"/>
+          </a:xfrm>
+          <a:prstGeom prst="rect">
+            <a:avLst/>
+          </a:prstGeom>
+          <a:solidFill>
+            <a:schemeClr val="accent3">
+              <a:lumMod val="20000"/>
+              <a:lumOff val="80000"/>
+            </a:schemeClr>
+          </a:solidFill>
+        </p:spPr>
+        <p:txBody>
+          <a:bodyPr wrap="square" rtlCol="0">
+            <a:spAutoFit/>
+          </a:bodyPr>
+          <a:lstStyle/>
+          <a:p>
+            <a:pPr algn="ctr"/>
+            <a:r>
+              <a:rPr lang="en-US" dirty="0">
+                <a:cs typeface="Consolas" panose="020B0609020204030204" pitchFamily="49" charset="0"/>
+              </a:rPr>
+              <a:t>But if the exception is not caught in </a:t>
+            </a:r>
+            <a:r>
+              <a:rPr lang="en-US" dirty="0">
+                <a:latin typeface="Consolas" panose="020B0609020204030204" pitchFamily="49" charset="0"/>
+                <a:cs typeface="Consolas" panose="020B0609020204030204" pitchFamily="49" charset="0"/>
+              </a:rPr>
+              <a:t>d()</a:t>
+            </a:r>
+            <a:r>
+              <a:rPr lang="en-US" dirty="0">
+                <a:cs typeface="Consolas" panose="020B0609020204030204" pitchFamily="49" charset="0"/>
+              </a:rPr>
+              <a:t>, it propagates to </a:t>
+            </a:r>
+            <a:r>
+              <a:rPr lang="en-US" dirty="0">
+                <a:latin typeface="Consolas" panose="020B0609020204030204" pitchFamily="49" charset="0"/>
+                <a:cs typeface="Consolas" panose="020B0609020204030204" pitchFamily="49" charset="0"/>
+              </a:rPr>
+              <a:t>c()</a:t>
+            </a:r>
+            <a:r>
+              <a:rPr lang="en-US" dirty="0">
+                <a:cs typeface="Consolas" panose="020B0609020204030204" pitchFamily="49" charset="0"/>
+              </a:rPr>
+              <a:t>. Any destructors in </a:t>
+            </a:r>
+            <a:r>
+              <a:rPr lang="en-US" dirty="0">
+                <a:latin typeface="Consolas" panose="020B0609020204030204" pitchFamily="49" charset="0"/>
+                <a:cs typeface="Consolas" panose="020B0609020204030204" pitchFamily="49" charset="0"/>
+              </a:rPr>
+              <a:t>d()</a:t>
+            </a:r>
+            <a:r>
+              <a:rPr lang="en-US" dirty="0">
+                <a:cs typeface="Consolas" panose="020B0609020204030204" pitchFamily="49" charset="0"/>
+              </a:rPr>
+              <a:t> are correctly called.</a:t>
+            </a:r>
+          </a:p>
+        </p:txBody>
+      </p:sp>
+      <p:sp>
+        <p:nvSpPr>
+          <p:cNvPr id="3" name="Freeform 2">
+            <a:extLst>
+              <a:ext uri="{FF2B5EF4-FFF2-40B4-BE49-F238E27FC236}">
+                <a16:creationId xmlns:a16="http://schemas.microsoft.com/office/drawing/2014/main" id="{3F93B91E-E18A-83DF-81F7-C1BAAE61D9B4}"/>
+              </a:ext>
+            </a:extLst>
+          </p:cNvPr>
+          <p:cNvSpPr/>
+          <p:nvPr/>
+        </p:nvSpPr>
+        <p:spPr>
+          <a:xfrm>
+            <a:off x="6411310" y="2638097"/>
+            <a:ext cx="483485" cy="462455"/>
+          </a:xfrm>
+          <a:custGeom>
+            <a:avLst/>
+            <a:gdLst>
+              <a:gd name="csX0" fmla="*/ 10511 w 483485"/>
+              <a:gd name="csY0" fmla="*/ 0 h 462455"/>
+              <a:gd name="csX1" fmla="*/ 483476 w 483485"/>
+              <a:gd name="csY1" fmla="*/ 304800 h 462455"/>
+              <a:gd name="csX2" fmla="*/ 0 w 483485"/>
+              <a:gd name="csY2" fmla="*/ 462455 h 462455"/>
+            </a:gdLst>
+            <a:ahLst/>
+            <a:cxnLst>
+              <a:cxn ang="0">
+                <a:pos x="csX0" y="csY0"/>
+              </a:cxn>
+              <a:cxn ang="0">
+                <a:pos x="csX1" y="csY1"/>
+              </a:cxn>
+              <a:cxn ang="0">
+                <a:pos x="csX2" y="csY2"/>
+              </a:cxn>
+            </a:cxnLst>
+            <a:rect l="l" t="t" r="r" b="b"/>
+            <a:pathLst>
+              <a:path w="483485" h="462455">
+                <a:moveTo>
+                  <a:pt x="10511" y="0"/>
+                </a:moveTo>
+                <a:cubicBezTo>
+                  <a:pt x="247869" y="113862"/>
+                  <a:pt x="485228" y="227724"/>
+                  <a:pt x="483476" y="304800"/>
+                </a:cubicBezTo>
+                <a:cubicBezTo>
+                  <a:pt x="481724" y="381876"/>
+                  <a:pt x="240862" y="422165"/>
+                  <a:pt x="0" y="462455"/>
+                </a:cubicBezTo>
+              </a:path>
+            </a:pathLst>
+          </a:custGeom>
+          <a:noFill/>
+          <a:ln>
+            <a:solidFill>
+              <a:schemeClr val="accent1"/>
+            </a:solidFill>
+            <a:tailEnd type="triangle"/>
+          </a:ln>
+        </p:spPr>
+        <p:style>
+          <a:lnRef idx="2">
+            <a:schemeClr val="accent1">
+              <a:shade val="15000"/>
+            </a:schemeClr>
+          </a:lnRef>
+          <a:fillRef idx="1">
+            <a:schemeClr val="accent1"/>
+          </a:fillRef>
+          <a:effectRef idx="0">
+            <a:schemeClr val="accent1"/>
+          </a:effectRef>
+          <a:fontRef idx="minor">
+            <a:schemeClr val="lt1"/>
+          </a:fontRef>
+        </p:style>
+        <p:txBody>
+          <a:bodyPr rtlCol="0" anchor="ctr"/>
+          <a:lstStyle/>
+          <a:p>
+            <a:pPr algn="ctr"/>
+            <a:endParaRPr lang="en-US"/>
           </a:p>
         </p:txBody>
       </p:sp>
     </p:spTree>
     <p:extLst>
       <p:ext uri="{BB962C8B-B14F-4D97-AF65-F5344CB8AC3E}">
-        <p14:creationId xmlns:p14="http://schemas.microsoft.com/office/powerpoint/2010/main" val="902908186"/>
+        <p14:creationId xmlns:p14="http://schemas.microsoft.com/office/powerpoint/2010/main" val="493803107"/>
+      </p:ext>
+    </p:extLst>
+  </p:cSld>
+  <p:clrMapOvr>
+    <a:masterClrMapping/>
+  </p:clrMapOvr>
+</p:sld>
+</file>
+
+<file path=ppt/slides/slide19.xml><?xml version="1.0" encoding="utf-8"?>
+<p:sld xmlns:a="http://schemas.openxmlformats.org/drawingml/2006/main" xmlns:r="http://schemas.openxmlformats.org/officeDocument/2006/relationships" xmlns:p="http://schemas.openxmlformats.org/presentationml/2006/main">
+  <p:cSld>
+    <p:spTree>
+      <p:nvGrpSpPr>
+        <p:cNvPr id="1" name="">
+          <a:extLst>
+            <a:ext uri="{FF2B5EF4-FFF2-40B4-BE49-F238E27FC236}">
+              <a16:creationId xmlns:a16="http://schemas.microsoft.com/office/drawing/2014/main" id="{6874219A-8B3A-BE60-381A-6E7E8600E001}"/>
+            </a:ext>
+          </a:extLst>
+        </p:cNvPr>
+        <p:cNvGrpSpPr/>
+        <p:nvPr/>
+      </p:nvGrpSpPr>
+      <p:grpSpPr>
+        <a:xfrm>
+          <a:off x="0" y="0"/>
+          <a:ext cx="0" cy="0"/>
+          <a:chOff x="0" y="0"/>
+          <a:chExt cx="0" cy="0"/>
+        </a:xfrm>
+      </p:grpSpPr>
+      <p:sp>
+        <p:nvSpPr>
+          <p:cNvPr id="2" name="Title 1">
+            <a:extLst>
+              <a:ext uri="{FF2B5EF4-FFF2-40B4-BE49-F238E27FC236}">
+                <a16:creationId xmlns:a16="http://schemas.microsoft.com/office/drawing/2014/main" id="{6AFAAA3C-734E-50B5-C429-ABBD713EC863}"/>
+              </a:ext>
+            </a:extLst>
+          </p:cNvPr>
+          <p:cNvSpPr>
+            <a:spLocks noGrp="1"/>
+          </p:cNvSpPr>
+          <p:nvPr>
+            <p:ph type="title"/>
+          </p:nvPr>
+        </p:nvSpPr>
+        <p:spPr/>
+        <p:txBody>
+          <a:bodyPr/>
+          <a:lstStyle/>
+          <a:p>
+            <a:r>
+              <a:rPr lang="en-US" dirty="0"/>
+              <a:t>Exceptions</a:t>
+            </a:r>
+          </a:p>
+        </p:txBody>
+      </p:sp>
+      <p:grpSp>
+        <p:nvGrpSpPr>
+          <p:cNvPr id="9" name="Group 8">
+            <a:extLst>
+              <a:ext uri="{FF2B5EF4-FFF2-40B4-BE49-F238E27FC236}">
+                <a16:creationId xmlns:a16="http://schemas.microsoft.com/office/drawing/2014/main" id="{FFF4EBEC-F57F-C5B9-D195-E33B154BA55C}"/>
+              </a:ext>
+            </a:extLst>
+          </p:cNvPr>
+          <p:cNvGrpSpPr/>
+          <p:nvPr/>
+        </p:nvGrpSpPr>
+        <p:grpSpPr>
+          <a:xfrm>
+            <a:off x="5199845" y="4882756"/>
+            <a:ext cx="1792309" cy="539958"/>
+            <a:chOff x="5055476" y="4635062"/>
+            <a:chExt cx="1792309" cy="539958"/>
+          </a:xfrm>
+        </p:grpSpPr>
+        <p:sp>
+          <p:nvSpPr>
+            <p:cNvPr id="6" name="TextBox 5">
+              <a:extLst>
+                <a:ext uri="{FF2B5EF4-FFF2-40B4-BE49-F238E27FC236}">
+                  <a16:creationId xmlns:a16="http://schemas.microsoft.com/office/drawing/2014/main" id="{6AFCD346-F837-9AA9-9D11-4967C97C3EDC}"/>
+                </a:ext>
+              </a:extLst>
+            </p:cNvPr>
+            <p:cNvSpPr txBox="1"/>
+            <p:nvPr/>
+          </p:nvSpPr>
+          <p:spPr>
+            <a:xfrm>
+              <a:off x="5122954" y="4651800"/>
+              <a:ext cx="1724831" cy="523220"/>
+            </a:xfrm>
+            <a:prstGeom prst="rect">
+              <a:avLst/>
+            </a:prstGeom>
+            <a:noFill/>
+          </p:spPr>
+          <p:txBody>
+            <a:bodyPr wrap="none" rtlCol="0">
+              <a:spAutoFit/>
+            </a:bodyPr>
+            <a:lstStyle/>
+            <a:p>
+              <a:r>
+                <a:rPr lang="en-US" sz="2800" dirty="0"/>
+                <a:t>Call stack</a:t>
+              </a:r>
+            </a:p>
+          </p:txBody>
+        </p:sp>
+        <p:cxnSp>
+          <p:nvCxnSpPr>
+            <p:cNvPr id="8" name="Straight Connector 7">
+              <a:extLst>
+                <a:ext uri="{FF2B5EF4-FFF2-40B4-BE49-F238E27FC236}">
+                  <a16:creationId xmlns:a16="http://schemas.microsoft.com/office/drawing/2014/main" id="{59AFD20C-28BA-E062-0E0F-B581B48A008E}"/>
+                </a:ext>
+              </a:extLst>
+            </p:cNvPr>
+            <p:cNvCxnSpPr/>
+            <p:nvPr/>
+          </p:nvCxnSpPr>
+          <p:spPr>
+            <a:xfrm>
+              <a:off x="5055476" y="4635062"/>
+              <a:ext cx="1702676" cy="0"/>
+            </a:xfrm>
+            <a:prstGeom prst="line">
+              <a:avLst/>
+            </a:prstGeom>
+          </p:spPr>
+          <p:style>
+            <a:lnRef idx="2">
+              <a:schemeClr val="accent1"/>
+            </a:lnRef>
+            <a:fillRef idx="0">
+              <a:schemeClr val="accent1"/>
+            </a:fillRef>
+            <a:effectRef idx="1">
+              <a:schemeClr val="accent1"/>
+            </a:effectRef>
+            <a:fontRef idx="minor">
+              <a:schemeClr val="tx1"/>
+            </a:fontRef>
+          </p:style>
+        </p:cxnSp>
+      </p:grpSp>
+      <p:sp>
+        <p:nvSpPr>
+          <p:cNvPr id="10" name="TextBox 9">
+            <a:extLst>
+              <a:ext uri="{FF2B5EF4-FFF2-40B4-BE49-F238E27FC236}">
+                <a16:creationId xmlns:a16="http://schemas.microsoft.com/office/drawing/2014/main" id="{86922894-8F9D-5A52-76EA-31CB3DF3AE35}"/>
+              </a:ext>
+            </a:extLst>
+          </p:cNvPr>
+          <p:cNvSpPr txBox="1"/>
+          <p:nvPr/>
+        </p:nvSpPr>
+        <p:spPr>
+          <a:xfrm>
+            <a:off x="5563611" y="4214232"/>
+            <a:ext cx="1175322" cy="523220"/>
+          </a:xfrm>
+          <a:prstGeom prst="rect">
+            <a:avLst/>
+          </a:prstGeom>
+          <a:noFill/>
+        </p:spPr>
+        <p:txBody>
+          <a:bodyPr wrap="none" rtlCol="0">
+            <a:spAutoFit/>
+          </a:bodyPr>
+          <a:lstStyle/>
+          <a:p>
+            <a:r>
+              <a:rPr lang="en-US" sz="2800" dirty="0"/>
+              <a:t>main()</a:t>
+            </a:r>
+          </a:p>
+        </p:txBody>
+      </p:sp>
+      <p:sp>
+        <p:nvSpPr>
+          <p:cNvPr id="11" name="TextBox 10">
+            <a:extLst>
+              <a:ext uri="{FF2B5EF4-FFF2-40B4-BE49-F238E27FC236}">
+                <a16:creationId xmlns:a16="http://schemas.microsoft.com/office/drawing/2014/main" id="{6E3F62D7-D1FA-9F58-40A6-0F6662222F67}"/>
+              </a:ext>
+            </a:extLst>
+          </p:cNvPr>
+          <p:cNvSpPr txBox="1"/>
+          <p:nvPr/>
+        </p:nvSpPr>
+        <p:spPr>
+          <a:xfrm>
+            <a:off x="5751963" y="3740796"/>
+            <a:ext cx="587020" cy="523220"/>
+          </a:xfrm>
+          <a:prstGeom prst="rect">
+            <a:avLst/>
+          </a:prstGeom>
+          <a:noFill/>
+        </p:spPr>
+        <p:txBody>
+          <a:bodyPr wrap="none" rtlCol="0">
+            <a:spAutoFit/>
+          </a:bodyPr>
+          <a:lstStyle/>
+          <a:p>
+            <a:r>
+              <a:rPr lang="en-US" sz="2800" dirty="0"/>
+              <a:t>a()</a:t>
+            </a:r>
+          </a:p>
+        </p:txBody>
+      </p:sp>
+      <p:sp>
+        <p:nvSpPr>
+          <p:cNvPr id="12" name="TextBox 11">
+            <a:extLst>
+              <a:ext uri="{FF2B5EF4-FFF2-40B4-BE49-F238E27FC236}">
+                <a16:creationId xmlns:a16="http://schemas.microsoft.com/office/drawing/2014/main" id="{0D186DA0-2890-A343-1285-869F3248F41C}"/>
+              </a:ext>
+            </a:extLst>
+          </p:cNvPr>
+          <p:cNvSpPr txBox="1"/>
+          <p:nvPr/>
+        </p:nvSpPr>
+        <p:spPr>
+          <a:xfrm>
+            <a:off x="5746353" y="3267360"/>
+            <a:ext cx="598241" cy="523220"/>
+          </a:xfrm>
+          <a:prstGeom prst="rect">
+            <a:avLst/>
+          </a:prstGeom>
+          <a:noFill/>
+        </p:spPr>
+        <p:txBody>
+          <a:bodyPr wrap="none" rtlCol="0">
+            <a:spAutoFit/>
+          </a:bodyPr>
+          <a:lstStyle/>
+          <a:p>
+            <a:r>
+              <a:rPr lang="en-US" sz="2800" dirty="0"/>
+              <a:t>b()</a:t>
+            </a:r>
+          </a:p>
+        </p:txBody>
+      </p:sp>
+      <p:sp>
+        <p:nvSpPr>
+          <p:cNvPr id="13" name="TextBox 12">
+            <a:extLst>
+              <a:ext uri="{FF2B5EF4-FFF2-40B4-BE49-F238E27FC236}">
+                <a16:creationId xmlns:a16="http://schemas.microsoft.com/office/drawing/2014/main" id="{07FEF193-D7EF-8409-24A4-B0F0ED9F5905}"/>
+              </a:ext>
+            </a:extLst>
+          </p:cNvPr>
+          <p:cNvSpPr txBox="1"/>
+          <p:nvPr/>
+        </p:nvSpPr>
+        <p:spPr>
+          <a:xfrm>
+            <a:off x="5752765" y="2793924"/>
+            <a:ext cx="585417" cy="523220"/>
+          </a:xfrm>
+          <a:prstGeom prst="rect">
+            <a:avLst/>
+          </a:prstGeom>
+          <a:noFill/>
+        </p:spPr>
+        <p:txBody>
+          <a:bodyPr wrap="none" rtlCol="0">
+            <a:spAutoFit/>
+          </a:bodyPr>
+          <a:lstStyle/>
+          <a:p>
+            <a:r>
+              <a:rPr lang="en-US" sz="2800" dirty="0"/>
+              <a:t>c()</a:t>
+            </a:r>
+          </a:p>
+        </p:txBody>
+      </p:sp>
+      <p:sp>
+        <p:nvSpPr>
+          <p:cNvPr id="14" name="TextBox 13">
+            <a:extLst>
+              <a:ext uri="{FF2B5EF4-FFF2-40B4-BE49-F238E27FC236}">
+                <a16:creationId xmlns:a16="http://schemas.microsoft.com/office/drawing/2014/main" id="{93B3FC06-D16A-720A-2307-9EA8D8C5E942}"/>
+              </a:ext>
+            </a:extLst>
+          </p:cNvPr>
+          <p:cNvSpPr txBox="1"/>
+          <p:nvPr/>
+        </p:nvSpPr>
+        <p:spPr>
+          <a:xfrm>
+            <a:off x="5746353" y="2320488"/>
+            <a:ext cx="598241" cy="523220"/>
+          </a:xfrm>
+          <a:prstGeom prst="rect">
+            <a:avLst/>
+          </a:prstGeom>
+          <a:noFill/>
+        </p:spPr>
+        <p:txBody>
+          <a:bodyPr wrap="none" rtlCol="0">
+            <a:spAutoFit/>
+          </a:bodyPr>
+          <a:lstStyle/>
+          <a:p>
+            <a:r>
+              <a:rPr lang="en-US" sz="2800" dirty="0"/>
+              <a:t>d()</a:t>
+            </a:r>
+          </a:p>
+        </p:txBody>
+      </p:sp>
+      <p:sp>
+        <p:nvSpPr>
+          <p:cNvPr id="18" name="TextBox 17">
+            <a:extLst>
+              <a:ext uri="{FF2B5EF4-FFF2-40B4-BE49-F238E27FC236}">
+                <a16:creationId xmlns:a16="http://schemas.microsoft.com/office/drawing/2014/main" id="{95721E0A-D535-B634-D127-D4FD27A340C0}"/>
+              </a:ext>
+            </a:extLst>
+          </p:cNvPr>
+          <p:cNvSpPr txBox="1"/>
+          <p:nvPr/>
+        </p:nvSpPr>
+        <p:spPr>
+          <a:xfrm>
+            <a:off x="7280801" y="2605640"/>
+            <a:ext cx="3252553" cy="923330"/>
+          </a:xfrm>
+          <a:prstGeom prst="rect">
+            <a:avLst/>
+          </a:prstGeom>
+          <a:solidFill>
+            <a:schemeClr val="accent3">
+              <a:lumMod val="20000"/>
+              <a:lumOff val="80000"/>
+            </a:schemeClr>
+          </a:solidFill>
+        </p:spPr>
+        <p:txBody>
+          <a:bodyPr wrap="square" rtlCol="0">
+            <a:spAutoFit/>
+          </a:bodyPr>
+          <a:lstStyle/>
+          <a:p>
+            <a:pPr algn="ctr"/>
+            <a:r>
+              <a:rPr lang="en-US" dirty="0">
+                <a:cs typeface="Consolas" panose="020B0609020204030204" pitchFamily="49" charset="0"/>
+              </a:rPr>
+              <a:t>After the exception leaves </a:t>
+            </a:r>
+            <a:r>
+              <a:rPr lang="en-US" dirty="0">
+                <a:latin typeface="Consolas" panose="020B0609020204030204" pitchFamily="49" charset="0"/>
+                <a:cs typeface="Consolas" panose="020B0609020204030204" pitchFamily="49" charset="0"/>
+              </a:rPr>
+              <a:t>d()</a:t>
+            </a:r>
+            <a:r>
+              <a:rPr lang="en-US" dirty="0">
+                <a:cs typeface="Consolas" panose="020B0609020204030204" pitchFamily="49" charset="0"/>
+              </a:rPr>
+              <a:t>, </a:t>
+            </a:r>
+            <a:r>
+              <a:rPr lang="en-US" dirty="0">
+                <a:latin typeface="Consolas" panose="020B0609020204030204" pitchFamily="49" charset="0"/>
+                <a:cs typeface="Consolas" panose="020B0609020204030204" pitchFamily="49" charset="0"/>
+              </a:rPr>
+              <a:t>d()</a:t>
+            </a:r>
+            <a:r>
+              <a:rPr lang="en-US" dirty="0">
+                <a:cs typeface="Consolas" panose="020B0609020204030204" pitchFamily="49" charset="0"/>
+              </a:rPr>
+              <a:t> is pop from the stack and </a:t>
+            </a:r>
+            <a:r>
+              <a:rPr lang="en-US" dirty="0">
+                <a:latin typeface="Consolas" panose="020B0609020204030204" pitchFamily="49" charset="0"/>
+                <a:cs typeface="Consolas" panose="020B0609020204030204" pitchFamily="49" charset="0"/>
+              </a:rPr>
+              <a:t>c()</a:t>
+            </a:r>
+            <a:r>
+              <a:rPr lang="en-US" dirty="0">
+                <a:cs typeface="Consolas" panose="020B0609020204030204" pitchFamily="49" charset="0"/>
+              </a:rPr>
+              <a:t> has the chance to catch it.</a:t>
+            </a:r>
+          </a:p>
+        </p:txBody>
+      </p:sp>
+      <p:grpSp>
+        <p:nvGrpSpPr>
+          <p:cNvPr id="21" name="Group 20">
+            <a:extLst>
+              <a:ext uri="{FF2B5EF4-FFF2-40B4-BE49-F238E27FC236}">
+                <a16:creationId xmlns:a16="http://schemas.microsoft.com/office/drawing/2014/main" id="{D257EF72-815C-953C-D423-8004E28F1B82}"/>
+              </a:ext>
+            </a:extLst>
+          </p:cNvPr>
+          <p:cNvGrpSpPr/>
+          <p:nvPr/>
+        </p:nvGrpSpPr>
+        <p:grpSpPr>
+          <a:xfrm>
+            <a:off x="5563611" y="2439320"/>
+            <a:ext cx="903890" cy="281952"/>
+            <a:chOff x="2385848" y="2511972"/>
+            <a:chExt cx="903890" cy="281952"/>
+          </a:xfrm>
+        </p:grpSpPr>
+        <p:cxnSp>
+          <p:nvCxnSpPr>
+            <p:cNvPr id="5" name="Straight Connector 4">
+              <a:extLst>
+                <a:ext uri="{FF2B5EF4-FFF2-40B4-BE49-F238E27FC236}">
+                  <a16:creationId xmlns:a16="http://schemas.microsoft.com/office/drawing/2014/main" id="{B5DFF8A8-15D2-DE2A-8B6F-ABA836C6DF35}"/>
+                </a:ext>
+              </a:extLst>
+            </p:cNvPr>
+            <p:cNvCxnSpPr/>
+            <p:nvPr/>
+          </p:nvCxnSpPr>
+          <p:spPr>
+            <a:xfrm flipV="1">
+              <a:off x="2385848" y="2511972"/>
+              <a:ext cx="903890" cy="281952"/>
+            </a:xfrm>
+            <a:prstGeom prst="line">
+              <a:avLst/>
+            </a:prstGeom>
+            <a:ln>
+              <a:solidFill>
+                <a:srgbClr val="FF0000"/>
+              </a:solidFill>
+            </a:ln>
+          </p:spPr>
+          <p:style>
+            <a:lnRef idx="2">
+              <a:schemeClr val="accent1"/>
+            </a:lnRef>
+            <a:fillRef idx="0">
+              <a:schemeClr val="accent1"/>
+            </a:fillRef>
+            <a:effectRef idx="1">
+              <a:schemeClr val="accent1"/>
+            </a:effectRef>
+            <a:fontRef idx="minor">
+              <a:schemeClr val="tx1"/>
+            </a:fontRef>
+          </p:style>
+        </p:cxnSp>
+        <p:cxnSp>
+          <p:nvCxnSpPr>
+            <p:cNvPr id="7" name="Straight Connector 6">
+              <a:extLst>
+                <a:ext uri="{FF2B5EF4-FFF2-40B4-BE49-F238E27FC236}">
+                  <a16:creationId xmlns:a16="http://schemas.microsoft.com/office/drawing/2014/main" id="{FC6BD7C3-1E0D-A1C6-6E8A-8A7963D0CFF1}"/>
+                </a:ext>
+              </a:extLst>
+            </p:cNvPr>
+            <p:cNvCxnSpPr>
+              <a:cxnSpLocks/>
+            </p:cNvCxnSpPr>
+            <p:nvPr/>
+          </p:nvCxnSpPr>
+          <p:spPr>
+            <a:xfrm>
+              <a:off x="2385848" y="2511972"/>
+              <a:ext cx="903890" cy="281952"/>
+            </a:xfrm>
+            <a:prstGeom prst="line">
+              <a:avLst/>
+            </a:prstGeom>
+            <a:ln>
+              <a:solidFill>
+                <a:srgbClr val="FF0000"/>
+              </a:solidFill>
+            </a:ln>
+          </p:spPr>
+          <p:style>
+            <a:lnRef idx="2">
+              <a:schemeClr val="accent1"/>
+            </a:lnRef>
+            <a:fillRef idx="0">
+              <a:schemeClr val="accent1"/>
+            </a:fillRef>
+            <a:effectRef idx="1">
+              <a:schemeClr val="accent1"/>
+            </a:effectRef>
+            <a:fontRef idx="minor">
+              <a:schemeClr val="tx1"/>
+            </a:fontRef>
+          </p:style>
+        </p:cxnSp>
+      </p:grpSp>
+      <p:cxnSp>
+        <p:nvCxnSpPr>
+          <p:cNvPr id="23" name="Straight Arrow Connector 22">
+            <a:extLst>
+              <a:ext uri="{FF2B5EF4-FFF2-40B4-BE49-F238E27FC236}">
+                <a16:creationId xmlns:a16="http://schemas.microsoft.com/office/drawing/2014/main" id="{CE201D48-21CA-59D0-6B98-8D858EE9CF85}"/>
+              </a:ext>
+            </a:extLst>
+          </p:cNvPr>
+          <p:cNvCxnSpPr>
+            <a:stCxn id="18" idx="1"/>
+            <a:endCxn id="13" idx="3"/>
+          </p:cNvCxnSpPr>
+          <p:nvPr/>
+        </p:nvCxnSpPr>
+        <p:spPr>
+          <a:xfrm flipH="1" flipV="1">
+            <a:off x="6338182" y="3055534"/>
+            <a:ext cx="942619" cy="11771"/>
+          </a:xfrm>
+          <a:prstGeom prst="straightConnector1">
+            <a:avLst/>
+          </a:prstGeom>
+          <a:ln>
+            <a:tailEnd type="triangle"/>
+          </a:ln>
+        </p:spPr>
+        <p:style>
+          <a:lnRef idx="2">
+            <a:schemeClr val="accent1"/>
+          </a:lnRef>
+          <a:fillRef idx="0">
+            <a:schemeClr val="accent1"/>
+          </a:fillRef>
+          <a:effectRef idx="1">
+            <a:schemeClr val="accent1"/>
+          </a:effectRef>
+          <a:fontRef idx="minor">
+            <a:schemeClr val="tx1"/>
+          </a:fontRef>
+        </p:style>
+      </p:cxnSp>
+    </p:spTree>
+    <p:extLst>
+      <p:ext uri="{BB962C8B-B14F-4D97-AF65-F5344CB8AC3E}">
+        <p14:creationId xmlns:p14="http://schemas.microsoft.com/office/powerpoint/2010/main" val="1825712921"/>
       </p:ext>
     </p:extLst>
   </p:cSld>
@@ -6489,6 +8793,1069 @@
     <p:extLst>
       <p:ext uri="{BB962C8B-B14F-4D97-AF65-F5344CB8AC3E}">
         <p14:creationId xmlns:p14="http://schemas.microsoft.com/office/powerpoint/2010/main" val="2472228800"/>
+      </p:ext>
+    </p:extLst>
+  </p:cSld>
+  <p:clrMapOvr>
+    <a:masterClrMapping/>
+  </p:clrMapOvr>
+</p:sld>
+</file>
+
+<file path=ppt/slides/slide20.xml><?xml version="1.0" encoding="utf-8"?>
+<p:sld xmlns:a="http://schemas.openxmlformats.org/drawingml/2006/main" xmlns:r="http://schemas.openxmlformats.org/officeDocument/2006/relationships" xmlns:p="http://schemas.openxmlformats.org/presentationml/2006/main">
+  <p:cSld>
+    <p:spTree>
+      <p:nvGrpSpPr>
+        <p:cNvPr id="1" name="">
+          <a:extLst>
+            <a:ext uri="{FF2B5EF4-FFF2-40B4-BE49-F238E27FC236}">
+              <a16:creationId xmlns:a16="http://schemas.microsoft.com/office/drawing/2014/main" id="{E3796206-0D86-E872-ECFA-FAC153C20E38}"/>
+            </a:ext>
+          </a:extLst>
+        </p:cNvPr>
+        <p:cNvGrpSpPr/>
+        <p:nvPr/>
+      </p:nvGrpSpPr>
+      <p:grpSpPr>
+        <a:xfrm>
+          <a:off x="0" y="0"/>
+          <a:ext cx="0" cy="0"/>
+          <a:chOff x="0" y="0"/>
+          <a:chExt cx="0" cy="0"/>
+        </a:xfrm>
+      </p:grpSpPr>
+      <p:sp>
+        <p:nvSpPr>
+          <p:cNvPr id="2" name="Title 1">
+            <a:extLst>
+              <a:ext uri="{FF2B5EF4-FFF2-40B4-BE49-F238E27FC236}">
+                <a16:creationId xmlns:a16="http://schemas.microsoft.com/office/drawing/2014/main" id="{97D7170C-9AFD-A637-C968-5A6F4F983FAE}"/>
+              </a:ext>
+            </a:extLst>
+          </p:cNvPr>
+          <p:cNvSpPr>
+            <a:spLocks noGrp="1"/>
+          </p:cNvSpPr>
+          <p:nvPr>
+            <p:ph type="title"/>
+          </p:nvPr>
+        </p:nvSpPr>
+        <p:spPr/>
+        <p:txBody>
+          <a:bodyPr/>
+          <a:lstStyle/>
+          <a:p>
+            <a:r>
+              <a:rPr lang="en-US" dirty="0"/>
+              <a:t>Exceptions</a:t>
+            </a:r>
+          </a:p>
+        </p:txBody>
+      </p:sp>
+      <p:grpSp>
+        <p:nvGrpSpPr>
+          <p:cNvPr id="9" name="Group 8">
+            <a:extLst>
+              <a:ext uri="{FF2B5EF4-FFF2-40B4-BE49-F238E27FC236}">
+                <a16:creationId xmlns:a16="http://schemas.microsoft.com/office/drawing/2014/main" id="{D5DF4C49-5010-75D4-9C9A-FC2EA79CBA5C}"/>
+              </a:ext>
+            </a:extLst>
+          </p:cNvPr>
+          <p:cNvGrpSpPr/>
+          <p:nvPr/>
+        </p:nvGrpSpPr>
+        <p:grpSpPr>
+          <a:xfrm>
+            <a:off x="5199845" y="4882756"/>
+            <a:ext cx="1792309" cy="539958"/>
+            <a:chOff x="5055476" y="4635062"/>
+            <a:chExt cx="1792309" cy="539958"/>
+          </a:xfrm>
+        </p:grpSpPr>
+        <p:sp>
+          <p:nvSpPr>
+            <p:cNvPr id="6" name="TextBox 5">
+              <a:extLst>
+                <a:ext uri="{FF2B5EF4-FFF2-40B4-BE49-F238E27FC236}">
+                  <a16:creationId xmlns:a16="http://schemas.microsoft.com/office/drawing/2014/main" id="{0021E430-C792-89F2-BE22-1B584AA1B020}"/>
+                </a:ext>
+              </a:extLst>
+            </p:cNvPr>
+            <p:cNvSpPr txBox="1"/>
+            <p:nvPr/>
+          </p:nvSpPr>
+          <p:spPr>
+            <a:xfrm>
+              <a:off x="5122954" y="4651800"/>
+              <a:ext cx="1724831" cy="523220"/>
+            </a:xfrm>
+            <a:prstGeom prst="rect">
+              <a:avLst/>
+            </a:prstGeom>
+            <a:noFill/>
+          </p:spPr>
+          <p:txBody>
+            <a:bodyPr wrap="none" rtlCol="0">
+              <a:spAutoFit/>
+            </a:bodyPr>
+            <a:lstStyle/>
+            <a:p>
+              <a:r>
+                <a:rPr lang="en-US" sz="2800" dirty="0"/>
+                <a:t>Call stack</a:t>
+              </a:r>
+            </a:p>
+          </p:txBody>
+        </p:sp>
+        <p:cxnSp>
+          <p:nvCxnSpPr>
+            <p:cNvPr id="8" name="Straight Connector 7">
+              <a:extLst>
+                <a:ext uri="{FF2B5EF4-FFF2-40B4-BE49-F238E27FC236}">
+                  <a16:creationId xmlns:a16="http://schemas.microsoft.com/office/drawing/2014/main" id="{A48FAF7A-6F49-F552-580C-409E89B91965}"/>
+                </a:ext>
+              </a:extLst>
+            </p:cNvPr>
+            <p:cNvCxnSpPr/>
+            <p:nvPr/>
+          </p:nvCxnSpPr>
+          <p:spPr>
+            <a:xfrm>
+              <a:off x="5055476" y="4635062"/>
+              <a:ext cx="1702676" cy="0"/>
+            </a:xfrm>
+            <a:prstGeom prst="line">
+              <a:avLst/>
+            </a:prstGeom>
+          </p:spPr>
+          <p:style>
+            <a:lnRef idx="2">
+              <a:schemeClr val="accent1"/>
+            </a:lnRef>
+            <a:fillRef idx="0">
+              <a:schemeClr val="accent1"/>
+            </a:fillRef>
+            <a:effectRef idx="1">
+              <a:schemeClr val="accent1"/>
+            </a:effectRef>
+            <a:fontRef idx="minor">
+              <a:schemeClr val="tx1"/>
+            </a:fontRef>
+          </p:style>
+        </p:cxnSp>
+      </p:grpSp>
+      <p:sp>
+        <p:nvSpPr>
+          <p:cNvPr id="10" name="TextBox 9">
+            <a:extLst>
+              <a:ext uri="{FF2B5EF4-FFF2-40B4-BE49-F238E27FC236}">
+                <a16:creationId xmlns:a16="http://schemas.microsoft.com/office/drawing/2014/main" id="{9BDFB163-149A-9593-8AE3-B24B19C501BF}"/>
+              </a:ext>
+            </a:extLst>
+          </p:cNvPr>
+          <p:cNvSpPr txBox="1"/>
+          <p:nvPr/>
+        </p:nvSpPr>
+        <p:spPr>
+          <a:xfrm>
+            <a:off x="5563611" y="4214232"/>
+            <a:ext cx="1175322" cy="523220"/>
+          </a:xfrm>
+          <a:prstGeom prst="rect">
+            <a:avLst/>
+          </a:prstGeom>
+          <a:noFill/>
+        </p:spPr>
+        <p:txBody>
+          <a:bodyPr wrap="none" rtlCol="0">
+            <a:spAutoFit/>
+          </a:bodyPr>
+          <a:lstStyle/>
+          <a:p>
+            <a:r>
+              <a:rPr lang="en-US" sz="2800" dirty="0"/>
+              <a:t>main()</a:t>
+            </a:r>
+          </a:p>
+        </p:txBody>
+      </p:sp>
+      <p:sp>
+        <p:nvSpPr>
+          <p:cNvPr id="11" name="TextBox 10">
+            <a:extLst>
+              <a:ext uri="{FF2B5EF4-FFF2-40B4-BE49-F238E27FC236}">
+                <a16:creationId xmlns:a16="http://schemas.microsoft.com/office/drawing/2014/main" id="{218E5B8A-B05E-9726-BD06-ECCE4F4E5843}"/>
+              </a:ext>
+            </a:extLst>
+          </p:cNvPr>
+          <p:cNvSpPr txBox="1"/>
+          <p:nvPr/>
+        </p:nvSpPr>
+        <p:spPr>
+          <a:xfrm>
+            <a:off x="5751963" y="3740796"/>
+            <a:ext cx="587020" cy="523220"/>
+          </a:xfrm>
+          <a:prstGeom prst="rect">
+            <a:avLst/>
+          </a:prstGeom>
+          <a:noFill/>
+        </p:spPr>
+        <p:txBody>
+          <a:bodyPr wrap="none" rtlCol="0">
+            <a:spAutoFit/>
+          </a:bodyPr>
+          <a:lstStyle/>
+          <a:p>
+            <a:r>
+              <a:rPr lang="en-US" sz="2800" dirty="0"/>
+              <a:t>a()</a:t>
+            </a:r>
+          </a:p>
+        </p:txBody>
+      </p:sp>
+      <p:sp>
+        <p:nvSpPr>
+          <p:cNvPr id="12" name="TextBox 11">
+            <a:extLst>
+              <a:ext uri="{FF2B5EF4-FFF2-40B4-BE49-F238E27FC236}">
+                <a16:creationId xmlns:a16="http://schemas.microsoft.com/office/drawing/2014/main" id="{A3509CDB-BF61-1F50-8AD3-178436B29412}"/>
+              </a:ext>
+            </a:extLst>
+          </p:cNvPr>
+          <p:cNvSpPr txBox="1"/>
+          <p:nvPr/>
+        </p:nvSpPr>
+        <p:spPr>
+          <a:xfrm>
+            <a:off x="5746353" y="3267360"/>
+            <a:ext cx="598241" cy="523220"/>
+          </a:xfrm>
+          <a:prstGeom prst="rect">
+            <a:avLst/>
+          </a:prstGeom>
+          <a:noFill/>
+        </p:spPr>
+        <p:txBody>
+          <a:bodyPr wrap="none" rtlCol="0">
+            <a:spAutoFit/>
+          </a:bodyPr>
+          <a:lstStyle/>
+          <a:p>
+            <a:r>
+              <a:rPr lang="en-US" sz="2800" dirty="0"/>
+              <a:t>b()</a:t>
+            </a:r>
+          </a:p>
+        </p:txBody>
+      </p:sp>
+      <p:sp>
+        <p:nvSpPr>
+          <p:cNvPr id="13" name="TextBox 12">
+            <a:extLst>
+              <a:ext uri="{FF2B5EF4-FFF2-40B4-BE49-F238E27FC236}">
+                <a16:creationId xmlns:a16="http://schemas.microsoft.com/office/drawing/2014/main" id="{1420875A-CC40-5AF5-1BE9-765D37A23AF8}"/>
+              </a:ext>
+            </a:extLst>
+          </p:cNvPr>
+          <p:cNvSpPr txBox="1"/>
+          <p:nvPr/>
+        </p:nvSpPr>
+        <p:spPr>
+          <a:xfrm>
+            <a:off x="5752765" y="2793924"/>
+            <a:ext cx="585417" cy="523220"/>
+          </a:xfrm>
+          <a:prstGeom prst="rect">
+            <a:avLst/>
+          </a:prstGeom>
+          <a:noFill/>
+        </p:spPr>
+        <p:txBody>
+          <a:bodyPr wrap="none" rtlCol="0">
+            <a:spAutoFit/>
+          </a:bodyPr>
+          <a:lstStyle/>
+          <a:p>
+            <a:r>
+              <a:rPr lang="en-US" sz="2800" dirty="0"/>
+              <a:t>c()</a:t>
+            </a:r>
+          </a:p>
+        </p:txBody>
+      </p:sp>
+      <p:sp>
+        <p:nvSpPr>
+          <p:cNvPr id="18" name="TextBox 17">
+            <a:extLst>
+              <a:ext uri="{FF2B5EF4-FFF2-40B4-BE49-F238E27FC236}">
+                <a16:creationId xmlns:a16="http://schemas.microsoft.com/office/drawing/2014/main" id="{00B0DE62-3559-77CE-A840-B0DD5AA6D8E8}"/>
+              </a:ext>
+            </a:extLst>
+          </p:cNvPr>
+          <p:cNvSpPr txBox="1"/>
+          <p:nvPr/>
+        </p:nvSpPr>
+        <p:spPr>
+          <a:xfrm>
+            <a:off x="7364883" y="2067031"/>
+            <a:ext cx="3252553" cy="1200329"/>
+          </a:xfrm>
+          <a:prstGeom prst="rect">
+            <a:avLst/>
+          </a:prstGeom>
+          <a:solidFill>
+            <a:schemeClr val="accent3">
+              <a:lumMod val="20000"/>
+              <a:lumOff val="80000"/>
+            </a:schemeClr>
+          </a:solidFill>
+        </p:spPr>
+        <p:txBody>
+          <a:bodyPr wrap="square" rtlCol="0">
+            <a:spAutoFit/>
+          </a:bodyPr>
+          <a:lstStyle/>
+          <a:p>
+            <a:pPr algn="ctr"/>
+            <a:r>
+              <a:rPr lang="en-US" dirty="0">
+                <a:cs typeface="Consolas" panose="020B0609020204030204" pitchFamily="49" charset="0"/>
+              </a:rPr>
+              <a:t>If no try/catch block in any of the functions catches the exception, it propagates to </a:t>
+            </a:r>
+            <a:r>
+              <a:rPr lang="en-US" dirty="0">
+                <a:latin typeface="Consolas" panose="020B0609020204030204" pitchFamily="49" charset="0"/>
+                <a:cs typeface="Consolas" panose="020B0609020204030204" pitchFamily="49" charset="0"/>
+              </a:rPr>
+              <a:t>main</a:t>
+            </a:r>
+            <a:r>
+              <a:rPr lang="en-US" dirty="0">
+                <a:cs typeface="Consolas" panose="020B0609020204030204" pitchFamily="49" charset="0"/>
+              </a:rPr>
+              <a:t> and crashes the program.</a:t>
+            </a:r>
+          </a:p>
+        </p:txBody>
+      </p:sp>
+      <p:sp>
+        <p:nvSpPr>
+          <p:cNvPr id="4" name="Freeform 3">
+            <a:extLst>
+              <a:ext uri="{FF2B5EF4-FFF2-40B4-BE49-F238E27FC236}">
+                <a16:creationId xmlns:a16="http://schemas.microsoft.com/office/drawing/2014/main" id="{AF1C81F4-1BCE-67A3-A84B-EBC6B3CB3A6F}"/>
+              </a:ext>
+            </a:extLst>
+          </p:cNvPr>
+          <p:cNvSpPr/>
+          <p:nvPr/>
+        </p:nvSpPr>
+        <p:spPr>
+          <a:xfrm>
+            <a:off x="6351006" y="3055809"/>
+            <a:ext cx="483485" cy="462455"/>
+          </a:xfrm>
+          <a:custGeom>
+            <a:avLst/>
+            <a:gdLst>
+              <a:gd name="csX0" fmla="*/ 10511 w 483485"/>
+              <a:gd name="csY0" fmla="*/ 0 h 462455"/>
+              <a:gd name="csX1" fmla="*/ 483476 w 483485"/>
+              <a:gd name="csY1" fmla="*/ 304800 h 462455"/>
+              <a:gd name="csX2" fmla="*/ 0 w 483485"/>
+              <a:gd name="csY2" fmla="*/ 462455 h 462455"/>
+            </a:gdLst>
+            <a:ahLst/>
+            <a:cxnLst>
+              <a:cxn ang="0">
+                <a:pos x="csX0" y="csY0"/>
+              </a:cxn>
+              <a:cxn ang="0">
+                <a:pos x="csX1" y="csY1"/>
+              </a:cxn>
+              <a:cxn ang="0">
+                <a:pos x="csX2" y="csY2"/>
+              </a:cxn>
+            </a:cxnLst>
+            <a:rect l="l" t="t" r="r" b="b"/>
+            <a:pathLst>
+              <a:path w="483485" h="462455">
+                <a:moveTo>
+                  <a:pt x="10511" y="0"/>
+                </a:moveTo>
+                <a:cubicBezTo>
+                  <a:pt x="247869" y="113862"/>
+                  <a:pt x="485228" y="227724"/>
+                  <a:pt x="483476" y="304800"/>
+                </a:cubicBezTo>
+                <a:cubicBezTo>
+                  <a:pt x="481724" y="381876"/>
+                  <a:pt x="240862" y="422165"/>
+                  <a:pt x="0" y="462455"/>
+                </a:cubicBezTo>
+              </a:path>
+            </a:pathLst>
+          </a:custGeom>
+          <a:noFill/>
+          <a:ln>
+            <a:solidFill>
+              <a:schemeClr val="accent1"/>
+            </a:solidFill>
+            <a:tailEnd type="triangle"/>
+          </a:ln>
+        </p:spPr>
+        <p:style>
+          <a:lnRef idx="2">
+            <a:schemeClr val="accent1">
+              <a:shade val="15000"/>
+            </a:schemeClr>
+          </a:lnRef>
+          <a:fillRef idx="1">
+            <a:schemeClr val="accent1"/>
+          </a:fillRef>
+          <a:effectRef idx="0">
+            <a:schemeClr val="accent1"/>
+          </a:effectRef>
+          <a:fontRef idx="minor">
+            <a:schemeClr val="lt1"/>
+          </a:fontRef>
+        </p:style>
+        <p:txBody>
+          <a:bodyPr rtlCol="0" anchor="ctr"/>
+          <a:lstStyle/>
+          <a:p>
+            <a:pPr algn="ctr"/>
+            <a:endParaRPr lang="en-US"/>
+          </a:p>
+        </p:txBody>
+      </p:sp>
+      <p:sp>
+        <p:nvSpPr>
+          <p:cNvPr id="15" name="Freeform 14">
+            <a:extLst>
+              <a:ext uri="{FF2B5EF4-FFF2-40B4-BE49-F238E27FC236}">
+                <a16:creationId xmlns:a16="http://schemas.microsoft.com/office/drawing/2014/main" id="{A82883C9-24A9-8A1B-4184-F1D3DC52C7C2}"/>
+              </a:ext>
+            </a:extLst>
+          </p:cNvPr>
+          <p:cNvSpPr/>
+          <p:nvPr/>
+        </p:nvSpPr>
+        <p:spPr>
+          <a:xfrm>
+            <a:off x="6351006" y="3606473"/>
+            <a:ext cx="483485" cy="462455"/>
+          </a:xfrm>
+          <a:custGeom>
+            <a:avLst/>
+            <a:gdLst>
+              <a:gd name="csX0" fmla="*/ 10511 w 483485"/>
+              <a:gd name="csY0" fmla="*/ 0 h 462455"/>
+              <a:gd name="csX1" fmla="*/ 483476 w 483485"/>
+              <a:gd name="csY1" fmla="*/ 304800 h 462455"/>
+              <a:gd name="csX2" fmla="*/ 0 w 483485"/>
+              <a:gd name="csY2" fmla="*/ 462455 h 462455"/>
+            </a:gdLst>
+            <a:ahLst/>
+            <a:cxnLst>
+              <a:cxn ang="0">
+                <a:pos x="csX0" y="csY0"/>
+              </a:cxn>
+              <a:cxn ang="0">
+                <a:pos x="csX1" y="csY1"/>
+              </a:cxn>
+              <a:cxn ang="0">
+                <a:pos x="csX2" y="csY2"/>
+              </a:cxn>
+            </a:cxnLst>
+            <a:rect l="l" t="t" r="r" b="b"/>
+            <a:pathLst>
+              <a:path w="483485" h="462455">
+                <a:moveTo>
+                  <a:pt x="10511" y="0"/>
+                </a:moveTo>
+                <a:cubicBezTo>
+                  <a:pt x="247869" y="113862"/>
+                  <a:pt x="485228" y="227724"/>
+                  <a:pt x="483476" y="304800"/>
+                </a:cubicBezTo>
+                <a:cubicBezTo>
+                  <a:pt x="481724" y="381876"/>
+                  <a:pt x="240862" y="422165"/>
+                  <a:pt x="0" y="462455"/>
+                </a:cubicBezTo>
+              </a:path>
+            </a:pathLst>
+          </a:custGeom>
+          <a:noFill/>
+          <a:ln>
+            <a:solidFill>
+              <a:schemeClr val="accent1"/>
+            </a:solidFill>
+            <a:tailEnd type="triangle"/>
+          </a:ln>
+        </p:spPr>
+        <p:style>
+          <a:lnRef idx="2">
+            <a:schemeClr val="accent1">
+              <a:shade val="15000"/>
+            </a:schemeClr>
+          </a:lnRef>
+          <a:fillRef idx="1">
+            <a:schemeClr val="accent1"/>
+          </a:fillRef>
+          <a:effectRef idx="0">
+            <a:schemeClr val="accent1"/>
+          </a:effectRef>
+          <a:fontRef idx="minor">
+            <a:schemeClr val="lt1"/>
+          </a:fontRef>
+        </p:style>
+        <p:txBody>
+          <a:bodyPr rtlCol="0" anchor="ctr"/>
+          <a:lstStyle/>
+          <a:p>
+            <a:pPr algn="ctr"/>
+            <a:endParaRPr lang="en-US"/>
+          </a:p>
+        </p:txBody>
+      </p:sp>
+      <p:sp>
+        <p:nvSpPr>
+          <p:cNvPr id="17" name="Freeform 16">
+            <a:extLst>
+              <a:ext uri="{FF2B5EF4-FFF2-40B4-BE49-F238E27FC236}">
+                <a16:creationId xmlns:a16="http://schemas.microsoft.com/office/drawing/2014/main" id="{2BFA6F96-5502-4BF3-AE79-BEDFF3A57504}"/>
+              </a:ext>
+            </a:extLst>
+          </p:cNvPr>
+          <p:cNvSpPr/>
+          <p:nvPr/>
+        </p:nvSpPr>
+        <p:spPr>
+          <a:xfrm>
+            <a:off x="6411310" y="4172607"/>
+            <a:ext cx="680364" cy="346841"/>
+          </a:xfrm>
+          <a:custGeom>
+            <a:avLst/>
+            <a:gdLst>
+              <a:gd name="csX0" fmla="*/ 0 w 680364"/>
+              <a:gd name="csY0" fmla="*/ 0 h 346841"/>
+              <a:gd name="csX1" fmla="*/ 672662 w 680364"/>
+              <a:gd name="csY1" fmla="*/ 220717 h 346841"/>
+              <a:gd name="csX2" fmla="*/ 304800 w 680364"/>
+              <a:gd name="csY2" fmla="*/ 346841 h 346841"/>
+            </a:gdLst>
+            <a:ahLst/>
+            <a:cxnLst>
+              <a:cxn ang="0">
+                <a:pos x="csX0" y="csY0"/>
+              </a:cxn>
+              <a:cxn ang="0">
+                <a:pos x="csX1" y="csY1"/>
+              </a:cxn>
+              <a:cxn ang="0">
+                <a:pos x="csX2" y="csY2"/>
+              </a:cxn>
+            </a:cxnLst>
+            <a:rect l="l" t="t" r="r" b="b"/>
+            <a:pathLst>
+              <a:path w="680364" h="346841">
+                <a:moveTo>
+                  <a:pt x="0" y="0"/>
+                </a:moveTo>
+                <a:cubicBezTo>
+                  <a:pt x="310931" y="81455"/>
+                  <a:pt x="621862" y="162910"/>
+                  <a:pt x="672662" y="220717"/>
+                </a:cubicBezTo>
+                <a:cubicBezTo>
+                  <a:pt x="723462" y="278524"/>
+                  <a:pt x="514131" y="312682"/>
+                  <a:pt x="304800" y="346841"/>
+                </a:cubicBezTo>
+              </a:path>
+            </a:pathLst>
+          </a:custGeom>
+          <a:noFill/>
+          <a:ln>
+            <a:solidFill>
+              <a:schemeClr val="accent1"/>
+            </a:solidFill>
+            <a:tailEnd type="triangle"/>
+          </a:ln>
+        </p:spPr>
+        <p:style>
+          <a:lnRef idx="2">
+            <a:schemeClr val="accent1">
+              <a:shade val="15000"/>
+            </a:schemeClr>
+          </a:lnRef>
+          <a:fillRef idx="1">
+            <a:schemeClr val="accent1"/>
+          </a:fillRef>
+          <a:effectRef idx="0">
+            <a:schemeClr val="accent1"/>
+          </a:effectRef>
+          <a:fontRef idx="minor">
+            <a:schemeClr val="lt1"/>
+          </a:fontRef>
+        </p:style>
+        <p:txBody>
+          <a:bodyPr rtlCol="0" anchor="ctr"/>
+          <a:lstStyle/>
+          <a:p>
+            <a:pPr algn="ctr"/>
+            <a:endParaRPr lang="en-US"/>
+          </a:p>
+        </p:txBody>
+      </p:sp>
+      <p:sp>
+        <p:nvSpPr>
+          <p:cNvPr id="19" name="Freeform 18">
+            <a:extLst>
+              <a:ext uri="{FF2B5EF4-FFF2-40B4-BE49-F238E27FC236}">
+                <a16:creationId xmlns:a16="http://schemas.microsoft.com/office/drawing/2014/main" id="{C484F1E2-09DB-BDC9-AB8F-2EA17D21F1CE}"/>
+              </a:ext>
+            </a:extLst>
+          </p:cNvPr>
+          <p:cNvSpPr/>
+          <p:nvPr/>
+        </p:nvSpPr>
+        <p:spPr>
+          <a:xfrm>
+            <a:off x="6771503" y="4609070"/>
+            <a:ext cx="758101" cy="766119"/>
+          </a:xfrm>
+          <a:custGeom>
+            <a:avLst/>
+            <a:gdLst>
+              <a:gd name="csX0" fmla="*/ 0 w 758101"/>
+              <a:gd name="csY0" fmla="*/ 0 h 766119"/>
+              <a:gd name="csX1" fmla="*/ 729048 w 758101"/>
+              <a:gd name="csY1" fmla="*/ 234779 h 766119"/>
+              <a:gd name="csX2" fmla="*/ 543697 w 758101"/>
+              <a:gd name="csY2" fmla="*/ 766119 h 766119"/>
+            </a:gdLst>
+            <a:ahLst/>
+            <a:cxnLst>
+              <a:cxn ang="0">
+                <a:pos x="csX0" y="csY0"/>
+              </a:cxn>
+              <a:cxn ang="0">
+                <a:pos x="csX1" y="csY1"/>
+              </a:cxn>
+              <a:cxn ang="0">
+                <a:pos x="csX2" y="csY2"/>
+              </a:cxn>
+            </a:cxnLst>
+            <a:rect l="l" t="t" r="r" b="b"/>
+            <a:pathLst>
+              <a:path w="758101" h="766119">
+                <a:moveTo>
+                  <a:pt x="0" y="0"/>
+                </a:moveTo>
+                <a:cubicBezTo>
+                  <a:pt x="319216" y="53546"/>
+                  <a:pt x="638432" y="107093"/>
+                  <a:pt x="729048" y="234779"/>
+                </a:cubicBezTo>
+                <a:cubicBezTo>
+                  <a:pt x="819664" y="362465"/>
+                  <a:pt x="681680" y="564292"/>
+                  <a:pt x="543697" y="766119"/>
+                </a:cubicBezTo>
+              </a:path>
+            </a:pathLst>
+          </a:custGeom>
+          <a:noFill/>
+          <a:ln>
+            <a:solidFill>
+              <a:schemeClr val="accent1"/>
+            </a:solidFill>
+            <a:tailEnd type="triangle"/>
+          </a:ln>
+        </p:spPr>
+        <p:style>
+          <a:lnRef idx="2">
+            <a:schemeClr val="accent1">
+              <a:shade val="15000"/>
+            </a:schemeClr>
+          </a:lnRef>
+          <a:fillRef idx="1">
+            <a:schemeClr val="accent1"/>
+          </a:fillRef>
+          <a:effectRef idx="0">
+            <a:schemeClr val="accent1"/>
+          </a:effectRef>
+          <a:fontRef idx="minor">
+            <a:schemeClr val="lt1"/>
+          </a:fontRef>
+        </p:style>
+        <p:txBody>
+          <a:bodyPr rtlCol="0" anchor="ctr"/>
+          <a:lstStyle/>
+          <a:p>
+            <a:pPr algn="ctr"/>
+            <a:endParaRPr lang="en-US"/>
+          </a:p>
+        </p:txBody>
+      </p:sp>
+      <p:sp>
+        <p:nvSpPr>
+          <p:cNvPr id="20" name="TextBox 19">
+            <a:extLst>
+              <a:ext uri="{FF2B5EF4-FFF2-40B4-BE49-F238E27FC236}">
+                <a16:creationId xmlns:a16="http://schemas.microsoft.com/office/drawing/2014/main" id="{E4486A5A-BAC8-B4F4-CB82-D6891BC4E4DC}"/>
+              </a:ext>
+            </a:extLst>
+          </p:cNvPr>
+          <p:cNvSpPr txBox="1"/>
+          <p:nvPr/>
+        </p:nvSpPr>
+        <p:spPr>
+          <a:xfrm>
+            <a:off x="6834491" y="5439451"/>
+            <a:ext cx="844655" cy="369332"/>
+          </a:xfrm>
+          <a:prstGeom prst="rect">
+            <a:avLst/>
+          </a:prstGeom>
+          <a:noFill/>
+        </p:spPr>
+        <p:txBody>
+          <a:bodyPr wrap="none" rtlCol="0">
+            <a:spAutoFit/>
+          </a:bodyPr>
+          <a:lstStyle/>
+          <a:p>
+            <a:r>
+              <a:rPr lang="en-US" dirty="0">
+                <a:solidFill>
+                  <a:srgbClr val="FF0000"/>
+                </a:solidFill>
+              </a:rPr>
+              <a:t>Crash!</a:t>
+            </a:r>
+          </a:p>
+        </p:txBody>
+      </p:sp>
+      <p:sp>
+        <p:nvSpPr>
+          <p:cNvPr id="22" name="TextBox 21">
+            <a:extLst>
+              <a:ext uri="{FF2B5EF4-FFF2-40B4-BE49-F238E27FC236}">
+                <a16:creationId xmlns:a16="http://schemas.microsoft.com/office/drawing/2014/main" id="{7F1A72B4-64FE-1CE7-57D2-CD3E4D789187}"/>
+              </a:ext>
+            </a:extLst>
+          </p:cNvPr>
+          <p:cNvSpPr txBox="1"/>
+          <p:nvPr/>
+        </p:nvSpPr>
+        <p:spPr>
+          <a:xfrm>
+            <a:off x="8310592" y="3712303"/>
+            <a:ext cx="2388940" cy="923330"/>
+          </a:xfrm>
+          <a:prstGeom prst="rect">
+            <a:avLst/>
+          </a:prstGeom>
+          <a:solidFill>
+            <a:schemeClr val="accent3">
+              <a:lumMod val="20000"/>
+              <a:lumOff val="80000"/>
+            </a:schemeClr>
+          </a:solidFill>
+        </p:spPr>
+        <p:txBody>
+          <a:bodyPr wrap="square" rtlCol="0">
+            <a:spAutoFit/>
+          </a:bodyPr>
+          <a:lstStyle/>
+          <a:p>
+            <a:pPr algn="ctr"/>
+            <a:r>
+              <a:rPr lang="en-US" dirty="0">
+                <a:cs typeface="Consolas" panose="020B0609020204030204" pitchFamily="49" charset="0"/>
+              </a:rPr>
+              <a:t>Destructors are correctly called as the exception propagates.</a:t>
+            </a:r>
+          </a:p>
+        </p:txBody>
+      </p:sp>
+    </p:spTree>
+    <p:extLst>
+      <p:ext uri="{BB962C8B-B14F-4D97-AF65-F5344CB8AC3E}">
+        <p14:creationId xmlns:p14="http://schemas.microsoft.com/office/powerpoint/2010/main" val="884525296"/>
+      </p:ext>
+    </p:extLst>
+  </p:cSld>
+  <p:clrMapOvr>
+    <a:masterClrMapping/>
+  </p:clrMapOvr>
+</p:sld>
+</file>
+
+<file path=ppt/slides/slide21.xml><?xml version="1.0" encoding="utf-8"?>
+<p:sld xmlns:a="http://schemas.openxmlformats.org/drawingml/2006/main" xmlns:r="http://schemas.openxmlformats.org/officeDocument/2006/relationships" xmlns:p="http://schemas.openxmlformats.org/presentationml/2006/main">
+  <p:cSld>
+    <p:spTree>
+      <p:nvGrpSpPr>
+        <p:cNvPr id="1" name=""/>
+        <p:cNvGrpSpPr/>
+        <p:nvPr/>
+      </p:nvGrpSpPr>
+      <p:grpSpPr>
+        <a:xfrm>
+          <a:off x="0" y="0"/>
+          <a:ext cx="0" cy="0"/>
+          <a:chOff x="0" y="0"/>
+          <a:chExt cx="0" cy="0"/>
+        </a:xfrm>
+      </p:grpSpPr>
+      <p:sp>
+        <p:nvSpPr>
+          <p:cNvPr id="2" name="Title 1">
+            <a:extLst>
+              <a:ext uri="{FF2B5EF4-FFF2-40B4-BE49-F238E27FC236}">
+                <a16:creationId xmlns:a16="http://schemas.microsoft.com/office/drawing/2014/main" id="{69D3C949-08F2-82CE-79A3-68DEB0094D36}"/>
+              </a:ext>
+            </a:extLst>
+          </p:cNvPr>
+          <p:cNvSpPr>
+            <a:spLocks noGrp="1"/>
+          </p:cNvSpPr>
+          <p:nvPr>
+            <p:ph type="title"/>
+          </p:nvPr>
+        </p:nvSpPr>
+        <p:spPr/>
+        <p:txBody>
+          <a:bodyPr/>
+          <a:lstStyle/>
+          <a:p>
+            <a:r>
+              <a:rPr lang="en-US" dirty="0"/>
+              <a:t>Exceptions</a:t>
+            </a:r>
+          </a:p>
+        </p:txBody>
+      </p:sp>
+      <p:sp>
+        <p:nvSpPr>
+          <p:cNvPr id="3" name="Content Placeholder 2">
+            <a:extLst>
+              <a:ext uri="{FF2B5EF4-FFF2-40B4-BE49-F238E27FC236}">
+                <a16:creationId xmlns:a16="http://schemas.microsoft.com/office/drawing/2014/main" id="{406C4C09-85D7-6F52-CB93-339DBA77B806}"/>
+              </a:ext>
+            </a:extLst>
+          </p:cNvPr>
+          <p:cNvSpPr>
+            <a:spLocks noGrp="1"/>
+          </p:cNvSpPr>
+          <p:nvPr>
+            <p:ph idx="1"/>
+          </p:nvPr>
+        </p:nvSpPr>
+        <p:spPr/>
+        <p:txBody>
+          <a:bodyPr/>
+          <a:lstStyle/>
+          <a:p>
+            <a:r>
+              <a:rPr lang="en-US" dirty="0"/>
+              <a:t>See </a:t>
+            </a:r>
+            <a:r>
+              <a:rPr lang="en-US" dirty="0" err="1">
+                <a:latin typeface="Consolas" panose="020B0609020204030204" pitchFamily="49" charset="0"/>
+                <a:cs typeface="Consolas" panose="020B0609020204030204" pitchFamily="49" charset="0"/>
+              </a:rPr>
+              <a:t>exception_demo.cpp</a:t>
+            </a:r>
+            <a:r>
+              <a:rPr lang="en-US" dirty="0"/>
+              <a:t> in the notes for examples …</a:t>
+            </a:r>
+          </a:p>
+        </p:txBody>
+      </p:sp>
+    </p:spTree>
+    <p:extLst>
+      <p:ext uri="{BB962C8B-B14F-4D97-AF65-F5344CB8AC3E}">
+        <p14:creationId xmlns:p14="http://schemas.microsoft.com/office/powerpoint/2010/main" val="1787469844"/>
+      </p:ext>
+    </p:extLst>
+  </p:cSld>
+  <p:clrMapOvr>
+    <a:masterClrMapping/>
+  </p:clrMapOvr>
+</p:sld>
+</file>
+
+<file path=ppt/slides/slide22.xml><?xml version="1.0" encoding="utf-8"?>
+<p:sld xmlns:a="http://schemas.openxmlformats.org/drawingml/2006/main" xmlns:r="http://schemas.openxmlformats.org/officeDocument/2006/relationships" xmlns:p="http://schemas.openxmlformats.org/presentationml/2006/main">
+  <p:cSld>
+    <p:spTree>
+      <p:nvGrpSpPr>
+        <p:cNvPr id="1" name=""/>
+        <p:cNvGrpSpPr/>
+        <p:nvPr/>
+      </p:nvGrpSpPr>
+      <p:grpSpPr>
+        <a:xfrm>
+          <a:off x="0" y="0"/>
+          <a:ext cx="0" cy="0"/>
+          <a:chOff x="0" y="0"/>
+          <a:chExt cx="0" cy="0"/>
+        </a:xfrm>
+      </p:grpSpPr>
+      <p:sp>
+        <p:nvSpPr>
+          <p:cNvPr id="2" name="Title 1">
+            <a:extLst>
+              <a:ext uri="{FF2B5EF4-FFF2-40B4-BE49-F238E27FC236}">
+                <a16:creationId xmlns:a16="http://schemas.microsoft.com/office/drawing/2014/main" id="{2567A48D-1F32-1EB2-F5EA-FAF078466E2F}"/>
+              </a:ext>
+            </a:extLst>
+          </p:cNvPr>
+          <p:cNvSpPr>
+            <a:spLocks noGrp="1"/>
+          </p:cNvSpPr>
+          <p:nvPr>
+            <p:ph type="title"/>
+          </p:nvPr>
+        </p:nvSpPr>
+        <p:spPr/>
+        <p:txBody>
+          <a:bodyPr/>
+          <a:lstStyle/>
+          <a:p>
+            <a:r>
+              <a:rPr lang="en-US" dirty="0"/>
+              <a:t>Summary</a:t>
+            </a:r>
+          </a:p>
+        </p:txBody>
+      </p:sp>
+      <p:sp>
+        <p:nvSpPr>
+          <p:cNvPr id="3" name="Content Placeholder 2">
+            <a:extLst>
+              <a:ext uri="{FF2B5EF4-FFF2-40B4-BE49-F238E27FC236}">
+                <a16:creationId xmlns:a16="http://schemas.microsoft.com/office/drawing/2014/main" id="{2908498F-39FA-FB81-9A18-DBFB7CE03695}"/>
+              </a:ext>
+            </a:extLst>
+          </p:cNvPr>
+          <p:cNvSpPr>
+            <a:spLocks noGrp="1"/>
+          </p:cNvSpPr>
+          <p:nvPr>
+            <p:ph idx="1"/>
+          </p:nvPr>
+        </p:nvSpPr>
+        <p:spPr/>
+        <p:txBody>
+          <a:bodyPr/>
+          <a:lstStyle/>
+          <a:p>
+            <a:r>
+              <a:rPr lang="en-US" b="1" dirty="0"/>
+              <a:t>Exceptions</a:t>
+            </a:r>
+            <a:r>
+              <a:rPr lang="en-US" dirty="0"/>
+              <a:t> are objects that represent serious errors</a:t>
+            </a:r>
+          </a:p>
+          <a:p>
+            <a:r>
+              <a:rPr lang="en-US" dirty="0"/>
+              <a:t>They are created with </a:t>
+            </a:r>
+            <a:r>
+              <a:rPr lang="en-US" b="1" dirty="0"/>
+              <a:t>throw</a:t>
+            </a:r>
+          </a:p>
+          <a:p>
+            <a:r>
+              <a:rPr lang="en-US" dirty="0"/>
+              <a:t>You can handle them with a </a:t>
+            </a:r>
+            <a:r>
+              <a:rPr lang="en-US" b="1" dirty="0"/>
+              <a:t>try/catch block</a:t>
+            </a:r>
+          </a:p>
+          <a:p>
+            <a:r>
+              <a:rPr lang="en-US" dirty="0"/>
+              <a:t>An </a:t>
+            </a:r>
+            <a:r>
+              <a:rPr lang="en-US" b="1" dirty="0"/>
+              <a:t>uncaught exception </a:t>
+            </a:r>
+            <a:r>
+              <a:rPr lang="en-US" dirty="0"/>
+              <a:t>propagates through all the functions on the call stack, and if none catch it it will crash the program</a:t>
+            </a:r>
+          </a:p>
+          <a:p>
+            <a:r>
+              <a:rPr lang="en-US" dirty="0"/>
+              <a:t>Object </a:t>
+            </a:r>
+            <a:r>
+              <a:rPr lang="en-US" b="1" dirty="0"/>
+              <a:t>destructors</a:t>
+            </a:r>
+            <a:r>
+              <a:rPr lang="en-US" dirty="0"/>
+              <a:t> are called correctly with exceptions</a:t>
+            </a:r>
+          </a:p>
+          <a:p>
+            <a:pPr lvl="1"/>
+            <a:r>
+              <a:rPr lang="en-US" dirty="0"/>
+              <a:t>Use </a:t>
+            </a:r>
+            <a:r>
+              <a:rPr lang="en-US" b="1" dirty="0"/>
+              <a:t>RAII</a:t>
+            </a:r>
+            <a:r>
+              <a:rPr lang="en-US" dirty="0"/>
+              <a:t> to avoid memory leaks and related errors</a:t>
+            </a:r>
+          </a:p>
+          <a:p>
+            <a:pPr lvl="1"/>
+            <a:r>
+              <a:rPr lang="en-US" dirty="0"/>
+              <a:t>Another approach is to use C++’s </a:t>
+            </a:r>
+            <a:r>
+              <a:rPr lang="en-US" b="1" dirty="0"/>
+              <a:t>smart pointers </a:t>
+            </a:r>
+            <a:r>
+              <a:rPr lang="en-US" dirty="0"/>
+              <a:t>(we won’t cover those)</a:t>
+            </a:r>
+          </a:p>
+        </p:txBody>
+      </p:sp>
+    </p:spTree>
+    <p:extLst>
+      <p:ext uri="{BB962C8B-B14F-4D97-AF65-F5344CB8AC3E}">
+        <p14:creationId xmlns:p14="http://schemas.microsoft.com/office/powerpoint/2010/main" val="902908186"/>
       </p:ext>
     </p:extLst>
   </p:cSld>

--- a/notes/week8/week8.pptx
+++ b/notes/week8/week8.pptx
@@ -51,34 +51,35 @@
     <p:sldId id="299" r:id="rId45"/>
     <p:sldId id="300" r:id="rId46"/>
     <p:sldId id="301" r:id="rId47"/>
-    <p:sldId id="303" r:id="rId48"/>
-    <p:sldId id="302" r:id="rId49"/>
-    <p:sldId id="304" r:id="rId50"/>
-    <p:sldId id="305" r:id="rId51"/>
-    <p:sldId id="306" r:id="rId52"/>
-    <p:sldId id="311" r:id="rId53"/>
-    <p:sldId id="312" r:id="rId54"/>
-    <p:sldId id="307" r:id="rId55"/>
-    <p:sldId id="308" r:id="rId56"/>
-    <p:sldId id="309" r:id="rId57"/>
-    <p:sldId id="310" r:id="rId58"/>
-    <p:sldId id="316" r:id="rId59"/>
-    <p:sldId id="318" r:id="rId60"/>
-    <p:sldId id="319" r:id="rId61"/>
-    <p:sldId id="317" r:id="rId62"/>
-    <p:sldId id="320" r:id="rId63"/>
-    <p:sldId id="321" r:id="rId64"/>
-    <p:sldId id="323" r:id="rId65"/>
-    <p:sldId id="325" r:id="rId66"/>
-    <p:sldId id="324" r:id="rId67"/>
-    <p:sldId id="326" r:id="rId68"/>
-    <p:sldId id="327" r:id="rId69"/>
-    <p:sldId id="328" r:id="rId70"/>
-    <p:sldId id="329" r:id="rId71"/>
-    <p:sldId id="330" r:id="rId72"/>
-    <p:sldId id="331" r:id="rId73"/>
-    <p:sldId id="332" r:id="rId74"/>
-    <p:sldId id="333" r:id="rId75"/>
+    <p:sldId id="334" r:id="rId48"/>
+    <p:sldId id="303" r:id="rId49"/>
+    <p:sldId id="302" r:id="rId50"/>
+    <p:sldId id="304" r:id="rId51"/>
+    <p:sldId id="305" r:id="rId52"/>
+    <p:sldId id="306" r:id="rId53"/>
+    <p:sldId id="311" r:id="rId54"/>
+    <p:sldId id="312" r:id="rId55"/>
+    <p:sldId id="307" r:id="rId56"/>
+    <p:sldId id="308" r:id="rId57"/>
+    <p:sldId id="309" r:id="rId58"/>
+    <p:sldId id="310" r:id="rId59"/>
+    <p:sldId id="316" r:id="rId60"/>
+    <p:sldId id="318" r:id="rId61"/>
+    <p:sldId id="319" r:id="rId62"/>
+    <p:sldId id="317" r:id="rId63"/>
+    <p:sldId id="320" r:id="rId64"/>
+    <p:sldId id="321" r:id="rId65"/>
+    <p:sldId id="323" r:id="rId66"/>
+    <p:sldId id="325" r:id="rId67"/>
+    <p:sldId id="324" r:id="rId68"/>
+    <p:sldId id="326" r:id="rId69"/>
+    <p:sldId id="327" r:id="rId70"/>
+    <p:sldId id="328" r:id="rId71"/>
+    <p:sldId id="329" r:id="rId72"/>
+    <p:sldId id="330" r:id="rId73"/>
+    <p:sldId id="331" r:id="rId74"/>
+    <p:sldId id="332" r:id="rId75"/>
+    <p:sldId id="333" r:id="rId76"/>
   </p:sldIdLst>
   <p:sldSz cx="12192000" cy="6858000"/>
   <p:notesSz cx="6858000" cy="9144000"/>
@@ -252,6 +253,7 @@
             <p14:sldId id="299"/>
             <p14:sldId id="300"/>
             <p14:sldId id="301"/>
+            <p14:sldId id="334"/>
             <p14:sldId id="303"/>
             <p14:sldId id="302"/>
             <p14:sldId id="304"/>
@@ -294,6 +296,7 @@
 <file path=ppt/revisionInfo.xml><?xml version="1.0" encoding="utf-8"?>
 <p1510:revInfo xmlns:a="http://schemas.openxmlformats.org/drawingml/2006/main" xmlns:r="http://schemas.openxmlformats.org/officeDocument/2006/relationships" xmlns:p1510="http://schemas.microsoft.com/office/powerpoint/2015/10/main">
   <p1510:revLst>
+    <p1510:client id="{4BFA2F36-C753-BD48-806B-1A0328F82588}" v="2" dt="2026-02-25T21:09:44.719"/>
     <p1510:client id="{6507C9E3-5D4D-2047-AC1A-48E103CA2CF4}" v="151" dt="2026-02-25T01:28:43.270"/>
   </p1510:revLst>
 </p1510:revInfo>
@@ -304,7 +307,7 @@
   <pc:docChgLst>
     <pc:chgData name="Toby Donaldson" userId="2e6e5431-bb17-4c41-9985-d39c50d83c73" providerId="ADAL" clId="{F31BC264-820E-54C4-A6D1-F92AF9CC222E}"/>
     <pc:docChg chg="undo custSel addSld modSld sldOrd modSection">
-      <pc:chgData name="Toby Donaldson" userId="2e6e5431-bb17-4c41-9985-d39c50d83c73" providerId="ADAL" clId="{F31BC264-820E-54C4-A6D1-F92AF9CC222E}" dt="2026-02-23T22:17:44.595" v="1102"/>
+      <pc:chgData name="Toby Donaldson" userId="2e6e5431-bb17-4c41-9985-d39c50d83c73" providerId="ADAL" clId="{F31BC264-820E-54C4-A6D1-F92AF9CC222E}" dt="2026-02-25T21:09:44.718" v="1121"/>
       <pc:docMkLst>
         <pc:docMk/>
       </pc:docMkLst>
@@ -718,6 +721,126 @@
           </ac:inkMkLst>
         </pc:inkChg>
       </pc:sldChg>
+      <pc:sldChg chg="modSp mod">
+        <pc:chgData name="Toby Donaldson" userId="2e6e5431-bb17-4c41-9985-d39c50d83c73" providerId="ADAL" clId="{F31BC264-820E-54C4-A6D1-F92AF9CC222E}" dt="2026-02-25T20:19:48.442" v="1117" actId="20577"/>
+        <pc:sldMkLst>
+          <pc:docMk/>
+          <pc:sldMk cId="1968145541" sldId="299"/>
+        </pc:sldMkLst>
+        <pc:spChg chg="mod">
+          <ac:chgData name="Toby Donaldson" userId="2e6e5431-bb17-4c41-9985-d39c50d83c73" providerId="ADAL" clId="{F31BC264-820E-54C4-A6D1-F92AF9CC222E}" dt="2026-02-25T20:19:48.442" v="1117" actId="20577"/>
+          <ac:spMkLst>
+            <pc:docMk/>
+            <pc:sldMk cId="1968145541" sldId="299"/>
+            <ac:spMk id="3" creationId="{A14B8A42-9998-84EA-AF4E-A05FAADB6BB2}"/>
+          </ac:spMkLst>
+        </pc:spChg>
+      </pc:sldChg>
+      <pc:sldChg chg="delSp mod">
+        <pc:chgData name="Toby Donaldson" userId="2e6e5431-bb17-4c41-9985-d39c50d83c73" providerId="ADAL" clId="{F31BC264-820E-54C4-A6D1-F92AF9CC222E}" dt="2026-02-25T20:20:13.241" v="1119" actId="21"/>
+        <pc:sldMkLst>
+          <pc:docMk/>
+          <pc:sldMk cId="3502180146" sldId="301"/>
+        </pc:sldMkLst>
+        <pc:spChg chg="del">
+          <ac:chgData name="Toby Donaldson" userId="2e6e5431-bb17-4c41-9985-d39c50d83c73" providerId="ADAL" clId="{F31BC264-820E-54C4-A6D1-F92AF9CC222E}" dt="2026-02-25T20:20:13.241" v="1119" actId="21"/>
+          <ac:spMkLst>
+            <pc:docMk/>
+            <pc:sldMk cId="3502180146" sldId="301"/>
+            <ac:spMk id="8" creationId="{1186F9E2-8242-0AD2-C851-06719FA2B450}"/>
+          </ac:spMkLst>
+        </pc:spChg>
+      </pc:sldChg>
+      <pc:sldChg chg="addSp">
+        <pc:chgData name="Toby Donaldson" userId="2e6e5431-bb17-4c41-9985-d39c50d83c73" providerId="ADAL" clId="{F31BC264-820E-54C4-A6D1-F92AF9CC222E}" dt="2026-02-25T20:38:37.807" v="1120"/>
+        <pc:sldMkLst>
+          <pc:docMk/>
+          <pc:sldMk cId="260107413" sldId="304"/>
+        </pc:sldMkLst>
+        <pc:inkChg chg="add">
+          <ac:chgData name="Toby Donaldson" userId="2e6e5431-bb17-4c41-9985-d39c50d83c73" providerId="ADAL" clId="{F31BC264-820E-54C4-A6D1-F92AF9CC222E}" dt="2026-02-25T20:38:37.807" v="1120"/>
+          <ac:inkMkLst>
+            <pc:docMk/>
+            <pc:sldMk cId="260107413" sldId="304"/>
+            <ac:inkMk id="5" creationId="{152BA2F9-B6A3-796D-F1F1-E9957E110956}"/>
+          </ac:inkMkLst>
+        </pc:inkChg>
+      </pc:sldChg>
+      <pc:sldChg chg="addSp">
+        <pc:chgData name="Toby Donaldson" userId="2e6e5431-bb17-4c41-9985-d39c50d83c73" providerId="ADAL" clId="{F31BC264-820E-54C4-A6D1-F92AF9CC222E}" dt="2026-02-25T21:09:44.718" v="1121"/>
+        <pc:sldMkLst>
+          <pc:docMk/>
+          <pc:sldMk cId="2624689420" sldId="305"/>
+        </pc:sldMkLst>
+        <pc:inkChg chg="add">
+          <ac:chgData name="Toby Donaldson" userId="2e6e5431-bb17-4c41-9985-d39c50d83c73" providerId="ADAL" clId="{F31BC264-820E-54C4-A6D1-F92AF9CC222E}" dt="2026-02-25T21:09:44.718" v="1121"/>
+          <ac:inkMkLst>
+            <pc:docMk/>
+            <pc:sldMk cId="2624689420" sldId="305"/>
+            <ac:inkMk id="5" creationId="{C8C28E1E-B9E2-D9E5-2FDE-76CAE9D2258C}"/>
+          </ac:inkMkLst>
+        </pc:inkChg>
+      </pc:sldChg>
+      <pc:sldChg chg="addSp">
+        <pc:chgData name="Toby Donaldson" userId="2e6e5431-bb17-4c41-9985-d39c50d83c73" providerId="ADAL" clId="{F31BC264-820E-54C4-A6D1-F92AF9CC222E}" dt="2026-02-25T21:09:44.718" v="1121"/>
+        <pc:sldMkLst>
+          <pc:docMk/>
+          <pc:sldMk cId="3489250557" sldId="306"/>
+        </pc:sldMkLst>
+        <pc:inkChg chg="add">
+          <ac:chgData name="Toby Donaldson" userId="2e6e5431-bb17-4c41-9985-d39c50d83c73" providerId="ADAL" clId="{F31BC264-820E-54C4-A6D1-F92AF9CC222E}" dt="2026-02-25T21:09:44.718" v="1121"/>
+          <ac:inkMkLst>
+            <pc:docMk/>
+            <pc:sldMk cId="3489250557" sldId="306"/>
+            <ac:inkMk id="4" creationId="{A9F536AB-73F4-740B-A277-BDEAE14BCA86}"/>
+          </ac:inkMkLst>
+        </pc:inkChg>
+      </pc:sldChg>
+      <pc:sldChg chg="addSp">
+        <pc:chgData name="Toby Donaldson" userId="2e6e5431-bb17-4c41-9985-d39c50d83c73" providerId="ADAL" clId="{F31BC264-820E-54C4-A6D1-F92AF9CC222E}" dt="2026-02-25T21:09:44.718" v="1121"/>
+        <pc:sldMkLst>
+          <pc:docMk/>
+          <pc:sldMk cId="1064403315" sldId="307"/>
+        </pc:sldMkLst>
+        <pc:inkChg chg="add">
+          <ac:chgData name="Toby Donaldson" userId="2e6e5431-bb17-4c41-9985-d39c50d83c73" providerId="ADAL" clId="{F31BC264-820E-54C4-A6D1-F92AF9CC222E}" dt="2026-02-25T21:09:44.718" v="1121"/>
+          <ac:inkMkLst>
+            <pc:docMk/>
+            <pc:sldMk cId="1064403315" sldId="307"/>
+            <ac:inkMk id="4" creationId="{4A65B0FA-2AE1-C226-F0C8-BD62D6F9E2D5}"/>
+          </ac:inkMkLst>
+        </pc:inkChg>
+      </pc:sldChg>
+      <pc:sldChg chg="addSp">
+        <pc:chgData name="Toby Donaldson" userId="2e6e5431-bb17-4c41-9985-d39c50d83c73" providerId="ADAL" clId="{F31BC264-820E-54C4-A6D1-F92AF9CC222E}" dt="2026-02-25T21:09:44.718" v="1121"/>
+        <pc:sldMkLst>
+          <pc:docMk/>
+          <pc:sldMk cId="2996340326" sldId="311"/>
+        </pc:sldMkLst>
+        <pc:inkChg chg="add">
+          <ac:chgData name="Toby Donaldson" userId="2e6e5431-bb17-4c41-9985-d39c50d83c73" providerId="ADAL" clId="{F31BC264-820E-54C4-A6D1-F92AF9CC222E}" dt="2026-02-25T21:09:44.718" v="1121"/>
+          <ac:inkMkLst>
+            <pc:docMk/>
+            <pc:sldMk cId="2996340326" sldId="311"/>
+            <ac:inkMk id="4" creationId="{5E421557-739B-C646-5BFC-A166F87A5153}"/>
+          </ac:inkMkLst>
+        </pc:inkChg>
+      </pc:sldChg>
+      <pc:sldChg chg="addSp">
+        <pc:chgData name="Toby Donaldson" userId="2e6e5431-bb17-4c41-9985-d39c50d83c73" providerId="ADAL" clId="{F31BC264-820E-54C4-A6D1-F92AF9CC222E}" dt="2026-02-25T21:09:44.718" v="1121"/>
+        <pc:sldMkLst>
+          <pc:docMk/>
+          <pc:sldMk cId="3196339335" sldId="312"/>
+        </pc:sldMkLst>
+        <pc:inkChg chg="add">
+          <ac:chgData name="Toby Donaldson" userId="2e6e5431-bb17-4c41-9985-d39c50d83c73" providerId="ADAL" clId="{F31BC264-820E-54C4-A6D1-F92AF9CC222E}" dt="2026-02-25T21:09:44.718" v="1121"/>
+          <ac:inkMkLst>
+            <pc:docMk/>
+            <pc:sldMk cId="3196339335" sldId="312"/>
+            <ac:inkMk id="4" creationId="{D683FAF6-B185-B2D6-C4CA-C4FDB628E24E}"/>
+          </ac:inkMkLst>
+        </pc:inkChg>
+      </pc:sldChg>
       <pc:sldChg chg="addSp delSp modSp add mod">
         <pc:chgData name="Toby Donaldson" userId="2e6e5431-bb17-4c41-9985-d39c50d83c73" providerId="ADAL" clId="{F31BC264-820E-54C4-A6D1-F92AF9CC222E}" dt="2026-02-23T18:53:30.662" v="332" actId="1076"/>
         <pc:sldMkLst>
@@ -1058,6 +1181,238 @@
             <ac:cxnSpMk id="73" creationId="{2D477884-2706-2EBE-1B44-47862CF9D6A8}"/>
           </ac:cxnSpMkLst>
         </pc:cxnChg>
+      </pc:sldChg>
+      <pc:sldChg chg="addSp">
+        <pc:chgData name="Toby Donaldson" userId="2e6e5431-bb17-4c41-9985-d39c50d83c73" providerId="ADAL" clId="{F31BC264-820E-54C4-A6D1-F92AF9CC222E}" dt="2026-02-25T21:09:44.718" v="1121"/>
+        <pc:sldMkLst>
+          <pc:docMk/>
+          <pc:sldMk cId="68701332" sldId="316"/>
+        </pc:sldMkLst>
+        <pc:inkChg chg="add">
+          <ac:chgData name="Toby Donaldson" userId="2e6e5431-bb17-4c41-9985-d39c50d83c73" providerId="ADAL" clId="{F31BC264-820E-54C4-A6D1-F92AF9CC222E}" dt="2026-02-25T21:09:44.718" v="1121"/>
+          <ac:inkMkLst>
+            <pc:docMk/>
+            <pc:sldMk cId="68701332" sldId="316"/>
+            <ac:inkMk id="4" creationId="{E1780A5C-BB11-B3A2-FE44-0351638C516A}"/>
+          </ac:inkMkLst>
+        </pc:inkChg>
+      </pc:sldChg>
+      <pc:sldChg chg="addSp">
+        <pc:chgData name="Toby Donaldson" userId="2e6e5431-bb17-4c41-9985-d39c50d83c73" providerId="ADAL" clId="{F31BC264-820E-54C4-A6D1-F92AF9CC222E}" dt="2026-02-25T21:09:44.718" v="1121"/>
+        <pc:sldMkLst>
+          <pc:docMk/>
+          <pc:sldMk cId="1044574607" sldId="317"/>
+        </pc:sldMkLst>
+        <pc:inkChg chg="add">
+          <ac:chgData name="Toby Donaldson" userId="2e6e5431-bb17-4c41-9985-d39c50d83c73" providerId="ADAL" clId="{F31BC264-820E-54C4-A6D1-F92AF9CC222E}" dt="2026-02-25T21:09:44.718" v="1121"/>
+          <ac:inkMkLst>
+            <pc:docMk/>
+            <pc:sldMk cId="1044574607" sldId="317"/>
+            <ac:inkMk id="3" creationId="{243EB508-FF95-568E-8FD5-C95EFBA7E561}"/>
+          </ac:inkMkLst>
+        </pc:inkChg>
+      </pc:sldChg>
+      <pc:sldChg chg="addSp">
+        <pc:chgData name="Toby Donaldson" userId="2e6e5431-bb17-4c41-9985-d39c50d83c73" providerId="ADAL" clId="{F31BC264-820E-54C4-A6D1-F92AF9CC222E}" dt="2026-02-25T21:09:44.718" v="1121"/>
+        <pc:sldMkLst>
+          <pc:docMk/>
+          <pc:sldMk cId="3204258560" sldId="318"/>
+        </pc:sldMkLst>
+        <pc:inkChg chg="add">
+          <ac:chgData name="Toby Donaldson" userId="2e6e5431-bb17-4c41-9985-d39c50d83c73" providerId="ADAL" clId="{F31BC264-820E-54C4-A6D1-F92AF9CC222E}" dt="2026-02-25T21:09:44.718" v="1121"/>
+          <ac:inkMkLst>
+            <pc:docMk/>
+            <pc:sldMk cId="3204258560" sldId="318"/>
+            <ac:inkMk id="4" creationId="{CEACED12-10A0-0190-1F85-A91789F864DB}"/>
+          </ac:inkMkLst>
+        </pc:inkChg>
+      </pc:sldChg>
+      <pc:sldChg chg="addSp">
+        <pc:chgData name="Toby Donaldson" userId="2e6e5431-bb17-4c41-9985-d39c50d83c73" providerId="ADAL" clId="{F31BC264-820E-54C4-A6D1-F92AF9CC222E}" dt="2026-02-25T21:09:44.718" v="1121"/>
+        <pc:sldMkLst>
+          <pc:docMk/>
+          <pc:sldMk cId="2370031398" sldId="319"/>
+        </pc:sldMkLst>
+        <pc:inkChg chg="add">
+          <ac:chgData name="Toby Donaldson" userId="2e6e5431-bb17-4c41-9985-d39c50d83c73" providerId="ADAL" clId="{F31BC264-820E-54C4-A6D1-F92AF9CC222E}" dt="2026-02-25T21:09:44.718" v="1121"/>
+          <ac:inkMkLst>
+            <pc:docMk/>
+            <pc:sldMk cId="2370031398" sldId="319"/>
+            <ac:inkMk id="5" creationId="{87064FAC-C2EC-B7E2-A810-3D23145CBFE4}"/>
+          </ac:inkMkLst>
+        </pc:inkChg>
+      </pc:sldChg>
+      <pc:sldChg chg="addSp">
+        <pc:chgData name="Toby Donaldson" userId="2e6e5431-bb17-4c41-9985-d39c50d83c73" providerId="ADAL" clId="{F31BC264-820E-54C4-A6D1-F92AF9CC222E}" dt="2026-02-25T21:09:44.718" v="1121"/>
+        <pc:sldMkLst>
+          <pc:docMk/>
+          <pc:sldMk cId="3509777442" sldId="321"/>
+        </pc:sldMkLst>
+        <pc:inkChg chg="add">
+          <ac:chgData name="Toby Donaldson" userId="2e6e5431-bb17-4c41-9985-d39c50d83c73" providerId="ADAL" clId="{F31BC264-820E-54C4-A6D1-F92AF9CC222E}" dt="2026-02-25T21:09:44.718" v="1121"/>
+          <ac:inkMkLst>
+            <pc:docMk/>
+            <pc:sldMk cId="3509777442" sldId="321"/>
+            <ac:inkMk id="3" creationId="{78A2985A-0B7E-A677-177E-846D7A0DE131}"/>
+          </ac:inkMkLst>
+        </pc:inkChg>
+      </pc:sldChg>
+      <pc:sldChg chg="addSp">
+        <pc:chgData name="Toby Donaldson" userId="2e6e5431-bb17-4c41-9985-d39c50d83c73" providerId="ADAL" clId="{F31BC264-820E-54C4-A6D1-F92AF9CC222E}" dt="2026-02-25T21:09:44.718" v="1121"/>
+        <pc:sldMkLst>
+          <pc:docMk/>
+          <pc:sldMk cId="1695079655" sldId="323"/>
+        </pc:sldMkLst>
+        <pc:inkChg chg="add">
+          <ac:chgData name="Toby Donaldson" userId="2e6e5431-bb17-4c41-9985-d39c50d83c73" providerId="ADAL" clId="{F31BC264-820E-54C4-A6D1-F92AF9CC222E}" dt="2026-02-25T21:09:44.718" v="1121"/>
+          <ac:inkMkLst>
+            <pc:docMk/>
+            <pc:sldMk cId="1695079655" sldId="323"/>
+            <ac:inkMk id="4" creationId="{C109CAA6-C4C5-3AF6-1086-04A7423C6805}"/>
+          </ac:inkMkLst>
+        </pc:inkChg>
+      </pc:sldChg>
+      <pc:sldChg chg="addSp">
+        <pc:chgData name="Toby Donaldson" userId="2e6e5431-bb17-4c41-9985-d39c50d83c73" providerId="ADAL" clId="{F31BC264-820E-54C4-A6D1-F92AF9CC222E}" dt="2026-02-25T21:09:44.718" v="1121"/>
+        <pc:sldMkLst>
+          <pc:docMk/>
+          <pc:sldMk cId="3997461333" sldId="324"/>
+        </pc:sldMkLst>
+        <pc:inkChg chg="add">
+          <ac:chgData name="Toby Donaldson" userId="2e6e5431-bb17-4c41-9985-d39c50d83c73" providerId="ADAL" clId="{F31BC264-820E-54C4-A6D1-F92AF9CC222E}" dt="2026-02-25T21:09:44.718" v="1121"/>
+          <ac:inkMkLst>
+            <pc:docMk/>
+            <pc:sldMk cId="3997461333" sldId="324"/>
+            <ac:inkMk id="5" creationId="{84EC2D86-C0E2-68A5-D2EC-4B6702FA8CA6}"/>
+          </ac:inkMkLst>
+        </pc:inkChg>
+      </pc:sldChg>
+      <pc:sldChg chg="addSp">
+        <pc:chgData name="Toby Donaldson" userId="2e6e5431-bb17-4c41-9985-d39c50d83c73" providerId="ADAL" clId="{F31BC264-820E-54C4-A6D1-F92AF9CC222E}" dt="2026-02-25T21:09:44.718" v="1121"/>
+        <pc:sldMkLst>
+          <pc:docMk/>
+          <pc:sldMk cId="4180078141" sldId="326"/>
+        </pc:sldMkLst>
+        <pc:inkChg chg="add">
+          <ac:chgData name="Toby Donaldson" userId="2e6e5431-bb17-4c41-9985-d39c50d83c73" providerId="ADAL" clId="{F31BC264-820E-54C4-A6D1-F92AF9CC222E}" dt="2026-02-25T21:09:44.718" v="1121"/>
+          <ac:inkMkLst>
+            <pc:docMk/>
+            <pc:sldMk cId="4180078141" sldId="326"/>
+            <ac:inkMk id="4" creationId="{109C3384-F519-9268-F9C1-1D6F6CA955E4}"/>
+          </ac:inkMkLst>
+        </pc:inkChg>
+      </pc:sldChg>
+      <pc:sldChg chg="addSp">
+        <pc:chgData name="Toby Donaldson" userId="2e6e5431-bb17-4c41-9985-d39c50d83c73" providerId="ADAL" clId="{F31BC264-820E-54C4-A6D1-F92AF9CC222E}" dt="2026-02-25T21:09:44.718" v="1121"/>
+        <pc:sldMkLst>
+          <pc:docMk/>
+          <pc:sldMk cId="3993124709" sldId="327"/>
+        </pc:sldMkLst>
+        <pc:inkChg chg="add">
+          <ac:chgData name="Toby Donaldson" userId="2e6e5431-bb17-4c41-9985-d39c50d83c73" providerId="ADAL" clId="{F31BC264-820E-54C4-A6D1-F92AF9CC222E}" dt="2026-02-25T21:09:44.718" v="1121"/>
+          <ac:inkMkLst>
+            <pc:docMk/>
+            <pc:sldMk cId="3993124709" sldId="327"/>
+            <ac:inkMk id="6" creationId="{426EF93F-0B1A-D516-BC9F-9BDDB8843AA7}"/>
+          </ac:inkMkLst>
+        </pc:inkChg>
+      </pc:sldChg>
+      <pc:sldChg chg="addSp">
+        <pc:chgData name="Toby Donaldson" userId="2e6e5431-bb17-4c41-9985-d39c50d83c73" providerId="ADAL" clId="{F31BC264-820E-54C4-A6D1-F92AF9CC222E}" dt="2026-02-25T21:09:44.718" v="1121"/>
+        <pc:sldMkLst>
+          <pc:docMk/>
+          <pc:sldMk cId="2460270636" sldId="328"/>
+        </pc:sldMkLst>
+        <pc:inkChg chg="add">
+          <ac:chgData name="Toby Donaldson" userId="2e6e5431-bb17-4c41-9985-d39c50d83c73" providerId="ADAL" clId="{F31BC264-820E-54C4-A6D1-F92AF9CC222E}" dt="2026-02-25T21:09:44.718" v="1121"/>
+          <ac:inkMkLst>
+            <pc:docMk/>
+            <pc:sldMk cId="2460270636" sldId="328"/>
+            <ac:inkMk id="4" creationId="{3127CB6B-8516-7A30-7416-EE2CF98561F7}"/>
+          </ac:inkMkLst>
+        </pc:inkChg>
+      </pc:sldChg>
+      <pc:sldChg chg="addSp">
+        <pc:chgData name="Toby Donaldson" userId="2e6e5431-bb17-4c41-9985-d39c50d83c73" providerId="ADAL" clId="{F31BC264-820E-54C4-A6D1-F92AF9CC222E}" dt="2026-02-25T21:09:44.718" v="1121"/>
+        <pc:sldMkLst>
+          <pc:docMk/>
+          <pc:sldMk cId="1954137213" sldId="329"/>
+        </pc:sldMkLst>
+        <pc:inkChg chg="add">
+          <ac:chgData name="Toby Donaldson" userId="2e6e5431-bb17-4c41-9985-d39c50d83c73" providerId="ADAL" clId="{F31BC264-820E-54C4-A6D1-F92AF9CC222E}" dt="2026-02-25T21:09:44.718" v="1121"/>
+          <ac:inkMkLst>
+            <pc:docMk/>
+            <pc:sldMk cId="1954137213" sldId="329"/>
+            <ac:inkMk id="5" creationId="{C62D0B6B-D70E-4545-68F2-AA3F19BCB1A3}"/>
+          </ac:inkMkLst>
+        </pc:inkChg>
+      </pc:sldChg>
+      <pc:sldChg chg="addSp">
+        <pc:chgData name="Toby Donaldson" userId="2e6e5431-bb17-4c41-9985-d39c50d83c73" providerId="ADAL" clId="{F31BC264-820E-54C4-A6D1-F92AF9CC222E}" dt="2026-02-25T21:09:44.718" v="1121"/>
+        <pc:sldMkLst>
+          <pc:docMk/>
+          <pc:sldMk cId="1183487625" sldId="330"/>
+        </pc:sldMkLst>
+        <pc:inkChg chg="add">
+          <ac:chgData name="Toby Donaldson" userId="2e6e5431-bb17-4c41-9985-d39c50d83c73" providerId="ADAL" clId="{F31BC264-820E-54C4-A6D1-F92AF9CC222E}" dt="2026-02-25T21:09:44.718" v="1121"/>
+          <ac:inkMkLst>
+            <pc:docMk/>
+            <pc:sldMk cId="1183487625" sldId="330"/>
+            <ac:inkMk id="4" creationId="{06A88A9C-838E-8076-AD8A-69BD04C73A78}"/>
+          </ac:inkMkLst>
+        </pc:inkChg>
+      </pc:sldChg>
+      <pc:sldChg chg="addSp">
+        <pc:chgData name="Toby Donaldson" userId="2e6e5431-bb17-4c41-9985-d39c50d83c73" providerId="ADAL" clId="{F31BC264-820E-54C4-A6D1-F92AF9CC222E}" dt="2026-02-25T21:09:44.718" v="1121"/>
+        <pc:sldMkLst>
+          <pc:docMk/>
+          <pc:sldMk cId="4122577373" sldId="331"/>
+        </pc:sldMkLst>
+        <pc:inkChg chg="add">
+          <ac:chgData name="Toby Donaldson" userId="2e6e5431-bb17-4c41-9985-d39c50d83c73" providerId="ADAL" clId="{F31BC264-820E-54C4-A6D1-F92AF9CC222E}" dt="2026-02-25T21:09:44.718" v="1121"/>
+          <ac:inkMkLst>
+            <pc:docMk/>
+            <pc:sldMk cId="4122577373" sldId="331"/>
+            <ac:inkMk id="4" creationId="{FD72EEA4-E16F-AB21-829F-2B84AC6CA2DE}"/>
+          </ac:inkMkLst>
+        </pc:inkChg>
+      </pc:sldChg>
+      <pc:sldChg chg="addSp">
+        <pc:chgData name="Toby Donaldson" userId="2e6e5431-bb17-4c41-9985-d39c50d83c73" providerId="ADAL" clId="{F31BC264-820E-54C4-A6D1-F92AF9CC222E}" dt="2026-02-25T21:09:44.718" v="1121"/>
+        <pc:sldMkLst>
+          <pc:docMk/>
+          <pc:sldMk cId="3396961717" sldId="332"/>
+        </pc:sldMkLst>
+        <pc:inkChg chg="add">
+          <ac:chgData name="Toby Donaldson" userId="2e6e5431-bb17-4c41-9985-d39c50d83c73" providerId="ADAL" clId="{F31BC264-820E-54C4-A6D1-F92AF9CC222E}" dt="2026-02-25T21:09:44.718" v="1121"/>
+          <ac:inkMkLst>
+            <pc:docMk/>
+            <pc:sldMk cId="3396961717" sldId="332"/>
+            <ac:inkMk id="2" creationId="{B11A4F3A-3A57-71F4-D320-030302590B2D}"/>
+          </ac:inkMkLst>
+        </pc:inkChg>
+      </pc:sldChg>
+      <pc:sldChg chg="addSp">
+        <pc:chgData name="Toby Donaldson" userId="2e6e5431-bb17-4c41-9985-d39c50d83c73" providerId="ADAL" clId="{F31BC264-820E-54C4-A6D1-F92AF9CC222E}" dt="2026-02-25T21:09:44.718" v="1121"/>
+        <pc:sldMkLst>
+          <pc:docMk/>
+          <pc:sldMk cId="3071577580" sldId="333"/>
+        </pc:sldMkLst>
+        <pc:inkChg chg="add">
+          <ac:chgData name="Toby Donaldson" userId="2e6e5431-bb17-4c41-9985-d39c50d83c73" providerId="ADAL" clId="{F31BC264-820E-54C4-A6D1-F92AF9CC222E}" dt="2026-02-25T21:09:44.718" v="1121"/>
+          <ac:inkMkLst>
+            <pc:docMk/>
+            <pc:sldMk cId="3071577580" sldId="333"/>
+            <ac:inkMk id="4" creationId="{EC9634BF-0381-79C1-C24E-98FB8649D12C}"/>
+          </ac:inkMkLst>
+        </pc:inkChg>
+      </pc:sldChg>
+      <pc:sldChg chg="add">
+        <pc:chgData name="Toby Donaldson" userId="2e6e5431-bb17-4c41-9985-d39c50d83c73" providerId="ADAL" clId="{F31BC264-820E-54C4-A6D1-F92AF9CC222E}" dt="2026-02-25T20:20:09.855" v="1118" actId="2890"/>
+        <pc:sldMkLst>
+          <pc:docMk/>
+          <pc:sldMk cId="1958555326" sldId="334"/>
+        </pc:sldMkLst>
       </pc:sldChg>
     </pc:docChg>
   </pc:docChgLst>
@@ -1960,14 +2315,6 @@
             <pc:docMk/>
             <pc:sldMk cId="3502180146" sldId="301"/>
             <ac:spMk id="7" creationId="{08AD9CF3-FACB-F9B7-CFBC-C17A41352CE5}"/>
-          </ac:spMkLst>
-        </pc:spChg>
-        <pc:spChg chg="add mod">
-          <ac:chgData name="Toby Donaldson" userId="2e6e5431-bb17-4c41-9985-d39c50d83c73" providerId="ADAL" clId="{7F9681A8-EEE2-56F4-9B39-ECCBEE0471AC}" dt="2026-02-23T04:43:24.441" v="9173" actId="692"/>
-          <ac:spMkLst>
-            <pc:docMk/>
-            <pc:sldMk cId="3502180146" sldId="301"/>
-            <ac:spMk id="8" creationId="{1186F9E2-8242-0AD2-C851-06719FA2B450}"/>
           </ac:spMkLst>
         </pc:spChg>
       </pc:sldChg>
@@ -3417,6 +3764,123 @@
 </inkml:ink>
 </file>
 
+<file path=ppt/ink/ink16.xml><?xml version="1.0" encoding="utf-8"?>
+<inkml:ink xmlns:inkml="http://www.w3.org/2003/InkML">
+  <inkml:definitions>
+    <inkml:context xml:id="ctx0">
+      <inkml:inkSource xml:id="inkSrc0">
+        <inkml:traceFormat>
+          <inkml:channel name="X" type="integer" min="-2.14748E9" max="2.14748E9" units="cm"/>
+          <inkml:channel name="Y" type="integer" min="-2.14748E9" max="2.14748E9" units="cm"/>
+          <inkml:channel name="F" type="integer" max="32767" units="dev"/>
+        </inkml:traceFormat>
+        <inkml:channelProperties>
+          <inkml:channelProperty channel="X" name="resolution" value="1000" units="1/cm"/>
+          <inkml:channelProperty channel="Y" name="resolution" value="1000" units="1/cm"/>
+          <inkml:channelProperty channel="F" name="resolution" value="0" units="1/dev"/>
+        </inkml:channelProperties>
+      </inkml:inkSource>
+      <inkml:timestamp xml:id="ts0" timeString="2026-02-25T20:38:05.549"/>
+    </inkml:context>
+    <inkml:brush xml:id="br0">
+      <inkml:brushProperty name="width" value="0.05292" units="cm"/>
+      <inkml:brushProperty name="height" value="0.05292" units="cm"/>
+      <inkml:brushProperty name="color" value="#FF0000"/>
+    </inkml:brush>
+  </inkml:definitions>
+  <inkml:trace contextRef="#ctx0" brushRef="#br0">13511 8890 24575,'20'0'0,"-4"24"0,-16-19 0,23 19 0,-17-24 0,33 0 0,-35 0 0,12 0 0,7 0 0,-1 0 0,21 0 0,0 0 0,-21 0 0,1 0 0,-23 0 0</inkml:trace>
+  <inkml:trace contextRef="#ctx0" brushRef="#br0" timeOffset="2837">12506 11113 24575,'43'0'0,"-13"0"0,1 0 0,18 0 0,-6 0 0,-13 0 0,-5 0 0,-15 0 0,18 0 0,-1 0 0,-24 0 0,13 0 0,-16 0 0,0 0 0</inkml:trace>
+  <inkml:trace contextRef="#ctx0" brushRef="#br0" timeOffset="5752">12682 10195 24575,'40'0'0,"-1"0"0,0 0 0,-1 0 0,5 0 0,4 0 0,4 0 0,1 0 0,2 0 0,-2 0 0,-1 0-365,-5 0 1,-1 0 0,0 0 0,0 0 0,1 0 0,1 0 0,0 0 0,3 0 0,0 0 111,-4 0 1,1 0 0,1 0 0,2 0 0,0 0 0,1 0 0,1 0 0,-1 0 0,1 0 0,-1 0 0,-1 0 0,-1 0 0,-1 0-46,3 0 0,0 0 0,-1 0 0,-1 0 0,0 0 0,0 0 0,0 0 0,-1 0 1,0 0-1,0 0 0,-1 0-30,2 0 0,-1 0 0,0 0 1,-1 0-1,0 0 0,0 0 1,0 0-1,-1 0 0,0 0 1,0 0 299,1 0 1,0 0 0,0 0 0,0 0 0,-1 0 0,0 0 0,-2 0-1,0 0 1,-1 0 27,3 0 0,0 0 0,-2 0 0,-1 0 0,0 0 0,-2 0 0,0 0-106,7 0 1,0 0-1,-3 0 1,-1 0 0,-2 0 105,11-1 0,-4 1 0,-4 1 1634,5 7 0,-4 0-1634,-2-8 0,-2 4 0,-3 15 0,3 1 0,2-15 0,6-6 0,-1 3 0,-5 5 0,-1 3 0,3-4 0,-7-3 0,3-3 0,1-1 0,-1 0 0,-2 0 0,11 1 0,-2 0 0,0 0 1092,1 0 0,-1 0 0,-1 0-792,-8 0 0,0 0 0,-1 0-300,5 0 0,-1 0 0,2 0 0,2 0 0,1 0 0,2 0 581,-4 0 0,2 0 1,0 0-1,0 0-581,-5 0 0,0 0 0,0 0 0,0 0 0,3 0 0,1 0 0,0 0 0,-2 0 0,-7 0 0,0 0 0,-1 0 0,1 0 0,2 0 0,2 0 0,-1 0 0,-2 0 220,5 0 1,-1 0-1,0 0-220,0 0 0,1 0 0,0 0 0,-3 0 0,-1 0 0,-2 0 0,10 0 0,-3 0 0,-5 2 0,0-4 432,2-9 1,-2-1-433,-7 9 0,-1 0 917,0-9 0,1 1-917,8 9 0,0 4 375,-13-2 1,1 0-376,12-8 0,4 0 0,2 7 0,2-2-259,-14-6 0,1-4 0,1 4 259,6 6 0,2 5 0,-2-5 0,-8-9 0,-3-3 0,3 2 0,9 5 0,3 2 0,-5-1-95,-2-6 1,-1-2 94,-3 4 0,3-1 0,-5 4 0,-5 6 0,-1 0 0,14-6 0,-1 1 0,8 7 0,-12-12 0,2 0 0,-4 9 0,1 0 0,11-9 0,2 1 0,-4 9 0,2 4 40,-8-2 0,1 0 1,0 0-41,-3 0 0,-2 0 0,1 0 0,0 0 0,0 0 0,0 0-18,-1 0 0,0 0 1,-1 0 17,10 0 0,0 0 0,-10 0 0,2 0 0,-2 0 0,7 0 0,2 0 0,-3 0 0,4 0 0,-3 0 0,-6 0 0,-2 1 0,1-2 0,8-4 0,2-1 0,2 1-514,-7 4 1,2 1 0,0 0 0,0-3 513,2-5 0,-1-3 0,1 0 0,2 2 0,-4 3 0,1 3 0,1-1 0,0 1 0,0-3 0,-2-1 0,0-3 0,-1 1 0,1 0 0,-1 1 0,9 2 0,-1 1 0,1 1 0,-1 0 0,-7 0 0,-1 0 0,1 1 0,-1 0 0,-2 1 0,3 1 0,-2 1 0,-1 1 0,1-1-186,2 0 1,1 0-1,-1 0 1,-2 0 185,-1 0 0,-2 0 0,-2 0 277,7 0 1,-2 0-278,-4 0 0,-3 0 215,5 0-215,6 16 2056,0-13-2056,-6 29 0,-5-21 0,6-3 0,-2 0 0,-3 3 0,1 0 0,6 1 0,5 2 0,-5-1 0,-6 1 0,-3-1 433,0-3 1,-1 2-434,-8 9 0,-1-3 0,22-14 0,-22 27 0,19-27 0,-37 12 0,13-16 0</inkml:trace>
+</inkml:ink>
+</file>
+
+<file path=ppt/ink/ink17.xml><?xml version="1.0" encoding="utf-8"?>
+<inkml:ink xmlns:inkml="http://www.w3.org/2003/InkML">
+  <inkml:definitions>
+    <inkml:context xml:id="ctx0">
+      <inkml:inkSource xml:id="inkSrc0">
+        <inkml:traceFormat>
+          <inkml:channel name="X" type="integer" min="-2.14748E9" max="2.14748E9" units="cm"/>
+          <inkml:channel name="Y" type="integer" min="-2.14748E9" max="2.14748E9" units="cm"/>
+          <inkml:channel name="F" type="integer" max="32767" units="dev"/>
+        </inkml:traceFormat>
+        <inkml:channelProperties>
+          <inkml:channelProperty channel="X" name="resolution" value="1000" units="1/cm"/>
+          <inkml:channelProperty channel="Y" name="resolution" value="1000" units="1/cm"/>
+          <inkml:channelProperty channel="F" name="resolution" value="0" units="1/dev"/>
+        </inkml:channelProperties>
+      </inkml:inkSource>
+      <inkml:timestamp xml:id="ts0" timeString="2026-02-25T20:41:01.532"/>
+    </inkml:context>
+    <inkml:brush xml:id="br0">
+      <inkml:brushProperty name="width" value="0.05292" units="cm"/>
+      <inkml:brushProperty name="height" value="0.05292" units="cm"/>
+      <inkml:brushProperty name="color" value="#FF0000"/>
+    </inkml:brush>
+  </inkml:definitions>
+  <inkml:trace contextRef="#ctx0" brushRef="#br0">12506 10866 24575,'38'0'0,"0"0"0,0 0 0,4 0 0,4 0 0,2 0 0,4 0 0,-11 0 0,1 0 0,3 0 0,1 0 0,1 0 0,2 0 0,0 0-328,-7 0 0,1 0 0,2 0 1,0 0-1,0 0 0,2 0 1,-1 0-1,1 0 0,1 0 1,-1 0 29,0 0 0,1 0 0,0 0 0,0 0 0,1 0 0,0 0 0,1 0 0,-1 0 1,0 0-1,0 0 0,0 0 0,0 0 0,-1 0 0,1 0 0,0 0 0,-1 0 0,1 0 0,-1 0 0,1 0 1,-1 0-1,0 0 0,0 0 0,-1 0 0,0 0 0,0 0 0,0 0 0,-1 0 0,1 0 0,-1 0 0,0 0 1,-1 0-1,-1 0 0,0 0 272,8 0 1,-1 0-1,0 0 1,-1 0-1,-1 0 1,-1 0 0,0 0-1,-1 0 26,-2 0 0,-1 0 0,0 0 0,-1 1 0,-1-1 0,1-1 0,-1 1-146,9-2 1,1 0 0,0 0 0,-1-1 0,-3 0 0,-4-1 145,1-2 0,-5-1 0,-1-1 0,2 1 629,7 2 1,2 0-1,-2 0 1,-4-1-630,-6-2 0,-4 0 0,2 0 0,4 2 0,1 1 0,1 1 0,2 2 0,0 2 0,0-2 1092,-2-3 0,-1 0 0,1-1-906,2 0 0,0 1 0,-1 0-186,-2 4 0,0 0 0,1-1 408,-3 0 1,1-2 0,2-1 0,0 1-409,2-1 0,1-1 0,2 0 0,5-1 0,-14 2 0,4 0 0,2 0 0,2-1 0,0 1 0,0-1 0,-2-1 0,-1 1 0,4-1 0,-1-1 0,-1-1 0,0 1 0,0 0 0,3-1-105,-6 2 1,2-1 0,2 0-1,-1 0 1,1 0 0,-2 1 0,-2 0-1,-2 1 105,4 2 0,-1 0 0,-3 2 0,-1-2 0,-1-1 0,1-4 0,0-3 0,-3 1 0,0 4 224,6 4 1,-2 2 0,-2-1-225,7-10 0,-2 0 297,-2 11 0,-1 2-297,-5-1 0,0 0 967,4 0 1,-1 0-968,-7 0 0,2 0 0,-1 0 0,3 0 0,0 0 0,1 0 0,-1 0 0,2 0 1008,4 0 0,2 0 1,-2 0-1009,-4 0 0,-2 0 0,1 0 0,6 0 0,2 0 0,-4 0 0,-1 0 0,0 0 0,-3-1 0,2 0 0,-2 3 0,4 10 0,0 0 0,3-9 0,2 0 0,-10 3 0,0 3 0,-1-1 0,12 1 0,0-2 0,-7-5 0,2-2 0,-1 2 0,-4 3 0,-1 1 0,2-2 0,8-2 0,2-3 0,0 0-247,-5 1 1,0 0-1,1 0 247,6 0 0,1 0 0,-2 0 0,-5 0 0,-2 0 0,1 0 0,1 0 0,1 0 0,0 0 0,2 0 0,1 0 0,-1 0 0,-1 0 0,-1 0 0,2 0-445,-4 0 1,1 0 0,1 0 0,0 0 444,0 0 0,0 0 0,1 0 0,0 0 0,-5 0 0,1 0 0,0 0 0,0 0 0,0 0 0,9 0 0,-1 0 0,0 0 0,-1 0 0,-5 0 0,0 0 0,-2 0 0,0 0-189,10 0 0,-1 0 1,-4 0 188,-8 0 0,-3 0 0,0 0 0,0 0 0,1 0 0,-3 0 193,8 0 0,-2 0-193,5 0 0,-1 0 483,-2 0 0,-2 0-483,-7 0 0,1 0 929,10 0 0,-4 0-929,-13 0 338,4 0 0,-6 0-338,-20 0 0,12 16 0,-16-12 0,0 12 0</inkml:trace>
+</inkml:ink>
+</file>
+
+<file path=ppt/ink/ink18.xml><?xml version="1.0" encoding="utf-8"?>
+<inkml:ink xmlns:inkml="http://www.w3.org/2003/InkML">
+  <inkml:definitions>
+    <inkml:context xml:id="ctx0">
+      <inkml:inkSource xml:id="inkSrc0">
+        <inkml:traceFormat>
+          <inkml:channel name="X" type="integer" min="-2.14748E9" max="2.14748E9" units="cm"/>
+          <inkml:channel name="Y" type="integer" min="-2.14748E9" max="2.14748E9" units="cm"/>
+          <inkml:channel name="F" type="integer" max="32767" units="dev"/>
+        </inkml:traceFormat>
+        <inkml:channelProperties>
+          <inkml:channelProperty channel="X" name="resolution" value="1000" units="1/cm"/>
+          <inkml:channelProperty channel="Y" name="resolution" value="1000" units="1/cm"/>
+          <inkml:channelProperty channel="F" name="resolution" value="0" units="1/dev"/>
+        </inkml:channelProperties>
+      </inkml:inkSource>
+      <inkml:timestamp xml:id="ts0" timeString="2026-02-25T20:41:23"/>
+    </inkml:context>
+    <inkml:brush xml:id="br0">
+      <inkml:brushProperty name="width" value="0.05292" units="cm"/>
+      <inkml:brushProperty name="height" value="0.05292" units="cm"/>
+      <inkml:brushProperty name="color" value="#FF0000"/>
+    </inkml:brush>
+  </inkml:definitions>
+  <inkml:trace contextRef="#ctx0" brushRef="#br0">13600 9013 24575,'19'0'0,"20"0"0,-17 0 0,10-1 0,3 2 0,6 23 0,-6-22 0,-4 2 0,-9 35 0,17-35 0,-35 35 0,27-33 0,-27 18 0,12-24 0,-16 0 0,24 0 0,-19 0 0,19 0 0,-24 0 0,0 0 0</inkml:trace>
+  <inkml:trace contextRef="#ctx0" brushRef="#br0" timeOffset="2399">13970 14146 24575,'24'20'0,"3"-10"0,6-4 0,4-5 0,3-2 0,7 1 0,2 0 0,-6 0 0,0 0 0,-3 0 0,0 0 0,4 0 0,1 0 0,-5 0 0,0 0 0,4 0 0,-2 0 0,-13 0 0,-1 0 0,13 0 0,0 0 0,8 0 0,-19 0 0,1 0 0,1 0 0,3 0 0,11-8 0,4 0 0,-14 7 0,1 1 0,1-3-259,-2-5 1,1-3-1,1-1 1,-2 4 258,7 5 0,-2 3 0,1-3 0,2-9 0,0-4 0,-1 5 0,-7 8 0,0 3 0,0-1-89,4-4 1,1-1 0,-3 1 88,5 5 0,-1 0 0,0-7 0,2-1 0,-2 6 0,4 3 0,-3-4 0,-8-9 0,-3-3 0,3 2-373,3 6 1,4 2-1,0 1 1,-1-1 372,9-3 0,-2-1 0,1-2 0,-13 2 0,0-3 0,0 2 0,1 2 2,1 5 0,0 4 0,0-1 1,-1-4-3,6-8 0,-1-3 0,-4 3 122,4 10 1,-3 0-123,-4-6 0,-4 1 0,7 7 0,-11 0 1511,-11 0-1511,-1 0 1024,28 0-1024,6 0 0,-17 0 0,-3 0 0,-1 0 0,3 0 0,-27 0 0,12 0 0,7 0 0,-1 0 0,21 0 0,-14 7 0,1 1 0,19-4 0,-19 4 0,0 0 0,13-8 0,1 0 0,-23 0 0,18 0 0,-35 0 0,12 0 0,-16 0 0</inkml:trace>
+  <inkml:trace contextRef="#ctx0" brushRef="#br0" timeOffset="4866">14852 10072 24575,'35'0'0,"-1"0"0,1 0 0,0 0 0,0 0 0,3 0 0,8 0 0,2 0 0,5 0 0,-11 0 0,3 0 0,1 0 0,0 0 0,-2 0-820,3 0 1,-1 0 0,0 0 0,1 0 720,-3 0 0,3 0 0,-1 0 0,-2 0 1,-3 0 98,3 0 0,-3 0 0,-3 0 586,8 0 0,-4 0-586,-10 0 0,-3 0 617,14 0-617,0 0 0,-7 0 0,5 0 0,-7 0 0,3 0 0,0 0 0,0 0 0,0 0 0,0 0 0,-1 0 0,0 0 0,-4 0 991,-1 0 0,-1 0-991,3 0 0,1 0 0,-6 0 0,0 0 0,15 0 0,1 0 0,-4 1 0,0-2 0,4-7 0,0 0 0,-3 6 0,-1 0 0,-4-6 0,-2 1 0,-7 6 0,-1 2 0,0-1 0,-1 0 0,12 0 0,-4 0 0,1 0 0,7 0 0,0 0 0,0 0 0,0 0 0,1-12 0,-1 0 0,0 6 0,2-17 0,-27 23 0,-16 0 0,23 0 0,-1 0 0,5 0 0,12 0 0,-17 0 0,21 0 0,-13 0 0,-1 0 0,12 0 0,2 0 0,-4 0 0,-33 0 0,18 0 0,-24 0 0,0 0 0,0 0 0</inkml:trace>
+</inkml:ink>
+</file>
+
+<file path=ppt/ink/ink19.xml><?xml version="1.0" encoding="utf-8"?>
+<inkml:ink xmlns:inkml="http://www.w3.org/2003/InkML">
+  <inkml:definitions>
+    <inkml:context xml:id="ctx0">
+      <inkml:inkSource xml:id="inkSrc0">
+        <inkml:traceFormat>
+          <inkml:channel name="X" type="integer" min="-2.14748E9" max="2.14748E9" units="cm"/>
+          <inkml:channel name="Y" type="integer" min="-2.14748E9" max="2.14748E9" units="cm"/>
+          <inkml:channel name="F" type="integer" max="32767" units="dev"/>
+        </inkml:traceFormat>
+        <inkml:channelProperties>
+          <inkml:channelProperty channel="X" name="resolution" value="1000" units="1/cm"/>
+          <inkml:channelProperty channel="Y" name="resolution" value="1000" units="1/cm"/>
+          <inkml:channelProperty channel="F" name="resolution" value="0" units="1/dev"/>
+        </inkml:channelProperties>
+      </inkml:inkSource>
+      <inkml:timestamp xml:id="ts0" timeString="2026-02-25T20:42:09.383"/>
+    </inkml:context>
+    <inkml:brush xml:id="br0">
+      <inkml:brushProperty name="width" value="0.05292" units="cm"/>
+      <inkml:brushProperty name="height" value="0.05292" units="cm"/>
+      <inkml:brushProperty name="color" value="#FF0000"/>
+    </inkml:brush>
+  </inkml:definitions>
+  <inkml:trace contextRef="#ctx0" brushRef="#br0">20690 13476 24575,'46'0'0,"0"0"0,-1 0 0,1 0 0,0 0 0,-1 0 0,1 0 0,1 0 0,0 0 0,1 0 0,-1 0 0,1 0 0,-1 0 0,0 0 0,-1 0 0,0 0 0,0 0 0,0 0 0,-1 0 0,1 0 0,-1 0-547,5 0 1,-1 0 0,1 0 0,-1 0 0,0 0 0,-1 0-1,1 0 1,0 0 0,-1 0 0,0 0 0,-1 0 0,-1 0 512,-1 0 1,-1 0 0,-1 0 0,-1 0 0,-1 0 234,7 0 1,-1 0-1,-1 0 1,-3 0-202,4 0 0,-3 0 0,-3 0 647,2 0 1,-6 0-648,6 0 0,-11 0 0,-28 0 3276,35 0-3062,6 0-214,-4 0 0,6 0 0,-8 0 0,2 0 0,2 0-243,1 0 1,2 0 0,1 0-1,-1 0 243,-2 0 0,0 0 0,0 0 0,0 0 0,-1 0 0,0 0 0,-1 0 0,-1 0 0,5 0 0,-2 0 0,-7 0 0,12 0 0,-10 0 0,-39 0 0</inkml:trace>
+  <inkml:trace contextRef="#ctx0" brushRef="#br0" timeOffset="2267">17586 13088 24575,'43'0'0,"-6"0"0,-9 0 0,3 0 0,-27 0 0,12 0 0,-16 0 0,0 0 0,23 0 0,-17 0 0,33 0 0,-35 0 0,35 24 0,-33-19 0,34 19 0,-37-24 0,29 0 0,-28 0 0,35 0 0,-33 0 0,17 0 0,-23 0 0,0 0 0</inkml:trace>
+</inkml:ink>
+</file>
+
 <file path=ppt/ink/ink2.xml><?xml version="1.0" encoding="utf-8"?>
 <inkml:ink xmlns:inkml="http://www.w3.org/2003/InkML">
   <inkml:definitions>
@@ -3449,6 +3913,320 @@
 </inkml:ink>
 </file>
 
+<file path=ppt/ink/ink20.xml><?xml version="1.0" encoding="utf-8"?>
+<inkml:ink xmlns:inkml="http://www.w3.org/2003/InkML">
+  <inkml:definitions>
+    <inkml:context xml:id="ctx0">
+      <inkml:inkSource xml:id="inkSrc0">
+        <inkml:traceFormat>
+          <inkml:channel name="X" type="integer" min="-2.14748E9" max="2.14748E9" units="cm"/>
+          <inkml:channel name="Y" type="integer" min="-2.14748E9" max="2.14748E9" units="cm"/>
+          <inkml:channel name="F" type="integer" max="32767" units="dev"/>
+        </inkml:traceFormat>
+        <inkml:channelProperties>
+          <inkml:channelProperty channel="X" name="resolution" value="1000" units="1/cm"/>
+          <inkml:channelProperty channel="Y" name="resolution" value="1000" units="1/cm"/>
+          <inkml:channelProperty channel="F" name="resolution" value="0" units="1/dev"/>
+        </inkml:channelProperties>
+      </inkml:inkSource>
+      <inkml:timestamp xml:id="ts0" timeString="2026-02-25T20:42:40.699"/>
+    </inkml:context>
+    <inkml:brush xml:id="br0">
+      <inkml:brushProperty name="width" value="0.05292" units="cm"/>
+      <inkml:brushProperty name="height" value="0.05292" units="cm"/>
+      <inkml:brushProperty name="color" value="#FF0000"/>
+    </inkml:brush>
+  </inkml:definitions>
+  <inkml:trace contextRef="#ctx0" brushRef="#br0">17798 13053 24575,'37'0'0,"0"0"0,3 0 0,4 0 0,-8 0 0,5 0 0,3 0 0,-2 0 0,-3 0 0,5 0 0,-3 0 0,2 0 0,-3 0 0,2 0 0,-1 0 0,-6 0 0,3 0 0,-9 0 0,-7 0 0,1 0 0,-7 0 0,-12 0 0,27 0 0,-3 0 0,13 0 0,10 0 0,-14 0 0,2 0 0,4 0-602,-4 0 1,4 0-1,1 0 1,1 0 0,0 0 601,-1 0 0,1 0 0,0 0 0,1 0 0,1 0 0,-2 0 0,2-1 0,0 1 0,0 0 0,1 0 0,-2 1-491,-1 1 1,0 0 0,-1 1 0,0 1 0,1-2 0,-1 0 490,0 0 0,1-2 0,0 0 0,-1 0 0,0 1 0,-2 0 0,3 2 0,-1 1 0,-2-1 0,1 1 0,-1-2 0,0-1 0,0-1 0,0 0 0,-2-1 0,0 1 0,2 0 0,-1 0 0,-1 0 0,-2 0 0,3 0 0,-1 0 0,-2 0 0,11-2 0,-6 4 0,-16 10 0,-3 0 0,13-7 1250,-4 8 1,1-2-1251,-6-10 0,1-2 1638,13 1 0,2 0-1553,-4 0 1,1 0-86,3 0 0,0 0 0,-12 0 0,0 0 0,11 0 0,-3 0 0,1 0 0,7 0 0,2 0 0,-24 0 0,1 0 0,23 0 0,0 0 0,-1 0 0,-7 2 0,-2-4 0,1-22 0,0 22 0,0-1 0,1-21 0,-3 22 0,4 4 0,-10-2 0,-1 0 0,-1 0 0,2 0 0,10 0 0,-3 0 0,1 0 0,2 0 0,-4 0 0,-33 0 0,18 0 0,-9 0 0,-11 0 0,12 0 0,-1 0 0,-11 0 0,12 0 0,8-16 0,21 12 0,-14-4 0,2 1 0,2 6 0,1 2 0,0-1 0,-4 0 0,0 0 0,-2 0 0,-5 0 0,-19 0 0,33 0 0,-35 0 0,11 0 0,-15 0 0,0-24 0,0 18 0,-6-21 0,-3 0 0,5 19 0,-12-24 0</inkml:trace>
+  <inkml:trace contextRef="#ctx0" brushRef="#br0" timeOffset="1567">14393 14093 24575,'46'0'0,"0"0"0,0 0 0,-1 0 0,2 0 0,2 0 0,4 0 0,-14 0 0,3 0 0,1 0 0,2 0 0,-1 0 0,2 0 0,-2 0-469,3 0 1,1 0 0,-1 0 0,1 0 0,1 0 0,-1 0 0,0 0 58,-4 0 0,-1 0 1,1 0-1,0 0 1,0 0-1,0 0 0,0 0 1,0 0 157,1 0 1,1 0 0,-1 0-1,0 0 1,1 0 0,-1 0-1,1 0 1,-1 0 251,0 0 0,-1 0 0,1 0 0,-1 0 0,1 0 0,-1 0 0,1 0 0,0 0 0,0 0 0,0 0 0,1 0 0,0 0 0,-1 0 0,0 0 0,-2 0 0,0 0-83,6 0 0,-1 0 0,-1 0 0,0 0 0,-2 0 1,-1 0 82,5 0 0,-2 0 0,0 0 0,-3 0 0,-3 0 598,4 0 1,-4 0-1,-4 0-598,5 0 0,-9 0 0,-14 0 0,-3 0 0</inkml:trace>
+  <inkml:trace contextRef="#ctx0" brushRef="#br0" timeOffset="9581">1764 9701 24575,'0'0'0</inkml:trace>
+  <inkml:trace contextRef="#ctx0" brushRef="#br0" timeOffset="11184">2064 13053 24575,'37'0'0,"0"0"0,5 0 0,5 0 0,3 0 0,-8 0 0,3 0 0,2 0 0,1 0 0,2 0-469,-8 0 1,3 0 0,0 0 0,1 0 0,1 0 0,0 0 0,0 0 58,-3 0 0,0 0 1,0 0-1,1 0 1,0 0-1,0 0 0,0 0 1,0 0 138,0 0 1,1 0-1,-1 0 1,1 0-1,-1 0 1,1 0-1,-1 0 1,-1 0 270,5 0 0,0 1 0,0-1 0,0 1 0,-1-1 0,-2-1 0,0 0 32,-2-2 1,-1-1 0,-1-1 0,0 1 0,-1-1 0,-1 2-33,5 2 0,1 0 0,-2 1 0,-2-1 0,-5-2 574,1-4 0,-5-3 0,-2 4-574,6 5 0,-7 2 0,-15-1 0,-15 0 0,0 0 0,0 0 0</inkml:trace>
+  <inkml:trace contextRef="#ctx0" brushRef="#br0" timeOffset="15016">18962 12965 24575,'-37'0'0,"-1"0"0,-2 0 0,-4 0 0,5 0 0,-3 0 0,0 0-759,-7 0 1,-1 0 0,2 0 758,4 0 0,2 0 0,-2 0 0,-5 0 0,-1 0 0,2 0 89,11 0 1,2 0 0,-1 0-90,1 0 0,-1 0 0,4 0 241,-3 0 0,5 0-241,-13 0 0,43 0 0,43 0 0,-13 3 0,5 2 0,4 2 0,2 2 0,4 2 0,3 1 0,2-1-484,-7-2 1,3-1 0,2 0 0,1-1-1,-1 2 1,0-1 483,-6 1 0,0-1 0,0 2 0,0-1 0,0 0 0,0-1 0,0 0 0,1-1 0,1 0 0,0 0 0,-1-1 0,0 0 0,-2-1 0,-1 0-98,4 0 0,-1-1 0,-3 0 1,0-1-1,-3 1 98,11 2 0,-4 0 0,-5-2 0,22-4 0,-61 0 0,-100 0 0,61 0 0,-3 0 0,-3 0 0,-1 0-526,0 0 0,-2 0 0,-1 0 0,-1 0 0,0 0 526,4 0 0,-1 0 0,-1 0 0,1 0 0,0 0 0,1 0 0,-4 0 0,1 0 0,1 0 0,0 0 0,0 0 0,1 0 0,-1 0 0,1 0 0,2 0 0,5 0 0,-2 0 0,5 0 0,2 0 0,-4 0 0,0 0 0</inkml:trace>
+  <inkml:trace contextRef="#ctx0" brushRef="#br0" timeOffset="17501">13847 14270 24575,'30'0'0,"0"0"0,4 0 0,3 0 0,2 0 0,7 0 0,2 0 0,3 0-820,-4 0 1,2 0 0,1 0 0,0 0 584,-9 0 0,1 0 1,-1 0-1,0 0 0,-2 0 235,1 0 0,-1 0 0,-1 0 0,0 0 449,9 0 0,0 0 0,-6 0-449,-7 0 0,-3 0 364,1 0 0,2 0-364,11 0 0,2 0 0,-8-1 0,1 1 0,1 1-340,6 3 1,2 3 0,0-2 339,0-4 0,1 0 0,-2 0 0,-6 4 0,-1 2 0,-1-3 0,1-3 0,0-1 0,1-1 0,6 0 0,2 0 0,-1 3 0,-1 5 0,-1 2 0,3-1 138,-4-6 0,3-2 0,0 0 0,-3 4-138,-8 4 0,-1 3 0,-1 1 0,2-4 0,5-5 0,2-3 0,-1-1 0,-6 3-3,7 6 0,-3-1 3,-5-5 0,1-3 0,-7 0 0,-6 1 0,5-2 0,-5 4 1051,-21 14-1051,12-12 1774,-1 12-1774,-11-16 11,19 0 1,9 0-12,10 0 0,4 0 0,-5 0 0,2 0 0,3 0-381,-4 0 1,2 0 0,1 0 0,-2 0 380,7 0 0,-2 0 0,-1 0 0,-2 0 0,0 0 0,-4 0 0,1 0 0,-3 0 0,-7 0 0,-6 0 0,-6 0 0,-4 0 0,-16 0 0,0 0 0,0 0 0</inkml:trace>
+  <inkml:trace contextRef="#ctx0" brushRef="#br0" timeOffset="24900">13141 9525 24575,'0'29'0,"0"1"0,0 1 0,0 2 0,1 0 0,0 3 0,-3-1 0,-5 1 0,-2 0 0,1 0 0,6 1 0,2-1 0,-3-1 0,-10 6 0,2-2 0,10-4 0,2-3 0,-1 5 0,0-9 0,0 3 0,0-4 0,-7 2 0,-2 3 0,7 10 0,0 4 0,-2-6 0,-3 2 0,3 0 0,3-4 0,3-1 0,-3 0 0,-7 12 0,0-2 0,7-11 0,-2-6 0,-12-8 0,15 1 0,0-7 0,0-12 0,0 12 0,0 7 0,0-17 0,0 33 0,0-35 0,15 12 0,-11-16 0,12 0 0,-16 0 0,15 0 0,29 0 0,-14 0 0,4 0 0,3 0 0,4 0 0,1 0-475,2 0 0,1 0 1,1 0 474,-8 0 0,1 0 0,2 0 0,2 0 0,3 0 0,3 0 0,2 0 0,-1 0 0,-1 0 0,-8 0 0,-2 0 0,0 0 0,1 0 0,3 0-469,-3 0 1,3 0 0,2 0 0,1 0 0,-1 0 0,-1 0 0,-2 0 391,8 0 1,-3 0 0,-1 0-1,1 0 1,0 0 76,-4 0 0,0 0 0,0 0 0,0 0 0,-1 0 0,-1 0-194,4 0 1,-1 0-1,-1 0 1,-2 0 0,-2 0 193,7 0 0,-3 1 0,-3-2 0,13-7 0,-8 0 0,-2 4 1078,-21-12-1078,17 16 3276,-11 0-3072,-4 0 1,5 0-205,12 0 0,4 0 0,-4 0 0,2 0 0,-9 0 0,1 0 0,0 0 0,9 0 0,0 0 0,-10 0 0,1 0 0,0 0 289,1 0 0,0 0 1,0 0-290,0 0 0,0 0 0,0 0 0,-1 0 0,0 0 0,-2 0 0,7 0 0,1 0 0,-1 0 0,4 0 0,-3 0 0,4 0 0,0 0 0,-5 0 0,1 0 0,-2 0 0,5 0 0,-2 0 0,6 2 0,0-4 0,-2-9 0,0-1 0,-6 9 0,1 3 0,-2-3 0,7-8 0,0-1 0,-7 5 0,2 2 0,-1 1 0,6 2 0,0 0 0,-8-2 0,3-2 0,-1 0-400,1-2 1,0 0-1,1 1 400,2 4 0,1 2 0,1-1 0,1-6 0,1-1 0,-2 2-240,-9 6 1,-2 2-1,1-1 240,5 0 0,2 0 0,-2 0 0,-7 0 0,0 0 0,0 0 0,9 0 0,1 0 0,0 0 0,2 0 0,1 0 0,0 0-334,-10 0 0,0 0 0,1 0 0,1 0 334,0 0 0,1 0 0,0 0 0,1 0 0,3 0 0,0 0 0,0 0 0,-1 0 0,6 0 0,-2 0 0,2 0 0,-7 0 0,2 0 0,-1 0 0,-2 0 0,3 0 0,-2 0 0,2 0 0,4 0 0,2 0 0,-1 0-49,-7 0 0,-1 0 0,-1 0 49,-3 0 0,-1 0 0,-1 0 529,6 0 1,-2 0-530,-9-1 0,-1 2 351,1 11 0,-1 0-351,20-6 732,-12 13 0,2 1-732,-5-18 0,3 0 0,1 14 0,3 6 0,-1-5 0,5-12 0,0 0 0,-3 6 0,2 4 0,-4-2 0,-6-4 0,-3-3 297,-1-4 1,0 0-298,4 6 0,-1 0 0,-5-7 0,1-2 0,13 1 0,2 0 0,-4 0 0,0 0 0,4 0 0,1 0 0,-5-1 0,0 2 0,3 10 0,0 2 0,-3-10 0,1-1 0,-8 6 0,3 1 0,-2-2 0,12-7 0,0 0 0,-7 4 0,1 2 0,1 0-394,2 0 1,1 1 0,0-1 393,0 1 0,-1 0 0,0-1 0,-3-1 0,0 0 0,3 1 0,1-1 0,3 2 0,-1-1 0,-3-1 0,-3-3 0,-3-1 0,2 2 0,3 2 0,2 2 0,1 0 0,-5-3-30,10-3 0,-4-2 30,-3 1 0,0 0 0,-3 0 0,0 0 0,5 0 0,-2 0 0,-9 0 0,-3 0 0,1 0 0,-5 0 0,-7 0 0,19 0 1177,-33 0-1177,33 0 63,-12 0-63,-1 0 0,1 0 0,1 0 0,-1 0 0,-1 0 0,1 0 0,6 0 0,1 0 0,-2 0 0,0 0 0,1 0 0,-1 0 0,-2 0 0,-1 0 0,14 0 0,-6 0 0,-5 0 0,3 0 0,-4 0 0,2 0 0,0 0 0,2 0 0,1 0-521,4 0 1,1 0 0,2 0 520,-3 0 0,1 0 0,2 0 0,-1 0 0,1 0 0,0 0 0,0 0 0,1 0 0,2 0 0,1 0 0,-1 0 0,-1 0 0,-6 0 0,-1 0 0,0 0 0,-2 0-99,6 0 1,-1 0-1,-1 0 99,-4 0 0,-1 0 0,-2 0 0,13 0 0,-4 0 0,-8 0 0,-3 0 0,12 0 0,-11 0 0,-5 0 1537,10 0-1537,-11 0 0,-1 0 320,12 0-320,7 0 0,-1 0 0,-22-23 0,3 17 0,-24-17 0,-24 23 0,18 0 0,-17 0 0,7-16 0,12 12 0,-11-27 0,15 3 0,0 4 0,0-5 0,-4-5 0,-1-4 0,-2 0 0,-7-6 0,0-2-300,7 0 0,0-3 1,0 1 299,-1 11 0,0 2 0,0-1 0,2-3 0,1-2 0,1-2 0,3 4 0,1-2 0,0-1 0,-3 1-358,-5 2 0,-4 0 0,1 0 0,3-1 358,5-2 0,3-1 0,0 0 0,-3 3 0,-9-4 0,-4 3 0,5 2 0,8-7 0,2 6 0,-15 3 0,16 13 0,0 9 833,0 11-833,0-12 1498,0 16-1498,0-23 0,-16 17 0,12-33 0,-11-5 0,2 13 0,2-2 0,9 0 0,-2 1 0,-19-11 0,23 12 0,0 27 0,-16-12 0,12-7 0,-12 17 0,16-18 0,-23 8 0,1-3 0,-5-1 0,-4 5 0,3-9 0,-9 18 0,5-5 0,-3-1 0,4 4 0,-2 0 0,0 0 0,-3-1 0,1-1-382,-1-3 1,1 0-1,-2 1 382,-8 2 0,-2 2 0,0-1 0,10 1 0,1 0 0,-2 0 0,-2 1 0,-5 0 0,-4 2 0,-1-1 0,1 1 0,3 0 0,2 0 0,2-1 0,1 1 0,-3 0 0,1-1 0,-2 1 0,-1-1 0,2 2 0,5 1 0,0 2 0,4 1 0,1 1 0,-1-1 0,0 0 0,1 0-146,-6 0 1,0 0 145,4 0 0,-1 0 0,0 0 0,3 0 0,1 0 0,-2 0-532,-12 1 0,-2-1 1,-2-1 531,11-2 0,-2-2 0,1 1 0,-3 0-435,5 3 1,-1 0 0,-1 1 0,-1 0 0,1-2 434,-2 0 0,1-1 0,-1-1 0,-1 1 0,0 0 0,3 0 0,-1 0 0,-1 0 0,0 0 0,1 1 0,2 0 0,-10 1 0,1 0 0,2 1 0,-1-2 0,0-1 0,-1-2 0,1 0 0,3 2 301,-3 3 0,3 0 1,-1 0-302,-4 1 0,1 1 0,1-5 0,9-3 0,3-4 0,-3 3-54,-8 4 1,-3 3 0,4-3 53,0-9 0,0 1 0,7 8 0,-1 4 0,-1 1 0,5-2 0,0 0 0,1 0 0,-2 0 0,0 0 0,3 0 732,0 0 1,3 0-733,-8 0 2485,23 0-2485,-3 0 0,-9 0 0,-3 0 0,-1 0 0,-1 0 254,-10 0 0,-2 0-254,5 0 0,0 0 0,-3 0 0,-1 0 0,4 0 0,0 0 0,-3 0 0,-2 0 0,11 0 0,-1 0 0,0 0-251,0 0 0,-1 0 0,-1 0 251,-7 0 0,-3 0 0,-1 0-555,8 0 1,-2 0-1,0 0 1,0 0 554,-4 0 0,0 0 0,-1 0 0,-3 0-529,11 0 1,-2 0-1,-1 0 1,-1 0 0,0 0-1,1 0 529,-4 0 0,0 0 0,0 0 0,0 0 0,0 0 0,-1 0 0,1 0 0,-1 0 0,0 0 0,0 0 0,0 0 0,1 0 0,0-1 0,0 0 0,0 1 0,1-1 0,1 2 0,0 1-327,0 1 1,1 1-1,1 2 1,1-1 0,0 0 326,-6 0 0,1 0 0,0 1 0,1 0-134,0 0 1,2 2-1,-1-1 1,1-1 133,3-1 0,0-1 0,0 0 0,-1-1 0,-5-2 0,-2-1 0,0-1 0,0 1 0,5 0 0,0 0 0,0 0 0,0 0 0,-3 0 0,-2 0 0,2 0 0,2 0 0,-4 0 0,3 0 0,2 0 771,-7 0 0,4 0-771,11 0 0,4 0 3032,-7 0-3032,11 0 2152,-4 0-2152,27 0 1582,-35 0-1582,17 0 0,-9 7 0,-5 1 0,-3-5 0,-2-2 0,7 4 0,-2 0 0,-2 1-472,-9 2 0,-3 1 1,0-2 471,2-5 0,0-1 0,-1 1 0,6 4 0,-1 1 0,0-1 0,1-1 0,-6-4 0,1-1 0,0-1 0,7 1 0,0 0 0,0 0 0,1 0 0,-4 0 0,2 0 0,1 0-46,-1 0 0,0 0 0,2 0 46,-6 0 0,4 0 0,10 0 0,3 0 0,-14 0 0,24 0 0,3 0 1405,-8 0-1405,3 0 74,-3-1 0,-3 2-74,1 6 0,-1 2 0,-7-8 0,-3 2 0,0 5 0,-3 4 0,-2-1-800,-4-2 0,-2 0 0,-3 0 800,10-2 0,-2 0 0,-1 1 0,-1-1 0,0 2-612,1 0 0,0 2 0,-1 0 0,0-1 0,-2 0 612,3-3 0,-2-1 0,0 0 0,-1 0 0,-1 0 0,1 0 0,1 0 0,0 0 0,-1 1 0,-1 0 0,2-1 0,0 0 0,1-1 0,1-1 0,0 0 0,1-1 0,1 0 0,0 0 0,0-1 0,-8 2 0,-1 0 0,1-1 0,4 0 0,4-1 0,3-1 0,5-2 0,3 1 0,-1 0 0,6 0 0,6 0 0,4 0 0</inkml:trace>
+  <inkml:trace contextRef="#ctx0" brushRef="#br0" timeOffset="43915">17798 10107 24575,'-30'29'0,"46"-5"0,12-21 0,9-6 0,-4 3 0,4 0 0,0 0-361,7 0 0,1 0 1,-2 0 360,-8 0 0,0 0 0,-3 0 177,4 0 0,-2 0-177,-2 0 0,-9 0 179,-17 0-179,-6-24 0,-37 19 0,-7-8 0,-6 2 0,17 9 0,-1 3 0,-1 0-70,-8-1 1,-2 0-1,1 0 70,7 0 0,1 0 0,2 0 0,-9 0 0,5 0 0,-5 0 0,12 0 0,27 0 0,-20 0 0,-7 0 0,-2 0 379,2 0 0,1 0-379,2 0 0,13 0 0,15 0 0,15 0 0,13 0 0,9 0 0,-11-2 0,-1 4 0,12 22 0,6-19 0,-23 19 0,19-24 0,-56 0 0,19 0 0,-46 0 0,1 0 0,22 0 0,-3 0 0,48 0 0,-3 0 0,11 0 0,3 0 0,6 0 0,-6 0 0,-3 0 0,-11 0 0,3 0 0,-48 0 0,3 16 0,-10-14 0,-5 0 0,4 13 0,-1 1 0,1-13 0,0-2 0,-10 8 0,17-2 0,27-7 0,-4 0 0,28 0 0,15 0 0,0 0 0,-6 0 0,-3 0 0,-11 0 0,-21 0 0,-6 0 0,-33 0 0,35 0 0,-12 0 0</inkml:trace>
+</inkml:ink>
+</file>
+
+<file path=ppt/ink/ink21.xml><?xml version="1.0" encoding="utf-8"?>
+<inkml:ink xmlns:inkml="http://www.w3.org/2003/InkML">
+  <inkml:definitions>
+    <inkml:context xml:id="ctx0">
+      <inkml:inkSource xml:id="inkSrc0">
+        <inkml:traceFormat>
+          <inkml:channel name="X" type="integer" min="-2.14748E9" max="2.14748E9" units="cm"/>
+          <inkml:channel name="Y" type="integer" min="-2.14748E9" max="2.14748E9" units="cm"/>
+          <inkml:channel name="F" type="integer" max="32767" units="dev"/>
+        </inkml:traceFormat>
+        <inkml:channelProperties>
+          <inkml:channelProperty channel="X" name="resolution" value="1000" units="1/cm"/>
+          <inkml:channelProperty channel="Y" name="resolution" value="1000" units="1/cm"/>
+          <inkml:channelProperty channel="F" name="resolution" value="0" units="1/dev"/>
+        </inkml:channelProperties>
+      </inkml:inkSource>
+      <inkml:timestamp xml:id="ts0" timeString="2026-02-25T20:43:46.381"/>
+    </inkml:context>
+    <inkml:brush xml:id="br0">
+      <inkml:brushProperty name="width" value="0.05292" units="cm"/>
+      <inkml:brushProperty name="height" value="0.05292" units="cm"/>
+      <inkml:brushProperty name="color" value="#FF0000"/>
+    </inkml:brush>
+  </inkml:definitions>
+  <inkml:trace contextRef="#ctx0" brushRef="#br0">14482 10072 24575,'43'0'0,"-18"0"0,3 0 0,6 0 0,2 0 0,5 0 0,-2 0 0,-7-1 0,1 2 0,7 3 0,4 2 0,-6-1 0,-13-3 0,1 0 0,12 10 0,5 4 0,-3-4 0,-6-9 0,-3-1 0,1 11 0,0-2 0,9-9 0,1-4 0,-2 1 0,0 2 0,5 7 0,2 0 0,-7-7 0,2-1 0,-4 3 0,-3 5 0,-2-1 0,9-6 0,-1-2 0,-15 1 0,1 0 0,7 0 0,2 0 0,9 0 0,6 0 0,-8 0 0,5 0 0,1 0 0,-3 0 0,3 0 0,-3 0 0,2 0-274,-8 0 1,2 0 0,0 0 0,-1 0 0,-4 0 273,2 0 0,-4 0 0,-1 0 0,1 0 0,1-1 0,-3 2 0,8 7 0,-2 0 0,-3-7 0,-1 2 0,4 16 0,-2 1 0,12-14 0,-19 6 0,-1-1 0,14-11 1366,-21 0-1366,17 0 0,-35 0 0,27 0 0,-27 0 0,12 0 0,7 0 0,-17 0 0,18 0 0,-24-23 0,0 17 0,0-17 0,0 7 0,0 12 0,0-27 0,0 27 0,0-36 0,0 35 0,0-19 0,0 24 0,0 0 0,0 24 0,0-19 0,0 19 0,0-8 0,0-28 0,0 39 0,0-38 0,0 26 0,0 1 0,0-12 0,0 12 0,0 7 0,0-17 0,16-6 0,-13-22-656,6-11 1,-2 0-1,-7 7 1,0-13 0</inkml:trace>
+  <inkml:trace contextRef="#ctx0" brushRef="#br0" timeOffset="3067">17586 13088 24575,'49'0'0,"0"0"0,0 0 0,-5 0 0,2 0 0,1 0 0,0 0 0,2 0 0,0 0 0,1 0 0,2 0-547,-11 0 1,2 0 0,0 0 0,1 0 0,0 0 0,0 0-1,-1 0 1,-1 0 0,0 0 0,1 0 0,1 0 0,1 0 97,-1 0 1,1 0 0,1 0 0,0 0 0,1 0 0,0 0-1,1 0 449,-4 0 0,-1 0 0,1 0 0,-1 0 0,2 0 0,1 0 0,2 0 0,1 0 0,-4 0 0,1 0 0,2-1 0,2 1 0,1 0 0,0-1 0,0 1 0,0 0 0,0 0 0,-2 0 0,0 1 0,-3 0-224,6 1 1,-1 0 0,-2 1 0,-1 0 0,0 0 0,1 0 0,0 0 0,1 0 0,1-1 223,-5-1 0,0-1 0,2 0 0,1 0 0,0 0 0,1 0 0,-1 0 0,-1 0 0,0 0 0,-2 1 0,-1 0 0,-2 1 0,5 2 0,-2 1 0,-2 1 0,-1-1 0,0 1 0,-1 0 0,0-2 0,1 0 0,3-2 0,0-2 0,0 0 0,-1 0 0,0-1 0,1 2 0,-1 1-244,0 1 0,1 1 1,-1 2-1,1-1 1,-1 0-1,0 0 1,-1-2 243,3-1 0,-1-1 0,0-1 0,0 0 0,0 0 0,-1 1 200,-2 1 0,-1 1 0,1 0 1,-1 0-1,0 0 0,1-1-200,0-2 0,1 1 0,0-1 0,0-1 0,-1 1 0,-3 0 0,10 0 0,-3 0 0,-1 0 0,-1 0 0,-4 0 0,0 0 0,-2 0 0,-3 0 0,3 0 0,-3 0 0,-5 0 2746,10 0-2746,-12-8 0,1 0 1638,0 6 0,-1 0-839,-5-6 1,1 0 838,6 7 0,-1 2-1082,-3-1 195,4 0-751,13 0 0,-14 0 0,5 0 0,3 0-660,1 0 1,3 0 0,1 0-1,2 0 660,-4 0 0,2 0 0,1 0 0,0 0 0,0 0 0,-1 0 0,1 0 0,-1 0 0,0 0 0,-1 0-110,7 0 0,-1 0 0,-2 0 0,-5 0 110,8 0 0,-6 0 0,2 0 0,-19 0 0,-38 0 0,24 0 0,-28 0 0,16 0 0</inkml:trace>
+  <inkml:trace contextRef="#ctx0" brushRef="#br0" timeOffset="5217">14764 14217 24575,'45'0'0,"-13"0"0,2 0 0,6 0 0,1 0 0,4 0 0,2 0-697,-9 0 1,3 0 0,-1 0 696,4 0 0,0 0 0,0 0 0,-2 0 0,1 0 0,1 0 0,-4 0 0,2 0 0,0 0 0,-3 0 0,-1 0 0,-1 0 0,0 0 163,3 0 0,1 0 0,-3 0-163,4 0 0,-4 0 194,-1 1 0,-3-2-194,-7-7 0,-1 0 0,9 7 0,-3-2 0,-7-12 532,5 13 0,-5 4-532,-21-2 148,12 0-148,7 0 0,-17 0 0,33 0 0,-35 0 0,12 0 0,7 15 0,-17-11 0,18 35 0,-24-33 0,0 18 0</inkml:trace>
+</inkml:ink>
+</file>
+
+<file path=ppt/ink/ink22.xml><?xml version="1.0" encoding="utf-8"?>
+<inkml:ink xmlns:inkml="http://www.w3.org/2003/InkML">
+  <inkml:definitions>
+    <inkml:context xml:id="ctx0">
+      <inkml:inkSource xml:id="inkSrc0">
+        <inkml:traceFormat>
+          <inkml:channel name="X" type="integer" min="-2.14748E9" max="2.14748E9" units="cm"/>
+          <inkml:channel name="Y" type="integer" min="-2.14748E9" max="2.14748E9" units="cm"/>
+          <inkml:channel name="F" type="integer" max="32767" units="dev"/>
+        </inkml:traceFormat>
+        <inkml:channelProperties>
+          <inkml:channelProperty channel="X" name="resolution" value="1000" units="1/cm"/>
+          <inkml:channelProperty channel="Y" name="resolution" value="1000" units="1/cm"/>
+          <inkml:channelProperty channel="F" name="resolution" value="0" units="1/dev"/>
+        </inkml:channelProperties>
+      </inkml:inkSource>
+      <inkml:timestamp xml:id="ts0" timeString="2026-02-25T20:45:05.799"/>
+    </inkml:context>
+    <inkml:brush xml:id="br0">
+      <inkml:brushProperty name="width" value="0.05292" units="cm"/>
+      <inkml:brushProperty name="height" value="0.05292" units="cm"/>
+      <inkml:brushProperty name="color" value="#FF0000"/>
+    </inkml:brush>
+  </inkml:definitions>
+  <inkml:trace contextRef="#ctx0" brushRef="#br0">11113 9772 24575,'42'0'0,"0"0"0,2 0 0,4 0 0,-2 0 0,5 0 0,-1 0-839,-2 0 1,0 0 0,1 0 838,-11 0 0,0 0 0,0 0 0,-1 0 0,4 0 0,-1 1 0,2-2 0,-3-2 0,2-2 0,0 1 0,-3 0 0,2 3 0,-2 0 0,2-1 0,8-3 1,2-1 0,-1 2-1,-8 3 0,-1 1 0,-2 1 0,9-1 0,-2 0 0,-10 0 0,0 0 0,-1 0 299,7 1 0,-1-2-299,3-7 0,0 0 0,-2 6 0,-2 0 0,-7-6 0,1 0 0,17 9 0,-2-2 628,-22-10 1,1-1-629,9 8 0,5 5 0,-3-4 0,0-9 0,1 0 0,-1 10 0,3 3 0,-1 0 38,-3-1 0,-2 0 1,1 0-39,0 0 0,0 0 0,0 0 0,4 0 0,0 0 0,-1 0 0,-3 0 0,-1 0 0,2 0 0,5 0 0,3 0 0,2 0 0,-2 0 0,-5 0 0,0 0 0,0 0 0,0 0-354,6 0 0,1 0 0,0 0 1,-2 0 353,5 0 0,-2 0 0,1 0 0,-3 1 0,1 0 0,-1-3 0,-1-2 0,0-2 0,0 1-209,2 3 0,1 2 0,-2-2 209,-7-2 0,-1-2 0,1 0 0,1-2 0,1-1 0,-3 3 0,5 3 0,-2 0-21,-7-5 1,1-1-1,-2 2 21,8 6 0,-1 2 0,4-1 0,0 0 0,-4 0 0,0 0 0,3 0 0,1 0 0,-4 0 0,0 0 243,-8 0 0,1 0-243,8 0 0,0 0 699,-9 0 1,1 0-700,10 0 0,2 0 345,-5 0 1,0 0-346,3 0 0,0 0 0,-2-1 0,-1 2 0,4 11 0,0 0 0,-4-10 0,0 2 0,4 15 0,-2 1 35,-9-18 1,-1 0-36,7 17 0,-1 1 0,-11-17 0,0 0 0,8 15 0,-1 3 0,-7-10 0,1-2 0,10-1 0,0 3 0,-5 10 0,-1-3 0,4-15 0,-1 0 0,-8 17 0,-1 0 0,17-17 0,-24 13 0,20-16 0,-33 16 0,18-12 0,-24 11 0,0-15 0,16 0 0,-13 0 0,37 24 0,-19-18 0,11 6 0,3-1 0,6-11 0,-10 0 0,-3 0 0,-9 0 0,21 0 0,-35 0 0,19 0 0,-8 0 0,-12 0 0,11 16 0,9-12 0,-18 12 0,33-16 0,-20 0 0,25 0 0,-7 0 0,-10 0 0,-11 0 0,-16 0 0</inkml:trace>
+  <inkml:trace contextRef="#ctx0" brushRef="#br0" timeOffset="3832">14235 11994 24575,'19'0'0,"7"0"0,3 0 0,12 0 0,-3 0 0,7 0 0,-2 0 0,3 0 0,-2 0 0,2 0 0,-4 0 0,-3 0 0,-62 0 0,-21 1 0,-12-2 0,12-1 0,-5-1 0,-2-1 0,-1-2-417,5-1 1,-2-2-1,-1-1 1,2 1-1,1 1 417,-4 1 0,1 2 0,2-1 0,5-2 0,-2-6 0,5-2 0,11 7 0,13 9 0,34 1 0,19-2 0,-5-3 0,8-2 0,5-1 0,3-1 0,-1 0 0,-2 2-656,3 0 1,-2 2-1,1-1 1,1 0 0,4-1 583,-7 0 0,4-1 0,2-1 0,2-1 0,-1 1 0,-2 0 1,-2 1-1,-4 2 72,3-1 0,-4 2 0,-2 1 0,-1-1 0,-1 1 0,14-3 0,-3 0 0,-6 2 0,-13 4 0,-4 0 1646,13 0-1646,-58 0 0,20 0 0,-45 0 3276,23 0-2263,-19 16-1013,33-12 0,-33 12 0,11-16 0,-9 0 0,10 0 0,11 0 0,16 15 0,0-11 0,16 12 0,-12-16 0,11 0 0,-15 0 0</inkml:trace>
+  <inkml:trace contextRef="#ctx0" brushRef="#br0" timeOffset="19182">9737 11748 24575,'19'0'0,"-3"0"0,7 0 0,-1 0 0,21 0 0,0 0 0,-6 0 0,-10 0 0,-3 0 0,-2 0 0,17 0 0,-19 0 0,23 0 0,-6 0 0,-9 0 0,-13 0 0,9 0 0,-3 0 0,7 0 0,3 0 0,-27 0 0,35 0 0,-33 0 0,18 15 0,-24-11 0,0 12 0,0-16 0,15 0 0,-11 0 0,28 23 0,-5-17 0,-5 18 0,17-24 0,-35 0 0,11 0 0,9 0 0,-18 0 0,17 0 0,-23 0 0,-23-24 0,17 18 0,-12-12 0,-3-3 0,-7 2 0,7-1 0,-3 4 0,9 16 0,11-23 0,-12 17 0,0-18 0,12 24 0,-35 0 0,33 0 0,-17 0 0,7 0 0,12 0 0,-12 0 0,16 0 0,0 0 0,0 24 0,0-18 0,16 33 0,-12-35 0,12 27 0,-16-27 0,23 12 0,-17-16 0,33 23 0,-35-17 0,12 14 0,0-1 0,-12-15 0,15 14 0,1 3 0,-14 1 0,33 5 0,-35-11 0,11-16 0,-15 16 0,0-12 0,0 11 0,-15-15 0,-13 0 0,7 24 0,-18-18 0,35 17 0,-28-7 0,28-12 0,-15 12 0,-1-1 0,14-11 0,-17 35 0,7-33 0,12 34 0,-12-13 0,16-5 0,-15 1 0,11-7 0,-12-12 0,16 11 0,0-15 0</inkml:trace>
+</inkml:ink>
+</file>
+
+<file path=ppt/ink/ink23.xml><?xml version="1.0" encoding="utf-8"?>
+<inkml:ink xmlns:inkml="http://www.w3.org/2003/InkML">
+  <inkml:definitions>
+    <inkml:context xml:id="ctx0">
+      <inkml:inkSource xml:id="inkSrc0">
+        <inkml:traceFormat>
+          <inkml:channel name="X" type="integer" min="-2.14748E9" max="2.14748E9" units="cm"/>
+          <inkml:channel name="Y" type="integer" min="-2.14748E9" max="2.14748E9" units="cm"/>
+          <inkml:channel name="F" type="integer" max="32767" units="dev"/>
+        </inkml:traceFormat>
+        <inkml:channelProperties>
+          <inkml:channelProperty channel="X" name="resolution" value="1000" units="1/cm"/>
+          <inkml:channelProperty channel="Y" name="resolution" value="1000" units="1/cm"/>
+          <inkml:channelProperty channel="F" name="resolution" value="0" units="1/dev"/>
+        </inkml:channelProperties>
+      </inkml:inkSource>
+      <inkml:timestamp xml:id="ts0" timeString="2026-02-25T20:45:50.482"/>
+    </inkml:context>
+    <inkml:brush xml:id="br0">
+      <inkml:brushProperty name="width" value="0.05292" units="cm"/>
+      <inkml:brushProperty name="height" value="0.05292" units="cm"/>
+      <inkml:brushProperty name="color" value="#FF0000"/>
+    </inkml:brush>
+  </inkml:definitions>
+  <inkml:trace contextRef="#ctx0" brushRef="#br0">11924 10866 24575,'19'0'0,"13"0"0,-28 0 0,11 0 0,9 0 0,-18 0 0,33 0 0,4 0 0,-12 0 0,3 0 0,5 0 0,2 0 0,1 0 0,2 0 0,0 0 0,4 0 0,-4 0 0,-1 0 0,0 0 0,-4 0 0,2 0 0,-5 0 0,7 0 0,0 0 0,-22 0 0,3 0 0,-8 0 0,3 0 0,9 0 0,3 0 0,18 0 0,-18 0 0,-1 0 0,13 0 0,0 0 0,-22 0 0,3 0 0,-8-16 0,-12 12 0,27-12 0,-27 16 0,35 0 0,-17 0 0,2 0 0,3 0 0,10 0 0,6 0 0,-23 0 0,19 0 0,-18 0 0,22 0 0,1 0 0,-23 0 0,18 0 0,-11 0 0,-7 0 0,18 0 0,-35 0 0,28 0 0,-28 0 0,35 0 0,-33 0 0,33 0 0,-35 0 0,12 0 0,-16 0 0,0 0 0,0 0 0</inkml:trace>
+</inkml:ink>
+</file>
+
+<file path=ppt/ink/ink24.xml><?xml version="1.0" encoding="utf-8"?>
+<inkml:ink xmlns:inkml="http://www.w3.org/2003/InkML">
+  <inkml:definitions>
+    <inkml:context xml:id="ctx0">
+      <inkml:inkSource xml:id="inkSrc0">
+        <inkml:traceFormat>
+          <inkml:channel name="X" type="integer" min="-2.14748E9" max="2.14748E9" units="cm"/>
+          <inkml:channel name="Y" type="integer" min="-2.14748E9" max="2.14748E9" units="cm"/>
+          <inkml:channel name="F" type="integer" max="32767" units="dev"/>
+        </inkml:traceFormat>
+        <inkml:channelProperties>
+          <inkml:channelProperty channel="X" name="resolution" value="1000" units="1/cm"/>
+          <inkml:channelProperty channel="Y" name="resolution" value="1000" units="1/cm"/>
+          <inkml:channelProperty channel="F" name="resolution" value="0" units="1/dev"/>
+        </inkml:channelProperties>
+      </inkml:inkSource>
+      <inkml:timestamp xml:id="ts0" timeString="2026-02-25T20:46:24.665"/>
+    </inkml:context>
+    <inkml:brush xml:id="br0">
+      <inkml:brushProperty name="width" value="0.05292" units="cm"/>
+      <inkml:brushProperty name="height" value="0.05292" units="cm"/>
+      <inkml:brushProperty name="color" value="#FF0000"/>
+    </inkml:brush>
+  </inkml:definitions>
+  <inkml:trace contextRef="#ctx0" brushRef="#br0">17498 12259 24575,'0'20'0,"0"11"0,0-27 0,0 12 0,0 7 0,0-17 0,0 18 0,0-9 0,0-11 0,0 35 0,-16-17 0,12 21 0,-15-21 0,-1-1 0,14 16 0,-33-9 0,35 3 0,-12-27 0,16 12 0,0 7 0,0-17 0,0 18 0,0-24 0</inkml:trace>
+  <inkml:trace contextRef="#ctx0" brushRef="#br0" timeOffset="16365">13212 11113 24575,'45'0'0,"-20"0"0,1 0 0,11 0 0,6 0 0,-23 0 0,19 0 0,-33 0 0,17 0 0,-7 0 0,10 0 0,7 0 0,7 0 0,4 0 0,-9-1 0,1 1 0,1 1 0,-1-1 0,0 0 0,-4 0 0,17 0 0,-18-8 0,-8 0 0,-19 4 0,12-12 0,-16 16 0</inkml:trace>
+</inkml:ink>
+</file>
+
+<file path=ppt/ink/ink25.xml><?xml version="1.0" encoding="utf-8"?>
+<inkml:ink xmlns:inkml="http://www.w3.org/2003/InkML">
+  <inkml:definitions>
+    <inkml:context xml:id="ctx0">
+      <inkml:inkSource xml:id="inkSrc0">
+        <inkml:traceFormat>
+          <inkml:channel name="X" type="integer" min="-2.14748E9" max="2.14748E9" units="cm"/>
+          <inkml:channel name="Y" type="integer" min="-2.14748E9" max="2.14748E9" units="cm"/>
+          <inkml:channel name="F" type="integer" max="32767" units="dev"/>
+        </inkml:traceFormat>
+        <inkml:channelProperties>
+          <inkml:channelProperty channel="X" name="resolution" value="1000" units="1/cm"/>
+          <inkml:channelProperty channel="Y" name="resolution" value="1000" units="1/cm"/>
+          <inkml:channelProperty channel="F" name="resolution" value="0" units="1/dev"/>
+        </inkml:channelProperties>
+      </inkml:inkSource>
+      <inkml:timestamp xml:id="ts0" timeString="2026-02-25T20:48:58.364"/>
+    </inkml:context>
+    <inkml:brush xml:id="br0">
+      <inkml:brushProperty name="width" value="0.05292" units="cm"/>
+      <inkml:brushProperty name="height" value="0.05292" units="cm"/>
+      <inkml:brushProperty name="color" value="#FF0000"/>
+    </inkml:brush>
+  </inkml:definitions>
+  <inkml:trace contextRef="#ctx0" brushRef="#br0">10866 11994 24575,'45'0'0,"-14"0"0,4 0 0,12 0 0,2 0-812,-13 0 1,1 0 0,2 0 811,0 0 0,2 0 0,1 0 0,-1 0 0,7 0 0,0 0 0,1 0 0,-10 0 0,1 0 0,0 0 0,-1 0 0,9 0 0,-1 0 0,0 0 0,-3 0 0,0 0 0,-1 0 173,-6 0 0,-1 0 1,-1 0-174,14 0 0,-2 0 230,-11 0 1,-2 0-231,-6 0 0,-3 0 0,3 0 0,-13 0 1242,1 24-1242,-12-18 211,35 17-211,-17-23 0,9 0 0,4 0 0,-2 0 0,-1 0 0,0 0 0,1 0 0,2 0 0,-4 0 0,-9 0 0,17 0 0,-35 0 0,27 0 0,-3 0 0,-3 0 0,3 0 0,6 0 0,2 0 0,4 0 0,1 0 0,2 2 0,2-4 0,-11-4 0,1-4 0,0 3 0,11 4 0,0 0 0,1-9 0,2 0 0,-15 11 0,0 2 0,0-1 0,7 0 0,2 0 0,-4 0 0,2 0 0,-1 0 0,6 0 0,0 0 0,-7 0 0,1 0 0,0 0-273,-4 0 1,-1 0 0,2 0 272,6 0 0,1 0 0,0 0 0,-1-1 0,-1 1 0,-1 1 0,-5 6 0,0 3 0,0-3-25,-2-5 1,1-1-1,-3 2 25,9 9 0,-1-1 0,4-9 0,0-4 0,-5 2 0,2 0 0,1 0 0,2 0 0,-4 0 0,-7 0 0,0 0 0,7 0 0,3 0 0,-4 0 0,-6 0 0,-1 0 0,12 0 0,0 0 0,-11 0 0,-2 0 407,1 0 0,-5 0-407,-7 0 19,-4 0 0,-16 0 0,0 0 1</inkml:trace>
+  <inkml:trace contextRef="#ctx0" brushRef="#br0" timeOffset="67817">11165 13176 24575,'20'0'0,"19"0"0,-33 0 0,18 0 0,-9 0 0,5 0 0,-1 0 0,21 0 0,-19 0 0,11 0 0,3 0 0,6 0 0,-7 0 0,-1 0 0,4 0 0,-4-7 0,1-1 0,7 4 0,-9-4 0,2 0 0,-6 7 0,-3 2 0,7-1 0,-4 0 0,-2 0 0,-4 0 0,21 0 0,0 0 0,-5 0 0,-11 0 0,12-24 0,-17 19 0,21-19 0,0 24 0,-6 0 0,6 0 0,0 0 0,-21 0 0,17 0 0,-11 0 0,-7 0 0,18 0 0,4 0 0,-1 0 0,-9 0 0,0 0 0,5 0 0,5 0 0,0 0 0,-6 0 0,-10 0 0,5 0 0,-5 0 0,10 0 0,-11 0 0,-1 0 0,13 0 0,5 0 0,0 0 0,-6 0 0,6 0 0,-14 0 0,1 0 0,19 0 0,-18 0 0,-1 0 0,13 0 0,-14 0 0,1 0 0,11 0 0,0 0 0,0 0 0,8 0 0,-11 0 0,1 0 0,-11 0 0,-2 0 0,1 0 0,-1 0 0,0 0 0,-1 0 0,13 0 0,-11 0 0,4 0 0,-27 0 0,36 0 0,-19 0 0,22 0 0,0 0 0,-5 0 0,-13 0 0,1 0 0,11 0 0,6 0 0,0 0 0,-6 0 0,-4 0 0,1 0 0,7 0 0,2 0 0,-4 0 0,-17 0 0,21 0 0,0 0 0,-17 0 0,1 0 0,1-2 0,-1 4 0,10 22 0,2-19 0,-11 19 0,9-24 0,-10 0 0,5 0 0,-28 0 0,35 0 0,-18 0 0,4 0 0,1 0 0,12 0 0,-11 0 0,4 0 0,-27 0 0,12 0 0,-16 0 0,24 0 0,-19 0 0,19 0 0,-8 0 0,3 0 0,1 0 0,19 0 0,-33 0 0,33 0 0,-35 0 0,12 16 0,-16-12 0,0 11 0</inkml:trace>
+</inkml:ink>
+</file>
+
+<file path=ppt/ink/ink26.xml><?xml version="1.0" encoding="utf-8"?>
+<inkml:ink xmlns:inkml="http://www.w3.org/2003/InkML">
+  <inkml:definitions>
+    <inkml:context xml:id="ctx0">
+      <inkml:inkSource xml:id="inkSrc0">
+        <inkml:traceFormat>
+          <inkml:channel name="X" type="integer" min="-2.14748E9" max="2.14748E9" units="cm"/>
+          <inkml:channel name="Y" type="integer" min="-2.14748E9" max="2.14748E9" units="cm"/>
+          <inkml:channel name="F" type="integer" max="32767" units="dev"/>
+        </inkml:traceFormat>
+        <inkml:channelProperties>
+          <inkml:channelProperty channel="X" name="resolution" value="1000" units="1/cm"/>
+          <inkml:channelProperty channel="Y" name="resolution" value="1000" units="1/cm"/>
+          <inkml:channelProperty channel="F" name="resolution" value="0" units="1/dev"/>
+        </inkml:channelProperties>
+      </inkml:inkSource>
+      <inkml:timestamp xml:id="ts0" timeString="2026-02-25T20:51:26.181"/>
+    </inkml:context>
+    <inkml:brush xml:id="br0">
+      <inkml:brushProperty name="width" value="0.05292" units="cm"/>
+      <inkml:brushProperty name="height" value="0.05292" units="cm"/>
+      <inkml:brushProperty name="color" value="#FF0000"/>
+    </inkml:brush>
+  </inkml:definitions>
+  <inkml:trace contextRef="#ctx0" brushRef="#br0">11924 8855 24575,'44'0'0,"1"0"0,-1 0 0,-3 0 0,1 0 0,2 0 0,2 0 0,0 0 0,3 0 0,1 0 0,2 0 0,0 0-547,-4 0 1,1 0 0,0 0 0,2 0 0,-1 0 0,0 0 77,-5 0 1,-1 0 0,0 0 0,1 0 0,0 0 0,-1 0 0,1 0 291,1 0 0,-1 0 1,1 0-1,0 0 0,-1 0 1,1 0-1,0 0 177,-1 0 0,0 0 0,0 0 0,0 0 0,0 0 0,0 0 0,0 0 0,0 0 0,1 0 0,-1 0 0,0 0 0,0 0 0,0 0 0,0 0 0,4 0 0,1 0 0,-1 0 0,0 0 0,0 0 0,1 0-210,-1 0 0,1 0 0,1 0 0,-2 0 0,1 0 0,-2 0 210,-2 0 0,-1 0 0,-1 0 0,0 0 0,0 0 0,-2 0 9,3 0 1,-2 0-1,0 0 1,-1 0-1,1 0-9,-1 0 0,0 0 0,0 0 0,-1 0 0,-3 0-168,13 0 0,-3 0 0,-2 0 168,-1 0 0,-1 0 0,-1 0 0,-7 0 0,-2 0 0,0 0 1484,6 0 0,0 0-1484,4 0 0,-2 0 1527,-12 0 0,-3 0-1527,16 0 2586,-4 0-2586,6 0 0,-14-8 0,3 0 0,1 7 0,3 1 0,-1-3-49,-3-9 1,-2-3 0,4 3 48,11 8 0,3 4 0,0-2 0,-7-5 0,-1-2 0,0 2 0,4 0 0,1 2 0,-1 1 0,-1 3 0,-2 1 0,1-3 0,-2-9 0,-1-3 0,1 3 0,2 8 0,0 4 0,-1-2 0,-1-6 0,-1-1 0,0 2 0,0 6 0,1 3 0,-2-3-184,-3-3 0,-2-2 0,1 1 184,4 3 0,1 2 0,-2-2 0,8-5 0,-2-2 0,-5 1 0,0 0 0,10 7 0,-2-2 0,-21-5 0,-1 1 0,18 5 0,4 4 0,0-2 0,-2 0 0,-7 0 0,1 0 0,0-1 0,3 0 0,-1 3 53,-6 2 0,-1 3 0,2-3-53,9-2 0,1-1 0,1 0 0,-3 4 0,-1 2 0,2-3 0,-6-3 0,1-2 0,1 0 0,-2 2-262,8 4 0,0 1 1,1-1 261,-6-4 0,1 0 0,0-1 0,-1 2 0,7 3 0,-2 1 0,-1-2 0,-2-3 0,-1-1 0,-1-1-204,-3 1 0,0 0 0,-1 0 204,-3 0 0,0 0 0,0 0 0,3 0 0,0 0 0,6 0 0,-2 0 0,5-1 0,4 1 0,1-1 0,-1 2 0,-4 0 0,-2 3 0,-3 1 0,-1 1 0,2-1 0,3-1-410,-5-2 0,2-1 1,3-1-1,1 0 1,0 0-1,-1 0 0,-1 1 1,-4 1 393,11 1 0,-3 2 1,-1 1-1,-1-1 0,-1-1 16,-3 0 0,-1-2 0,0 1 0,-1 0 0,2 1-292,3 1 0,1 0 1,0 0-1,1 1 1,-2 0 291,-2 1 0,0-1 0,-1 1 0,0 1 0,1 2 0,-4-1 0,0 2 0,0 1 0,1 0 0,0-1 0,0 0-305,3-1 1,0-1 0,0 0 0,0 0 0,1 0 0,-1 2 304,1 2 0,-1 2 0,0 0 0,1 0 0,0 0 0,0-2 0,2-1 0,1 0 0,0-2 0,0 0 0,0 1 0,-1-1 0,-1 0 0,-1 1 0,1-1 0,-2 1 0,1-1 0,0-1-209,-3-1 0,0-1 1,-1 0-1,1 0 0,-1 0 1,-1 0 208,6 2 0,-1 0 0,-1 0 0,0 0 0,0-2 0,-3-2 0,1-1 0,-1 0 0,0-1 0,0 3 0,1 1 0,0 1 0,0 1 0,-1-1 0,-1-1 372,4-1 0,-2-2 0,0 1 1,-1-1-373,9 2 0,-1-1 0,-4 4 586,-13 4 1,-1 2 0,-1-4-587,12-7 0,0-2 0,-4 10 0,2 0 0,-7-10 0,1-3 0,0 0 0,11 1 0,0 0 0,2 0 0,0 0 0,-4 0 0,-2 0 0,-1 0 0,-1 0 1635,4 0 1,0 0-1636,-11 0 0,-1 0 1362,2 0 1,-2 0-1363,5 0 1354,7-24-1354,-25 18 31,-3-17 1,-16 23 0,0 0 0</inkml:trace>
+  <inkml:trace contextRef="#ctx0" brushRef="#br0" timeOffset="12783">8308 11712 24575,'20'0'0,"4"0"0,6 0 0,2 0 0,2 0 0,4 0-820,2 0 1,2 0 0,3 0 0,1 0 482,-1 0 1,3 0-1,1 0 1,0 0-1,-1 0 337,-1 0 0,0 0 0,0 0 0,-1 0 0,0 0 0,-3 0 0,1 0 0,-2 0 0,0 0 0,-1 0 107,2 0 0,0 0 0,-2 0 0,-2 0-107,5 0 0,-3 0 0,-2 0 514,4 0 1,-6 0-515,6 0 0,-4-23 0,-1 17 2525,-7-18-2525,-1 22 0,-5 4 978,-19-2-978,17-15 0,-23 11 0,0-12 0,0 16 0,0-16 0,0 12 0,0-11 0,0 15 0,0 0 0,0 15 0,0-11 0,0 12 0,0-16 0,0 16 0,0-12 0,0 11 0,0-15 0,0 0 0</inkml:trace>
+  <inkml:trace contextRef="#ctx0" brushRef="#br0" timeOffset="55466">12294 14146 24575,'43'0'0,"-7"0"0,5 0 0,3 0 0,6 0 0,3 0-656,-11 0 1,3 0-1,1 0 1,3 0 0,0 0 186,-6 0 1,1 0 0,2 0 0,0 0 0,1 0 0,0 0 0,0 0-1,1 0 1,0 0 0,0 0 0,1 0 0,0 0 0,0 0 0,1 0 452,-6 0 0,1 0 0,1 0 1,-1-1-1,0 1 0,0 0 0,0 1 1,-2-1 15,3 2 0,-1 0 0,0 1 0,0-1 0,-1 1 0,0-1 0,-1 0 6,4-1 0,-1 0 0,0-1 0,0 0 0,-1 1 0,-1 0-6,6 2 0,0 0 0,-1 1 0,-1-1 0,-2 0-225,5-2 0,-2-2 0,0 1 1,-2 0 224,-3 0 0,-2 0 0,0 0 0,-1 0 0,9 0 0,-1 0 0,-1 0 686,-6 0 1,-1 0 0,-1 0-687,-3 0 0,-1 0 0,-1 0 0,0 0 0,-1 0 0,1 0 0,-1 0 0,1 0 0,0 0 0,5 0 0,1 0 0,1 0 0,-5 0 0,1 0 0,0 0 0,0 0 546,2 0 1,0 0 0,0 0-1,1 0-546,2 0 0,2 0 0,-1 0 0,-2 0 0,8 0 0,-2 0 0,-1 0 647,-2 0 0,-1 0 1,-1 0-648,-3 0 0,0 0 0,-1 0 0,-3 0 0,-1 0 0,2 0 145,10 0 0,3 0 0,0 0-145,-2 0 0,0 0 0,1 0 0,-6 0 0,1 0 0,1 0 0,-3 0 0,8 0 0,-2 0 0,0 0 0,1 0 0,1 0 0,-2 0 109,-11 0 0,-2 0 0,0 0-109,15 0 0,-4 0 855,-9 0 0,-3 0-855,-8 0 0,1 0 301,6 0 0,0 0-301,-1 0 0,1 0 0,0 0 0,2 0 0,1 0 135,-1 0 1,1 0-1,1 0-135,3 0 0,2 0 0,-1 0 0,1 0 0,-1 0 0,0 0 0,-5 0 0,-1 0 0,2 0 0,2 0 0,2 0 0,-2 0 0,7 0 0,0 0 0,-7 0 0,3 1 0,-3-2 0,7-7 0,0 0 112,-11 6 0,1 2 0,-3-2-112,0-6 0,-2 0 0,11 7 0,-1 2 0,-14-1 0,3 0 0,7 1 0,6 0 0,2-3-760,-7-2 0,1-3 1,1 0-1,4 2 760,-5 3 0,2 1 0,1 0 0,2 1 0,0 0 0,0-2-547,4-1 1,1-1 0,0-1 0,1 0 0,0 1 0,0 1 541,-3 2 1,1 1-1,0 0 1,1 0-1,-1 1 1,0-1-1,0 0 5,-4 0 0,0 0 0,0 0 0,-1 0 0,1 0 0,-2 0 0,0 0-299,4 0 0,-1 0 0,-1 0 0,0 0 0,0 0 0,-2 0 299,3 0 0,-1-1 0,-1 1 0,0 0 0,-1 1-249,-1 3 0,0 1 1,-1 1-1,-1-1 1,0-1 248,5-2 0,-1-2 0,0 1 0,0 2 0,5 5 0,1 4 0,-1-1 0,-3-3 578,0-5 1,-2-3 0,-2 1-579,-4 4 0,-1 1 0,-5-1 3276,12-5-2944,-11 0 2102,-28 0-2434,11 0 2184,9 0-2184,-18 0 239,33 0-239,-12 0 0,-2 0 0,3 0 0,7 0 0,1 0 0,3 0 0,2 0 0,-7 0 0,1 0 0,0 0-344,0 0 0,1 0 0,1 0 344,10 0 0,4 0 0,-2 0 0,-6 0 0,0 0 0,0 0 0,6 0 0,1 0 0,-2 0 0,-10-1 0,-3 0 0,0 3 0,14 5 0,-2 1 0,-10-6 0,-4 0 0,-5 6 0,-3 0 0,1-7 0,-1-2 0,13 1 0,5 0 1032,0 0-1032,-6 0 0,-9 0 0,3 0 0,-27 0 0,-4 0 0,-4 0 0,-12 0 0,16 0 0,0 0 0</inkml:trace>
+  <inkml:trace contextRef="#ctx0" brushRef="#br0" timeOffset="64864">8220 16739 24575,'30'0'0,"0"0"0,5 0 0,1 0 0,11 0 0,2 0-860,-14 0 1,0 0 0,3 0 859,0 0 0,3 0 0,1 0 0,0 0-409,-4 0 0,1 0 0,0 0 0,1 0 409,0 0 0,2 0 0,1 0 0,-1 0 0,-1 0 0,3 0 0,-1 0 0,0 0 0,0 0 0,-1 0 0,1 0 0,-2 0 0,-1 0 200,3 0 1,-2 0 0,-1 0-201,-5 0 0,0 0 0,-2 0 0,13 0 0,-3 0 0,-10 0 0,-2 0 0,-1 0 0,-1 0 1173,14 0-1173,-13 0 0,1 0 2007,18 0-2007,-8-1 0,0 2 216,-8 11 0,-1 0-216,8-9 0,0 0 0,-3 9 0,-3-1 0,-6-10 0,-3-2 0,2 1 0,-11 0 0,-16 0 0,0 0 0,0 0 0</inkml:trace>
+  <inkml:trace contextRef="#ctx0" brushRef="#br0" timeOffset="66215">15522 16951 24575,'42'0'0,"0"0"0,-1 0 0,2 0 0,5 0 0,-7 0 0,3 0 0,3 0 0,0 0 0,1 0-547,-3 0 1,0 0 0,2 0 0,0 0 0,1 0 0,0 0 77,-1 0 1,0 0 0,1 0 0,0 0 0,1 0 0,-1 0 0,1 0 168,-1 0 1,0 0-1,0 0 1,0 0-1,0 0 1,-1 0 0,1 0 104,-3 0 0,0 0 0,-1 0 1,0 0-1,1 0 0,-1 0 1,0 0 194,1 0 0,1 0 0,-1 0 0,0 0 0,0 0 0,-1 0 0,0 0-7,2 0 0,-1 0 1,0 0-1,-1 0 1,0 0-1,0 0 7,0 0 0,-1 0 0,0 0 0,-1 0 0,0 0 0,-1 0-165,3 0 1,0 0-1,-1 0 1,-2 0 0,-1 0 164,1 0 0,-2 0 0,-2 0 0,-1 0 1010,1 0 1,-1 0 0,-5 0-1011,12 0 0,-28 0 0,-15 0 0</inkml:trace>
+  <inkml:trace contextRef="#ctx0" brushRef="#br0" timeOffset="67547">24306 16457 24575,'45'0'0,"0"0"0,-1 0 0,1 0 0,-2 0 0,3 0 0,1 0 0,2 0 0,1 0 0,1 0 0,-8 0 0,2 0 0,0 0 0,1 0 0,0 0 0,0 0 0,1 0 0,-1 0-410,3 0 0,-1 0 1,1 0-1,1 0 1,-1 0-1,-1 0 0,0 0 1,-1 0-60,3 0 1,-1 0 0,0 0 0,-2 0 0,0 0 0,-1 0 0,-2 0 181,5 0 1,-2 0 0,-2 0 0,-1 0 0,-2 0 728,-1 0 1,-3 0 0,-1 0 0,-2 0-443,3 0 0,-3 0 0,-4 0 1350,14 0-1350,-6 0 0,-35 0 0,12 0 0,-16 0 0</inkml:trace>
+</inkml:ink>
+</file>
+
+<file path=ppt/ink/ink27.xml><?xml version="1.0" encoding="utf-8"?>
+<inkml:ink xmlns:inkml="http://www.w3.org/2003/InkML">
+  <inkml:definitions>
+    <inkml:context xml:id="ctx0">
+      <inkml:inkSource xml:id="inkSrc0">
+        <inkml:traceFormat>
+          <inkml:channel name="X" type="integer" min="-2.14748E9" max="2.14748E9" units="cm"/>
+          <inkml:channel name="Y" type="integer" min="-2.14748E9" max="2.14748E9" units="cm"/>
+          <inkml:channel name="F" type="integer" max="32767" units="dev"/>
+        </inkml:traceFormat>
+        <inkml:channelProperties>
+          <inkml:channelProperty channel="X" name="resolution" value="1000" units="1/cm"/>
+          <inkml:channelProperty channel="Y" name="resolution" value="1000" units="1/cm"/>
+          <inkml:channelProperty channel="F" name="resolution" value="0" units="1/dev"/>
+        </inkml:channelProperties>
+      </inkml:inkSource>
+      <inkml:timestamp xml:id="ts0" timeString="2026-02-25T20:52:46.997"/>
+    </inkml:context>
+    <inkml:brush xml:id="br0">
+      <inkml:brushProperty name="width" value="0.05292" units="cm"/>
+      <inkml:brushProperty name="height" value="0.05292" units="cm"/>
+      <inkml:brushProperty name="color" value="#FF0000"/>
+    </inkml:brush>
+  </inkml:definitions>
+  <inkml:trace contextRef="#ctx0" brushRef="#br0">5750 7938 24575,'46'0'0,"0"0"0,-1 0 0,-2 0 0,-1 0 0,5 0 0,-9 0 0,4 0 0,2 0 0,2 0 0,-2 0 0,-1 0-656,0-1 1,-2 2-1,1-1 1,-1 0 0,1 0 327,5 0 0,1 0 1,0 0-1,-1 0 0,-2 0 328,4 0 0,-1-1 0,-2 2 0,0-1 34,-4 0 1,0 0 0,0 0 0,-2 0-35,7 0 0,-1 0 0,0 0 0,-6 0 0,2 0 0,-1 0 0,-1 0 0,5 0 0,-2-1 0,2 2 0,-4-1 0,1 0 0,1 0 0,2 0 0,-3 0 0,3 0 0,1 0 0,-2 0 0,-2 0 0,-2 0 0,-2 0 0,-1-1 0,3 2 0,2-2 0,3 2 0,1-1 0,-2-1 0,-3 2 0,2-2 0,-3 2 0,0-1 0,6-1 0,1 0 0,-1 3 0,-1 2 0,-1 2 0,2-1 0,-2-3 0,1-3 0,1 1 0,0 3-156,-3 4 0,-1 2 1,1 0-1,1-3 156,-3-3 0,1-2 0,0-2 0,1 1 0,-1 1-381,-1 2 0,-1 1 0,1-1 0,-1 1 0,2-2 381,3-1 0,0-1 0,1 0 0,0-1 0,-1 1-83,-2 0 0,0 0 0,-1 0 0,1 0 0,2 0 83,-3 0 0,2 0 0,1 0 0,0 0 0,0 0 0,0 0-295,1 0 0,0 0 1,0 0-1,0 0 1,0 0-1,1 0 295,-1 0 0,0 1 0,1-1 0,-1 0 0,1 0 0,1-1 0,-5 0 0,2-2 0,-1 1 0,1-1 0,0 0 0,-1 1 0,0 0 0,3 1 0,-1 1 0,0 0 0,0-1 0,-1 1 0,1-2 0,-2 0 0,0-1 0,0 0 0,-1 0 0,0 1 0,0 0-17,3 1 0,1 1 0,-2 0 0,0 1 0,-1-1 17,6 0 0,-1 0 0,-2 0 0,-3 0 431,-2 0 0,-2 0 0,0 0-431,3 0 0,1 0 0,-6 0 1125,-9 0 0,-1 0-1125,5 0 0,4 0 0,-1 0 0,6 0 0,2 0 675,2 0 0,4 0 1,1 0-676,-10-1 0,0 1 0,1 0 0,0 1 0,1 2 0,1 1 0,-1 1 0,0-2 0,0-1 0,0-2 0,-1 1 0,-2 0 0,6 4 0,-2 2 0,-2-3 1000,7-3 0,-2-2-1000,-4 1 0,0 0 0,-3 0 0,0 0 0,-6 0 0,0 0 0,2 0-391,6 0 0,2 0 0,2 0 391,-3 0 0,2-1 0,2 1 0,2 1-547,-9 2 1,1 0 0,1 1 0,2 1 0,0 0 0,0-1 495,3-1 1,2 0-1,0 0 1,1 1-1,0 0 1,1 0 50,-5 1 0,2 2 0,0-1 0,0 1 0,1 0 0,-1-1 0,0-1 0,-2-1 0,1-1 0,-1-1 0,0 0 0,0 0 0,-1 1 0,-2 1 0,1 2 0,0 1 0,-2 0 0,0 1 0,-1-2 0,-1-1 48,3-2 1,0-3 0,-1 0 0,-2 0-1,-2 3-48,6 4 0,-3 1 0,-3 0 0,5 1 0,-5-2 0,5-3 1295,-4 12-1295,-33-16 3276,33 0-2570,-35 0 531,27 0-1237,-27 0 0,35 0 0,-33 0 0,18 0 0,-24 0 0</inkml:trace>
+  <inkml:trace contextRef="#ctx0" brushRef="#br0" timeOffset="6399">6174 10372 24575,'35'0'0,"4"0"0,4 0 0,-1 0 0,2 0-1067,2 0 1,4 0 0,1 0 1066,-10 0 0,1 0 0,0 0 0,0 0 0,1 0 0,1 0 0,-1 0 0,-1 0 0,8 0 0,-2 0 0,0 0 216,-5 0 0,0 0 1,-4 0-217,3 0 0,-4 0 606,11 0-606,-17 0 0,-9 0 0,-19 0 0,35 0 1642,-33 15-1642,33-11 302,4 12-302,-12-15 0,3-2 0,0 1 0,2 0 0,-2 0 0,1 0 0,-1 0 0,8 0 0,-2 0 0,-3 0 0,6 0 0,-23 0 0,19 0 0,-2 0 0,-3 0 0,3 0 0,-5 0 0,1 0 0,16 0 0,2 0 0,-17 0 0,0 0 0,10 0 0,-2 0 0,-13 0 0,-5 0 0,4 0 0,-13 0 0,-15 0 0</inkml:trace>
+  <inkml:trace contextRef="#ctx0" brushRef="#br0" timeOffset="8966">10195 10319 24575,'30'0'0,"6"0"0,6 0 0,-8 0 0,1 0 0,4 0-820,3 0 1,5 0 0,1 0 0,3 0 358,-9 0 1,2 0-1,1 0 1,1 0-1,1 0 1,-1 0-6,-2 0 0,-1 0 0,1 0 0,1 0 1,0 0-1,0 0 0,1 0 466,-2 0 0,1 0 0,0 0 0,1 0 0,0 0 0,0 0 0,-1 0 0,1 0 0,-2 0 0,1 0 0,0 0 0,0 0 0,0 0 0,-1 0 0,0 0 0,0 0 0,5 0 0,-1 0 0,0 0 0,0 0 0,0 0 0,-1 0 0,1 0-69,-3 0 1,1 0 0,-1 0 0,1 0-1,-2 0 1,0 0 0,-1 0 68,1 0 0,-2 0 0,0 0 0,0 0 0,-1 0 0,1 0-184,0 0 0,1 0 0,0 0 0,-1 0 0,-1 0 0,-1 0 184,9 0 0,-2 0 0,-1 0 0,0 0 0,-3 0 0,-1 0 0,-1 0 0,0 0 479,9 0 1,0 0 0,-3 0-480,-12 0 0,-2 0 0,0 0 0,5 0 0,0 0 0,-4 0 1638,0 0 0,-3 0-1358,14 0 2863,-6 0-3143,-19 0 1020,7 0 0,5 0-1020,-1 0 0,2 0 0,0-4 0,3-1 0,-1-2 0,11-6 0,0-1 0,3 4 0,-2-2 352,-10-9 1,-3 3-353,-6 16 0,-3 0 0,2-29 0,12 27 0,-33-12 0,18 16 0,-24 0 0</inkml:trace>
+  <inkml:trace contextRef="#ctx0" brushRef="#br0" timeOffset="16333">10619 10107 24575,'25'0'0,"1"0"0,6 0 0,5 0 0,5 0 0,1 0 0,5 0 0,3 0 0,2 0 0,-1 0-547,-4 0 1,0 0 0,1 0 0,0 0 0,2 0 0,0 0 136,-8 0 0,2 0 1,0 0-1,0 0 1,0 0-1,1 0 0,-1 0 1,0 0 108,4 0 1,0 0 0,0 0-1,-1 0 1,1 0 0,-1 0-1,1 0 301,0 0 0,1 0 0,0 0 0,0 0 0,-1 0 0,-1 0 0,-1 0-35,0 0 0,-2 0 0,0 0 1,-1 0-1,0 0 0,-1 0 35,6 0 0,-1 0 0,0 0 0,-2 0 0,-3 0 510,8 0 1,-3 0 0,-2 0-511,-9 0 0,-2 0 0,-4 0 0,2 0 0,-7 0 0,-6 0 3276,-4 0-2396,-16 0 1934,-32 0-2814,1 0 0,-1 0 0,-5 0 0,-9 0 0,-2 0 0,15 0 0,-1 0 0,-1 0-138,-7 0 0,-3 0 1,1 0 137,2 0 0,1 0 0,0 0 0,0 0 0,0 0 0,0 0 0,0 0 0,0 0 0,0 0 0,-1 0 0,1 0 0,0 0 0,-2 0 0,-1 0 0,0 0 0,-3 0 0,0 0 0,0 0 0,1 0 0,1 0 0,0 0 0,-1 0 0,-1 0 0,1 0 0,4 0 0,1 0 0,1 0 0,2 0 0,2 0 0,2 0 0,0 0 0,3 0 0,-8 0 0,39 0 0,39 0 0,2 0 0,2 0 0,1 0 388,-16 0 1,1 0-389,12 0 0,0 0 0,8 0 0,-11 0 0,0 0 0,-10 0 0,-1 0 0,0 0 0,-1 0 0,17 0 0,-23 0 0,-5 0 0,-15 0 0,-15 0 0,-28 0 0,15 0 0,-1 0 0,-5 0 0,-3 0 0,-9 0 0,0 0 0,9 0 0,-2 0-145,0 0 0,-2 0 0,1 0 145,-6 0 0,0 0 0,7 0 0,-2 0 0,1 0 0,-7 0 0,2 0 0,11 1 0,4-2 0,-9-15 0,39 12 0,23-11 0,22 15 0,-4-1 0,6 2 0,-8 3 0,3 2 0,1-1-257,-7-3 0,2-3 0,0 1 0,1 3 257,1 5 0,1 4 0,-1-1 0,-1-2 0,8-6 0,-1-3 0,-3 2 0,8 11 0,-6-2 0,-2-11 0,-43 0 0,-43 0 0,15 0 0,-1 0 0,-6 0 0,-1 0 731,-3 0 1,2 0-732,-12 0 0,18 0 0,3 0 0,8 0 0,5 0 0</inkml:trace>
+  <inkml:trace contextRef="#ctx0" brushRef="#br0" timeOffset="18450">10283 12330 24575,'44'0'0,"-7"0"0,-6 0 0,6 0 0,1 0-1093,-4 0 1,0 0 0,3 0 1059,0 0 1,4 0-1,2 0 1,0 0 0,-1 0-416,6 0 0,0 0 0,-1 0 0,2 0 448,-4 0 0,0 0 0,1 0 0,0 0 0,0 0 0,-3 0 0,-1 0 0,1 0 0,-1 0 0,-1 0 0,9 0 0,0 0 0,-1 0 0,-2 0 25,-3 0 0,-2 0 1,0 0-1,-1 0-25,10 0 0,-2 1 0,-2-2-10,-10-4 0,-1-1 0,-1 1 10,13 3 0,0 0 0,-5-6 0,0 0 0,-2 7 0,-2 2 737,-6-1 0,-1 0-737,10 0 0,-2 0 2318,1 0-2318,0 0 0,1 0 1327,7 0-1327,-11 0 0,0 0 20,-10 0 1,-1 0-21,7 0 0,1 0 0,0 0 0,0 0 0,-3 0 0,1 0 0,5 0 0,0 0 0,-2 0 0,-1 0 0,5 0 0,0 0 0,4 1 0,0-2 0,-4-6 0,1-1 0,-8 6 0,1 1 0,1 0-312,0-3 0,0-2 0,3 0 312,7-2 0,3-1 0,0 3 0,-3 4 0,1 2 0,-2-4 0,-2-8 0,-1-4 0,-1 4 0,-5 9 0,0 4 0,-1-2-125,1-4 1,0-2 0,-1 3 124,12 4 0,0 0 0,3-12 0,-2 0 0,-10 10 0,-3-2 0,-7-8 0,-1 1 0,0 11 0,-1 0 0,12-16 918,6 12-918,0-11 391,-6 15-391,6 0 0,1 0 0,-7 0 0,-10 0 0,12 0 0,-17 0 0,9 0 0,5 0 0,-5 0 0,2 0 0,0 0 0,2 0 0,1 0-207,5 0 1,1 0-1,-1 0 207,-4 0 0,0 0 0,0 0 0,4 0 0,1 0 0,-5 0 0,-3 0 0,-3 0 0,12 0 0,-28 0 0,-15 0 0</inkml:trace>
+  <inkml:trace contextRef="#ctx0" brushRef="#br0" timeOffset="22282">11201 11924 24575,'47'0'0,"1"0"0,0 0 0,-1 0 0,1 0 0,0 0 0,-2 0 0,2 0 0,2 0 0,0 0 0,1 0 0,0 0 0,1 0 0,0 0-328,-8 0 0,2 0 0,-1 0 1,1 0-1,0 0 0,1 0 1,0 0-1,-1 0 0,1 0 1,-1 0-1,2 0 0,0 0 0,0 0 1,1 0-1,-1 0 0,0 0 1,0 0-1,-1 0 0,-1 0 1,-1 0-83,2 0 0,0 0 1,0 0-1,-1 0 1,-1 0-1,-2 0 0,-1 0 1,-1 0 567,10 0 1,-2 0-1,-3 0 1,-1 0-1,-3 0-158,11 0 0,-3 0 0,-6 0 896,2 0 1,-9 0-897,-16 0 0,-21 0 0,-21 0 1638,-10 0 0,-5 0-313,-2 1 0,-4-2-1325,1-4 0,-4-4 0,-1-1-260,8 1 1,-2-2 0,0-1-1,-2-1 260,0 1 0,-1 0 0,-1-2 0,-1 1 0,1 0-483,-1-1 0,1-1 1,-1 0-1,-1 1 1,1 1 482,-3 1 0,0 0 0,0 2 0,0 0 0,1 1 0,5 2 0,1 2 0,0 0 0,1 0 0,0 0 0,-9-3 0,1-1 0,1 0 0,1 3-254,4 5 0,2 1 0,0 1 1,1-5 253,-8-7 0,2-5 0,2 4 0,6 9 0,2 3 0,3-3 0,-1-9 0,5 1 1911,1 11-1911,27 0 2551,4 0-2551,35 0 1324,-33 0-1324,17 0 0,-23 0 0,0 23 0,0-17 0,0 18 0,0-9 0,0-11 0,0 12 0,0-16 0,0 0 0,0 16 0,0-12 0,0 11 0</inkml:trace>
+  <inkml:trace contextRef="#ctx0" brushRef="#br0" timeOffset="26165">11536 13758 24575,'30'0'0,"1"0"0,3 0 0,3 0 0,1 0 0,2 0 0,0 0 0,2 0-820,-1 0 1,2 0 0,2 0 0,0 0 583,4 0 1,1 0-1,0 0 1,1 0-140,-7 0 1,1 0 0,0 0 0,0 0-1,0 0 375,0 0 0,0 0 0,0 0 0,0 0 0,0 0 0,-1 0 0,0 0 0,0 0 0,0 0 0,-2 0 31,3 0 1,-1 0-1,0 0 1,-1 0-32,-3 1 0,0-1 0,0 1 0,-1-3 0,9-2 0,-2-2 0,1 1-126,-3 3 1,1 2 0,-3-2 125,-5-3 0,-1-1 0,-1 1 0,14 5 0,-2 0 864,-11-8 0,-2 0-864,5 6 0,-1 0 1278,-6-4 0,1-3-1278,9-4 0,2 2 0,3 9 0,2-2 241,-14-7 0,1-5 1,1 4-242,3 9 0,2 5 0,-1-5 0,-4-8 0,-2-5 0,1 4 170,-1 9 0,1 3 0,-3-3-170,1-9 0,-4 1 0,14 11 0,-5 0 0,-18 0 0,22 0 823,-23 0-823,19 0 0,-33 0 0,33 0 0,-35 0 0,35 0 0,-56 0 0,34 0 0,-40 0 0,23 23 0,0-17 0,0 18 0,0-24 0,0 0 0</inkml:trace>
+  <inkml:trace contextRef="#ctx0" brushRef="#br0" timeOffset="40883">11324 15434 24575,'34'0'0,"1"0"0,1 0 0,4 0 0,3 0 0,-1 0 0,2 0 0,2 0 0,1 0-656,-4 0 1,2 0-1,1 0 1,0 0 0,-1 0 191,-1 0 0,-1 0 0,1 0 0,-2 0 0,1 0 464,6 0 0,-1 0 0,-1 0 0,-1 0 203,3 0 0,-3 0 1,0 0-204,-2 0 0,-1 0 0,1 0 0,2 0 0,1 0 0,-1 0 0,-1 0 0,0 0 0,1 0 0,1 0 0,2 0 0,-4 0 0,3 0 0,-4 0 559,-5 0 1,-4 0-560,8 0 0,-13 0 0,1 0 0,0 0 0,3 0 0,-2 0 0,3 0 0,0 0 739,0 0 0,1 0 0,1 0-739,4 0 0,1 0 0,0 0 0,1 0 0,1 0 0,0 0-133,2 0 0,0 0 0,1 0 133,-10 0 0,1 0 0,-1 0 0,2 0 0,6-1 0,2 0 0,0 1 0,-1 2 0,-3 2 0,-1 3 0,1-1 0,1 1-395,-4-3 1,2-1-1,0 0 1,0 2 0,-2 1 394,4 5 0,-1 4 0,-1-1 0,1-3 0,3-4 0,1-3 0,0 0 0,-3 3-185,-4 2 1,-2 2-1,-1 0 1,-1-3 184,7-5 0,-1-4 0,-3 3 274,6 6 1,-2-1-275,-4-7 0,-1 0 599,-10 8 1,-2 0-600,12-4 2094,1 12-2094,-20-16 918,1 0-918,19 0 0,-33 0 0,18 23 0,-24-17 0,15 18 0,-11-24 0,35 0 0,-33-24 0,18 18 0,-24-17 0,0 23 0,0 0 0,0-16 0,0 12 0,0-12 0,15 32 0,-11-12 0,12 12 0,0-16 0,11 23 0,-5-17 0,1 18 0,-23-24 0,0 0 0,0-24 0,0 18 0,0-17 0,-23 23 0,17 0 0,-18 0 0,24 0 0,0 0 0</inkml:trace>
+  <inkml:trace contextRef="#ctx0" brushRef="#br0" timeOffset="44000">12541 17463 24575,'35'0'0,"-1"0"0,15 0 0,-10 0 0,4 0 0,-5 0 0,2 0 0,2 0-1093,5 0 1,2 0 0,4 0 705,-8 0 1,4 0 0,2 0 0,1 0 0,0 0 55,-8 0 1,0 0 0,1 0 0,0 0 0,0 0-1,0 0 331,-1 0 0,1 0 0,-1 0 0,0 0 0,0 0 0,0 0 0,-1 0 0,0 0 0,1 0 0,-2 0 0,-1 0 0,-3 0 380,14 0 0,-5 0 1,-1 0-381,-7 0 0,-2 0 0,-4 0 0,-5 0 0,-3 0 0,18 0 2280,0 0-2280,-5 0 1624,-13 7 0,1 1-1624,0-6 0,1 0 0,6 6 0,4 0 0,1-7 0,3-3 0,0 3-89,-4 3 1,0 3-1,2-3 89,10-2 0,1-2 0,-2 2 0,-10 3 0,-3 2 0,0-3 0,14-3 0,-2-2 0,-11 1 0,-1 0 0,3 0 0,0 0 0,-5 0 0,-1 0 0,4-2 0,-2 4 0,-7 10 0,-1 0 393,8-10 1,-1 1-394,8 21 0,-1-23 0,2-2 0,-9 9 0,-1 0 0,8-6 0,0 0 0,-3 6 0,-3-1 0,-7-7 0,-1 0 0,1 8 0,-3 0 0,-3-4 0,19 12 0,-36-16 0,27 0 0,-27 0 0,12 0 0,7 0 0,-1 0 0,5 0 0,12 0 0,-17 0 0,5 0 0,5 0 0,-29 0 0,37 0 0,-34 0 0,17 0 0,-23 0 0</inkml:trace>
+</inkml:ink>
+</file>
+
+<file path=ppt/ink/ink28.xml><?xml version="1.0" encoding="utf-8"?>
+<inkml:ink xmlns:inkml="http://www.w3.org/2003/InkML">
+  <inkml:definitions>
+    <inkml:context xml:id="ctx0">
+      <inkml:inkSource xml:id="inkSrc0">
+        <inkml:traceFormat>
+          <inkml:channel name="X" type="integer" min="-2.14748E9" max="2.14748E9" units="cm"/>
+          <inkml:channel name="Y" type="integer" min="-2.14748E9" max="2.14748E9" units="cm"/>
+          <inkml:channel name="F" type="integer" max="32767" units="dev"/>
+        </inkml:traceFormat>
+        <inkml:channelProperties>
+          <inkml:channelProperty channel="X" name="resolution" value="1000" units="1/cm"/>
+          <inkml:channelProperty channel="Y" name="resolution" value="1000" units="1/cm"/>
+          <inkml:channelProperty channel="F" name="resolution" value="0" units="1/dev"/>
+        </inkml:channelProperties>
+      </inkml:inkSource>
+      <inkml:timestamp xml:id="ts0" timeString="2026-02-25T20:53:54.728"/>
+    </inkml:context>
+    <inkml:brush xml:id="br0">
+      <inkml:brushProperty name="width" value="0.05292" units="cm"/>
+      <inkml:brushProperty name="height" value="0.05292" units="cm"/>
+      <inkml:brushProperty name="color" value="#FF0000"/>
+    </inkml:brush>
+  </inkml:definitions>
+  <inkml:trace contextRef="#ctx0" brushRef="#br0">14817 13758 24575,'29'0'0,"0"0"0,10 0 0,3 0 0,-7 0 0,1 0 0,1 0 0,-1 0 0,1 0 0,-3 0 0,9 0 0,-5 0 0,5 0 0,-27 0 0,-16 0 0</inkml:trace>
+  <inkml:trace contextRef="#ctx0" brushRef="#br0" timeOffset="2752">16669 13847 24575,'29'0'0,"1"0"0,11 0 0,6 0 0,4 0 0,-17 0 0,0 0 0,0-5 0,3-1 0,-4 1 0,1 3 0,-3 0 0,-1-6 0,-1 0 0,14 8 0,-6 0 0,-12-11 0,1-1 0,11 6 0,6-18 0,0 24 0,-5-15 0,-11 11 0,4-12 0,-3 16 0,9 0 0,-4 1 0,1-2 0,7-15 0,0 14 0,0 0 0,-16-6 0,-1 1 0,6 7 0,1 0 0,3-12 0,-1 0 0,8 6 0,-13-6 0,3 1 0,-2 9 0,0 4 0,20-2 0,-18 0 0,-1 0 0,13 0 0,0 0 0,-5 0 0,-5 0 0,0 0 0,8 0 0,1 0 0,-1 0 0,0 0 0,0-8 0,0 0 0,0 4 0,-7-4 0,-1 1 0,4 7 0,-11 0 0,-1 0 0,12 0 0,7 0 0,-1 0 0,-6 0 0,-10 0 0,13 0 0,-3 0 0,-4-12 0,4 0 0,2 9 0,3 0 0,-8-4 0,1-3 0,0 4 0,11 4 0,0 4 0,2-2 0,0 0 0,-12 0 0,-2 0 0,-7 0 0,-1 0 0,1 0 0,-3 0 0,-2 0 0,17 0 0,-35 0 0,19 10 0,9 3 0,-1-10 0,2 0 0,-3 9 0,1 4 0,0-5 0,11-8 0,-3-2 0,-7 8 0,-5-2 0,-8-7 0,-3 0 0,-16 23 0,0-17 0,0 18 0,0-24 0,0 0 0,-16 0 0,12 0 0,-11 0 0</inkml:trace>
+  <inkml:trace contextRef="#ctx0" brushRef="#br0" timeOffset="9400">11165 13847 24575,'30'0'0,"-1"0"0,2 0 0,3 0 0,-1 0 0,2 0 0,1 0-420,-1 0 1,1 0 0,1 0 419,3 0 0,2 0 0,-1 0 0,0 0 0,1 0 0,-1 0 0,-5 0 0,0 0 0,-1 0 0,1 0 0,0 0 0,-4 0 411,17 0-411,-18 0 0,-7 0 52,-20 0 0,12 0 0,-16 0 0</inkml:trace>
+  <inkml:trace contextRef="#ctx0" brushRef="#br0" timeOffset="10252">13141 13847 24575,'0'0'0</inkml:trace>
+  <inkml:trace contextRef="#ctx0" brushRef="#br0" timeOffset="11335">13141 13847 24575,'-30'0'0,"-1"0"0,4 0 0,-1 0 0,2 0 0,-1 0 0,1 0 0,1 0 0,-12 0 0,-6 0 0,14 0 0,-1 0 0,-1 0 0,-2 0 0,0 0 0,-3 0 0,1 0 0,-11 0 0,0 0 0,11 0 0,0 0 0,1 0 0,-7 0 0,1 0 0,-4-2 0,2 4 0,13 5 0,1 1 0,-6-6 0,2 0 0,-6 14 0,11-16 0,11 0 0,-7 0 0,17 0 0,-33 0 0,35 0 0,-28 0 0,29 0 0,-13 0 0,16 0 0,0 0 0,0 0 0</inkml:trace>
+</inkml:ink>
+</file>
+
+<file path=ppt/ink/ink29.xml><?xml version="1.0" encoding="utf-8"?>
+<inkml:ink xmlns:inkml="http://www.w3.org/2003/InkML">
+  <inkml:definitions>
+    <inkml:context xml:id="ctx0">
+      <inkml:inkSource xml:id="inkSrc0">
+        <inkml:traceFormat>
+          <inkml:channel name="X" type="integer" min="-2.14748E9" max="2.14748E9" units="cm"/>
+          <inkml:channel name="Y" type="integer" min="-2.14748E9" max="2.14748E9" units="cm"/>
+          <inkml:channel name="F" type="integer" max="32767" units="dev"/>
+        </inkml:traceFormat>
+        <inkml:channelProperties>
+          <inkml:channelProperty channel="X" name="resolution" value="1000" units="1/cm"/>
+          <inkml:channelProperty channel="Y" name="resolution" value="1000" units="1/cm"/>
+          <inkml:channelProperty channel="F" name="resolution" value="0" units="1/dev"/>
+        </inkml:channelProperties>
+      </inkml:inkSource>
+      <inkml:timestamp xml:id="ts0" timeString="2026-02-25T20:54:24.462"/>
+    </inkml:context>
+    <inkml:brush xml:id="br0">
+      <inkml:brushProperty name="width" value="0.05292" units="cm"/>
+      <inkml:brushProperty name="height" value="0.05292" units="cm"/>
+      <inkml:brushProperty name="color" value="#FF0000"/>
+    </inkml:brush>
+  </inkml:definitions>
+  <inkml:trace contextRef="#ctx0" brushRef="#br0">5415 3898 24575,'0'44'0,"0"0"0,0-10 0,0 1 0,0 0 0,0 5 0,0 1 0,0 2-820,0-4 1,0 3 0,0 0 0,0 1 631,0 3 0,0 0 1,0 1-1,0 2-303,0-7 0,0 2 0,0 1 0,0 1 0,0-1 0,0 0 491,0-1 0,0-1 0,0 1 0,0-1 0,0 2 0,0 1-245,0-1 0,0 2 1,0 1-1,0 0 0,0 0 1,0 0-1,0-1 245,0-3 0,0 0 0,0-1 0,0 1 0,0-1 0,0 0 0,0 0 0,0 6 0,0 0 0,0 0 0,0-1 0,0 1 0,0-1-244,0-2 1,0-1 0,0 1 0,0-1 0,0-1-1,0 0 244,0 4 0,0-2 0,0 0 0,0 0 0,0-1 0,0 1 0,0 0 0,0 0 0,0 0 0,0-2 0,0 4 0,0-1 0,0 0 0,0-1 140,0-1 1,0 0 0,0-2-1,0-2-140,0 1 0,0-4 0,0 0 1224,0 12 1,0-6-1225,0-7 3276,0 2-2938,16-35 2058,11 12-2396,8-14 0,7-4 0,-9 2 0,3 0 0,2 0-508,6 0 1,3 0 0,2 0-1,2 0 508,-4 0 0,1 0 0,2 0 0,1 0 0,1 0-469,-6 0 1,0 0 0,2 0 0,0 0 0,1 0 0,1 0 0,-1 0 328,-4 0 0,0 0 0,0 0 0,1 0 0,-1 0 0,2 0 1,-1 0-1,1 0 140,-2 0 0,0 0 0,1-1 0,0 1 0,0 0 0,1 0 0,-1 0 0,-1 0 0,1 1 0,2 0 0,1 1 0,-1-1 0,0 1 0,0 0 0,0 0 0,-1 1 0,1 0 0,-2 0 0,0 0 0,0 0 0,0 1 0,-1 0 0,0-1 0,0 1 0,-2-1-319,3 0 0,-1 0 0,0 0 0,-1 0 1,-1 0-1,0 0 0,-1 1 319,2 0 0,-1 0 0,0 1 0,-1-1 0,0 0 0,-1-2-249,6 0 1,-1-2 0,-1-1 0,0 1 0,-1-1 248,5 1 0,-3 0 0,1 0 0,-1 0 0,2 0 0,0 0 0,-1 0 0,1 0 0,-2 0 0,0 0 0,0 0 0,0 0 173,-3 0 0,0 0 0,0 0 0,0 0-173,4 0 0,1 0 0,0 0 0,-1 0 0,-1 1 0,0-1 0,0 1 0,1-3 288,-6-1 1,1-2 0,0-1 0,1 1 0,0 1-289,2 1 0,1 3 0,0-1 0,1 1 0,0-2 0,-3-1 0,1-2 0,0 1 0,1-1 0,0 1 0,-1 1-19,0 2 1,-1 1-1,0 0 1,1 0-1,0 1 1,0-1 18,4 0 0,1 0 0,0 0 0,0 0 0,0 0 0,-1 0 0,0 0 0,0 0 0,0 0 0,0 0 0,-1 0 0,0 0 0,-1 0 0,-1 0 0,-1 0 0,1 0 0,0 0 0,1 0 0,1 0 0,2 0 0,0 0 0,-1 0 0,0 0 0,-1 0 0,-5 0 0,-1 0 0,0 0 0,-1 0 0,1 0 0,1 0-73,1 0 0,2 0 0,-1 0 0,1 0 0,-1 0 0,-1 0 73,3 0 0,0 0 0,-2 0 0,1 0 0,0 0 0,2 0 0,1 0 0,0 0 0,0 0 0,-1 0 0,0 0 0,0 0 0,-1 0 0,1 0 0,0 0 0,2 0 0,-1 0 0,1 0 0,0 0 0,0 0 0,-7 0 0,-1 0 0,1 0 0,0 0 0,-1 0 0,0 0 0,5 0 0,0 0 0,-1 0 0,0 0 0,-1 0-73,-2 0 0,0 0 0,-1 0 0,0 0 0,0 0 73,0 0 0,0 0 0,-1 0 0,1 0 0,-1 0 0,6 0 0,0 0 0,-1 0 0,2 0 0,-7 0 0,1 0 0,1 0 0,-1 0 0,0 0 168,5 0 1,0 0-1,0 0 1,0 0-169,-1 0 0,1 0 0,-1 0 0,-1 0 0,-4 0 0,-1 0 0,-1 0 0,0 0 692,9 0 1,0 0 0,-3 0-693,-8 0 0,-2 0 0,1 0 0,-2 0 0,0 0 0,0 0 0,14 0 0,0 0 0,-3 0 0,2 0 0,-13 0 0,1 0 0,0 0 1182,10 0 1,-2 0-1183,-10 0 0,-2 0 1099,0 0 1,-3 0-1100,15 0 1862,-21 0-1862,17 0 625,-35 0-625,35 0 0,-17 0 0,21 0 0,0 0 0,-17 0 0,1 0 0,0 0 0,1 0 0,11 0 0,-2 0 0,-3 0 0,-4 0 0,-6 0 0,-20 0 0,12-15 0,-16 11 0,0-28 0,0 28 0,-16-35 0,12 33 0,-11-33 0,-9-4 0,20 5 0,2-4 0,-5 7 0,-2 0 0,2-3-635,5-9 0,4-3 0,-2 0 635,-3 9 0,-2-2 0,1 1 0,0-1 0,3 1 0,1-1 0,0 0 0,-3-1 0,-3 4 0,-2-2 0,-1 1 0,0-1 0,2 1-582,1-6 1,1 1 0,1-1 0,-3-1 581,0 4 0,-1-1 0,-1-1 0,-1-1 0,1 2-499,1-2 1,0 1 0,-1 0 0,0 0 0,0-1 498,-1 1 0,0-1 0,-1 1 0,0 0 0,0 0 0,0 3 0,0-1 0,0 2 0,0 0 0,0 1-157,2-3 0,0 2 1,0 0-1,-1 2 157,-4-6 0,-1 1 0,5 4 673,8-1 0,0 4-673,-6 8 0,0 1 2072,8-14-2072,0 22 2997,0-3-2997,0 8 933,0 13-933,-23-13 0,17-8 0,-17 3 0,23-7 0,0-3 0,0 4 0,0 5 0,0-17 0,0 35 0,0-27 0,0 27 0,0-36 0,0 35 0,-16-19 0,12 24 0,-12 0 0,16 0 0,-15 0 0,11 0 0,-21 0 0,-5 0 0,-4 0 0,-12 0 0,-8 0 0,9 0 0,-2 0-157,12 0 1,-1 0-1,0 0 157,-4 0 0,0 0 0,0 0 0,4 0 0,0 0 0,0 0 0,0 1 0,1-1 0,-2-1 0,-3-3 0,-1-3 0,3 2 0,-4 3 0,0 0 0,0-3 0,-2-1 0,4 2 0,9 3 0,-1 2 0,-2 0 0,-3 0 0,3-3 0,1-10 0,1 0 0,-1 9 0,-3 3 0,1-3 0,-7-8 0,0-1 0,8 5 0,-1 2 0,2 1 0,-1 3 0,3-2 0,-14-12 0,6 15 0,19 0 0,-23 0 470,6 0-470,4 0 0,-1 0 0,-7 0 0,8 0 0,0 0 0,-5 0 0,-5-16 0,15 14 0,-3 0 0,0-5 0,-2-2 0,-11-3 0,0 1 0,3 9 0,1-2 0,-2-15 0,-2-1-532,-3 10 0,-2 0 532,7-3 0,-2-3 0,-1 2-519,4 4 1,0 1-1,-2 0 1,-1 0 518,6-1 0,-1-1 0,0 1 0,0-1 0,-2 2-501,-3 0 1,-1 2-1,-1 0 1,0 0-1,0 0 501,0-2 0,-1 1 0,1-1 0,0 0 0,-1 0 0,1 0 0,0 0 0,-1 0 0,1 1 0,0 0 0,3 3 0,0 0 0,1 2 0,0-1 0,1 0-338,-7-2 1,2 0 0,1 0 0,-1 0 337,2 2 0,1 1 0,-1-1 0,1 0 0,-1-3 0,0 0 0,0 0 0,-1 0 0,1 2 0,-1 0 0,1 0 0,-1-1 0,-1-4 0,-1-1 0,1 0 0,1 3 0,6 6 0,0 1 0,2 2 0,-1-3 60,-12-3 0,1-1 0,1 2-60,6 3 0,1 1 0,1 1 0,-2-1 0,1 0 0,0 0 0,0 0 0,1 0 0,-2 0 0,-7 0 0,-1 0 0,2 0 132,5 0 0,1 0 0,-3 0-132,1 0 0,-3 0 0,-1 0 0,1 0 0,4 0 0,0 0 0,0 0 0,0 0 0,-4 0 0,0 0 0,0 0 0,-1 0 0,0 0 0,0 0 0,0 0 0,2 0 0,-3 0 0,2 0 0,-2 0 0,9 0 0,-1 0 0,0 0 0,1 0 0,2 0 0,0 0 0,1 0 0,-1 0 0,-2 0 0,0 0 0,0 0 0,-1 0 0,-2 0 0,-2 0 0,1 0 0,2 0 0,-7-1 0,1 1 0,0 1 0,5 2 0,0 1 0,-1 1 0,3-2 0,-3-2 0,2-1 0,-1 3 0,3 5 0,-1 4 0,0-1 0,0-2 0,3-6 0,1-3 0,-1 0 0,0 2 0,-2 4 0,1 0 0,-2 1 0,0-2 0,-2-3 0,-1-3 0,0 0 0,1 1 0,2 0 0,1 0 0,0 0 0,0 0 0,2 0 0,0 0 0,1 0 0,-1 0 523,-11 0 0,-1 0 0,2 0-523,6 0 0,1 0 0,-1 0 0,-2-1 0,0 1 0,1 1 0,1 3 0,1 3 0,0-2 0,0-4 0,1 0 0,-2 1 0,-7 2 0,-2 3 0,4-3 0,11-3 0,1-1 0,0-1 478,-7 1 1,-1 0-1,2 0-478,0 0 0,2 0 349,6 0 1,1 0-350,-1-1 0,0 2 782,6 11 0,1 0-782,-2-9 0,1 0 497,1 9 0,-1-1-497,-5-10 0,-3-2 0,-4 9 0,-2 0 0,6-7 0,-1-1 0,-1 3 0,1 6 0,0 4 0,0-4 0,1-6 0,-1-4 0,4 3 76,-3 6 1,5 0-77,-13-8 0,27 0 0,16 0 0</inkml:trace>
+  <inkml:trace contextRef="#ctx0" brushRef="#br0" timeOffset="4851">4198 5239 24575,'37'0'0,"1"0"0,6 0 0,4 0 0,-8 0 0,3 0 0,-1 0-400,-6 0 0,0 0 0,0 0 400,6 1 0,1-1 0,-3-1 0,-1-7 0,1 0 0,3 6 0,4 2 0,-4-2 0,-3-5 0,-2-2 57,-2 4 1,2-1 0,-2 2-58,5 2 0,-2 0 0,6-6 0,-1 0 125,-4 7 1,0 2-126,4 1 0,-2-4 0,-13-9 0,-1-1 0,14 9 0,-2 0 302,-15-9 0,-1 0-302,7 11 0,-1 2 172,13-1-172,-14 0 0,1 0 0,2 0 0,1 0 0,10 0 0,2 0 0,-4 1 0,-2-2 0,-3-6 0,-1-1 0,0 6 0,-2 0 0,-4-7 0,-3 2 0,12 7 0,1 0 0,-35 0 0,-4 0 0,-4 0 0,-35 0 0,17 0 0,-21-24 0,0 19 0,24-15 0,1 0 0,-26 16 0,23-11 0,-1-1 0,-15 12 0,11-2 0,1-3 0,-12-15 0,-6 18 0,13-5 0,1-1 0,-12-4 0,7 14 0,1 0 0,-4-14 0,11 15 0,1 2 0,3-1 0,-1 0 0,46 0 0,-17 0 0,33 0 0,-11 16 0,9-12 0,-14 15 0,-3 1 0,0-14 0,19 18 0,-17-24 0,5 15 0,4-11 0,-27 27 0,36-27 0,-19 36 0,4-37 0,1-1 0,-7 17 0,-1 2 0,3-7 0,1-1 0,22 9 0,-23 1 0,3-7 0,-24-12 0,0 11 0,0 1 0,0-12 0,-24 12 0,18-16 0,-33 23 0,-4-17 0,23 13 0,-1 1 0,-13-11 0,1 2 0,14 18 0,1 1 0,-3-18 0,-1 1 0,-1 19 0,3-1 0,-2-10 0,-1 23 0,23-25 0,0-3 0,0-16 0,0 23 0,0-17 0,0 18 0,0-24 0,0 15 0,0-11 0,0 36 0,0-35 0,0 19 0,-16-8 0,12-12 0,-12 11 0,16 1 0,0-12 0,0 35 0,0-33 0,-15 17 0,11-7 0,-12-12 0,16 12 0,0-16 0,0 0 0,0-16 0,0 12 0,0-12 0</inkml:trace>
+  <inkml:trace contextRef="#ctx0" brushRef="#br0" timeOffset="10966">10954 13723 24575,'49'0'0,"0"0"0,0 0 0,-8 0 0,1 0 0,0 0 0,1 0 0,3 0 0,1 0 0,0 0 0,1 0-656,-6 0 1,0 0-1,1 0 1,-1 0 0,-1 0 415,7 0 0,0 1 0,-2-1 0,0-1 240,-3-2 0,0-2 0,-1 1 0,-1 0 79,9 3 0,-1 0 1,-1-1-80,-6-3 0,-1-1 0,-1 2 0,-3 3 0,-1 1 0,-1 1 218,0 0 1,0 0 0,-1-3-219,11-10 0,-2 0 0,-3 9 0,1 0 0,3-9 0,-2 1 0,-13 11 0,-1 0 0,6-8 0,-2 0 2106,5 4-2106,-9-11 927,-12 15-927,7 0 310,-17 0-310,33 0 0,-35 0 0,12 0 0,-16 0 0,15 0 0,-11 0 0,36 0 0,-35 15 0,35-11 0,-21 35 0,24-33 0,-23 14 0,-2-1 0,9-15 0,-11 12 0</inkml:trace>
+  <inkml:trace contextRef="#ctx0" brushRef="#br0" timeOffset="16134">11324 15311 8191,'0'-20'0,"0"4"3276,24 16-1489,-3 0-378,10-1 0,5 2-1409,-4 7 0,1 0 859,7-6 1,0 0-860,-3 6 0,-4 0 3276,5-8 0,1 0-3218,-35 0 0,12 0 0,-16 0 0</inkml:trace>
+  <inkml:trace contextRef="#ctx0" brushRef="#br0" timeOffset="25767">11289 15522 24575,'29'0'0,"1"0"0,6 0 0,5 0 0,1 0 0,-4 0 0,0 0 0,2 0 0,1 0-820,5 0 1,1 0 0,0 0 0,1 0 649,-7 0 1,1 0-1,1 0 1,-2 0 0,-2 0 169,12 0 0,-3 0 0,2 0-43,-8 0 1,2 0 0,-1 0 0,-2 0 42,3 0 0,-3 0 0,0 0 85,3 0 1,0 0-1,-1 0-85,-2 0 0,-1 0 0,3 0 0,-4 0 0,1 0 0,2 0 0,-1 0-585,2 0 1,-1 0 0,1 0 0,2 0 584,-2 0 0,2 1 0,1-1 0,0 0 0,1-1 0,-5-1 0,0 0 0,1-1 0,0-1 0,0 2 0,-1 0 0,6 1 0,-1 1 0,0 0 0,0-1 0,1-1 0,-4-3 0,0-2 0,2-1 0,-1 0 0,-1 1 0,0 2 0,3 3 0,-1 2 0,0 0 0,0-1 0,0-1 0,0-5 0,1-1 0,-1-2 0,0 1 0,0 3 0,0 4 0,1 2 0,-1 1 0,-1-1 0,-2-3 205,3-3 0,-3-3 0,-1 0 0,0 2-205,9 5 0,-2 2 0,-2-2 302,-11-3 1,-1-1 0,-2 1-303,7 5 0,0 0 0,3 0 0,0 0 0,-2 0 0,-1 0 0,4 0 0,0 0 349,-3 0 0,-2 0-349,-3 0 0,-1 0 1369,3 0 0,0 0-1369,-6 0 0,1 0 0,-1 0 0,3 0 0,0 0 171,0 0 1,1 0 0,1 0-172,4 0 0,1 0 0,0 0 0,2 0 0,-1 0 0,1 0-416,3 0 1,-1 0 0,1 0 415,-2 0 0,0 0 0,0 0 0,2 0 0,1 0 0,-2 0-96,-9 0 1,-1 0 0,-1 0 95,-1 0 0,0 0 0,0 0 0,14 0 0,0 0 0,-2 0 0,0 0 0,-6 0 0,0 0 0,2 0 0,-2 0 0,-8 0 0,1 0 0,0 0 0,3 0 0,-1 0 0,11 0 0,0 0 0,-11 5 0,0 1 0,-1-1 0,7-3 0,-2 0 274,5 6 0,-1 0-274,-11-7 0,0-2 681,7 1 1,-1 0-682,-10 0 0,-1 0 158,0 0 0,-2 0-158,3 0 0,3 0 0,-3 0 0,-7 0 0,18 0 0,-11 0 0,9 0 0,6 0 0,0 0 0,-5 0 0,5 0 0,-24 0 0,21 15 0,-19-11 0,11 5 0,3-2 0,6-7 0,-7 0 0,-1 0 0,-12 0 0,18 0 0,-35 0 0,12 24 0,-16-19 0,0 19 0,0-24 0,0 16 0,0-12 0,0 11 0,0-15 0,0 0 0,-16 0 0,12 24 0,-11-18 0,15 17 0,0-23 0,0 0 0,0 16 0,0-12 0,0 27 0,0-27 0,0 12 0,0-16 0</inkml:trace>
+</inkml:ink>
+</file>
+
 <file path=ppt/ink/ink3.xml><?xml version="1.0" encoding="utf-8"?>
 <inkml:ink xmlns:inkml="http://www.w3.org/2003/InkML">
   <inkml:definitions>
@@ -3474,6 +4252,251 @@
     </inkml:brush>
   </inkml:definitions>
   <inkml:trace contextRef="#ctx0" brushRef="#br0">14940 12118 24575,'0'45'0,"0"-19"0,0-1 0,0 12 0,16 6 0,-14-14 0,0 1 0,6-5 0,-1-1 0,-5 7 0,-4-1 0,2 13 0,0-23 0,0 19 0,0-18 0,0 7 0,0 3 0,24-3 0,-18 9 0,5-4 0,1 0 0,4 9 0,-16-9 0,4 0 0,16-13 0,-1-3 0,-13 11 0,18 3 0,-24-27 0,0 12 0,0 7 0,0-17 0,0 18 0,0-24 0,0 0 0,0 0 0</inkml:trace>
+</inkml:ink>
+</file>
+
+<file path=ppt/ink/ink30.xml><?xml version="1.0" encoding="utf-8"?>
+<inkml:ink xmlns:inkml="http://www.w3.org/2003/InkML">
+  <inkml:definitions>
+    <inkml:context xml:id="ctx0">
+      <inkml:inkSource xml:id="inkSrc0">
+        <inkml:traceFormat>
+          <inkml:channel name="X" type="integer" min="-2.14748E9" max="2.14748E9" units="cm"/>
+          <inkml:channel name="Y" type="integer" min="-2.14748E9" max="2.14748E9" units="cm"/>
+          <inkml:channel name="F" type="integer" max="32767" units="dev"/>
+        </inkml:traceFormat>
+        <inkml:channelProperties>
+          <inkml:channelProperty channel="X" name="resolution" value="1000" units="1/cm"/>
+          <inkml:channelProperty channel="Y" name="resolution" value="1000" units="1/cm"/>
+          <inkml:channelProperty channel="F" name="resolution" value="0" units="1/dev"/>
+        </inkml:channelProperties>
+      </inkml:inkSource>
+      <inkml:timestamp xml:id="ts0" timeString="2026-02-25T20:55:28.447"/>
+    </inkml:context>
+    <inkml:brush xml:id="br0">
+      <inkml:brushProperty name="width" value="0.05292" units="cm"/>
+      <inkml:brushProperty name="height" value="0.05292" units="cm"/>
+      <inkml:brushProperty name="color" value="#FF0000"/>
+    </inkml:brush>
+  </inkml:definitions>
+  <inkml:trace contextRef="#ctx0" brushRef="#br0">6632 7602 24575,'38'0'0,"0"0"0,0 0 0,4 0 0,2 0 0,3 0 0,-5 0 0,2 0 0,3 0 0,1 0 0,-1 0-656,0 0 1,1 0-1,0 0 1,0 0 0,0 0 191,-1 0 0,0 0 0,0 0 0,-1 0 1,0 0 463,-3 0 0,0 0 0,0 0 0,-1 0 0,-1 0 17,2 0 0,-2 0 0,0 0 1,0 0-18,0 0 0,1 0 0,-2 0 0,0 0 0,4 0 0,-2 0 0,1 0 407,5 0 1,1 0 0,1 0-408,-9 0 0,0 0 0,0 0 0,-1 0 0,5 0 0,-2 0 0,2 0-326,-5 0 0,0 0 1,2 0-1,-1 0 326,-1 0 0,1 0 0,0 0 0,-1 0 0,-1 1 0,0 0 0,0-1 0,1-2 0,-1-1 0,1-2 0,0-1 0,1 1 0,-1 1 0,9 2 0,0 2 0,0 0 0,-2-4 0,-4-4 0,-2-4 0,-1 1 0,1 3 0,9 6 0,0 3 0,-3-4 759,-11-9 0,-2-4 0,0 5-759,10 7 0,0 2 0,-10-6 0,1-1 0,0 2 0,11 6 0,0 2 0,1 0 0,2-2 0,-13-3 0,0-2 0,2 1-130,-1 3 1,2 1 0,2 0 129,3-3 0,4 0 0,1-1 0,0 2-508,-7 2 0,1 1 1,0 0-1,1 1 0,0-1 508,2 0 0,0 1 0,1-1 0,0 0 0,0-1 0,-5-1 0,0-1 0,1 0 0,-1 0 0,0 0 0,-2 1-73,10 1 0,-3 0 0,0 1 0,1-2 73,-7 0 0,1-2 0,0 0 0,-1 1 0,-1 1 0,1 1 0,0 1 0,-2 0 0,1 1-159,-2-1 0,-1 0 0,1 0 0,-1 0 159,14 1 0,-1 0 0,-4-3 300,-11-5 1,-2-2 0,1 1-301,10 5 0,2 3 0,-2-3 0,-10-4 0,-1-2 0,2 2 0,11 5 0,4 3 0,1 0 328,-14-1 1,1 0 0,-1 0 0,1 0-329,2 0 0,0 0 0,0 0 0,1 0 0,6 0 0,0 0 0,1 0 0,0 0-35,-1 0 1,0 0 0,0 0 0,0 0 34,2-1 0,0 0 0,0 1 0,0 2 0,-9 1 0,1 2 0,-1 1 0,0-1 0,-1-1 0,7-2 0,-1-2 0,-1 1 0,0 2-1,-3 6 1,-1 2 0,0 0-1,-1-3 1,11-4 0,-1-5 0,-1 2 0,-6 4 0,-1 1 0,0-1 0,0-4 0,0-3 0,0 3-52,3 3 0,0 3 1,0-2 51,-2-4 0,1 0 0,-3 1 576,7 6 1,-2-1-577,7-6 0,-6-2 1969,-5 1-1969,2 0 1213,-27 0-1213,8 0 218,-19 0 1,19 0-1,-24 0 1</inkml:trace>
+</inkml:ink>
+</file>
+
+<file path=ppt/ink/ink31.xml><?xml version="1.0" encoding="utf-8"?>
+<inkml:ink xmlns:inkml="http://www.w3.org/2003/InkML">
+  <inkml:definitions>
+    <inkml:context xml:id="ctx0">
+      <inkml:inkSource xml:id="inkSrc0">
+        <inkml:traceFormat>
+          <inkml:channel name="X" type="integer" min="-2.14748E9" max="2.14748E9" units="cm"/>
+          <inkml:channel name="Y" type="integer" min="-2.14748E9" max="2.14748E9" units="cm"/>
+          <inkml:channel name="F" type="integer" max="32767" units="dev"/>
+        </inkml:traceFormat>
+        <inkml:channelProperties>
+          <inkml:channelProperty channel="X" name="resolution" value="1000" units="1/cm"/>
+          <inkml:channelProperty channel="Y" name="resolution" value="1000" units="1/cm"/>
+          <inkml:channelProperty channel="F" name="resolution" value="0" units="1/dev"/>
+        </inkml:channelProperties>
+      </inkml:inkSource>
+      <inkml:timestamp xml:id="ts0" timeString="2026-02-25T20:56:06.862"/>
+    </inkml:context>
+    <inkml:brush xml:id="br0">
+      <inkml:brushProperty name="width" value="0.05292" units="cm"/>
+      <inkml:brushProperty name="height" value="0.05292" units="cm"/>
+      <inkml:brushProperty name="color" value="#FF0000"/>
+    </inkml:brush>
+  </inkml:definitions>
+  <inkml:trace contextRef="#ctx0" brushRef="#br0">16245 6421 24575,'44'0'0,"-19"0"0,2 0 0,15 0 0,3 0 0,-11 0 0,2 0 0,1 0-546,4 0 0,2 0 0,-1 0 546,2 0 0,0 0 0,-1 0 0,-1 0 0,-1 0 0,0 0 0,0 0 0,1 0 0,-2 0 0,-3 0 0,-1 0 0,-1 0 265,6 0 1,-2 0-266,-4 0 0,-3 0 135,-5 0 1,-1 0-136,1 0 0,1 0 0,-2 0 0,1 0 0,7 0 0,-2 0 836,-6 0-836,1 0 0,1 0 0,-1 0 0,10 0 0,-4 0 0,1 0 0,-2 0 0,1 0 0,6 0 0,2 0 0,-8-5 0,2-1 0,-1 1 0,8 3 0,0 0 0,-7-3 0,1-1 0,-3 1 0,0 5 0,-1 0 0,9 0 0,0 0 0,-9 0 0,1 0 0,10 0 0,2 0 0,-5 0 0,0 0 0,3 0 0,1 0 0,-5 0 0,2 0 0,-7 0 0,1 0 0,0 0 0,12 0 0,-2 0 0,-5 0 0,0 0 0,3 0 0,-3 0 0,1 0 0,-1 8 0,2 0 0,-10-6 0,1 0 0,10 6 0,2 0 0,-5-8 0,0 0 0,3 0 0,0 0 0,-2 0 0,-1 0 0,4 0 0,0 0 0,-4-1 0,0 2 0,3 6 0,1 1 0,-5-6 0,2 0 0,-7 3 0,1 1 0,0-1-409,0-4 1,0-2-1,3 1 409,9 0 0,2 0 0,2 0-428,-10 0 0,1 0 0,1 0 0,-1 0 428,1 0 0,0 0 0,0 0 0,1 0 0,3 0 0,3 0 0,-2 0 0,-3 0-199,-3 0 0,-2 0 1,-1 0 198,5 0 0,-1 0 0,-4 0 0,-10 0 0,-1 0 0,7 0 0,-4 0 1078,-9 0-1078,1 0 1760,-7 0-1760,-12 0 696,12 0-696,7-16 0,4 13 0,7 2 0,-1-3 0,4-2 0,1 1-478,3-1 1,1 0 0,2 2 477,-4 2 0,2 2 0,0 0 0,-3-2 0,0-3 0,-2-1 0,0 1-43,4 4 1,0 2 0,-3-1 42,-1 0 0,-4 0 0,-5 0 0,-3 0 0,3 0 0,11 0 0,-17 0 1422,21 0-1422,0 16 137,-6-12-137,-5 4 0,3 0 0,4-7 0,2-2 0,4 1 0,2 0 0,-12-1 0,0 0 0,-1 3 0,7 5 0,-2 1 0,5-6 0,-1 0 0,-15 6 0,0 0 0,13-7 0,1-2 0,-9 1 0,-2 0 0,2 0 0,-1 0 0,2-2 0,-1 4 0,-7 9 0,1 1 0,17-8 0,6-2-543,-13 6 1,2 1-1,2-2 543,1-5 0,2-2 0,1-2 0,-1 2 0,6 0 0,-1 0 0,1 0-212,-9 0 0,1 0 0,-1 0 0,-3 0 212,0 0 0,-2 0 0,-2 0 0,8 0 0,-4 0 0,-3 0 0,-3 0 0,5 0 0,-9 0 1554,11 0-1554,-2 0 461,-9 0 0,-1 0-461,10 0 0,-13 0 0,-24 0 0</inkml:trace>
+  <inkml:trace contextRef="#ctx0" brushRef="#br0" timeOffset="3516">3651 7303 24575,'30'0'0,"-1"0"0,9 0 0,4 0 0,0 0 0,2 0 0,2 0-1045,1 0 0,1 0 0,2 0 1045,-8 0 0,2 0 0,1 0 0,-2 0 0,-2 0 0,-1 0 0,-1-1 0,2 2 0,2-1 0,2 0 0,-1 0 0,-2 0 0,7-1 0,-1 2 0,0-1 0,-6 0 0,2-1 0,-1 2 0,-1-1 0,7-1 0,-1 1 0,0 1 0,-10-1 0,0-1 0,-1 2 0,1-1 33,9-1 0,-1 0 0,0 3-33,-4 2 0,-2 2 0,1-1 0,3-3 0,0-2 0,0 2 0,-2 3 0,-1 1 0,1-1 0,2-5 0,1-2 0,-3 4 0,-5 5 0,-1 2 0,-1-2 357,14-4 0,-2 0-357,-3 9 0,-1 0 0,-3-11 0,0-2 0,-7 1 0,-1 0 0,1 0 0,0 0 786,-6-1 0,-1 2-786,9 6 0,1 1 375,-4-6 0,0 0-375,6 6 0,1 0 0,-4-7 0,0-2 0,5 1 0,1 0 0,3 0 0,0 0 0,-12 0 0,1 0 0,15 0 0,2 0 0,-9 0 0,2 0-405,3 0 1,5 0-1,-1 0 405,-7 0 0,-1 0 0,2 0 0,-4 0 0,1 0 0,1 0 0,-2 0 0,6 0 0,-1 0 0,-1 0 0,-4 0 0,-1 0 0,0 0 0,-1 0 0,0 0 0,-5 0 0,-3 0 0,-3 0 0,8 1 0,-3-2 0,5-15 0,-12 14 0,1 0 0,0-6 0,1 1 607,0 6 0,1 2-607,6-1 0,0 0 0,-6 0 0,-1 0 0,0 0 0,-1 0 0,1 0 0,-3 0 0,-2 0 0,17 0 0,-35 0 0,27 0 0,-3 0 0,9 0 0,6 0 0,-23 0 0,-5 0 0,9 0 0,-18 0 0,17-24 0,-23 18 0,0-17 0,16 23 0,-12 0 0,12 0 0,-16 0 0,23 0 0,-17 0 0,17 0 0,-7 0 0,-12 0 0,12 0 0,-1 0 0,-11 0 0,12 0 0,-16 0 0,24 0 0,-19-16 0,19 12 0,-48-11 0,19 15 0,-19 0 0,24 0 0</inkml:trace>
+  <inkml:trace contextRef="#ctx0" brushRef="#br0" timeOffset="18819">7549 9701 24575,'43'0'0,"-1"0"0,1 0 0,3 0 0,2 0 0,3 0 0,-10 1 0,2 0 0,2-1 0,-1 0 0,0-2-656,-1-1 1,-1-1-1,-1-2 1,1 1 0,0 0 410,1 1 1,0 1 0,0-1 0,-1 0-1,-1-3 245,2-4 0,-1-2 0,-1-1 0,-1 1 180,8 0 1,-1 1-1,-2 0-180,-9 2 0,0 1 0,-1 1 304,1 1 0,-1 2 0,-2 1-304,0 3 0,-1 2 0,8-1 0,2 0 0,-2 0 0,1 0-303,-7 0 0,2 0 0,1 0 303,11 0 0,2 0 0,-1 0 0,-1 1 0,0-1 0,1-1 143,-6-1 1,1-2 0,0 0-1,0-2-143,-4 0 0,0-1 0,0 0 0,0 0 0,4 1 0,0 2 0,0-1 0,-1-2 0,-2-2 0,0-2 0,-2 0 0,1 3 93,6 5 0,0 3 1,-3-1-94,-6-4 0,-2-1 0,-3 2 0,0 3 0,-4 2 0,16-1 955,-25 0-955,20 0 1724,-17 0-1724,21 0 422,0 0-422,-13 0 0,1 0 0,18 0 0,-19 0 0,-1 0 0,14 0 0,-6 0 0,6 0 0,-23 0 0,19 0 0,-33 0 0,33 0 0,-11 0 0,9 0 0,6 0 0,0 0 0,-21 0 0,1 15 0,-23-11 0,0 12 0,0-16 0,0 0 0</inkml:trace>
+  <inkml:trace contextRef="#ctx0" brushRef="#br0" timeOffset="37534">9613 10989 24575,'30'0'0,"-1"0"0,17 0 0,4 0 0,-7 0 0,2 0 0,2 0-820,-3 0 1,2 0 0,1 0 0,0 0 578,2 0 0,0 1 0,0-1 0,0-1 241,-7-1 0,1-2 0,-1 1 0,1-1 0,-1 1 0,1 2 0,-1 1 0,1-1 0,-1 1 0,0-2 0,6-1 0,0-2 0,-1 1 0,-2 1 0,-5 2 0,-1 2 0,-2 0 0,-2-2 653,15-7 0,-4 0-653,-11 7 0,-3-2 692,5-13-692,-10 16 0,5 0 0,-29 0 1121,21 0 1,7 0-1122,18 0 0,-17 0 0,4 0 0,0 0 0,-1 0 0,1 0 0,1 0-360,11 0 1,2 0-1,-1 0 360,-6 0 0,0 0 0,0 0 0,6 1 0,1 0 0,-2-3 0,-6-4 0,-1-4 0,0 3 0,0 4 0,1 3 0,-2-3-216,-3-4 0,-2-3 0,1 4 216,4 4 0,1 3 0,-2 0 0,8-1 0,-2 0 0,-4 0 0,-2 0 0,-4 0 0,-3 0 0,5 0 0,6 0 1042,0 0-1042,-6 0 685,-9 0-685,11 0 0,-17 0 0,10 0 0,2 0 0,7 0 0,-11 0 0,-1 0 0,14 0 0,-5-16 0,-13 14 0,1 0 0,11-14 0,6 16 0,0 0 0,-6 0 0,6 0 0,1 0 0,-15 0 0,2 0 0,1 1 0,1-2 0,9-10 0,2-1 0,4 9 0,0 0 0,-2-9 0,0 0 0,-11 10 0,0 3 0,-1 0 0,11-1 0,-2 0 0,-2 0 0,-1 0 0,-3 0 0,-4 0 0,5 0 0,1 0 0,-35 0 0,27 0 0,-27 0 0,35 0 0,-17 0 0,10 0 0,2 0 0,7 0 0,-7 0 0,-1 0 0,4 0 0,6 0 0,1 0 0,-7 0 0,-11-7 0,-1-1 0,-4 4 0,19-12 0,-21 16 0,1 0 0,-5 0 0,9 0 0,-18 0 0,33 0 0,-35 0 0,12 0 0,7 0 0,-17 0 0,18 0 0,-24 0 0</inkml:trace>
+  <inkml:trace contextRef="#ctx0" brushRef="#br0" timeOffset="48917">16281 10830 24575,'0'-29'0,"0"5"0,23 24 0,-17 0 0,33 0 0,-19 0 0,23 0 0,-17-1 0,1 2 0,0 11 0,1 0 0,-2-9 0,1 0 0,-1 9 0,-1-1 0,12-11 0,-10 0 0,5 0 0,-5 0 0,-5 0 0,17 0 0,-19 0 0,-1 0 0,-3 0 0,7 0 0,-17 0 0,33 0 0,-11 0 0,-7 0 0,19 0 0,-37 0 0,29 0 0,-28 0 0,35 0 0,-33 0 0,33 0 0,-35 0 0,12 0 0,-1 0 0,28 0 0,6 0 0,-17 0 0,-3 0 0,-1 0 0,-13 0 0,-15 0 0,0 0 0</inkml:trace>
+  <inkml:trace contextRef="#ctx0" brushRef="#br0" timeOffset="52867">17709 10742 24575,'44'0'0,"-15"0"0,2 0 0,1 1 0,1-2 0,10-6 0,0-2 0,-2 8 0,-1-2 0,-8-3 0,0-3 0,3-4 0,-3 2 0,5 5 0,6-17 0,0 7 0,-5 12 0,5-11 0,-24 15 0,-3 0 0,-16 0 0,0 0 0,24 0 0,-19 0 0,35 0 0,-13 0 0,10 0 0,-4 0 0,1 0 0,7 0 0,2 0 0,-11 0 0,-29 0 0,13 0 0,8 0 0,-18 0 0,17 0 0,-7 0 0,11 0 0,-2 0 0,3 0 0,0 0 0,-1 0 0,-1 0 0,1 0 0,7 0 0,-1 0 0,8 0 0,2 0 0,-4 0 0,-17 0 0,21 0 0,-24 0 0,20 0 0,-33 0 0,34 0 0,-37 0 0,37 0 0,-34 0 0,17 0 0,-7 0 0,3 0 0,24 0 0,-5 0 0,-5 0 0,0 0 0,8 0 0,3 0 0,-5 0 0,-2 0 0,-10-1 0,1 2 0,-2 6 0,1 1 0,7-6 0,-2 0 0,10 14 0,-2-15 0,2-2 0,-9 1 0,-1 0 0,0 0 0,0 0 0,4 0 0,-5 0 0,-10 0 0,19 0 0,-36 0 0,27 0 0,-4 0 0,11 0 0,-6 0 0,2 0 0,-1 0 0,-1 0 0,0 0 0,1 0 0,-3 0 0,-2 0 0,16 0 0,-7 0 0,6 0 0,0 0 0,-6 0 0,-5 0 0,3 0 0,-3 0 0,1 0 0,5 0 0,4 0 0,-7 0 0,3 0 0,-1 0-290,-4 0 1,1 0-1,1 0 290,8 0 0,1 0 0,0 0 0,-7 0 0,-1 0 0,-1 0-26,13 0 1,0 0 25,-4 0 0,-2 0 0,-8 0 0,-3 0 0,14 0 0,-6 0 0,-19 0 867,23 0-867,-6 0 53,6 0-53,-14 0 0,1 0 0,19 0 0,-11 0 0,0 0 0,-10 0 0,-1 0 0,0 0 0,-1 0 0,17 0 0,0 0 0,-21 0 0,17 23 0,4-17 0,-6 14 0,6-1-267,-1-15 1,4-5 0,-2 2 266,-8 9 0,-1 2 0,0-2 0,3-9 0,0-3 0,-5 7 0,-4 15 0,-5-1 0,4-13 0,-13 17 0</inkml:trace>
+  <inkml:trace contextRef="#ctx0" brushRef="#br0" timeOffset="67101">16245 12047 24575,'44'0'0,"-7"0"0,6 0 0,0 0 0,-17 0 0,1 0 0,7 0 0,2 0 0,4 0 0,1 0 0,3 0 0,0 0 0,-3 0 0,-2 0 0,-2 0 0,-3 0 0,-8 0 0,1 0 0,7 0 0,-2 0 0,10 0 0,-2 0 0,2 0 0,-10 0 0,1 0 0,10 0 0,2 0 0,-4 0 0,-2 0 0,-3 0 0,-1 0 0,-1 0 0,0 0 0,1 0 0,1 0 0,4 0 0,0 0 0,4 0 0,0 0 0,-9 0 0,0 0 0,-1 0 0,13-1 0,-2 2 0,4 7 0,-2 0 0,-3-6 0,-1 0 0,-2 6 0,-2 0 0,-7-8 0,1 0 0,9 0 0,-2 0 0,1 0 0,-7 0 0,-1 0 0,4 0 0,-11 0 0,-1 0 0,12 0 0,-4 0 0,1 0 0,7 0 0,7 0 0,2 0 0,-16 0 0,1 0 0,-2 0 0,3 1 0,-1-2 0,10-7 0,-2 0 0,-11 6 0,0 0 0,10-6 0,-1 0 0,-13 8 0,1 0 0,6 2 0,0-4 0,-8-9 0,-1-1 0,8 9 0,-1 0 0,8-21 0,-8 23 0,0 2 0,5-1 0,-6 0 0,2 0 0,-2 0 0,1 0 0,6 0 0,2 0 0,-7 0 0,1 0 0,-2 0 0,9 0 0,1 0 0,-5 0 0,4 0 0,-3 0 0,8 0 0,-2 0 0,-10 0 0,0 0 0,-1 0 0,11 0 0,-2 0 0,-2 0 0,-1 0 0,3 0 0,0 0 0,-3 0 0,0 0 0,-6 0 0,1 0 0,0 0-292,0 0 1,1 0 0,1 0 291,10 0 0,3 0 0,0 0-601,-2 0 1,-1-1 0,3 2 600,-4 4 0,2 2 0,1 0 0,-2-2 0,-3-3 0,-1-1 0,0-1 0,-1 3 0,1 2 0,0 2 0,-1 0 0,-1-3-319,9-2 1,-1-3-1,-1 0 319,-6 1 0,-1 0 0,0 0 0,-1 0 0,1 0 0,1 0 0,6 0 0,2 0 0,-1 0 0,-1 0 0,0 0 0,1 0 0,-6 1 0,1 0 0,0-1 0,-1-2 0,-2-2 0,0-2 0,-2-1 0,1 1 0,-1 1 0,-1 0 0,0-1 0,-2 0 0,7-3 0,-2 0 0,-1 0 0,5 1 0,-2 0 0,-4 0 0,-2 0 375,-9 7 1,-1-1-376,0-5 0,-1-2 1780,17-15-1780,0 18 275,-21-17 0,1 23 0,-23 0 0</inkml:trace>
+  <inkml:trace contextRef="#ctx0" brushRef="#br0" timeOffset="68766">16334 13335 24575,'39'0'0,"0"0"0,0 0 0,-1 0 0,1 0 0,2 0 0,2 0 0,-4 0 0,2 0 0,1 0 0,2 0 0,0 0 0,1 0-469,-2 0 1,0 0 0,2 0 0,0 0 0,0 0 0,0 0 0,0 0-1,1 0 1,0 0 0,0 0 0,0 0 0,0 0 0,1 0 0,0 0 279,2 0 0,1 0 0,0 0 0,0 0 1,0 0-1,-1 0 0,0 0 189,-5 0 0,0 0 0,0 0 0,-1 0 0,0 0 0,0 0 0,-1 0 0,5 0 0,0 0 0,-1 0 0,0 0 0,0 0 0,-1 0 34,-2 0 1,0 0-1,0 0 1,-1 0-1,-1 0 1,-2 0-35,7 0 0,-2 0 0,-2 0 0,-2 0 531,4 0 1,-3 0-1,-2 0-531,5 0 0,-6 0 0,-1 0 0,6 0 3276,0 0-2595,-5 0 378,-6 0 0,2 0-1059,-2 0 0,1 0 0,7 0 0,0 0 0,-4 0 0,-1 0 0,-1 0 0,0 0 0,1 0 0,1 0 0,11 0 0,2 0-385,-14 0 1,0 0 0,3 0 384,10 0 0,2 0 0,-1 0 0,-11 0 0,0 0 0,-1 0 0,7 0 0,0 0 0,-4 0 0,-6 0 0,-4 0 0,2 2 0,-5-4 0,-7-14 0,-4 12 0,-16-11 0</inkml:trace>
+  <inkml:trace contextRef="#ctx0" brushRef="#br0" timeOffset="70933">16245 15822 24575,'45'0'0,"1"0"0,-1 0 0,-7 0 0,2 0 0,2 0 0,2 0 0,1 0 0,-3 0 0,0 0 0,3 0 0,0 0 0,1 0 0,0 0 0,0 0-469,2 0 1,0 0 0,1 0 0,0 0 0,1 0 0,0 0 0,1 0 103,-7 0 1,2 0 0,0 0 0,0 0 0,1 0 0,-1 0 0,1 0 0,-1 0 0,-1 0-46,4 0 0,-1 0 1,0 0-1,0 0 1,0 0-1,-1 0 0,1 0 1,1 0 196,0 0 1,1 0 0,0 0 0,1 0 0,-1 0 0,0 0 0,0 0 0,-1 0 212,-1 0 0,0 0 0,0 0 0,-1 0 0,0 0 0,0 0 0,0 0 0,0 0-40,-3 0 0,1 0 0,-1 0 0,0 0 0,0 0 0,0 0 0,-1 0 0,-1 0 40,3 0 0,-1 0 0,0 0 0,-1 0 0,0 0 0,-1 0 0,1 0-173,6 0 0,0 0 0,0 0 1,0 0-1,-2 0 0,-2 0 173,1 0 0,-3 0 0,0 0 0,-1 0 0,0 0 0,7 0 0,0 0 0,-2 0 0,-2 0 0,4 0 0,-2 0 0,-2 0 861,-7 0 0,-3 0 1,0 0-862,9 0 0,-2 0 1638,-2 2 0,-3-4-1346,-12-9 1,-1-1 1345,5 8 0,0 2-1343,1-11 0,-1 2 2150,12 11-2445,-1 0 0,3 0 0,-4 1 0,2-2-384,0-3 1,4-2-1,0 0 384,2 5 0,1 1 0,2-2-549,-9-3 1,1-1 0,2-1 0,0 0 0,-1 0 548,-1 2 0,-1-1 0,1 1 0,0 0 0,1-1 0,4-1 0,1 0 0,0-1 0,0 1 0,0-1 0,-2-1 0,0 0 0,-1-1 0,0 2 0,0 0 0,-2 3 0,0 2 0,-1 0 0,1 0 0,-2-2-425,7-4 1,-1-3 0,-1 2 0,1 2 424,1 4 0,1 4 0,-2 0 0,-1-2-287,4-5 1,-3-2-1,1 1 287,2 2 0,1 1 0,-5 1 463,-1 2 1,-6 0-464,-8-7 0,-3 2 2469,11 7-2469,-33 0 1989,18 0-1989,-9 0 1193,5 0-1193,23 0 0,-13 7 0,1 2 0,1-7 0,1 0 0,9 4 0,2 3 0,-4 4 0,0-2 0,5-9 0,-2 2 0,-9 8 0,-3-1 0,12-11 0,-11 0 0,-29 0 0,13 16 0,-16-12 0,0 11 0,0-15 0</inkml:trace>
+  <inkml:trace contextRef="#ctx0" brushRef="#br0" timeOffset="97317">5539 7091 24575,'19'0'0,"-3"0"0,-16 0 0,0 0 0,23 0 0,-17 0 0,33 0 0,-35 0 0,36 0 0,-19 0 0,7 0 0,3 0 0,-4 0 0,11 0 0,-11 0 0,4 0 0,-27 0 0,12 0 0,-16 0 0,24 0 0,-19 0 0,19 0 0,-8 0 0,-12 0 0,11 0 0,9 0 0,-18 0 0,33 0 0,-35 0 0,27 0 0,-27 0 0,35 0 0,-33 0 0,33 0 0,-35 0 0,12 0 0,0 0 0,-13 0 0,13 0 0,8 0 0,-18 0 0,17 16 0,-7-13 0,11 13 0,-5-16 0,17 0 0,-35 0 0,27 0 0,-3 0 0,-7 0 0,18 0 0,-11 0 0,9 0 0,-4-7 0,1-2 0,7 6 0,-10-6 0,-3 2 0,-9 7 0,20 0 0,-33 0 0,34 0 0,-37 0 0,13 0 0,-16 0 0,24 0 0,-18 0 0,17 0 0,-23 16 0,0-13 0,0 13 0,0-16 0,0 0 0,16 0 0,-12 0 0,11 0 0,-15 0 0,16 0 0,-12 0 0,35 0 0,-33 0 0,33 0 0,-35 0 0,28 0 0,-29 0 0,37 0 0,-34 0 0,17 0 0,-7 0 0,-12 0 0,35 0 0,-33 0 0,33 0 0,-35 0 0,27 0 0,-27 0 0,12 0 0,-16 0 0,23 0 0,-17 0 0,18 0 0,-9 0 0,-11 0 0,28 0 0,-28 0 0,35 0 0,-18 0 0,4 0 0,1 0 0,12 0 0,5 0 0,0 0 0,-6 0 0,-10 0 0,13 0 0,-19 0 0,7 0 0,-13 0 0,-15 0 0,0 0 0,0 0 0</inkml:trace>
+  <inkml:trace contextRef="#ctx0" brushRef="#br0" timeOffset="103800">16245 15699 24575,'35'0'0,"0"0"0,-1 0 0,4 0 0,2 0 0,2 0 0,1 0 0,-2 0 0,0 0 0,3 0 0,0 0 0,2 0-547,0 0 1,2 0 0,1 0 0,0 0 0,1 0 0,0 0-1,-1 0 1,0 0 0,0 0 0,0 0 0,1 0 0,0 0 448,-6 0 1,1 0 0,-1 0 0,1 0 0,0 0-1,0 0 1,0 0 97,-1 0 0,1 0 0,-1 0 0,0 0 0,0 0 0,0 0 0,-1 0 0,4 0 0,0 1 0,0-1 0,0 0 0,-1 0 0,0-1-92,0-2 0,-1-1 0,1-1 0,-1 0 0,0 1 0,-1 1 92,3 1 0,-1 2 0,-1-1 0,0 0 0,-1-1 0,6-3 0,0-2 0,-2 0 0,0 3 0,-5 2 0,0 2 0,-2 1 0,0 0 371,10-1 0,-2 0 1,-2 0-372,-9 0 0,-3 0 0,0 0 0,14 0 0,-2 0 0,-10 0 0,-3 0 0,-7 0 0,-1 0 3276,17 0-3191,0 0 2512,-6 0-2597,-11 0 0,-1 0 715,12 0-715,-4 0 0,1 0 0,-6 0 0,1 0 0,13 0 0,2 0 0,-4 0 0,0 0 0,4 0 0,1 0 0,-11 0 0,0 0 0,1 0-143,1 0 0,0 0 0,0 0 143,0 0 0,0 0 0,0 0 0,4 0 0,1 0 0,-2 0 0,7 0 0,0 0 0,2 0 0,0 0 0,-5 0 0,0 0 0,-2 0 0,-2 0 0,-6 0 0,-1 0 0,2 0 0,-1 0 0,4 0 0,-4 0 0,1 0 0,7 0 0,-8 0 0,0 0 214,-6 1 1,-1-2-215,2-7 0,-1 0 0,1 7 0,-3-2 0,2-13 0,13 16 0,-34 0 0,33 0 0,-35 0 0,11 0 0,1 0 0,11 0 0,-5 0 0,5 0 0,1 0 0,3 0 0,7 0 0,1 0 0,-35 0 0,11 0 0</inkml:trace>
+  <inkml:trace contextRef="#ctx0" brushRef="#br0" timeOffset="105883">23001 15699 24575,'-45'0'0,"2"0"0,14 0 0,-1 0 0,-1 0 0,-3 0 0,-9 0 0,-2 0 0,5 0 0,0 0 0,-3 0 0,0 0 0,2 0 0,1 0 0,8 0 0,0 0 0,-11 0 0,3 0 0,-1 0 0,-1 0 0,2 0 0,14 0 0,-5-11 0,0-2 0,9 7 0,-21-17 0,23 23 0,-19 0 0,18 0 0,-22 0 0,-1 0 0,7 0 0,10 0 0,-12 0 0,17 0 0,-5 0 0,11 0 0,16 0 0,0 0 0,0 23 0,0-17 0,0 18 0,0-24 0</inkml:trace>
+</inkml:ink>
+</file>
+
+<file path=ppt/ink/ink32.xml><?xml version="1.0" encoding="utf-8"?>
+<inkml:ink xmlns:inkml="http://www.w3.org/2003/InkML">
+  <inkml:definitions>
+    <inkml:context xml:id="ctx0">
+      <inkml:inkSource xml:id="inkSrc0">
+        <inkml:traceFormat>
+          <inkml:channel name="X" type="integer" min="-2.14748E9" max="2.14748E9" units="cm"/>
+          <inkml:channel name="Y" type="integer" min="-2.14748E9" max="2.14748E9" units="cm"/>
+          <inkml:channel name="F" type="integer" max="32767" units="dev"/>
+        </inkml:traceFormat>
+        <inkml:channelProperties>
+          <inkml:channelProperty channel="X" name="resolution" value="1000" units="1/cm"/>
+          <inkml:channelProperty channel="Y" name="resolution" value="1000" units="1/cm"/>
+          <inkml:channelProperty channel="F" name="resolution" value="0" units="1/dev"/>
+        </inkml:channelProperties>
+      </inkml:inkSource>
+      <inkml:timestamp xml:id="ts0" timeString="2026-02-25T20:58:45.179"/>
+    </inkml:context>
+    <inkml:brush xml:id="br0">
+      <inkml:brushProperty name="width" value="0.05292" units="cm"/>
+      <inkml:brushProperty name="height" value="0.05292" units="cm"/>
+      <inkml:brushProperty name="color" value="#FF0000"/>
+    </inkml:brush>
+  </inkml:definitions>
+  <inkml:trace contextRef="#ctx0" brushRef="#br0">18503 10830 24575,'44'0'0,"0"0"0,-3-11 0,-1-1 0,-4 9 0,-2 0 0,-6-10 0,-3 2 0,3 11 0,11 0 0,-18 0 0,7 0 0,3 0 0,-3 0 0,9-15 0,-12 13 0,1 0 0,11-14 0,6 16 0,0 0 0,-5 0 0,-11 0 0,4 0 0,-27 0 0,12 0 0,7 0 0,-17 0 0,34 0 0,-13 0 0,10 16 0,-4-14 0,1 0 0,-6 4 0,1 3 0,6 4 0,0-2 0,-8-8 0,-1 0 0,0 9 0,-1-1 0,12-11 0,-9 0 0,3 0 0,-3 16 0,9-12 0,6 12 0,0-16 0,-21 0 0,17 0 0,-12 0 0,-5 0 0,1 0 0,-23 0 0,16 0 0,-12 0 0,12 0 0,-16 0 0,15 0 0,-11 0 0,35 0 0,-33 0 0,33 0 0,-11 0 0,-7 0 0,19 0 0,-36 0 0,27 0 0,-27 0 0,12 23 0,7-17 0,-17 17 0,17-23 0,-23 0 0,16 0 0,-12 0 0,12 0 0,-1 0 0,-11 0 0,36 0 0,-35 0 0,19-39 0,-24 6 0,2 3 0,-4-1 0,-22-12 0,19 23 0,-19 5 0,24 15 0</inkml:trace>
+  <inkml:trace contextRef="#ctx0" brushRef="#br0" timeOffset="26883">18591 10830 24575,'16'-29'0,"9"15"0,9 4 0,-2 8 0,5 3 0,2 0-755,-3-1 0,2 0 0,1 0 0,1 0 755,1 0 0,2 0 0,-1 0 0,0 0 0,-3 0 0,-1 0 0,0 0 0,-2 0 308,7 0 0,-1 0 0,-4 0-308,4 0 0,-3 0-656,-3 0 1,-6 0-1,-8 0 1,2 0 0</inkml:trace>
+  <inkml:trace contextRef="#ctx0" brushRef="#br0" timeOffset="48251">18803 10566 24575,'20'0'0,"19"0"0,-2 0 0,-4 0 0,5 0 0,9 0 0,2 0 0,-3 0 0,0 0 0,-12 0 0,1 0 0,0 0 0,0 0 0,-1 0 0,1 0 0,11 0 0,0 0 0,-5 0 0,-2 0 0,-7 0 0,-5 0 0,-8 0 0,21 0 0,-35 0 0,19 0 0,-8 0 0,11 0 0,10 0 0,6 0 0,-13-2 0,-1 4 0,12 21 0,-7-20 0,-1 0 0,4 21 0,-11-23 0,-1-2 0,-3 1 0,17 0 0,-35 0 0,12 0 0,-16 0 0,15 0 0,13 0 0,0 0 0,4 0 0,0 0 0,1 0 0,10 0 0,0 0 0,-2 0 0,-1 0 0,4 0 0,0 0 0,-11 0 0,-1 0 0,-2 0 0,-2 0 0,16 0 0,-23 0 0,3 0 0,-24 0 0,-24 0 0,18 0 0,-17 0 0,7 0 0,12 0 0,-12 0 0,16 0 0</inkml:trace>
+</inkml:ink>
+</file>
+
+<file path=ppt/ink/ink33.xml><?xml version="1.0" encoding="utf-8"?>
+<inkml:ink xmlns:inkml="http://www.w3.org/2003/InkML">
+  <inkml:definitions>
+    <inkml:context xml:id="ctx0">
+      <inkml:inkSource xml:id="inkSrc0">
+        <inkml:traceFormat>
+          <inkml:channel name="X" type="integer" min="-2.14748E9" max="2.14748E9" units="cm"/>
+          <inkml:channel name="Y" type="integer" min="-2.14748E9" max="2.14748E9" units="cm"/>
+          <inkml:channel name="F" type="integer" max="32767" units="dev"/>
+        </inkml:traceFormat>
+        <inkml:channelProperties>
+          <inkml:channelProperty channel="X" name="resolution" value="1000" units="1/cm"/>
+          <inkml:channelProperty channel="Y" name="resolution" value="1000" units="1/cm"/>
+          <inkml:channelProperty channel="F" name="resolution" value="0" units="1/dev"/>
+        </inkml:channelProperties>
+      </inkml:inkSource>
+      <inkml:timestamp xml:id="ts0" timeString="2026-02-25T21:00:17.544"/>
+    </inkml:context>
+    <inkml:brush xml:id="br0">
+      <inkml:brushProperty name="width" value="0.05292" units="cm"/>
+      <inkml:brushProperty name="height" value="0.05292" units="cm"/>
+      <inkml:brushProperty name="color" value="#FF0000"/>
+    </inkml:brush>
+  </inkml:definitions>
+  <inkml:trace contextRef="#ctx0" brushRef="#br0">8061 9948 24575,'20'0'0,"19"0"0,-33 0 0,33 0 0,-20 0 0,25 0 0,-7 0 0,-10-23 0,5 17 0,-28-18 0,35 24 0,-33 0 0,33 0 0,-12 0 0,10 0 0,7 0 0,-25 0 0,20 0 0,-17 0 0,5 0 0,5 0 0,-28 0 0,35-15 0,-18 11 0,5-4 0,-1 0 0,-3 8 0,17 0 0,-35 0 0,27 0 0,-27 0 0,12 0 0,-16 0 0,24 0 0,-19 0 0,19 0 0,-8 0 0,-12 0 0,35 0 0,-33 0 0,33 0 0,-35 0 0,27 0 0,-27 0 0,35 0 0,-33 0 0,33 0 0,-35 0 0,12 0 0,-16 0 0</inkml:trace>
+  <inkml:trace contextRef="#ctx0" brushRef="#br0" timeOffset="3118">10530 9772 24575,'30'0'0,"9"0"0,4 0 0,-16-8 0,3 0 0,4 7 0,4 1 0,0-3-279,-4-6 1,-1-4-1,2 4 279,7 6 0,2 3 0,1-1-356,1-4 1,1-1 0,-1 1 355,0 5 0,-1 2 0,-1-4 0,-4-4 0,-1-4 0,0 3-235,3 5 0,0 2 0,-1-4 235,-4-8 0,-1-4 0,-1 5 0,-1 8 0,0 4 0,0-3-47,3-10 0,0-4 1,-1 5 46,5 7 0,-2 2 281,-7-10 1,1 0-282,9 11 0,-2 2 1252,1-1-1252,-6 0 0,-3 0 772,-10 0-772,17 0 160,-35 0-160,27 0 0,-4 0 0,11 0 0,-11 0 0,12 0 0,-33 0 0,33 0 0,-35 0 0,28 0 0,-28 0 0,11 0 0,-15 0 0,24 0 0,-18 0 0,33 0 0,-35 24 0,35-18 0,-33 17 0,33-23 0,-19 0 0,23 0 0,-6 0 0,6 0 0,0 0 0,-6 16 0,-10-15 0,-3 2 0,-2 12 0,17-15 0,-19 0 0,23 0 0,-17 0 0,1 0 0,0 0 0,1 0 0,10 0 0,0 0 0,-5 0 0,-1 0 0,3 0 0,0 0 0,0 0 0,-1 0 0,-6 0 0,-1 0 0,-1 0 0,1 0 0,-1 0 0,-1 0 0,12 0 0,-4 12 0,1 0 0,7-6 0,0 6 0,0-1 0,0-11 0,0 8 0,1 0 0,-1-4 0,-8 4 0,0 0 0,5-8 0,-13-1 0,1 2 0,11 14 0,6-11 0,0 12 0,-17-15 0,1-2 0,0 0 0,1 2 0,10 10 0,0 1 0,11-6 0,-20 6 0,1 0 0,0-11 0,-1-2 0,12 1 0,-8 0 0,1 0 0,3 0 0,-10 0 0,12 0 0,-33 0 0,34 0 0,-37 0 0,29 0 0,-5 0 0,-5 0 0,17 0 0,-12 0 0,-1 0 0,1 0 0,1 0 0,-1 0 0,0 0 0,-1 0 0,17 0 0,-14 0 0,1 0 0,2 0 0,1 0 0,10 0 0,2 0 0,-4 0 0,-2 0 0,-3 0 0,-1 0 0,4 0 0,-2 0 0,12 0 0,-19 0 0,-1 0 0,14 0 0,-6 0 0,7 0 0,-1 0 0,-22 0 0,18 0 0,-11 0 0,-7 0 0,19 0 0,-36 0 0,27 0 0,-4 0 0,-5 0 0,17 0 0,-35 0 0,12-24 0,-16 18 0,0-17 0</inkml:trace>
+  <inkml:trace contextRef="#ctx0" brushRef="#br0" timeOffset="7085">17198 9825 24575,'45'0'0,"-5"0"0,2 0 0,-1 0 0,3 0-761,2 0 1,5 0 0,-1 0 760,-7 0 0,-1 0 0,2 0 0,-3 0 0,3 0 0,0 0 0,-3 0 0,4 0 0,-3 0 0,1 0 0,1 0 0,1 0 0,-3 0 303,7 0 0,-2 0-303,-3 0 0,-2 0 202,-1 0 1,-1 0-203,-8 0 0,0 0 0,10 0 0,-1 0 0,-9 0 0,0 0 584,8 0 0,1 0-584,2 0 0,0 0 0,-3 0 0,0 0 0,5 0 0,-1 0 51,-12 0 0,0 0-51,3 0 0,-3 0 0,5 0 0,6 0 0,0 0 0,-5 0 0,5 16 0,-14-14 0,0-1 0,-4 8 0,-1-2 0,8-6 0,-3-2 0,-1 1 0,3 0 0,-4 0 0,-5 0 0,2 0 0,-9 0 0,-11 0 0,27 0 0,-27 0 0,36 0 0,-19 0 0,5 0 0,-1 0 0,-3 0 0,17 0 0,-35 0 0,11 0 0,-15 0 0,16 0 0,-12 0 0,35 0 0,-17 0 0,21 0 0,0 0 0,-21 16 0,17-12 0,-35 11 0,11-15 0,9 0 0,-18 0 0,17 0 0,-7 0 0,-12 0 0,27 0 0,-27 0 0,12 0 0,-16 0 0,0 0 0,23 0 0,-17 0 0,33 0 0,-35 0 0,12 0 0,-16 0 0,0 0 0,0 0 0</inkml:trace>
+  <inkml:trace contextRef="#ctx0" brushRef="#br0" timeOffset="42701">9031 10495 24575,'30'0'0,"-1"0"0,-1 0 0,1 0 0,13 0 0,2 0 0,-4 0 0,0 0 0,-6 0 0,2 0 0,-2 0 0,12 0 0,0 0-287,-6-1 0,1 1 1,-2 1 286,7 7 0,0 0 0,-7-6 0,2-2 0,-1 2 0,6 6 0,0-1 105,2-7 1,0 0-106,-5 8 0,0 0 0,-3-6 0,0 0 0,5 6 0,-2 0 0,-9-8 0,-3 0 0,-1 0 0,-1 0 0,14 0 0,-6 23 649,-9-17-649,11 18 0,-18-24 0,7 0 0,3 15 0,-27-11 0,35 12 0,-33-16 0,33 0 0,-19 0 0,0 0 0,19 0 0,-18 0 0,7 0 0,11 0 0,-17 0 0,21 0 0,-14 0 0,1 0 0,11 0 0,-1 0 0,2 0 0,7 0 0,-11 0 0,0 0 0,-10 0 0,-1 0 0,11 0 0,1 0 0,-7 0 0,0 0 0,4 0 0,-1 0 0,-8 0 0,-1 0 0,17 0 0,-23 0 0,19 0 0,-18 0 0,4 0 0,1 0 0,12 0 0,5 0 0,-14 0 0,0 0 0,13 0 0,-10 0 0,2 0 0,-3 0 0,-1 0 0,19 0 0,-20 0 0,1 0 0,0 0 0,-1 0 0,12 0 0,-9 0 0,2 0 0,-3 0 0,-1 0 0,1 0 0,3 0 0,0 0 0,4 0 0,0 0-287,-5 0 0,0 0 0,3 0 287,11 0 0,3 0 0,0 0 0,-8 0 0,0 0 0,1 0-308,-3 0 0,1 0 1,1 0-1,-2 0 308,4 0 0,-2 0 0,1 0 0,1 0 0,1 0 0,-3 0-65,8 0 1,-4 0 64,-2 0 0,-1 0 0,-11-1 0,0 2 0,5 10 0,3 1 0,6-8 0,2-2-57,-15 6 1,0 1 0,3-2 56,10-5 0,4-3 0,1 0 0,-14 1 0,1 0 0,-1 0 0,2 0-94,0 0 0,1 0 0,0 0 0,1 0 94,2 0 0,1 0 0,0 0 0,0 0 0,-4 0 0,1 0 0,-1 0 0,-1 0 0,0 0 0,0 0 0,-2 0 0,-1 0-31,2 0 0,-3 0 1,0 0 30,17 0 0,-4 0 0,1 0 0,-6 0 236,-27 0 0,-16 0 0,0 0 1</inkml:trace>
+  <inkml:trace contextRef="#ctx0" brushRef="#br0" timeOffset="44700">7938 6385 24575,'39'0'0,"0"0"0,-1 0 0,3 0 0,-1 0 0,-2 0 0,-2 0 0,4 0-820,4 0 1,3 0 0,1 0 0,-1 0 631,-4 0 0,0 0 1,0 0-1,1 0 188,-4 0 0,2 0 0,1 0 0,0 0 0,0 0-470,5 0 1,1 0 0,0 0 0,0 0 0,-1 0 469,-1 0 0,0 0 0,-1 0 0,1 0 0,2 0 0,-3 0 0,2 0 0,0 0 0,1 0 0,-1 0 0,-1 0-248,-4 0 0,-1 0 0,-1 0 0,1 0 0,0 0 0,1 0 248,4 0 0,2 0 0,1 0 0,-1 0 0,1 0 0,-1 0 0,-3 0 0,0 0 0,0 0 0,0 0 0,0 0 0,0 0 0,0 0 0,0 0 0,1 0 0,-1 0 0,0 0 0,-1 0-265,-1 0 0,-1 0 1,0 0-1,0 0 0,-2 0 1,0 0 264,2 0 0,-2 0 0,0 0 0,-1 0 0,-1 0 171,6 0 1,0-1 0,-2 1-1,-2 1-171,0 4 0,-2 1 0,-1-1 724,0-4 1,0-2-1,-4 5-724,-5 12 0,-1-1 1577,6-12 1,-2-2-1578,5 15 2454,-9-16-2454,-1 0 0,1 0 982,-3 0-982,7 0 0,3 0 0,-8 0 0,-1 0 0,1 0 0,1 0 0,-2 0 0,1 0 0,-1 0 0,-2 0 0,-2 0 0,2 0 0,-24 0 0,0-16 0,0 12 0,0-11 0,0 15 0</inkml:trace>
+  <inkml:trace contextRef="#ctx0" brushRef="#br0" timeOffset="48517">8943 11448 24575,'37'0'0,"0"0"0,4 0 0,3 0 0,-3 0 0,4 0 0,0 0-972,1 0 1,1 0 0,1 0 971,-9 0 0,1 0 0,0 0 0,0 0 0,0 0 0,0 0 0,1 0 0,-1 0 0,-2 0 0,0 0 0,-1 0 0,0 0-96,10 0 1,0 0 0,-1 0 95,-1 0 0,-1 0 0,-2 0 374,2 0 1,-2 0-375,-6 0 0,2 0 0,-6 0 0,9 0 0,2 0 1438,-11 0-1438,-5 0 1013,10 0-1013,-11 0 0,-1 0 0,12 0 0,7 23 0,-1-17 0,-6 18 0,6-24 0,-23 0 0,19 0 0,-18 0 0,7 0 0,11 0 0,-33 0 0,33 0 0,-35 0 0,27 0 0,-3 15 0,9-11 0,-16 16 0,1-1 0,21-13 0,-21 18 0,17-24 0,-35-24 0,12 18 0,-16-17 0,0 7 0,0 12 0,0-11 0,0 15 0,0-24 0,0 18 0,0-17 0,0 23 0,0 0 0,23 0 0,-17 0 0,18 0 0,-9 0 0,-11 0 0,12 0 0,-16 0 0</inkml:trace>
+  <inkml:trace contextRef="#ctx0" brushRef="#br0" timeOffset="62416">13758 7973 24575,'35'0'0,"-1"0"0,-2 0 0,3 0 0,2 0 0,-2 0 0,2 0 0,2 0 0,1 0-656,-2 0 1,2 0-1,2 0 1,-1 0 0,2 0 263,2 0 0,0-1 0,2 1 0,0 0 0,0 1 392,-5 1 0,1 0 0,0 1 0,0 1 0,-1-2 0,0 0 0,1 0 0,0-2 0,-1 0 0,-1 1 0,-1 0 160,6 3 1,-1 1-1,-2-1 1,-2-1-161,2-2 0,-3-2 0,-4 1 520,-1 0 1,-5 0-521,13 0 0,-27 0 0,-16 0 2694,0 24-2694,0-19 860,-16 19-860,12-24 0,-12 0 0,16 0 0,0 0 0</inkml:trace>
+  <inkml:trace contextRef="#ctx0" brushRef="#br0" timeOffset="64783">11465 13335 24575,'38'0'0,"-1"0"0,-4 0 0,3 0 0,3 0 0,-2 0 0,3 0 0,1 0 0,1 0-820,5 0 1,1 0 0,1 0 0,1 0 477,-5 0 0,0 0 0,1 0 1,0 0-1,0 0 342,0 0 0,1 0 0,-1 0 0,1 0 0,0 0 0,1 0 0,1 0 0,-1 0 0,0 0 0,-2 0 0,3 0 0,-2 0 0,0 0 0,-2 0 105,-3 0 1,0 0 0,-1 0 0,-3 0-106,0 0 0,-2 0 0,-2 0 517,6 0 1,0 0-518,2 0 0,-2 0 0,-7 0 0,-1 0 0,0 0 0,1 0 1269,-3 0 0,-2 0-1269,16 0 990,-23 0-990,3 0 0,-48 0 0,18 0 0,-17 0 0,23 24 0,0-19 0,0 19 0,0-24 0,0 16 0,0-12 0,0 11 0,0-15 0</inkml:trace>
+  <inkml:trace contextRef="#ctx0" brushRef="#br0" timeOffset="72834">13758 8184 24575,'42'0'0,"1"0"0,-2 0 0,3 0 0,2 0 0,-5 0 0,2 0 0,0 0 0,2 0-656,-4 0 1,1 0-1,1 0 1,0 0 0,0 0 265,2 0 0,0 0 1,1 0-1,0 0 1,-1 0 389,2 0 0,-1 0 0,1 0 0,-1 0 0,0 0 0,-2 0 0,-1 0 0,1 0 0,-2 0 0,0 0 81,6 0 1,-1 0-1,-1 0 1,-3 0-82,4 0 0,-3 0 0,-3 0 551,2 0 0,-6 0-551,6 0 0,-27 0 0,-16 0 661,-16 0 1,12 0 0,-11 0 0</inkml:trace>
+  <inkml:trace contextRef="#ctx0" brushRef="#br0" timeOffset="77485">11324 13264 24575,'45'0'0,"-20"0"0,1 0 0,11 0 0,3 0 0,4 0 0,4 0-555,-8 0 0,1 0 0,1 0 555,-1 0 0,1 0 0,-1 0 0,0 0 0,1 0 0,-2 0 0,-4 0 0,0 0 0,0 0 0,5 0 0,0 0 0,-3 0 269,-3 0 1,-2 0-270,9 0 0,-2 0 138,-8 0 0,-3 0-138,20 0 0,-8 0 0,0 0 0,-9 0 0,1 0 0,0 0 0,2 0 0,1 0 57,0 0 1,-1 0 0,2 0-58,4 0 0,2 0 0,-4 0 0,5 0 0,-3 0 0,2 0 0,-4 0 0,-2 0 0,6 0 0,0 0 0,-21 0 0,1 0 677,-23 0-677,0 16 0,0-12 0,16 12 0,-12-16 0,35 0 0,-2 15 0,-10-12 0,1-2 0,-1 7 0,-1 0 0,17-8 0,-23 0 0,19 0 0,-33 0 0,18 0 0,-24 0 0,0 0 0</inkml:trace>
+  <inkml:trace contextRef="#ctx0" brushRef="#br0" timeOffset="81718">15311 13300 24575,'42'0'0,"0"0"0,-8 0 0,1 0 0,4 0 0,-1 0 0,3 0 0,2 0 0,1 0-656,-3 0 1,1 0-1,0 0 1,1 0 0,1 0 237,1 0 0,1 0 0,0 0 0,2 0 1,0 0-44,-1 0 1,2 0 0,0 0 0,1 0 0,0 0-1,-1 0 461,0 0 0,0 0 0,0 0 0,0 0 0,1 0 0,0 0-235,-3 0 0,0 0 0,1 0 0,0 0 0,0 0 0,1 0 0,-1 0 235,-4 0 0,-1 0 0,1 0 0,0 0 0,1 0 0,-1 0 0,-1 0 0,1 0 0,5 0 0,-1 0 0,1 0 0,-1 0 0,0 0 0,1 0 0,-1 0 0,0 0 0,1 0 0,-1 0 0,0 0 0,0 0 0,0 0 0,-2 0-312,4 0 1,-1 0-1,0 0 1,-1 0-1,0 0 1,0 0 311,-1 0 0,0 0 0,0 0 0,0 0 0,-1 0 0,-1 0 32,3 0 0,-1 0 0,-1 0 0,0 0 1,0 0-33,-3 0 0,0 0 0,-1 0 0,0 0 0,-1 0 0,8 0 0,0 0 0,-2 0 0,-1 0 621,4 0 0,-2 0 0,-1 0-621,-5 0 0,-1 0 0,-1 0 1076,-5 0 0,-1 0 0,-1 0-1076,8 0 0,-2 0 1489,-6 0 1,-1 0-1490,2 0 0,-1 0 2446,4 0-2446,6 0 776,0 0-776,-6 0 189,-9 0-189,11 0 0,-33 0 0,33 0 0,-35 0 0,27 0 0,-3 0 0,-7 0 0,3 0 0,-24 0 0,15 0 0,-11 0 0,12 0 0,8 0 0,-19 0 0,35 0 0,-36 0 0,27 0 0,-27 0 0,12 15 0,7-11 0,-17 12 0,33-16 0,-35 0 0,27 0 0,-3 0 0,-7 0 0,19 0 0,-36 0 0,11 0 0</inkml:trace>
+  <inkml:trace contextRef="#ctx0" brushRef="#br0" timeOffset="85833">17921 13088 24575,'37'0'0,"1"0"0,6 0 0,4 0 0,-3 0 0,3 0 0,0 0-679,-3 0 1,0 0 0,0 0 678,2 0 0,-1 0 0,0 0 0,-4 0 0,-1 0 0,0 0 79,-5 0 0,0 0 0,-1 0-79,1 1 0,-2-1 0,0-1 0,11-7 0,-1 0 0,0 6 0,0 0 0,-4-6 0,0 1 0,-7 5 0,2 3 0,-1 0 0,8-1 0,0 0 0,-3 0 0,2 0 0,-1 0 0,-4 0 0,-1 0 0,2 0 0,6 0 0,2 0 0,-2 0 0,-8 0 0,-1 0 0,-1 0 0,16 0 0,-4 0 217,-17 0 0,-3 0-217,18 0 0,0 0 0,-6 0 513,-11-11 1,-1-2-514,12 7 337,7-17-337,-1 23 0,-6 0 0,-12 0 0,1 0 0,0 0 0,1 0 0,1 0 0,-1 0 0,10 0 0,2 0 0,-35 0 0,12 0 0</inkml:trace>
+  <inkml:trace contextRef="#ctx0" brushRef="#br0" timeOffset="87801">19685 12806 24575,'29'0'0,"1"0"0,15 0 0,6 0 0,-8 0 0,3 0 0,0 0-736,2 0 1,0 0 0,1 0 735,1 0 0,0 0 0,-3 0 0,-10 0 0,-1 0 0,-1 0 235,1 0 1,-1 0 0,-2 0-236,0 0 0,-2 0 182,5 0 0,-5 0-182,-9 0 0,1 0 0,-23 0 1135,-23 0-1135,1 0 0,-9 0 0,-5 0 0,-3 0 0,-2 0 0,-4 0 0,-2 0 0,12 0 0,-1 0 0,3 0 0,0 0 0,1 0 0,2 0 0,2 0 0,-16 0 0,7 0 0,4 0 0,0 0 0,-9 0 0,9-2 0,0 4 0,-4 14 0,9-13 0,12 13 0,32-16 0,12 0 0,9 0 0,-4 0 0,0 0 0,9 0 0,0 0 0,-2 0 0,-15 0 0,6 0 0,-7 0 0,-20 0 0,35 0 0,-17 0 0,5 0 0,-11 0 0</inkml:trace>
+  <inkml:trace contextRef="#ctx0" brushRef="#br0" timeOffset="106768">22543 5203 24575,'0'20'0,"0"19"0,0-17 0,0 21 0,0 0 0,0-13 0,0 1 0,0 0 0,0 2 0,0 6 0,0 4 0,0 1-607,0 3 0,0 1 0,0 2 607,0-8 0,0 1 0,0 1 0,0-1 0,0 0 0,0-1 0,0-1 0,0 0-179,0 9 0,0-1 0,0-1 179,0-6 0,0 0 0,0-1 0,0 3 0,0 0 0,0 0-437,0 2 1,0 0-1,0 1 437,-1-10 0,2 1 0,-2 0 0,2 0 0,-1 2 0,0 1 0,0-1 0,0 0 0,0 6 0,0-1 0,0-1 0,0-3 0,0 0 0,0-4 0,0-4 0,0-1 820,0 9 0,0 0-820,0-8 0,0-1 273,0 0 1,0 1-274,0 1 0,0-2 1481,0 6-1481,0 5 0,0-39 0,0-8 0,-11-31 0,-2-13 0,10 7 0,0-4-265,-4 3 1,-3-3 0,4 1 264,5 2 0,2 1 0,-1 0 0,-5 0 0,-1 0 0,1 0 0,3 0 0,2 0 0,-2-1-565,-2-5 0,-2-2 0,0-2 565,1 10 0,-2-2 0,1 1 0,1 0 0,3 2 0,1 2 0,0-1 0,-1-1 0,-3-4 0,-1-2 0,-1 0 0,1 4-217,0-2 0,1 2 0,1 0 217,2 1 0,2-1 0,-2 2 0,-3 4 0,-1 2 0,1 0 0,4-11 0,2 2 0,-1 2 0,0 1 349,0 4 0,0 2-349,0 7 0,0 1 850,0 0 0,0 1-850,0-12 741,0-6-741,0 23 0,0 4 0,0-7 0,0 17 0,0-18 0,0 9 0,0 11 0,0-12 0,0 16 0,0 0 0,0 0 0</inkml:trace>
+  <inkml:trace contextRef="#ctx0" brushRef="#br0" timeOffset="127716">5380 9155 24575,'0'19'0,"0"7"0,0 3 0,0 12 0,0-8 0,0 5 0,0 1 0,0-1 0,0 0 0,0 4-779,0 2 1,0 4 0,0 1 0,0 0 778,0-2 0,0 1 0,0 0 0,0 1 0,0-5 0,0 2 0,0 0 0,0 0 0,0-1 0,0-2 0,0-2 0,0 1 0,0 0 0,0 2 0,0-3 0,0 1 0,0 1 0,0-1 0,0 0 0,0-1 0,0 9 0,0-1 0,0-1 0,0 3 0,0-4 0,0 2 0,0 0 0,0 1 0,0 0-656,0-3 1,0 0-1,0 0 1,0 2 0,0 4 582,0-10 0,-1 3 1,1 1-1,-1 2 1,1 0-1,0 2 1,1 1-1,0 1-201,0-11 1,1 1 0,-1 1 0,1 1 0,0 0 0,1 1 0,0 0 0,-1 1 0,2 0 0,-1 1 0,1 1 0,0-1 193,0-3 0,1 1 0,0 0 0,0 1 0,1 0 1,0 1-1,0 0 0,0 0 0,1 1 0,-1 0 1,0 0-1,0 0 0,1 1 0,-1-1 0,-1 1-96,1-3 0,-1 0 0,0 1 0,0 0 0,0 1 0,0-1 0,0 1 0,0 0 0,0 1 0,0-1 0,0 0 0,1 0 0,-1-1 0,1 1 0,-1-1 0,1 0 0,1 0 176,-1 0 0,1 0 0,1 0 0,-1 0 0,1 0 0,0 0 0,0 0 0,0-1 0,0 0 0,0 0 0,0 0 0,0 0 0,-1 0 0,0-1 0,0 0 0,-1 0-105,0 3 0,0 1 0,0-1 0,-1 0 0,1 0 0,-1 0 0,-1 0 0,1-1 0,0-1 0,-1 0 0,1 0 0,-1-2 0,1 0 0,0-1 105,0 5 0,1 0 0,0-1 0,-1-1 0,1 0 0,-1-2 0,1 0 0,-1-2 0,-1 0 0,1-1 109,-1 7 0,1-1 0,-1-2 1,0-1-1,-1-1 0,1-2 1,-1-2-110,2 11 0,-1-4 0,0-2 0,-1-4 881,-3-3 0,0-2 0,0-6-881,0 13 3276,0-12-2599,0-27 2599,0 12-641,0-16 1,0 23-2636,0-17 0,0 34 0,0-13 0,0-5 0,0 1 0,0-23 0</inkml:trace>
+  <inkml:trace contextRef="#ctx0" brushRef="#br0" timeOffset="135734">17163 10195 24575,'38'0'0,"-1"0"0,1 0 0,0 0 0,3 0 0,3 0 0,0 0 0,1 0 0,-3 0 0,0 0 0,2 0 0,0 0 0,1 0 0,1 0-469,-2 0 1,2 0 0,1 0 0,0 0 0,0 0 0,-2 0 0,0 0-79,1 0 1,-1 0 0,-1 0 0,-1 0 0,1 0 0,-1 0 489,6 0 0,-1 0 0,1 0 0,-2 0 0,-1 0 221,3 1 1,-1-1 0,-2 1-1,-1-3-164,7-2 0,-2-3 0,-5 3 672,-2 2 0,-6 0-672,6-14 0,-3 16 0,-19 0 3276,22 0-3152,-13 0 0,-1 0 1189,12 0-1313,0-1 0,0 2 0,-16 7 0,-1 0 0,7-6 0,-1 0 0,13 13 0,0-15 0,-21 0 0,17 0 0,-19 0 0,23 0 0,-13 0 0,1 0 0,18 0 0,-20 1 0,0-2 0,15-14 0,-23 11 0,3-12 0,-24 16 0,0 16 0,0-12 0,0 11 0,0-15 0,0 0 0,0 16 0,0-12 0,0 12 0,0-16 0,0 0 0,0 23 0,0-17 0,0-37 0,0-7 0,0-1 0,0 2-820,0 9 1,0 13 0,0 15 0</inkml:trace>
+  <inkml:trace contextRef="#ctx0" brushRef="#br0" timeOffset="144417">7973 16104 24575,'43'0'0,"-6"0"0,-11 0 0,-1 0 0,12 0 0,6 0 0,1 0 0,-18 0 0,0 0 0,2 0 0,-1 0 0,0 0 0,-1 0 0,0 0 0,-1 0 0,2 0 0,-1 0 0,1 0 0,1 0 0,6 1 0,1-2 0,0-6 0,0-1 0,-3 6 0,1 0 0,5-5 0,0-2 0,-2 0 0,-1 2 0,-3 5 0,1 0 0,5-6 0,0 1 0,-10 7 0,-1 0 0,7-12 0,0 0 0,-6 9 0,-1 0 0,0-9 0,-1 1 0,0 9 0,-1 4 0,12-2 0,7 0 0,-1 0 0,-22-16 0,18 12 0,-19-11 0,23 15 0,-6 0 0,-10 1 0,-3-2 0,-2-15 0,17 12 0,-19-12 0,23 16 0,-6 0 0,6 0 0,0 0 0,-6 0 0,-11 0 0,-1 0 0,13 0 0,5 0 0,0-23 0,-13 20 0,1 0 0,-7-9 0,1 0 0,4 11 0,0 2 0,15-1 0,-7 0 0,-4 0 0,0 0 0,9 0 0,1 0 0,-4 0 0,-18 0 0,23 0 0,-1 0 0,-17 0 0,1 0 0,0 0 0,1 0 0,-2 0 0,0 0 0,0 0 0,-1 0 0,2 0 0,-1 0 0,2 0 0,-1 0 0,-1 0 0,1 0 0,7 0 0,-1 0 0,8 0 0,-8 0 0,1 0 0,3 0 0,-10 0 0,5 0 0,-5 0 0,10 0 0,-11 0 0,-1 0 0,12 0 0,7 0 0,-15-1 0,0 2 0,13 23 0,-2-21 0,2 0 0,-18 8 0,1 1 0,12-3 0,2-2 0,-4 3 0,1 0 0,4-2 0,0 3 0,4 10 0,0-3 0,-4-14 0,1-2 0,2 10 0,0 0 0,-3-11 0,0-2 0,4 1 0,1 0 0,-6 0 0,2 0 0,-5-1 0,2 0 0,-2 3 0,3 5 0,0 1 0,9-6 0,-2 0 0,-19 6 0,-1 0 0,8-7 0,-1-2 0,8 1 0,-8 0 0,0 0 0,-6 0 0,-1 0 0,2 0 0,-1 0 0,0 0 0,-1 0 0,17 0 0,-14 0 0,1 0 0,19 0 0,-12 0 0,2 0 0,-3-1 0,-1 2 0,5 7 0,0 0 0,4-6 0,1 0 0,-6 6 0,2-1 0,-1-5 0,3-3 0,-1 0-268,-6 1 0,-2 0 1,2 0 267,12 0 0,2 0 0,-1 0 0,-7 0 0,-1 0 0,0 0 0,0 0 0,0 0 0,0 0 0,2 0 0,1 0 0,0 0 0,3 0 0,1 0 0,-1 0 0,-2 0 0,0 0 0,0 0 0,2 0 0,0 0 0,-2 0 0,-8 0 0,-2 0 0,1 0-71,-1 0 0,0 0 0,-1 0 71,11 0 0,-2 0 0,-11 0 0,0 0 0,11 0 0,-3 0 0,1 0 0,-8 0 0,1 0 397,-8 0 0,1 0-397,0 0 0,0 0 111,0 0 0,-1 0-111,17 0 0,1 0 0,-15 0 0,2 0 0,1 0 0,1 0 0,2 0 0,1 0 0,-2 0 0,0 0 0,-6 0 0,-1 0 0,0 0 0,-1 0 0,1 0 0,-3 0 0,-3 0 0,19 0 0,-21 0 0,24 0 0,-21 0 0,17 0 0,-11 0 0,-7 0 0,3 0 0,-24 0 0,0 0 0</inkml:trace>
+  <inkml:trace contextRef="#ctx0" brushRef="#br0" timeOffset="150401">8008 17074 24575,'29'0'0,"1"0"0,3 0 0,-2 0 0,3 0 0,4 0 0,5 0 0,-1 0-451,1 0 1,-1 0 0,1 0 450,-2 0 0,1 0 0,-2 0 0,-4 1 0,-2 0 0,0-3 220,11-5 0,-2-1-220,-3 6 0,1 0 0,2-6 0,0 0 0,-3 7 0,0 2 0,-6 0 0,2 0 0,-2-3 0,11-9 0,2-1-336,-4 9 0,3 2 0,0-1 336,-1-6 0,-1-1 0,3 2-525,-4 5 0,4 2 0,0 2 1,0-2 524,1 0 0,1 0 0,0 0 0,1 0-365,-6 0 0,2 0 1,0 0-1,0 0 1,-1 0 364,-1 0 0,-1 0 0,-1 0 0,1 0 0,1 0 0,1 0 0,1 0 0,0 0 0,0 0 0,-2 0-312,5 0 0,-2 0 0,-1 0 0,0 0 312,-3 0 0,0 0 0,-2 0 0,-1 0 282,3 0 0,-1 0 1,-4 0-283,5 0 0,-5 0 1815,5 0-1815,-4 0 2626,-33 0-2626,17 0 1741,-7 0-1741,27 0 30,-12 0 0,3 0-30,9 0 0,2 0 0,-11 0 0,2 0 0,-2 0 0,8 0 0,0 0-275,-1 0 0,2 0 0,-1 0 275,-8 0 0,0 0 0,0 0 0,1 0 0,2 0 0,-2 0 0,0 0 0,0 0 0,-3 0 0,2 0 0,-3 0 0,0 0 0,-1 0 0,13 0 0,0 0 0,-6 0 412,3 0 1,3 0-413,-10 0 0,2 0 0,10 0 0,5 0 0,-2 0-289,-10 0 0,-1 0 0,2 0 289,9 0 0,2 0 0,-1 0 0,-7 0 0,-1 0 0,-1 0 0,2 0 0,0 0 0,-2 0 0,3 0 0,-2 0 0,2 0 0,-4 0 0,-1 0 0,-11 0 0,-11 0 0,-16 0 0,0 0 0</inkml:trace>
+</inkml:ink>
+</file>
+
+<file path=ppt/ink/ink34.xml><?xml version="1.0" encoding="utf-8"?>
+<inkml:ink xmlns:inkml="http://www.w3.org/2003/InkML">
+  <inkml:definitions>
+    <inkml:context xml:id="ctx0">
+      <inkml:inkSource xml:id="inkSrc0">
+        <inkml:traceFormat>
+          <inkml:channel name="X" type="integer" min="-2.14748E9" max="2.14748E9" units="cm"/>
+          <inkml:channel name="Y" type="integer" min="-2.14748E9" max="2.14748E9" units="cm"/>
+          <inkml:channel name="F" type="integer" max="32767" units="dev"/>
+        </inkml:traceFormat>
+        <inkml:channelProperties>
+          <inkml:channelProperty channel="X" name="resolution" value="1000" units="1/cm"/>
+          <inkml:channelProperty channel="Y" name="resolution" value="1000" units="1/cm"/>
+          <inkml:channelProperty channel="F" name="resolution" value="0" units="1/dev"/>
+        </inkml:channelProperties>
+      </inkml:inkSource>
+      <inkml:timestamp xml:id="ts0" timeString="2026-02-25T21:03:26.578"/>
+    </inkml:context>
+    <inkml:brush xml:id="br0">
+      <inkml:brushProperty name="width" value="0.05292" units="cm"/>
+      <inkml:brushProperty name="height" value="0.05292" units="cm"/>
+      <inkml:brushProperty name="color" value="#FF0000"/>
+    </inkml:brush>
+  </inkml:definitions>
+  <inkml:trace contextRef="#ctx0" brushRef="#br0">10195 16916 24575,'45'0'0,"-5"0"0,3 0 0,-3 0 0,4 0-820,-4 0 1,6 0 0,1 0 0,-2 0 712,-4 0 0,-2 0 0,1 0 0,1 0 107,8 0 0,1 0 0,1 0 0,-1 0 0,-5 0 0,-1 0 0,0 0 0,-3 0 0,4 0 0,-2 0 0,-1 0 384,-6 0 1,-2 0 0,0 0-385,9 0 0,-4 0 606,2 0-606,-6 0 0,-3 0 0,-11 0 0,18 0 1945,5 0-1945,-3 0 0,-2 0 0,4 0 0,-3 0 0,0 0 0,-5 0 0,2 0 0,-1 0 0,0 0 0,0 0 0,0 0 0,-1 0 0,-1 0 0,1 0 0,0 0 0,1 0 0,-3 0 0,1 1 0,0-2 0,-2-6 0,2-2 0,-2 1 0,1 5 0,-1 0 0,1-4 0,3-3 0,-1 4 0,12 4 0,-2 4 0,-5-2 0,0 0 0,2 0 0,-1 0 0,-9 0 0,0 0 0,1 0 0,-1 0 0,-2 0 0,-1 0 0,14 0 0,-6 0 0,-9 0 0,-13 0 0,-15 0 0</inkml:trace>
+  <inkml:trace contextRef="#ctx0" brushRef="#br0" timeOffset="4899">8308 15981 24575,'44'0'0,"0"0"0,-10 7 0,1 2 0,0-2 0,1-4 0,-1-3 0,2 3-412,4 8 0,0 4 0,0-2 412,-5-5 0,0-2 0,0 0 0,5-1 0,0 1 0,-3 3 201,-4 11 1,0-1-202,17-16 0,-4 0 205,-6 20-205,2-23 0,-3 0 0,-34 0 628,17 0-628,-23-23 0,-23 17 0,1-33 0,-9 27 0,-5 4 0,8-2 0,0 0 0,-14 2 0,-3 1 0,-3-5 0,0 0 0,2 2 0,0-1 0,12 2 0,-2 0 0,2-1 0,-11-7 0,2 3 0,9 12 0,3 0 0,-12-14 0,12 16 0,27 0 0,-12 0 0,-7 0 0,17 0 0,-18 0 0,48 0 0,-3 0 0,23 0 0,-15 0 0,0 0 0,13 0 0,-8 0 0,-2 0 0,-10 0 0,17 16 0,-35-12 0,35 12 0,-17-16 0,9 0 0,4 0 0,-4 0 0,3 0 0,3 0 0,4 0 0,0 0-471,3 0 1,1 0 0,2 0 470,-8 0 0,2 0 0,-1 0 0,0 0 0,-1 0 0,-1 0 0,0 0 0,-2 0-142,7 0 0,-2 0 1,-1 0 141,-4 0 0,-2 0 0,0 0 0,7 0 0,-2 0 0,-3 0 0,-1 0 0,-7 0 0,-4 0 0,4 0 1379,11 0-1379,-33 0 457,18 0-457,-24 0 0,15 0 0,5 0 0,7 0 0,5 0 0,-1 0 0,2 0 0,11 0 0,0 0 0,-4 0 0,1 0 0,-6-1 0,2 0 0,1 3-218,0 2 0,2 2 0,-1-1 218,1-3 0,-1-1 0,2 0 0,4 4 0,1 1 0,-2-1 0,3-4 0,-2-2 0,4 1 0,-2 0 0,-10 0 0,-3 0 0,-8-1 0,1 2 0,5 10 0,2 1 0,-2-8 0,1-2 0,10 10 0,2 0 327,-5-11 0,0-2-327,3 1 0,1 0 0,3 0 0,2 0 0,-4 0 0,2 0-142,-8 0 0,2 0 0,-2 0 142,9-1 0,-4 2 0,-3 6 0,-1 1 0,3-6 0,-4 0 0,2 14 0,0-7 0,1-2 0,-1-3 0,-1 4 0,2-1 426,7-7-426,0 0 0,2 0 0,-13 0 0,0 0 0,10 0 0,1 0 0,-15 0 0,0 0 0,-1 0 0,10 0 0,-1 0 0,2 0 0,0 0 0,-5 0 0,-2 0 0,-10 0 0,1 0 0,17 0 0,2 0 0,-1 0 0,0 0-403,-6 0 0,1 0 0,2 0 403,5 0 0,2 0 0,-1 0 0,-6 0 0,-1 0 0,2 0 0,-4 0 0,2 0 0,-1 0 0,-1 0 0,4 0 0,-2 0 0,-1 0 0,0 0 0,0 0 0,1 0 0,5 0 0,2 0 0,-2 0 0,-9 0 0,-1 0 0,2 0 0,9-1 0,2 0 0,-1 3 0,-7 5 0,-1 2 0,-1-1-91,-3-6 0,-2-1 0,1 2 91,-1 4 0,0 3 0,-1-4 0,6-5 0,0-2 0,4 1 0,-2 0 0,-10 0 0,1 0 0,16 0 0,2 0 0,-6 0 0,2 0-559,-10 3 0,3 2 0,3-1 0,0 0 559,-4-3 0,1 0 0,1-1 0,0 1 0,1 0-388,5 1 1,1 2 0,1 0 0,0-1-1,2 0 388,-6-2 0,1-1 0,1 0 0,1-1 0,-1 1 0,0 0 0,0 0 0,1 0 0,0 0 0,-1-1 0,0 2 0,-2-1 0,2 0 0,-1 0 0,0 0 0,-1 0 0,0 0-204,2-1 0,1 2 0,0-2 0,-3 2 0,-3-1 204,4-1 0,-4 2 0,-1-1-2,0 0 0,0 0 0,-3 0 2,-1 0 0,-4 0 1841,4 0-1841,-13 0 0,-24 0 0,0 0 0</inkml:trace>
+  <inkml:trace contextRef="#ctx0" brushRef="#br0" timeOffset="9732">8643 9825 24575,'49'0'0,"0"0"0,0 0 0,-8 0 0,0 0 0,1 0 0,3 0 0,-2 0 0,1 0 0,2 0 0,1 0 0,0 0-547,-5 0 1,1 0 0,0 0 0,0 0 0,1 0 0,0 0 28,0 0 1,1 0-1,-1 0 1,1 0-1,0 0 1,0 0 517,1 0 0,1 0 0,0 0 0,0 0 0,-1 0 0,-1 0 0,6 0 0,-1 0 0,0 0 0,-1 0 0,0 0-181,-1 0 0,0 0 0,0 0 0,0 0 1,-1 0 180,2 0 0,1 0 0,-1 0 0,0 0 0,-3 0 0,4 0 0,-2 0 0,-1 0 0,1 0 0,0 0 0,0 0 0,0 0 0,-2 0 274,2 0 0,-1 0 0,-1 0-274,-2-1 0,0 1 0,-1 1 0,-6 3 0,-1 3 0,-1-2-159,13-3 1,0-1 158,-11 4 0,1 2 0,-3-3 1405,-4-4 1,0 0-1406,4 4 0,2 3 0,-3-2 1270,-5-3 0,-1 0-1270,14 6 0,2-1 0,-4-6 0,1-2 0,3 1 0,0 0 0,-4 0 0,0 0 0,3 0 0,0 0 0,-2 0 0,-1 0 0,3 0 0,2 0 0,-11 0 0,1 0 0,0 0 0,11 0 0,0 0 0,-7-1 0,2 1 0,-1 1 159,-4 6 1,0 3 0,-1-3-160,1-4 0,0-3 0,0 3 0,4 4 0,1 3 0,-2-4 0,7-5 0,0-2 0,-7 6 0,1 1 0,0-1 0,-3-4 0,-1-1 0,-1 3 0,1 8 0,-1 4 0,2-2 0,3-5 0,1-2 0,-3 2 0,9 5 0,-1 1 0,-8-2 0,2-1 0,1-3 0,0-5 0,0-4 0,1 3-160,0 10 1,0 4-1,1-4 160,3-8 0,0-4 0,1 1 0,1 7 0,1 1 0,1-2-564,-6-5 0,2-3 1,1 0-1,0 1 564,-7 2 0,-1 2 0,1-1 0,0 1 0,1-1 0,4-2 0,1 0 0,0-1 0,-1 0 0,1 2 0,-4 0 0,1 2 0,-1 0 0,0-1 0,0-1 0,1-1 0,0-1 0,-1 0 0,0 0 0,0-1 0,6 1 0,-1 0 0,-1 0 0,1 0-364,1 0 1,0 0 0,0 0 0,-2 0 363,-5 0 0,-1 0 0,0 0 0,0 0 0,3 0 0,2 0 0,-1 0 0,-2 0 0,7 0 0,-1 0 0,0 0 0,-6 0 0,1 0 0,0 0 0,0 0 0,-3 0 0,0 0 0,0 0 0,1 0 0,2 1 0,2-1 0,-1 0 0,2-1 0,-7-1 0,1-1 0,0-1 0,1 0 0,-1 2 0,9 0 0,0 2 0,0-1 0,0 0 0,-2-3 0,0 0 0,0-1 0,0 2 0,1 2 0,0 1 0,0 1 0,-2-1 0,-5 1 0,-1-1 0,0 1 0,0-3 0,3-3 0,2-1 0,-1-1 0,-2 1 0,8 5 0,-3 0 0,1-2 0,-11-6 0,0-2 0,-1-1 0,1 4 0,12 6 0,0 3 0,0-4 0,-1-5 0,0-4 0,1 1 0,-6 4 0,1 0 0,1 0 0,-2 1 0,6-1 0,0 1 0,-2-3 17,-2-4 1,-1-2 0,-2 4-18,7 8 0,-2 2 0,-3-7 0,-2 0 0,-2 7 0,1 2 0,2-1 0,2 0 0,-12 1 0,2 0 0,1-3-183,11-4 1,2-4 0,2 3 182,-11 4 0,0 3 0,2-1 0,0-1-36,-1-2 1,1-1 0,0 0 0,1 0 0,-1 0 35,-1 2 0,0-1 0,0 1 0,-1 0 0,1 1 0,8 1 0,1 1 0,-2 0 0,1-3 94,-2-4 0,0-2 1,-1 0-1,-2 2-94,3 6 0,-3 2 0,0-4-66,2-9 0,0-4 1,-2 4 65,2 9 0,0 0 392,-12-3 0,2-3 0,-2 1-392,7-1 0,-2 2 1185,-3 6 0,-2-2-1185,-5-5 0,-5 1 0,4 7 0,-12 0 0</inkml:trace>
+  <inkml:trace contextRef="#ctx0" brushRef="#br0" timeOffset="20117">15117 13000 24575,'37'0'0,"0"0"0,3 0 0,4 0 0,-7 0 0,4 0 0,2 0 0,-1 0-804,-3 0 1,0 0-1,0 0 1,1 0 803,5 0 0,1 0 0,1 0 0,-1 0 0,-2 0 0,-1 0 0,1 0 0,-1 0 0,3 0 0,1 0 0,-1 0 0,0 0 0,-3 0 0,-1 0 0,1 0 0,1 0 0,-4 0 0,2 0 0,0 0 0,0 0 0,-2 0 0,2 0 0,-1 0 0,-1 0 0,2 0 0,1 0 0,2 0 0,-1 0 0,-2 0-16,7 0 0,-2 0 0,-2 0 16,-8 0 0,-1 0 0,-1 0 202,-1 0 0,1 0 1,-2 0-203,7 0 0,0 0 0,4 0 0,0 0 0,-3 0 0,-1 0 0,3 0 0,0 0 0,-3 0 0,0 0 0,5 1 0,-2-2 794,-10-7 0,-1 0-794,9 6 0,0 0 0,-9-6 0,1 1 0,0 5 0,2 3 0,1 0-22,-1-1 0,1 0 0,1 0 22,8 0 0,2 1 0,0-2 0,-2-4 0,0-1 0,0 1 0,2 3 0,0 2 0,0-2 0,2-3 0,1-1 0,-2 1 0,-5 4 0,0 2 0,-1-1 0,-1 0 0,1 0 0,-2 0 41,-4 0 1,-2 0 0,0 0-42,11 0 0,-2 0 0,-3 0 0,1 0 0,2 0 0,0 0 0,-10 0 0,-2 0 0,0 0 0,-1 0 0,4 0 0,-1 0 961,8 0-961,-12 0 0,1 0 47,13 0-47,-6 0 0,-11 0 0,-1 0 0,12 0 0,-9 0 0,3 0 0,-3 0 0,-7 0 0,18 0 0,-19 0 0,0 0 0,19 0 0,6 0 0,-14 0 0,2 0 0,2 0 0,1 0 0,3 0 0,-2 0 0,12 0 0,-7 0 0,-1 0 0,0 0 0,-12 0 0,1 0 0,13 0 0,-22 0 0,19 0 0,-13 0 0,10 0 0,6 0 0,-23 0 0,19 0 0,-17 0 0,21 0 0,-24 0 0,21 0 0,-19 0 0,7 0 0,-13 16 0,-15-12 0,0 12 0,0-16 0,0 0 0,0 0 0</inkml:trace>
+  <inkml:trace contextRef="#ctx0" brushRef="#br0" timeOffset="23783">14429 13264 24575,'-32'-14'0,"1"-1"0,4 2 0,1 3 0,-17 10 0,0 0 0,6 0 0,9 0 0,-11 0 0,33 0 0,-18 23 0,24-17 0,0 17 0,24-23 0,-2 0 0,2 8 0,3 0 0,10-4 0,6 12 0,0-1 0,-21-11 0,17 12 0,-35-16 0,27 0 0,-27 0 0,12 0 0,-16 0 0,0 24 0,0-19 0,0 19 0</inkml:trace>
+  <inkml:trace contextRef="#ctx0" brushRef="#br0" timeOffset="25998">11165 13635 24575,'0'0'0</inkml:trace>
+  <inkml:trace contextRef="#ctx0" brushRef="#br0" timeOffset="27999">15610 13176 24575,'40'0'0,"0"0"0,-1 0 0,1 0 0,-2 0 0,2 0 0,1 0 0,2 0 0,3 0 0,1 0 0,-7 0 0,1 0 0,3 0 0,0 0 0,2 0 0,1 0 0,0 0 0,1 0 0,1 0 0,0 0-253,-5 0 1,1 0 0,0 0 0,1 0 0,1 0 0,0 0 0,0 0 0,1 0 0,1 0 0,0 0 0,0 0 0,0 0 0,1 0 47,-5 0 0,2 0 0,-1 0 0,1 0 1,1 0-1,-1 0 0,1 0 0,1 0 0,-1 0 1,1 0-1,-1 0 0,1 0 0,-1 0 0,0 0 1,0 0-1,-1 0-14,3 0 1,1 0-1,-1 0 1,0 0-1,0 0 1,0 0-1,0 0 1,0 0-1,0 0 1,0 0 0,-1 0-1,0 0 1,0 0-1,0 0 1,-1 0-17,0 0 1,1 0 0,-1 0 0,0 0 0,-1 0 0,1 0 0,-1 0 0,0 0 0,0 0 0,-1 0 0,0 0 0,-1 0 0,0 0 0,-1 0 168,5 0 1,0 0 0,0 0-1,-1 0 1,-1 0 0,0 0-1,0 0 1,-2 0 0,0 0-1,-1 0 1,-1 0 65,6 0 0,-1 0 0,-2 0 0,0 0 0,-1 0 0,-1 0 0,-1 0 0,-1 0-103,5 0 1,0 0-1,-2 0 1,-1 0 0,-2 0-1,-3 0 103,5 0 0,-3 0 0,-3 0 0,-2 0 1495,14 0 1,-8 0-1496,1 0 3276,-23 0-2079,-4 0-378,-32 16 0,12-12 0,-12 12 0</inkml:trace>
+</inkml:ink>
+</file>
+
+<file path=ppt/ink/ink35.xml><?xml version="1.0" encoding="utf-8"?>
+<inkml:ink xmlns:inkml="http://www.w3.org/2003/InkML">
+  <inkml:definitions>
+    <inkml:context xml:id="ctx0">
+      <inkml:inkSource xml:id="inkSrc0">
+        <inkml:traceFormat>
+          <inkml:channel name="X" type="integer" min="-2.14748E9" max="2.14748E9" units="cm"/>
+          <inkml:channel name="Y" type="integer" min="-2.14748E9" max="2.14748E9" units="cm"/>
+          <inkml:channel name="F" type="integer" max="32767" units="dev"/>
+        </inkml:traceFormat>
+        <inkml:channelProperties>
+          <inkml:channelProperty channel="X" name="resolution" value="1000" units="1/cm"/>
+          <inkml:channelProperty channel="Y" name="resolution" value="1000" units="1/cm"/>
+          <inkml:channelProperty channel="F" name="resolution" value="0" units="1/dev"/>
+        </inkml:channelProperties>
+      </inkml:inkSource>
+      <inkml:timestamp xml:id="ts0" timeString="2026-02-25T21:05:22.995"/>
+    </inkml:context>
+    <inkml:brush xml:id="br0">
+      <inkml:brushProperty name="width" value="0.05292" units="cm"/>
+      <inkml:brushProperty name="height" value="0.05292" units="cm"/>
+      <inkml:brushProperty name="color" value="#FF0000"/>
+    </inkml:brush>
+  </inkml:definitions>
+  <inkml:trace contextRef="#ctx0" brushRef="#br0">6174 1640 24575,'29'0'0,"0"0"0,3 0 0,1 0 0,7 0 0,0 0 0,4 0 0,-1 0 0,-4 0 0,2 0 0,-7 0 0,1 0 0,0 0 0,12 0 0,-2 0 0,-5 0 0,0 0 0,3 0 0,-3 0 0,1 0 0,-1 0 0,2 0 0,-9 0 0,-1 0 0,0 0 0,1 0 0,8 0 0,0 0 0,-9 0 0,1 0 0,6 0 0,2 0 0,2 0 0,0 0 0,-3 0 0,0 0 0,4 0 0,1 0 0,-11 0 0,1 0 0,0 0 0,11 0 0,0 0 0,2 0 0,0 0 0,-5 0 0,0 0 0,-3 0 0,0 0 0,5 0 0,-2 0 0,-10 0 0,-1 0 0,10 0 0,-2 0 0,2 0 0,-9 0 0,0 0 0,4 0 0,-9 0 0,3 0 0,-3 0 0,9 0 0,-10 0 0,5 0 0,-28 0 0,35 0 0,-18 0 0,11 0 0,3 0 0,6 0 0,0 2 0,1-4 0,-17-9 0,-1-1 0,6 9 0,0 0 0,13-20 0,-23 23 0,7-8 0,1 0 0,-3 4 0,8-3 0,1-2 0,3-6 0,-11 13 0,-1 0 0,12-14 0,-4 15 0,1 2 0,7-1 0,-11 0 0,-1 0 0,14 0 0,-6-24 0,-11 21 0,-1 1 0,13-22 0,-6 22 0,2 4 0,-6-2 0,1 0 0,6 0 0,3 0 0,-1 0 0,2 0 0,0 0 0,8 0 0,0 0 0,-8 0 0,-1 0 0,-6 0 0,0 0 0,12 0 0,-1 0 0,-15 0 0,0 0 0,13 0 0,1 0 0,-9 0 0,-2 0 0,2 0 0,-1 0 0,2 0 0,-1 0 0,-7 0 0,1 0 0,7 0 0,2 0 0,4-1 0,1 2 0,3 10 0,0 2 0,-5-10 0,2-1 0,-5 5 0,2 2 0,-2-1 0,3 1 0,0-2 0,-2-6 0,1-1 0,-3 3 0,-1 5 0,-3-1 0,0-6 0,-2-2 0,15 1 0,-1 0 0,-6 0 0,6 0 0,0 0 0,-6 0 0,-11 0 0,-1 0 0,13 0 0,5 0 0,0 0 0,-17 0 0,1 0 0,0 0 0,1 0 0,-2 0 0,1 0 0,-1 0 0,-2 0 0,14 0 0,5 0 0,0 0 0,-6 0 0,-9 0 0,3 0 0,-27 0 0,12 0 0,7 0 0,-1 0 0,2 0 0,3 0 0,10 0 0,-5 0 0,2 0 0,-2 0 0,1 0 0,7 0 0,1 0 0,2 0 0,0 0 0,-3 0 0,0 0 0,5 0 0,-2 0 0,-10 0 0,-1 0 0,10 0 0,-2 0 0,1 0 0,3 0 0,-13 0 0,-4 0 0,-5 0 0,17 0 0,-35 0 0,35 0 0,-33 0 0,18 0 0,-9 0 0,-11 0 0,12 0 0,0 0 0,-12 0 0,35 0 0,-33 0 0,33 0 0,-35 0 0,11 16 0,-15-12 0,0 12 0,0-16 0,0 0 0,0 0 0</inkml:trace>
+  <inkml:trace contextRef="#ctx0" brushRef="#br0" timeOffset="23982">8555 3016 24575,'48'0'0,"-1"0"0,1 0 0,-2 0 0,1 0 0,1 0 0,-3 0 0,2 0 0,0 0 0,-2 0-537,-6 0 1,-1 0 0,-1 0 0,0 0 536,11 0 0,-2 0 0,-1 0 0,-7 0 0,-2 0 0,-2 0 344,7 0 1,-2 0-345,3-1 0,-1 2 0,-1 11 0,0 0 0,5-9 0,2 0-147,-8 4 1,2 2-1,-1-2 147,-4-5 0,0-3 0,0 0 0,0 1 0,0 0 0,-1 0 0,0 0 0,0 0 0,-1 0 0,1 0 0,0 0 0,-1 0-85,12 0 1,0 0 84,-11 0 0,1 0 0,-3 0 523,0 0 1,-1 0-524,16-1 0,2 2 0,-9 7 0,2 0-623,2-6 1,5-2-1,2 2 623,-8 1 0,1 2 0,2-1 0,1-1-468,-2-1 0,1-2 1,1-1-1,1 1 1,0-1 467,-5 1 0,0 0 0,1 0 0,0 0 0,0 0 0,1 0 0,3 0 0,0 0 0,1 0 0,0 0 0,0 0 0,0 0-482,-1 0 0,-1 0 0,1 0 0,0 0 0,-1 0 0,1 0 482,0 0 0,0 0 0,0 0 0,0 0 0,-1 0 0,0 0 0,-4 0 0,0 0 0,0 0 0,-1 0 0,-1 0 0,0 0-172,0 0 1,0 0-1,-1 0 1,-1 0 0,-2 0 171,15 0 0,-3 0 0,-6 0 610,0 0 1,-7 0-611,6 0 644,-4 0 1,-33 0 0,17 0-1</inkml:trace>
+  <inkml:trace contextRef="#ctx0" brushRef="#br0" timeOffset="48433">8819 2805 24575,'36'0'0,"7"0"0,-13 0 0,1 0 0,18 0 0,-9 0 0,2 0 0,-14-1 0,1 2 0,13 10 0,2 1 0,-4-10 0,0 2 0,4 16 0,1-1 0,-5-17 0,0 0 0,3 18 0,0-1 0,-3-16 0,0 0 0,-6 8 0,2 4 0,-2-2-234,12-2 1,0-2 233,-6-2 0,1-1 0,-2 1 0,7 1 0,0-1 0,-11-5 0,0-3 0,-1 0 0,7 1 0,-2 0 0,-2 0 0,-3 0 0,-8 0 0,1 0 0,7 0 0,-2 0 0,10 0 0,-10 0 0,2 0 233,-7 0 1,-1 0-234,9 0 0,1 0 0,-8 0 0,1 0 0,12 0 0,0 0 0,8 0 0,-11 0 0,0 0 0,-10 0 0,-1 0 0,-1 0 0,1 0 0,6 0 0,1 0 0,-2 0 0,0 0 0,7 0 0,3 0 0,-6 0 0,2 0 0,-2 0 0,3 0 0,0 0 0,-2-1 0,1 0 0,-3 3 0,-6 10 0,-1 0 0,13-9 0,0 0 0,-16 8 0,-1 1 0,6-3 0,1-2 0,12-3 0,0 11 0,-6-15 0,6 0 0,0 0 0,-21 0 0,17 0 0,-12 0 0,-5 0 0,17 0 0,-35 0 0,28 0 0,-29 16 0,37-12 0,-34 12 0,33-16 0,-35 0 0,11 0 0,-15 0 0,0 0 0</inkml:trace>
+  <inkml:trace contextRef="#ctx0" brushRef="#br0" timeOffset="54950">13847 2893 24575,'30'0'0,"0"0"0,5 0 0,1 0 0,10 0 0,4 0-885,-8 0 0,2 0 0,1 0 885,2 0 0,2 0 0,0 0 0,-6-1 0,0 0 0,1 1 0,1 2-370,1 2 0,0 3 0,0 0 1,0-2 369,-3-3 0,0-2 0,0 1 0,0 2 0,5 5 0,0 3 0,0 0 0,-2-2 0,-4-3 0,-2-1 0,0-1 0,-1 1 6,-1 0 0,0 0 1,0 0-1,-1 0-6,11 1 0,-2-1 0,-1-1-132,-8-4 1,-1-1 0,-1 2 131,0 6 0,0 2 0,-1-1 574,11-6 0,-2 2-574,-3 8 0,0-1 0,3-9 0,1-4 0,-3 2 0,-2 0 898,-6 0 0,-1 0-898,2 0 0,-2 0 1066,6 0-1066,-13 0 0,1 0 493,11 0-493,6 0 0,-24 0 0,21 0 0,-19 0 0,22 0 0,0 0 0,-5 0 0,-6 0 0,2 0 0,-2 0 0,1 0 0,0 0 0,3 0 0,-1 0 0,11 0 0,0 0 0,2 0 0,0 0 0,-3 0 0,-4 0 0,-12 0 0,-1 0 0,6 0 0,-1 0 0,4 0 0,-12 0 0,1 0 0,0 0 0,1 0 0,0 0 0,1 0 0,-1 0 0,-1 0 0,17 0 0,0 0 0,-6 0 0,-9 0 0,11 0 0,-33-23 0,33 17 0,-20-18 0,1 24 0,19 0 0,-33 0 0,18 0 0,-24 0 0</inkml:trace>
+  <inkml:trace contextRef="#ctx0" brushRef="#br0" timeOffset="60866">20814 2769 24575,'41'0'0,"0"0"0,-9 0 0,2 0 0,2 0 0,4 0 0,4 0 0,1 0 0,1 0-656,-7 0 1,2 0-1,0 0 1,0 0 0,0 0 343,2 0 1,0 0 0,0 0-1,0 0 1,1 0 311,2 0 0,0 0 0,0 0 0,0 0 0,-3 0 0,3 0 0,-3 0 0,0 0 0,-2 0 406,5 0 1,-2 0-1,-3 0-406,8 0 0,-6 0 419,-15 0 1,-1 0-420,7 0 0,1 0 0,0 0 0,0 0 0,5 0 0,1 0 0,2-1 0,2 2 0,-11 3 0,0 1 0,2 2 453,4 1 1,1 1-1,1 1-453,-6-1 0,2 0 0,0 1 0,1 0-547,6 2 1,1 1-1,0 1 1,1-2 546,2-2 0,0-1 0,0-1 0,0 2 0,-1 0 0,-1 1 0,0 0 0,-1 0-230,-3 0 1,0 1 0,-2-1-1,-1-2 230,3-1 0,-1-1 0,-4 0 0,9 4 0,-5 1 0,-10-3 0,-4-2 997,0-3-997,3 11 2409,-27-15-2409,12 0 1114,-16 0-1114,23 0 0,-17 0 0,18 0 0,-24 0 0,0 0 0,15 0 0,-11 0 0,12 0 0,0 0 0,-12 0 0,11 0 0,9 0 0,-18 0 0,17 0 0,-7 0 0,-12 0 0,35 0 0,-33 0 0,17 0 0,-7 0 0,-12 0 0,12 0 0,-16 0 0,0 0 0,15 0 0,-11 0 0,35 0 0,-33 0 0,18 0 0,-24 0 0,16 0 0,-13 0 0,13 0 0,-16 0 0,16 0 0,-12 0 0,35 0 0,-18 16 0,17-13 0,7-2 0,-4 6 0,2 2-332,-1-1 0,3 1 1,-1-3 331,-2-3 0,0-2 0,0 1 0,2 6 0,0 1 0,-1-2 0,-6-7 0,0-1 0,-3 2 0,8 6 0,-4 1 0,-6-7 0,-5 2 0,-7 13 0,19-16 0,-33 0 0,17 0 995,-7 0-995,-12 0 0,35 0 0,-33 0 0,33 0 0,-35 0 0,27 0 0,-27 0 0,12 0 0,-16 0 0,-16 0 0,12 0 0,-11 0 0,15 0 0,0 0 0,0-16 0,0 12 0,0-11 0</inkml:trace>
+  <inkml:trace contextRef="#ctx0" brushRef="#br0" timeOffset="74700">5415 8555 24575,'43'0'0,"-6"0"0,7 0 0,-1 0 0,-14 0 0,2 0 0,1 0 0,1 0 0,10 0 0,0 0 0,-2 0 0,-1 0 0,-8 0 0,0 0 0,11 0 0,-3 0 0,1 0 0,-8 0 0,1 0 0,3 0 0,6 0 0,0 0 0,-13 0 0,1 0 0,18 0 0,-8 0 0,0 0 0,0 0 0,-8 0 0,1 0 0,-7 0 0,-1 0 0,1 0 0,1 0 0,-2 0 0,1 0 0,6 0 0,0 0 0,8 0 0,-7 1 0,-1-2 0,4-15 0,-9 12 0,3-11 0,-27 15 0,12 0 0,7 0 0,-17 0 0,18-16 0,-24 12 0,0-35 0,-24 33 0,18-18 0,-17 24 0,23 0 0,-16 0 0,12 0 0,-12 0 0,1 0 0,11 0 0,-12 0 0,-7 0 0,1-15 0,-5 11 0,-13-12 0,34 16 0,-33 0 0,35 0 0,4 0 0,4 0 0,35 0 0,-33 0 0,34 16 0,-37-12 0,37 11 0,-34-15 0,33 24 0,-35-18 0,11 17 0,-15-23 0,16 16 0,-12-12 0,12 27 0,-16-27 0,0 35 0,0-17 0,0 5 0,0 5 0,0-28 0,0 35 0,0-33 0,0 17 0,0-23 0,0 0 0,0 16 0,-16-12 0,12 12 0,-27-16 0,3 23 0,-9-17 0,10 17 0,-13-23 0,34 0 0,-17 0 0,7 0 0,12 0 0,-27 0 0,27 0 0,-35 16 0,33-12 0,-17 12 0,23-16 0,0 0 0</inkml:trace>
+  <inkml:trace contextRef="#ctx0" brushRef="#br0" timeOffset="85849">15646 8731 24575,'34'0'0,"0"0"0,-3 0 0,3 0 0,4 0 0,5 0 0,1 0-1093,3 0 1,0 0 0,4 0 816,-8 0 0,1 0 0,3 0 0,0 0 0,0 0-109,1 0 1,0 0-1,0 0 1,1 0 0,1 0 384,-6 0 0,0 0 0,1 0 0,0 0 0,-1 0 0,-2 0 0,3 0 0,-1 0 0,-1 0 0,-1 0 0,0 0 0,7 0 0,1 0 0,-3 0 0,-3 0 447,-2 0 0,-4 0 0,0 0-447,10-1 0,-2 2 0,-11 7 0,-2 0 0,2-7 0,1 2 0,-5 8 0,1 5 0,1-4 0,13-9 0,0 0 0,-11 9 0,0 4 0,-1-5 0,11-9 0,-2 0 0,-10 14 0,-1-1 0,-2-12 0,-1-2 2098,14 15-2098,-6-16 1521,-11 0 0,-1 0-1521,-4 0 98,3 0-98,-8 0 0,-12 0 0,27 0 0,-4 0 0,11 0 0,-5 0 0,0 0 0,8 0 0,-6 0 0,-3 0 0,-10 0 0,17 0 0,-35 0 0,11 0 0,-15 0 0,0-16 0,0 12 0,0-11 0,0 15 0,0-16 0,0 12 0,0-12 0,0-7 0,0 17 0,0-17 0</inkml:trace>
+  <inkml:trace contextRef="#ctx0" brushRef="#br0" timeOffset="90233">9366 9737 24575,'37'0'0,"1"0"0,2 0 0,4 0 0,1 0 0,5 0 0,2 0 0,-7 0 0,2 0 0,0 0 0,-2 0-685,-4 0 0,-1 0 1,-1 0-1,2 0 685,4 0 0,1 0 0,-1 0 0,-3 0 0,1 0 0,-2 0 0,-1 0 73,-4 0 1,-1 0 0,2 0-74,2 0 0,1 0 0,0 0 0,-4 0 0,0 0 0,0 0 0,0 0 0,-1 0 0,2 0 0,2 0 0,2 0 0,-2 0 0,-3 0 0,0 0 0,0 0 0,7 0 0,1 0 0,0 0-96,-2 0 1,0 0 0,0 0 95,2 0 0,0 0 0,-1 0 0,-6 0 0,-2 0 0,1 0 0,4 0 0,0 0 0,-1 0 0,-3 0 0,-1 0 0,2 0 0,8 0 0,1 0 0,2 0 0,-7 0 0,1 0 0,0 0 0,0 0-422,1 0 1,0 1-1,0-1 1,0-1 421,4-2 0,0-2 0,-1 0 0,-1 2 0,2 2 0,-3 0 0,0-1 224,-3-3 0,-2-1 0,0 1-224,-3 4 0,-2 2 0,0-1 0,2 0 0,0 0 0,0 0 0,4 0 0,1 0 0,2 0 0,5 0 0,3 0 0,-3 0 0,-10 0 0,-1 0 0,1 0 0,11 0 0,1 0 0,-6 0 0,-8 0 0,-3 0 225,5 0 0,-2 0-225,8 0 856,-7 0-856,-11 0 0,-1 0 1895,-4 0-1895,18 0 617,-35 0-617,28 0 0,-5 0 0,10 0 0,-9 0 0,11 0 0,-17 0 0,5 0 0,-11 0 0,-1 0 0,-11 0 0,36 0 0,-19 0 0,22 0 0,0 0 0,-5 0 0,-6 0 0,2 0 0,-3 0 0,3 0 0,3 0 0,4 0 0,0 0-459,3 0 1,1 0 0,2 0 458,-8 0 0,1 0 0,1 0 0,-1 0 0,-1 0 0,0 0 0,-2 0 0,-1 0 0,2 0 0,-2 0 0,-2 0 0,6 0 0,-4 0 0,-8 0 0,-5 0 0,-1 0 0,2 0 0,-9 0 0,-11 0 1375,12 0-1375,-1 0 0,-11 0 0,36 0 0,-35 0 0,19 0 0,-24 0 0,16 0 0,-12 0 0,11 0 0,1 0 0,11 0 0,-5 0 0,17 0 0,-51 0 0,24 0 0,-28 0 0,16 0 0</inkml:trace>
+  <inkml:trace contextRef="#ctx0" brushRef="#br0" timeOffset="93650">17163 9825 24575,'40'0'0,"0"0"0,1 0 0,-1 0 0,1 0 0,1 0 0,2 0 0,1 0 0,2 0 0,1 0 0,2 0 0,-7 0 0,1 0 0,2 0 0,0 0 0,2 0 0,0 0 0,1 0 0,1 0 0,-1 0-298,-4 0 0,1 0 0,1 0 0,-1 0 0,1 0 0,1 0 0,0 0 0,1 0 1,0 0-1,0 0 0,0 0 45,-2 0 1,1 0 0,-1 0 0,2 0 0,0 0 0,0 0 0,0 0 0,0 0 0,1 0 0,-1 0 0,1 0 0,-1 0 0,0 0-1,-1 0 1,0 0 0,1 0 0,-1 0 0,0 0 0,0 0 0,0 0 0,1 0 0,-1 0 0,1 0 0,-1 0 0,1 0 0,0 0 17,-3 0 1,1 0 0,1 0 0,0 0 0,0 0 0,0 0 0,-1 0 0,1 0 0,-1 0 0,0 0 0,0 0 0,-1 0 0,-1 0 0,-1 0 147,5 0 1,-1 0 0,-1 0 0,-1 0 0,0 0 0,0 0 0,-1 0 0,0 0 0,0 0 0,-1 0 0,1 0 86,6 0 0,-1 0 0,1 0 0,-1 0 0,0 0 0,-1 0 0,-1 0 0,-2 0 0,0 0-149,1 0 0,-1 0 0,-1 0 0,-2 0 0,0 0 0,-1 0 0,0 0 149,8 0 0,-1 0 0,-1 0 0,-2 0 0,0 0 497,2 0 1,-1 0 0,-2 0 0,-1 0-498,7 0 0,-3 0 0,0 0 1061,-6-1 0,-1 1 0,-1 1-1061,2 3 0,-1 3 0,0-2 0,-5-4 0,0 0 0,0 0 1092,-1 4 0,0 2 0,-2-3-484,9-3 1,-3-2 849,-2 1 0,-4 0-1458,5 0 1644,1 0-1644,4 0 0,-5 8 0,4 0 0,-8-7 0,2-1 0,2 3-130,-2 5 0,1 3 0,0 1 0,0-4 130,6-5 0,0-3 0,0 3 0,-6 5 0,1 4 0,-1-1 0,-2-3 0,3-5 0,-2-4 0,-2 3 0,8 6 0,-3 0 0,-5-8 0,-2 0 0,5 0 0,-9 0 0,-12 0 1391,-1 0-1391,13 23 0,9-17 0,-10 18 0,-11-24 0,-16 0 0,0-24 0,0 18 0,0-17 0,0 23 0</inkml:trace>
+  <inkml:trace contextRef="#ctx0" brushRef="#br0" timeOffset="108166">15946 9613 24575,'43'0'0,"-6"0"0,-11 0 0,-1 0 0,-4 0 0,3 0 0,-8 0 0,-12 0 0,11 0 0,-15 0 0,16 0 0,-12 16 0,35-12 0,-17 11 0,5-15 0,12 0 0,-17 0 0,5 0 0,-11 0 0</inkml:trace>
+  <inkml:trace contextRef="#ctx0" brushRef="#br0" timeOffset="109499">16034 9772 24575,'43'0'0,"-6"0"0,-9 0 0,3 0 0,-4 0 0,11 0 0,-11 0 0,12 0 0,-17 0 0,5 0 0,5 0 0,-5 0 0,10 0 0,6 0 0,-23 0 0,19 0 0,-33 0 0,18 0 0,-24 0 0</inkml:trace>
+</inkml:ink>
+</file>
+
+<file path=ppt/ink/ink36.xml><?xml version="1.0" encoding="utf-8"?>
+<inkml:ink xmlns:inkml="http://www.w3.org/2003/InkML">
+  <inkml:definitions>
+    <inkml:context xml:id="ctx0">
+      <inkml:inkSource xml:id="inkSrc0">
+        <inkml:traceFormat>
+          <inkml:channel name="X" type="integer" min="-2.14748E9" max="2.14748E9" units="cm"/>
+          <inkml:channel name="Y" type="integer" min="-2.14748E9" max="2.14748E9" units="cm"/>
+          <inkml:channel name="F" type="integer" max="32767" units="dev"/>
+        </inkml:traceFormat>
+        <inkml:channelProperties>
+          <inkml:channelProperty channel="X" name="resolution" value="1000" units="1/cm"/>
+          <inkml:channelProperty channel="Y" name="resolution" value="1000" units="1/cm"/>
+          <inkml:channelProperty channel="F" name="resolution" value="0" units="1/dev"/>
+        </inkml:channelProperties>
+      </inkml:inkSource>
+      <inkml:timestamp xml:id="ts0" timeString="2026-02-25T21:07:49.228"/>
+    </inkml:context>
+    <inkml:brush xml:id="br0">
+      <inkml:brushProperty name="width" value="0.05292" units="cm"/>
+      <inkml:brushProperty name="height" value="0.05292" units="cm"/>
+      <inkml:brushProperty name="color" value="#FF0000"/>
+    </inkml:brush>
+  </inkml:definitions>
+  <inkml:trace contextRef="#ctx0" brushRef="#br0">6632 8520 24575,'0'19'0,"0"8"0,0 1 0,0-2 0,0 6 0,0 2 0,0 3 0,0-3 0,0-1 0,0 8 0,0-1 0,0 3 0,0-11 0,0 0 0,0 0 0,0 1 0,0 9 0,0-2 0,0 1 0,0-7 0,0-1 0,0 4 0,0 6 0,0-23 0,0-4 0,0 7 0,0-17 0,0 18 0,0-24 0,0 15 0,0-11 0,0 35 0,0-33 0,0 33 0,0-35 0,0 12 0,0 0 0,0-12 0,16 35 0,-12-33 0,12 17 0,-16-23 0,0 0 0,0 16 0,0-12 0,0 11 0,0 9 0,0-18 0,0 33 0,0-19 0,0 23 0,0-6 0,0 6 0,0-23 0,0 19 0,0-33 0,0 17 0,0-7 0,0-12 0,0 12 0,0 7 0,0-17 0,0-22 0,0 7 0,0-24 0,0 3 0,0 24 0,0-18 0,0 24 0,0 0 0,0 0 0</inkml:trace>
+  <inkml:trace contextRef="#ctx0" brushRef="#br0" timeOffset="5067">9984 10407 24575,'30'0'0,"0"0"0,8 0 0,4 0 0,4 0 0,-3 0 0,4 0 0,1 0 0,2 0-547,-9 0 1,1 0 0,2 0 0,0 0 0,1 0 0,0 0-1,2 0 1,2 0 0,-1 0 0,1 0 0,1 0 0,-1 0 494,0 0 0,1 0 0,-1 0 0,1 0 0,0 0 0,0 0-251,-7 0 0,1 0 0,0 0 1,0 0-1,0 0 0,0 0 0,0 0 303,0 0 0,0 0 0,0 0 0,-1 0 0,1 0 0,-1 0 0,-1 0 0,4 0 0,-1 0 0,0 0 0,-1 0 0,1 0 0,-1 0-1,6 0 1,1 0 0,-1 0 0,-1 0 0,-1 0 0,-5 0 0,-2 1 0,-1-1 0,0 0 0,0-1-330,10-2 0,-1 0 0,0-2 0,-1 0 330,-1-1 0,-1 0 0,-1-1 0,1-1 0,2-1 0,0-1 0,0 1 0,-1 0 0,-4 1 0,-1 2 0,1-1 0,1 0 0,-3 0 0,1-2 0,0 1 0,0 0 0,-1 1 0,3 1 0,-2 1 0,1 0 0,0-1 0,5 0 0,1-2 0,0 1 0,-5 1 581,-2 0 0,-3 0 1,2 2-582,9 3 0,2 2 0,-5-1 0,-8 0 0,0 0 948,2 0 1,3 0 0,-3 0-949,0 0 0,2 0 0,2 0 0,5 0 0,-2 0 0,-9 0 0,-2 0 0,1 0 0,5 0 0,1 0 0,0 0 0,-3 0 0,0 0 0,-3 0 0,-4 0 0,0 0 1148,17 0 0,-4 0-1148,-6 0 1106,-8 0 1,1 0-1107,-7 0 0,-1 0 453,1 0 0,1 0-453,10 0 0,0 0 151,-5 0 0,-1 0-151,3 0 0,0 0 0,0 0 0,-1 0 0,-6 0 0,-1 0 0,10 0 0,2 0 0,-11 0 0,-7 0 0,18 0 0,-35 0 0,28 0 0,-5 0 0,-2 0 0,3 0 0,6 0 0,3 0 0,2 0 0,2 0 0,-7 0 0,1-1 0,0 2-234,0 4 0,1 1 1,1-1 233,3-3 0,1-2 0,1 2-359,7 3 0,0 1 1,0-1 358,-5-4 0,-1-2 0,0 1 0,1-1 0,0 0 0,-1 3-46,-7 4 1,-2 4 0,0-3 45,7-4 0,-2 0 0,-2 9 0,-3-1 0,3-11 658,2 0-658,-19 0 1105,-1 0-1105,20 0 150,-17 0-150,3 0 0,1 0 0,11 0 0,-9 0 0,3 0 0,-4 0 0,11 0 0,-11 0 0,-11 0 0,-16 0 0,0 0 0</inkml:trace>
+  <inkml:trace contextRef="#ctx0" brushRef="#br0" timeOffset="9650">10619 11201 24575,'40'0'0,"1"0"0,0 0 0,-1 0 0,0 0 0,1 0 0,1 0 0,1 0 0,3 0 0,-3 0 0,2 0 0,1 0 0,2 0 0,0 0 0,2 0 0,1 0-328,-8 0 0,0 0 0,2 0 1,0 0-1,1 0 0,1 0 1,0 0-1,0 0 0,1 0 1,0 0 53,-4 0 1,1 0 0,1 0 0,-1 0 0,2 0 0,-1 0 0,1 0 0,0 0 0,0 0 0,0 0 0,0 0 0,-1 0-1,2 0 1,-1 0 0,1 0 0,0 0 0,0 0 0,-1 0 0,1 0 0,0 0 0,0 0 0,0 0 0,-1 0 0,1 0-1,-1 0 1,0 0 0,0 0 0,0 0 0,0 0 0,0 0 0,0 0 0,-1 0 0,1 0 0,-1 0 0,-1 0 0,0 0 171,5 0 0,0 0 0,0 0 0,-1 0 0,0 0 1,-1 0-1,0 0 0,0 0 0,-1 0 0,0 0 102,1 0 0,0 0 0,-1 0 0,-1 0 0,1 0 0,-1 0 0,0 0 0,0 0 0,0 0-157,4 0 1,1 0 0,0 1 0,-1-1 0,0 0 0,0 0 0,-2 0 0,0-1 156,-2-1 0,0 0 0,-2-1 0,0 1 0,0-1 0,0 1 0,1 0 0,1 1 0,1 0 0,0 1 0,-1 0 0,0 0 0,0-1 0,-2 0 0,0-1 0,-2-1 0,0 0 0,-1 0 0,1 0 0,-1 1 235,1 2 0,1 0 1,-1 1-1,0 0 0,-1-1 1,0-2-236,6-1 0,-2-2 0,1-1 0,-1 1 0,0 1 0,-2 2 0,0 1 0,-1 1 0,1-1 0,1-1 0,4-2 0,1-1 0,0-1 0,0 1 0,-1 2 0,-4 1 0,0 2 0,-1 0 0,-1 1 0,1 0 437,-2-1 1,0 0 0,0 0-1,-1 0 1,1 0-438,7 0 0,0 0 0,0 0 0,-2 0 716,-5 0 0,-1 0 0,0 0 0,-1 0-716,1 0 0,0 0 0,0 0 0,-1 0 858,10 0 0,-1 0 0,-4 0-858,4 0 0,-4 0 1211,0 0 1,-5 0-1212,-2 0 1977,6 0-1977,-23 0 1572,19 0-1572,-33 0 366,33 0-366,-35 0 0,12 0 0,-1 0 0,-11 0 0,35 0 0,-33 0 0,33 0 0,-35 0 0,12 23 0,8-17 0,-19 17 0,19-23 0,-8 0 0,-12 0 0,27 0 0,-27 0 0,-4 0 0,-4 0 0,-12 0 0,16-23 0,0 1 0,0-21 0,0 0 0,0 22 0,0-3 0</inkml:trace>
+  <inkml:trace contextRef="#ctx0" brushRef="#br0" timeOffset="20449">7849 12594 24575,'43'0'0,"-17"0"0,1 0 0,18 0 0,4 0-1093,-8 0 1,3 0 0,5 0 652,-10 0 1,3 1 0,3-1 0,2 0 0,2 0 0,1-1 74,-7 0 1,2-1 0,0-1 0,2 0 0,1 0 0,1 0 0,2 0 0,0 0 0,1 1 239,-9 0 0,0 0 0,1 1 0,2 0 1,0 0-1,0 0 0,1 0 0,1 0 1,0-1-1,1 1 0,-1-1 0,1 0 1,0 0-1,0-1 11,-2 0 0,1 0 0,0-1 1,1 0-1,0 0 0,0-1 1,1 1-1,0-1 0,0 0 1,0 1-1,0-1 0,0 0 1,-1 1-1,1 0 0,0 0 1,-1 0 113,-1 1 0,1 0 0,-1 1 0,1-1 0,0 1 0,-1-1 0,1 1 0,0 0 0,-1 0 0,0 0 0,1-1 0,-1 1 0,-1-1 0,1 1 0,0-1 0,-1-1-171,1 1 0,1-1 1,-1-1-1,0 1 1,1-1-1,-1 0 1,0 1-1,0-1 0,-1 0 1,0 0-1,-1 0 1,0 1-1,-1 0 1,0-1-1,-2 2 171,7-1 0,-1 0 0,-1 0 0,-1 1 0,-1-1 0,0 1 0,-1 0 0,0 0 0,0 0 0,-2-1 0,1 1-40,3 0 0,0 0 0,0 0 0,-1 1 1,0-1-1,-2 0 0,-1 0 0,-1 0 1,-2-1 39,5-1 0,-1-1 0,-2 0 0,-1 0 0,-2 1 0,-1 2 513,6 1 1,-2 2 0,-3-1 0,-2 0-514,1-4 0,-3-2 0,-6 3 3276,13 4-3215,-8 3 1,-6-6 3214,-22-20-1469,18 17 1469,-24-18-2347,0 24 1,0-16-930,-24 28 0,18-24 0,-17 52 0,23-34 0,0 33 0,0-35 0,-16 27 0,12-27 0,-12 12-820,16-16 1,0 0 0,0 0 0</inkml:trace>
 </inkml:ink>
 </file>
 
@@ -3825,7 +4848,7 @@
           <a:p>
             <a:fld id="{038D8524-B740-FE40-9C95-2E78C2A43739}" type="datetimeFigureOut">
               <a:rPr lang="en-US" smtClean="0"/>
-              <a:t>2/24/26</a:t>
+              <a:t>2/25/26</a:t>
             </a:fld>
             <a:endParaRPr lang="en-US"/>
           </a:p>
@@ -4023,7 +5046,7 @@
           <a:p>
             <a:fld id="{038D8524-B740-FE40-9C95-2E78C2A43739}" type="datetimeFigureOut">
               <a:rPr lang="en-US" smtClean="0"/>
-              <a:t>2/24/26</a:t>
+              <a:t>2/25/26</a:t>
             </a:fld>
             <a:endParaRPr lang="en-US"/>
           </a:p>
@@ -4231,7 +5254,7 @@
           <a:p>
             <a:fld id="{038D8524-B740-FE40-9C95-2E78C2A43739}" type="datetimeFigureOut">
               <a:rPr lang="en-US" smtClean="0"/>
-              <a:t>2/24/26</a:t>
+              <a:t>2/25/26</a:t>
             </a:fld>
             <a:endParaRPr lang="en-US"/>
           </a:p>
@@ -4429,7 +5452,7 @@
           <a:p>
             <a:fld id="{038D8524-B740-FE40-9C95-2E78C2A43739}" type="datetimeFigureOut">
               <a:rPr lang="en-US" smtClean="0"/>
-              <a:t>2/24/26</a:t>
+              <a:t>2/25/26</a:t>
             </a:fld>
             <a:endParaRPr lang="en-US"/>
           </a:p>
@@ -4704,7 +5727,7 @@
           <a:p>
             <a:fld id="{038D8524-B740-FE40-9C95-2E78C2A43739}" type="datetimeFigureOut">
               <a:rPr lang="en-US" smtClean="0"/>
-              <a:t>2/24/26</a:t>
+              <a:t>2/25/26</a:t>
             </a:fld>
             <a:endParaRPr lang="en-US"/>
           </a:p>
@@ -4969,7 +5992,7 @@
           <a:p>
             <a:fld id="{038D8524-B740-FE40-9C95-2E78C2A43739}" type="datetimeFigureOut">
               <a:rPr lang="en-US" smtClean="0"/>
-              <a:t>2/24/26</a:t>
+              <a:t>2/25/26</a:t>
             </a:fld>
             <a:endParaRPr lang="en-US"/>
           </a:p>
@@ -5381,7 +6404,7 @@
           <a:p>
             <a:fld id="{038D8524-B740-FE40-9C95-2E78C2A43739}" type="datetimeFigureOut">
               <a:rPr lang="en-US" smtClean="0"/>
-              <a:t>2/24/26</a:t>
+              <a:t>2/25/26</a:t>
             </a:fld>
             <a:endParaRPr lang="en-US"/>
           </a:p>
@@ -5522,7 +6545,7 @@
           <a:p>
             <a:fld id="{038D8524-B740-FE40-9C95-2E78C2A43739}" type="datetimeFigureOut">
               <a:rPr lang="en-US" smtClean="0"/>
-              <a:t>2/24/26</a:t>
+              <a:t>2/25/26</a:t>
             </a:fld>
             <a:endParaRPr lang="en-US"/>
           </a:p>
@@ -5635,7 +6658,7 @@
           <a:p>
             <a:fld id="{038D8524-B740-FE40-9C95-2E78C2A43739}" type="datetimeFigureOut">
               <a:rPr lang="en-US" smtClean="0"/>
-              <a:t>2/24/26</a:t>
+              <a:t>2/25/26</a:t>
             </a:fld>
             <a:endParaRPr lang="en-US"/>
           </a:p>
@@ -5946,7 +6969,7 @@
           <a:p>
             <a:fld id="{038D8524-B740-FE40-9C95-2E78C2A43739}" type="datetimeFigureOut">
               <a:rPr lang="en-US" smtClean="0"/>
-              <a:t>2/24/26</a:t>
+              <a:t>2/25/26</a:t>
             </a:fld>
             <a:endParaRPr lang="en-US"/>
           </a:p>
@@ -6234,7 +7257,7 @@
           <a:p>
             <a:fld id="{038D8524-B740-FE40-9C95-2E78C2A43739}" type="datetimeFigureOut">
               <a:rPr lang="en-US" smtClean="0"/>
-              <a:t>2/24/26</a:t>
+              <a:t>2/25/26</a:t>
             </a:fld>
             <a:endParaRPr lang="en-US"/>
           </a:p>
@@ -6475,7 +7498,7 @@
           <a:p>
             <a:fld id="{038D8524-B740-FE40-9C95-2E78C2A43739}" type="datetimeFigureOut">
               <a:rPr lang="en-US" smtClean="0"/>
-              <a:t>2/24/26</a:t>
+              <a:t>2/25/26</a:t>
             </a:fld>
             <a:endParaRPr lang="en-US"/>
           </a:p>
@@ -24712,7 +25735,7 @@
             </a:r>
             <a:r>
               <a:rPr lang="en-US" dirty="0"/>
-              <a:t>, recursion is not a common implementation technique since recursive functions typically take more time and memory than non-recursive ones, and can be hard to debug.</a:t>
+              <a:t>, recursion is not a common implementation technique since recursive functions typically take more time and memory than non-recursive ones, and can be tricky to trace.</a:t>
             </a:r>
           </a:p>
           <a:p>
@@ -24996,12 +26019,180 @@
           </a:p>
         </p:txBody>
       </p:sp>
+    </p:spTree>
+    <p:extLst>
+      <p:ext uri="{BB962C8B-B14F-4D97-AF65-F5344CB8AC3E}">
+        <p14:creationId xmlns:p14="http://schemas.microsoft.com/office/powerpoint/2010/main" val="3502180146"/>
+      </p:ext>
+    </p:extLst>
+  </p:cSld>
+  <p:clrMapOvr>
+    <a:masterClrMapping/>
+  </p:clrMapOvr>
+</p:sld>
+</file>
+
+<file path=ppt/slides/slide47.xml><?xml version="1.0" encoding="utf-8"?>
+<p:sld xmlns:a="http://schemas.openxmlformats.org/drawingml/2006/main" xmlns:r="http://schemas.openxmlformats.org/officeDocument/2006/relationships" xmlns:p="http://schemas.openxmlformats.org/presentationml/2006/main">
+  <p:cSld>
+    <p:spTree>
+      <p:nvGrpSpPr>
+        <p:cNvPr id="1" name="">
+          <a:extLst>
+            <a:ext uri="{FF2B5EF4-FFF2-40B4-BE49-F238E27FC236}">
+              <a16:creationId xmlns:a16="http://schemas.microsoft.com/office/drawing/2014/main" id="{8C355CC7-3C37-C875-95EE-F22728FB0EDA}"/>
+            </a:ext>
+          </a:extLst>
+        </p:cNvPr>
+        <p:cNvGrpSpPr/>
+        <p:nvPr/>
+      </p:nvGrpSpPr>
+      <p:grpSpPr>
+        <a:xfrm>
+          <a:off x="0" y="0"/>
+          <a:ext cx="0" cy="0"/>
+          <a:chOff x="0" y="0"/>
+          <a:chExt cx="0" cy="0"/>
+        </a:xfrm>
+      </p:grpSpPr>
+      <p:sp>
+        <p:nvSpPr>
+          <p:cNvPr id="2" name="Title 1">
+            <a:extLst>
+              <a:ext uri="{FF2B5EF4-FFF2-40B4-BE49-F238E27FC236}">
+                <a16:creationId xmlns:a16="http://schemas.microsoft.com/office/drawing/2014/main" id="{4E9CDB66-2121-7726-B2D9-C68F44DCD183}"/>
+              </a:ext>
+            </a:extLst>
+          </p:cNvPr>
+          <p:cNvSpPr>
+            <a:spLocks noGrp="1"/>
+          </p:cNvSpPr>
+          <p:nvPr>
+            <p:ph type="title"/>
+          </p:nvPr>
+        </p:nvSpPr>
+        <p:spPr>
+          <a:xfrm>
+            <a:off x="838200" y="365125"/>
+            <a:ext cx="2766848" cy="1325563"/>
+          </a:xfrm>
+        </p:spPr>
+        <p:txBody>
+          <a:bodyPr/>
+          <a:lstStyle/>
+          <a:p>
+            <a:r>
+              <a:rPr lang="en-US" dirty="0"/>
+              <a:t>Recursion</a:t>
+            </a:r>
+          </a:p>
+        </p:txBody>
+      </p:sp>
+      <p:sp>
+        <p:nvSpPr>
+          <p:cNvPr id="6" name="TextBox 5">
+            <a:extLst>
+              <a:ext uri="{FF2B5EF4-FFF2-40B4-BE49-F238E27FC236}">
+                <a16:creationId xmlns:a16="http://schemas.microsoft.com/office/drawing/2014/main" id="{D0B57E22-6CF2-6069-0B68-72ADB0A04DC0}"/>
+              </a:ext>
+            </a:extLst>
+          </p:cNvPr>
+          <p:cNvSpPr txBox="1"/>
+          <p:nvPr/>
+        </p:nvSpPr>
+        <p:spPr>
+          <a:xfrm>
+            <a:off x="3930869" y="2659117"/>
+            <a:ext cx="1883849" cy="1200329"/>
+          </a:xfrm>
+          <a:prstGeom prst="rect">
+            <a:avLst/>
+          </a:prstGeom>
+          <a:noFill/>
+        </p:spPr>
+        <p:txBody>
+          <a:bodyPr wrap="none" rtlCol="0">
+            <a:spAutoFit/>
+          </a:bodyPr>
+          <a:lstStyle/>
+          <a:p>
+            <a:r>
+              <a:rPr lang="en-US" sz="2400" dirty="0">
+                <a:latin typeface="Consolas" panose="020B0609020204030204" pitchFamily="49" charset="0"/>
+                <a:cs typeface="Consolas" panose="020B0609020204030204" pitchFamily="49" charset="0"/>
+              </a:rPr>
+              <a:t>void a() {</a:t>
+            </a:r>
+          </a:p>
+          <a:p>
+            <a:r>
+              <a:rPr lang="en-US" sz="2400" dirty="0">
+                <a:latin typeface="Consolas" panose="020B0609020204030204" pitchFamily="49" charset="0"/>
+                <a:cs typeface="Consolas" panose="020B0609020204030204" pitchFamily="49" charset="0"/>
+              </a:rPr>
+              <a:t>    a();</a:t>
+            </a:r>
+          </a:p>
+          <a:p>
+            <a:r>
+              <a:rPr lang="en-US" sz="2400" dirty="0">
+                <a:latin typeface="Consolas" panose="020B0609020204030204" pitchFamily="49" charset="0"/>
+                <a:cs typeface="Consolas" panose="020B0609020204030204" pitchFamily="49" charset="0"/>
+              </a:rPr>
+              <a:t>}</a:t>
+            </a:r>
+          </a:p>
+        </p:txBody>
+      </p:sp>
+      <p:sp>
+        <p:nvSpPr>
+          <p:cNvPr id="7" name="TextBox 6">
+            <a:extLst>
+              <a:ext uri="{FF2B5EF4-FFF2-40B4-BE49-F238E27FC236}">
+                <a16:creationId xmlns:a16="http://schemas.microsoft.com/office/drawing/2014/main" id="{3591682F-9169-C401-1DBC-B1E98AB29E83}"/>
+              </a:ext>
+            </a:extLst>
+          </p:cNvPr>
+          <p:cNvSpPr txBox="1"/>
+          <p:nvPr/>
+        </p:nvSpPr>
+        <p:spPr>
+          <a:xfrm>
+            <a:off x="3718181" y="1237597"/>
+            <a:ext cx="2377819" cy="1200329"/>
+          </a:xfrm>
+          <a:prstGeom prst="rect">
+            <a:avLst/>
+          </a:prstGeom>
+          <a:solidFill>
+            <a:schemeClr val="accent3">
+              <a:lumMod val="20000"/>
+              <a:lumOff val="80000"/>
+            </a:schemeClr>
+          </a:solidFill>
+        </p:spPr>
+        <p:txBody>
+          <a:bodyPr wrap="square" rtlCol="0">
+            <a:spAutoFit/>
+          </a:bodyPr>
+          <a:lstStyle/>
+          <a:p>
+            <a:pPr algn="ctr"/>
+            <a:r>
+              <a:rPr lang="en-US" dirty="0">
+                <a:cs typeface="Consolas" panose="020B0609020204030204" pitchFamily="49" charset="0"/>
+              </a:rPr>
+              <a:t>This is the simplest recursive function. It doesn’t do anything but call itself.</a:t>
+            </a:r>
+          </a:p>
+        </p:txBody>
+      </p:sp>
       <p:sp>
         <p:nvSpPr>
           <p:cNvPr id="8" name="Freeform 7">
             <a:extLst>
               <a:ext uri="{FF2B5EF4-FFF2-40B4-BE49-F238E27FC236}">
-                <a16:creationId xmlns:a16="http://schemas.microsoft.com/office/drawing/2014/main" id="{1186F9E2-8242-0AD2-C851-06719FA2B450}"/>
+                <a16:creationId xmlns:a16="http://schemas.microsoft.com/office/drawing/2014/main" id="{C4589D5D-743E-5E71-70CA-217901761254}"/>
               </a:ext>
             </a:extLst>
           </p:cNvPr>
@@ -25090,7 +26281,7 @@
     </p:spTree>
     <p:extLst>
       <p:ext uri="{BB962C8B-B14F-4D97-AF65-F5344CB8AC3E}">
-        <p14:creationId xmlns:p14="http://schemas.microsoft.com/office/powerpoint/2010/main" val="3502180146"/>
+        <p14:creationId xmlns:p14="http://schemas.microsoft.com/office/powerpoint/2010/main" val="1958555326"/>
       </p:ext>
     </p:extLst>
   </p:cSld>
@@ -25100,7 +26291,7 @@
 </p:sld>
 </file>
 
-<file path=ppt/slides/slide47.xml><?xml version="1.0" encoding="utf-8"?>
+<file path=ppt/slides/slide48.xml><?xml version="1.0" encoding="utf-8"?>
 <p:sld xmlns:a="http://schemas.openxmlformats.org/drawingml/2006/main" xmlns:r="http://schemas.openxmlformats.org/officeDocument/2006/relationships" xmlns:p="http://schemas.openxmlformats.org/presentationml/2006/main">
   <p:cSld>
     <p:spTree>
@@ -25501,7 +26692,7 @@
 </p:sld>
 </file>
 
-<file path=ppt/slides/slide48.xml><?xml version="1.0" encoding="utf-8"?>
+<file path=ppt/slides/slide49.xml><?xml version="1.0" encoding="utf-8"?>
 <p:sld xmlns:a="http://schemas.openxmlformats.org/drawingml/2006/main" xmlns:r="http://schemas.openxmlformats.org/officeDocument/2006/relationships" xmlns:p="http://schemas.openxmlformats.org/presentationml/2006/main">
   <p:cSld>
     <p:spTree>
@@ -25978,473 +27169,6 @@
     <p:extLst>
       <p:ext uri="{BB962C8B-B14F-4D97-AF65-F5344CB8AC3E}">
         <p14:creationId xmlns:p14="http://schemas.microsoft.com/office/powerpoint/2010/main" val="1788176936"/>
-      </p:ext>
-    </p:extLst>
-  </p:cSld>
-  <p:clrMapOvr>
-    <a:masterClrMapping/>
-  </p:clrMapOvr>
-</p:sld>
-</file>
-
-<file path=ppt/slides/slide49.xml><?xml version="1.0" encoding="utf-8"?>
-<p:sld xmlns:a="http://schemas.openxmlformats.org/drawingml/2006/main" xmlns:r="http://schemas.openxmlformats.org/officeDocument/2006/relationships" xmlns:p="http://schemas.openxmlformats.org/presentationml/2006/main">
-  <p:cSld>
-    <p:spTree>
-      <p:nvGrpSpPr>
-        <p:cNvPr id="1" name="">
-          <a:extLst>
-            <a:ext uri="{FF2B5EF4-FFF2-40B4-BE49-F238E27FC236}">
-              <a16:creationId xmlns:a16="http://schemas.microsoft.com/office/drawing/2014/main" id="{D0297A6E-FC6A-F867-6F87-8B9A7C146E99}"/>
-            </a:ext>
-          </a:extLst>
-        </p:cNvPr>
-        <p:cNvGrpSpPr/>
-        <p:nvPr/>
-      </p:nvGrpSpPr>
-      <p:grpSpPr>
-        <a:xfrm>
-          <a:off x="0" y="0"/>
-          <a:ext cx="0" cy="0"/>
-          <a:chOff x="0" y="0"/>
-          <a:chExt cx="0" cy="0"/>
-        </a:xfrm>
-      </p:grpSpPr>
-      <p:sp>
-        <p:nvSpPr>
-          <p:cNvPr id="2" name="Title 1">
-            <a:extLst>
-              <a:ext uri="{FF2B5EF4-FFF2-40B4-BE49-F238E27FC236}">
-                <a16:creationId xmlns:a16="http://schemas.microsoft.com/office/drawing/2014/main" id="{73D69C7E-6F8B-110D-6E61-25A2CEA11A17}"/>
-              </a:ext>
-            </a:extLst>
-          </p:cNvPr>
-          <p:cNvSpPr>
-            <a:spLocks noGrp="1"/>
-          </p:cNvSpPr>
-          <p:nvPr>
-            <p:ph type="title"/>
-          </p:nvPr>
-        </p:nvSpPr>
-        <p:spPr>
-          <a:xfrm>
-            <a:off x="838200" y="365125"/>
-            <a:ext cx="2766848" cy="1325563"/>
-          </a:xfrm>
-        </p:spPr>
-        <p:txBody>
-          <a:bodyPr/>
-          <a:lstStyle/>
-          <a:p>
-            <a:r>
-              <a:rPr lang="en-US" dirty="0"/>
-              <a:t>Recursion</a:t>
-            </a:r>
-          </a:p>
-        </p:txBody>
-      </p:sp>
-      <p:sp>
-        <p:nvSpPr>
-          <p:cNvPr id="6" name="TextBox 5">
-            <a:extLst>
-              <a:ext uri="{FF2B5EF4-FFF2-40B4-BE49-F238E27FC236}">
-                <a16:creationId xmlns:a16="http://schemas.microsoft.com/office/drawing/2014/main" id="{C9BECF94-4481-9ED6-2F43-8141D97B95DB}"/>
-              </a:ext>
-            </a:extLst>
-          </p:cNvPr>
-          <p:cNvSpPr txBox="1"/>
-          <p:nvPr/>
-        </p:nvSpPr>
-        <p:spPr>
-          <a:xfrm>
-            <a:off x="3941379" y="2837793"/>
-            <a:ext cx="5112297" cy="1569660"/>
-          </a:xfrm>
-          <a:prstGeom prst="rect">
-            <a:avLst/>
-          </a:prstGeom>
-          <a:noFill/>
-        </p:spPr>
-        <p:txBody>
-          <a:bodyPr wrap="none" rtlCol="0">
-            <a:spAutoFit/>
-          </a:bodyPr>
-          <a:lstStyle/>
-          <a:p>
-            <a:r>
-              <a:rPr lang="en-US" sz="2400" dirty="0">
-                <a:latin typeface="Consolas" panose="020B0609020204030204" pitchFamily="49" charset="0"/>
-                <a:cs typeface="Consolas" panose="020B0609020204030204" pitchFamily="49" charset="0"/>
-              </a:rPr>
-              <a:t>void b(int n) {</a:t>
-            </a:r>
-          </a:p>
-          <a:p>
-            <a:r>
-              <a:rPr lang="en-US" sz="2400" dirty="0">
-                <a:latin typeface="Consolas" panose="020B0609020204030204" pitchFamily="49" charset="0"/>
-                <a:cs typeface="Consolas" panose="020B0609020204030204" pitchFamily="49" charset="0"/>
-              </a:rPr>
-              <a:t>   </a:t>
-            </a:r>
-            <a:r>
-              <a:rPr lang="en-US" sz="2400" dirty="0" err="1">
-                <a:latin typeface="Consolas" panose="020B0609020204030204" pitchFamily="49" charset="0"/>
-                <a:cs typeface="Consolas" panose="020B0609020204030204" pitchFamily="49" charset="0"/>
-              </a:rPr>
-              <a:t>cout</a:t>
-            </a:r>
-            <a:r>
-              <a:rPr lang="en-US" sz="2400" dirty="0">
-                <a:latin typeface="Consolas" panose="020B0609020204030204" pitchFamily="49" charset="0"/>
-                <a:cs typeface="Consolas" panose="020B0609020204030204" pitchFamily="49" charset="0"/>
-              </a:rPr>
-              <a:t> &lt;&lt; n &lt;&lt; ": Hello!\n";</a:t>
-            </a:r>
-          </a:p>
-          <a:p>
-            <a:r>
-              <a:rPr lang="en-US" sz="2400" dirty="0">
-                <a:latin typeface="Consolas" panose="020B0609020204030204" pitchFamily="49" charset="0"/>
-                <a:cs typeface="Consolas" panose="020B0609020204030204" pitchFamily="49" charset="0"/>
-              </a:rPr>
-              <a:t>   b(n + 1);</a:t>
-            </a:r>
-          </a:p>
-          <a:p>
-            <a:r>
-              <a:rPr lang="en-US" sz="2400" dirty="0">
-                <a:latin typeface="Consolas" panose="020B0609020204030204" pitchFamily="49" charset="0"/>
-                <a:cs typeface="Consolas" panose="020B0609020204030204" pitchFamily="49" charset="0"/>
-              </a:rPr>
-              <a:t>}</a:t>
-            </a:r>
-          </a:p>
-        </p:txBody>
-      </p:sp>
-      <p:sp>
-        <p:nvSpPr>
-          <p:cNvPr id="3" name="TextBox 2">
-            <a:extLst>
-              <a:ext uri="{FF2B5EF4-FFF2-40B4-BE49-F238E27FC236}">
-                <a16:creationId xmlns:a16="http://schemas.microsoft.com/office/drawing/2014/main" id="{35E03793-9129-C6AE-1860-B4734B46EEB3}"/>
-              </a:ext>
-            </a:extLst>
-          </p:cNvPr>
-          <p:cNvSpPr txBox="1"/>
-          <p:nvPr/>
-        </p:nvSpPr>
-        <p:spPr>
-          <a:xfrm>
-            <a:off x="3802267" y="1447804"/>
-            <a:ext cx="2482919" cy="923330"/>
-          </a:xfrm>
-          <a:prstGeom prst="rect">
-            <a:avLst/>
-          </a:prstGeom>
-          <a:solidFill>
-            <a:schemeClr val="accent3">
-              <a:lumMod val="20000"/>
-              <a:lumOff val="80000"/>
-            </a:schemeClr>
-          </a:solidFill>
-        </p:spPr>
-        <p:txBody>
-          <a:bodyPr wrap="square" rtlCol="0">
-            <a:spAutoFit/>
-          </a:bodyPr>
-          <a:lstStyle/>
-          <a:p>
-            <a:pPr algn="ctr"/>
-            <a:r>
-              <a:rPr lang="en-US" dirty="0">
-                <a:cs typeface="Consolas" panose="020B0609020204030204" pitchFamily="49" charset="0"/>
-              </a:rPr>
-              <a:t>This version has a parameter </a:t>
-            </a:r>
-            <a:r>
-              <a:rPr lang="en-US" dirty="0">
-                <a:latin typeface="Consolas" panose="020B0609020204030204" pitchFamily="49" charset="0"/>
-                <a:cs typeface="Consolas" panose="020B0609020204030204" pitchFamily="49" charset="0"/>
-              </a:rPr>
-              <a:t>n</a:t>
-            </a:r>
-            <a:r>
-              <a:rPr lang="en-US" dirty="0">
-                <a:cs typeface="Consolas" panose="020B0609020204030204" pitchFamily="49" charset="0"/>
-              </a:rPr>
-              <a:t> that prints each call number.</a:t>
-            </a:r>
-          </a:p>
-        </p:txBody>
-      </p:sp>
-      <p:sp>
-        <p:nvSpPr>
-          <p:cNvPr id="4" name="Freeform 3">
-            <a:extLst>
-              <a:ext uri="{FF2B5EF4-FFF2-40B4-BE49-F238E27FC236}">
-                <a16:creationId xmlns:a16="http://schemas.microsoft.com/office/drawing/2014/main" id="{7B49F51A-B2C7-88C5-46CF-248200994EA7}"/>
-              </a:ext>
-            </a:extLst>
-          </p:cNvPr>
-          <p:cNvSpPr/>
-          <p:nvPr/>
-        </p:nvSpPr>
-        <p:spPr>
-          <a:xfrm>
-            <a:off x="3463237" y="3061138"/>
-            <a:ext cx="956283" cy="735724"/>
-          </a:xfrm>
-          <a:custGeom>
-            <a:avLst/>
-            <a:gdLst>
-              <a:gd name="csX0" fmla="*/ 956283 w 956283"/>
-              <a:gd name="csY0" fmla="*/ 735724 h 735724"/>
-              <a:gd name="csX1" fmla="*/ 10352 w 956283"/>
-              <a:gd name="csY1" fmla="*/ 220717 h 735724"/>
-              <a:gd name="csX2" fmla="*/ 535869 w 956283"/>
-              <a:gd name="csY2" fmla="*/ 0 h 735724"/>
-            </a:gdLst>
-            <a:ahLst/>
-            <a:cxnLst>
-              <a:cxn ang="0">
-                <a:pos x="csX0" y="csY0"/>
-              </a:cxn>
-              <a:cxn ang="0">
-                <a:pos x="csX1" y="csY1"/>
-              </a:cxn>
-              <a:cxn ang="0">
-                <a:pos x="csX2" y="csY2"/>
-              </a:cxn>
-            </a:cxnLst>
-            <a:rect l="l" t="t" r="r" b="b"/>
-            <a:pathLst>
-              <a:path w="956283" h="735724">
-                <a:moveTo>
-                  <a:pt x="956283" y="735724"/>
-                </a:moveTo>
-                <a:cubicBezTo>
-                  <a:pt x="518352" y="539531"/>
-                  <a:pt x="80421" y="343338"/>
-                  <a:pt x="10352" y="220717"/>
-                </a:cubicBezTo>
-                <a:cubicBezTo>
-                  <a:pt x="-59717" y="98096"/>
-                  <a:pt x="238076" y="49048"/>
-                  <a:pt x="535869" y="0"/>
-                </a:cubicBezTo>
-              </a:path>
-            </a:pathLst>
-          </a:custGeom>
-          <a:noFill/>
-          <a:ln>
-            <a:solidFill>
-              <a:srgbClr val="FF0000"/>
-            </a:solidFill>
-            <a:tailEnd type="triangle"/>
-          </a:ln>
-        </p:spPr>
-        <p:style>
-          <a:lnRef idx="2">
-            <a:schemeClr val="accent1">
-              <a:shade val="15000"/>
-            </a:schemeClr>
-          </a:lnRef>
-          <a:fillRef idx="1">
-            <a:schemeClr val="accent1"/>
-          </a:fillRef>
-          <a:effectRef idx="0">
-            <a:schemeClr val="accent1"/>
-          </a:effectRef>
-          <a:fontRef idx="minor">
-            <a:schemeClr val="lt1"/>
-          </a:fontRef>
-        </p:style>
-        <p:txBody>
-          <a:bodyPr rtlCol="0" anchor="ctr"/>
-          <a:lstStyle/>
-          <a:p>
-            <a:pPr algn="ctr"/>
-            <a:endParaRPr lang="en-US"/>
-          </a:p>
-        </p:txBody>
-      </p:sp>
-      <p:sp>
-        <p:nvSpPr>
-          <p:cNvPr id="8" name="TextBox 7">
-            <a:extLst>
-              <a:ext uri="{FF2B5EF4-FFF2-40B4-BE49-F238E27FC236}">
-                <a16:creationId xmlns:a16="http://schemas.microsoft.com/office/drawing/2014/main" id="{5EEBB685-6401-CF6B-B3E2-A292642215D7}"/>
-              </a:ext>
-            </a:extLst>
-          </p:cNvPr>
-          <p:cNvSpPr txBox="1"/>
-          <p:nvPr/>
-        </p:nvSpPr>
-        <p:spPr>
-          <a:xfrm>
-            <a:off x="4528719" y="4753308"/>
-            <a:ext cx="1978422" cy="923330"/>
-          </a:xfrm>
-          <a:prstGeom prst="rect">
-            <a:avLst/>
-          </a:prstGeom>
-          <a:solidFill>
-            <a:schemeClr val="accent3">
-              <a:lumMod val="20000"/>
-              <a:lumOff val="80000"/>
-            </a:schemeClr>
-          </a:solidFill>
-        </p:spPr>
-        <p:txBody>
-          <a:bodyPr wrap="square" rtlCol="0">
-            <a:spAutoFit/>
-          </a:bodyPr>
-          <a:lstStyle/>
-          <a:p>
-            <a:pPr algn="ctr"/>
-            <a:r>
-              <a:rPr lang="en-US" b="1" dirty="0">
-                <a:cs typeface="Consolas" panose="020B0609020204030204" pitchFamily="49" charset="0"/>
-              </a:rPr>
-              <a:t>Important</a:t>
-            </a:r>
-            <a:r>
-              <a:rPr lang="en-US" dirty="0">
-                <a:cs typeface="Consolas" panose="020B0609020204030204" pitchFamily="49" charset="0"/>
-              </a:rPr>
-              <a:t>: </a:t>
-            </a:r>
-            <a:r>
-              <a:rPr lang="en-US" dirty="0">
-                <a:latin typeface="Consolas" panose="020B0609020204030204" pitchFamily="49" charset="0"/>
-                <a:cs typeface="Consolas" panose="020B0609020204030204" pitchFamily="49" charset="0"/>
-              </a:rPr>
-              <a:t>n</a:t>
-            </a:r>
-            <a:r>
-              <a:rPr lang="en-US" dirty="0">
-                <a:cs typeface="Consolas" panose="020B0609020204030204" pitchFamily="49" charset="0"/>
-              </a:rPr>
-              <a:t> is incremented for each call to </a:t>
-            </a:r>
-            <a:r>
-              <a:rPr lang="en-US" dirty="0">
-                <a:latin typeface="Consolas" panose="020B0609020204030204" pitchFamily="49" charset="0"/>
-                <a:cs typeface="Consolas" panose="020B0609020204030204" pitchFamily="49" charset="0"/>
-              </a:rPr>
-              <a:t>b</a:t>
-            </a:r>
-            <a:r>
-              <a:rPr lang="en-US" dirty="0">
-                <a:cs typeface="Consolas" panose="020B0609020204030204" pitchFamily="49" charset="0"/>
-              </a:rPr>
-              <a:t>.</a:t>
-            </a:r>
-          </a:p>
-        </p:txBody>
-      </p:sp>
-      <p:cxnSp>
-        <p:nvCxnSpPr>
-          <p:cNvPr id="10" name="Straight Arrow Connector 9">
-            <a:extLst>
-              <a:ext uri="{FF2B5EF4-FFF2-40B4-BE49-F238E27FC236}">
-                <a16:creationId xmlns:a16="http://schemas.microsoft.com/office/drawing/2014/main" id="{10F54C10-D80B-1853-67BB-5803D9FA604A}"/>
-              </a:ext>
-            </a:extLst>
-          </p:cNvPr>
-          <p:cNvCxnSpPr>
-            <a:cxnSpLocks/>
-            <a:stCxn id="8" idx="0"/>
-          </p:cNvCxnSpPr>
-          <p:nvPr/>
-        </p:nvCxnSpPr>
-        <p:spPr>
-          <a:xfrm flipH="1" flipV="1">
-            <a:off x="5423338" y="4004441"/>
-            <a:ext cx="94592" cy="748867"/>
-          </a:xfrm>
-          <a:prstGeom prst="straightConnector1">
-            <a:avLst/>
-          </a:prstGeom>
-          <a:ln>
-            <a:tailEnd type="triangle"/>
-          </a:ln>
-        </p:spPr>
-        <p:style>
-          <a:lnRef idx="2">
-            <a:schemeClr val="accent1"/>
-          </a:lnRef>
-          <a:fillRef idx="0">
-            <a:schemeClr val="accent1"/>
-          </a:fillRef>
-          <a:effectRef idx="1">
-            <a:schemeClr val="accent1"/>
-          </a:effectRef>
-          <a:fontRef idx="minor">
-            <a:schemeClr val="tx1"/>
-          </a:fontRef>
-        </p:style>
-      </p:cxnSp>
-      <p:sp>
-        <p:nvSpPr>
-          <p:cNvPr id="12" name="TextBox 11">
-            <a:extLst>
-              <a:ext uri="{FF2B5EF4-FFF2-40B4-BE49-F238E27FC236}">
-                <a16:creationId xmlns:a16="http://schemas.microsoft.com/office/drawing/2014/main" id="{05C8D7F6-A0EF-ADC2-C879-FADBBB9F396F}"/>
-              </a:ext>
-            </a:extLst>
-          </p:cNvPr>
-          <p:cNvSpPr txBox="1"/>
-          <p:nvPr/>
-        </p:nvSpPr>
-        <p:spPr>
-          <a:xfrm>
-            <a:off x="7233895" y="1586303"/>
-            <a:ext cx="1121829" cy="646331"/>
-          </a:xfrm>
-          <a:prstGeom prst="rect">
-            <a:avLst/>
-          </a:prstGeom>
-          <a:solidFill>
-            <a:schemeClr val="accent3">
-              <a:lumMod val="20000"/>
-              <a:lumOff val="80000"/>
-            </a:schemeClr>
-          </a:solidFill>
-        </p:spPr>
-        <p:txBody>
-          <a:bodyPr wrap="square" rtlCol="0">
-            <a:spAutoFit/>
-          </a:bodyPr>
-          <a:lstStyle/>
-          <a:p>
-            <a:pPr algn="ctr"/>
-            <a:r>
-              <a:rPr lang="en-US" dirty="0">
-                <a:cs typeface="Consolas" panose="020B0609020204030204" pitchFamily="49" charset="0"/>
-              </a:rPr>
-              <a:t>To call it:</a:t>
-            </a:r>
-            <a:br>
-              <a:rPr lang="en-US" dirty="0">
-                <a:cs typeface="Consolas" panose="020B0609020204030204" pitchFamily="49" charset="0"/>
-              </a:rPr>
-            </a:br>
-            <a:r>
-              <a:rPr lang="en-US" dirty="0">
-                <a:latin typeface="Consolas" panose="020B0609020204030204" pitchFamily="49" charset="0"/>
-                <a:cs typeface="Consolas" panose="020B0609020204030204" pitchFamily="49" charset="0"/>
-              </a:rPr>
-              <a:t>b(1);</a:t>
-            </a:r>
-          </a:p>
-        </p:txBody>
-      </p:sp>
-    </p:spTree>
-    <p:extLst>
-      <p:ext uri="{BB962C8B-B14F-4D97-AF65-F5344CB8AC3E}">
-        <p14:creationId xmlns:p14="http://schemas.microsoft.com/office/powerpoint/2010/main" val="260107413"/>
       </p:ext>
     </p:extLst>
   </p:cSld>
@@ -26822,7 +27546,7 @@
         <p:cNvPr id="1" name="">
           <a:extLst>
             <a:ext uri="{FF2B5EF4-FFF2-40B4-BE49-F238E27FC236}">
-              <a16:creationId xmlns:a16="http://schemas.microsoft.com/office/drawing/2014/main" id="{9BAF38B9-CC5F-020B-806C-A00B056DD51F}"/>
+              <a16:creationId xmlns:a16="http://schemas.microsoft.com/office/drawing/2014/main" id="{D0297A6E-FC6A-F867-6F87-8B9A7C146E99}"/>
             </a:ext>
           </a:extLst>
         </p:cNvPr>
@@ -26842,7 +27566,7 @@
           <p:cNvPr id="2" name="Title 1">
             <a:extLst>
               <a:ext uri="{FF2B5EF4-FFF2-40B4-BE49-F238E27FC236}">
-                <a16:creationId xmlns:a16="http://schemas.microsoft.com/office/drawing/2014/main" id="{326251CA-BE74-F9B5-F230-EE295AADF54E}"/>
+                <a16:creationId xmlns:a16="http://schemas.microsoft.com/office/drawing/2014/main" id="{73D69C7E-6F8B-110D-6E61-25A2CEA11A17}"/>
               </a:ext>
             </a:extLst>
           </p:cNvPr>
@@ -26875,7 +27599,7 @@
           <p:cNvPr id="6" name="TextBox 5">
             <a:extLst>
               <a:ext uri="{FF2B5EF4-FFF2-40B4-BE49-F238E27FC236}">
-                <a16:creationId xmlns:a16="http://schemas.microsoft.com/office/drawing/2014/main" id="{EF318B78-38EA-0732-476B-915EADC08226}"/>
+                <a16:creationId xmlns:a16="http://schemas.microsoft.com/office/drawing/2014/main" id="{C9BECF94-4481-9ED6-2F43-8141D97B95DB}"/>
               </a:ext>
             </a:extLst>
           </p:cNvPr>
@@ -26903,24 +27627,30 @@
                 <a:latin typeface="Consolas" panose="020B0609020204030204" pitchFamily="49" charset="0"/>
                 <a:cs typeface="Consolas" panose="020B0609020204030204" pitchFamily="49" charset="0"/>
               </a:rPr>
-              <a:t>void </a:t>
+              <a:t>void b(int n) {</a:t>
+            </a:r>
+          </a:p>
+          <a:p>
+            <a:r>
+              <a:rPr lang="en-US" sz="2400" dirty="0">
+                <a:latin typeface="Consolas" panose="020B0609020204030204" pitchFamily="49" charset="0"/>
+                <a:cs typeface="Consolas" panose="020B0609020204030204" pitchFamily="49" charset="0"/>
+              </a:rPr>
+              <a:t>   </a:t>
             </a:r>
             <a:r>
               <a:rPr lang="en-US" sz="2400" dirty="0" err="1">
-                <a:solidFill>
-                  <a:srgbClr val="FF0000"/>
-                </a:solidFill>
-                <a:latin typeface="Consolas" panose="020B0609020204030204" pitchFamily="49" charset="0"/>
-                <a:cs typeface="Consolas" panose="020B0609020204030204" pitchFamily="49" charset="0"/>
-              </a:rPr>
-              <a:t>b_bad</a:t>
+                <a:latin typeface="Consolas" panose="020B0609020204030204" pitchFamily="49" charset="0"/>
+                <a:cs typeface="Consolas" panose="020B0609020204030204" pitchFamily="49" charset="0"/>
+              </a:rPr>
+              <a:t>cout</a:t>
             </a:r>
             <a:r>
               <a:rPr lang="en-US" sz="2400" dirty="0">
                 <a:latin typeface="Consolas" panose="020B0609020204030204" pitchFamily="49" charset="0"/>
                 <a:cs typeface="Consolas" panose="020B0609020204030204" pitchFamily="49" charset="0"/>
               </a:rPr>
-              <a:t>(int n) {</a:t>
+              <a:t> &lt;&lt; n &lt;&lt; ": Hello!\n";</a:t>
             </a:r>
           </a:p>
           <a:p>
@@ -26929,55 +27659,15 @@
                 <a:latin typeface="Consolas" panose="020B0609020204030204" pitchFamily="49" charset="0"/>
                 <a:cs typeface="Consolas" panose="020B0609020204030204" pitchFamily="49" charset="0"/>
               </a:rPr>
-              <a:t>   </a:t>
-            </a:r>
-            <a:r>
-              <a:rPr lang="en-US" sz="2400" dirty="0" err="1">
-                <a:solidFill>
-                  <a:srgbClr val="FF0000"/>
-                </a:solidFill>
-                <a:latin typeface="Consolas" panose="020B0609020204030204" pitchFamily="49" charset="0"/>
-                <a:cs typeface="Consolas" panose="020B0609020204030204" pitchFamily="49" charset="0"/>
-              </a:rPr>
-              <a:t>b_bad</a:t>
-            </a:r>
+              <a:t>   b(n + 1);</a:t>
+            </a:r>
+          </a:p>
+          <a:p>
             <a:r>
               <a:rPr lang="en-US" sz="2400" dirty="0">
                 <a:latin typeface="Consolas" panose="020B0609020204030204" pitchFamily="49" charset="0"/>
                 <a:cs typeface="Consolas" panose="020B0609020204030204" pitchFamily="49" charset="0"/>
               </a:rPr>
-              <a:t>(n + 1);</a:t>
-            </a:r>
-          </a:p>
-          <a:p>
-            <a:r>
-              <a:rPr lang="en-US" sz="2400" dirty="0">
-                <a:latin typeface="Consolas" panose="020B0609020204030204" pitchFamily="49" charset="0"/>
-                <a:cs typeface="Consolas" panose="020B0609020204030204" pitchFamily="49" charset="0"/>
-              </a:rPr>
-              <a:t>   </a:t>
-            </a:r>
-            <a:r>
-              <a:rPr lang="en-US" sz="2400" dirty="0" err="1">
-                <a:latin typeface="Consolas" panose="020B0609020204030204" pitchFamily="49" charset="0"/>
-                <a:cs typeface="Consolas" panose="020B0609020204030204" pitchFamily="49" charset="0"/>
-              </a:rPr>
-              <a:t>cout</a:t>
-            </a:r>
-            <a:r>
-              <a:rPr lang="en-US" sz="2400" dirty="0">
-                <a:latin typeface="Consolas" panose="020B0609020204030204" pitchFamily="49" charset="0"/>
-                <a:cs typeface="Consolas" panose="020B0609020204030204" pitchFamily="49" charset="0"/>
-              </a:rPr>
-              <a:t> &lt;&lt; n &lt;&lt; ": Hello!\n";</a:t>
-            </a:r>
-          </a:p>
-          <a:p>
-            <a:r>
-              <a:rPr lang="en-US" sz="2400" dirty="0">
-                <a:latin typeface="Consolas" panose="020B0609020204030204" pitchFamily="49" charset="0"/>
-                <a:cs typeface="Consolas" panose="020B0609020204030204" pitchFamily="49" charset="0"/>
-              </a:rPr>
               <a:t>}</a:t>
             </a:r>
           </a:p>
@@ -26988,7 +27678,7 @@
           <p:cNvPr id="3" name="TextBox 2">
             <a:extLst>
               <a:ext uri="{FF2B5EF4-FFF2-40B4-BE49-F238E27FC236}">
-                <a16:creationId xmlns:a16="http://schemas.microsoft.com/office/drawing/2014/main" id="{1B49BBA9-9F1B-A12C-32DA-201578840440}"/>
+                <a16:creationId xmlns:a16="http://schemas.microsoft.com/office/drawing/2014/main" id="{35E03793-9129-C6AE-1860-B4734B46EEB3}"/>
               </a:ext>
             </a:extLst>
           </p:cNvPr>
@@ -26997,8 +27687,8 @@
         </p:nvSpPr>
         <p:spPr>
           <a:xfrm>
-            <a:off x="3941378" y="1536174"/>
-            <a:ext cx="1873319" cy="646331"/>
+            <a:off x="3802267" y="1447804"/>
+            <a:ext cx="2482919" cy="923330"/>
           </a:xfrm>
           <a:prstGeom prst="rect">
             <a:avLst/>
@@ -27021,20 +27711,20 @@
               <a:rPr lang="en-US" dirty="0">
                 <a:cs typeface="Consolas" panose="020B0609020204030204" pitchFamily="49" charset="0"/>
               </a:rPr>
-              <a:t>This version never calls </a:t>
-            </a:r>
-            <a:r>
-              <a:rPr lang="en-US" dirty="0" err="1">
-                <a:latin typeface="Consolas" panose="020B0609020204030204" pitchFamily="49" charset="0"/>
-                <a:cs typeface="Consolas" panose="020B0609020204030204" pitchFamily="49" charset="0"/>
-              </a:rPr>
-              <a:t>cout</a:t>
-            </a:r>
-            <a:r>
-              <a:rPr lang="en-US" dirty="0">
-                <a:cs typeface="Consolas" panose="020B0609020204030204" pitchFamily="49" charset="0"/>
-              </a:rPr>
-              <a:t>.</a:t>
+              <a:t>This version has a parameter </a:t>
+            </a:r>
+            <a:r>
+              <a:rPr lang="en-US" dirty="0">
+                <a:latin typeface="Consolas" panose="020B0609020204030204" pitchFamily="49" charset="0"/>
+                <a:cs typeface="Consolas" panose="020B0609020204030204" pitchFamily="49" charset="0"/>
+              </a:rPr>
+              <a:t>n</a:t>
+            </a:r>
+            <a:r>
+              <a:rPr lang="en-US" dirty="0">
+                <a:cs typeface="Consolas" panose="020B0609020204030204" pitchFamily="49" charset="0"/>
+              </a:rPr>
+              <a:t> that prints each call number.</a:t>
             </a:r>
           </a:p>
         </p:txBody>
@@ -27044,7 +27734,7 @@
           <p:cNvPr id="4" name="Freeform 3">
             <a:extLst>
               <a:ext uri="{FF2B5EF4-FFF2-40B4-BE49-F238E27FC236}">
-                <a16:creationId xmlns:a16="http://schemas.microsoft.com/office/drawing/2014/main" id="{003E1B28-42EF-5B35-7CFA-B2187542836F}"/>
+                <a16:creationId xmlns:a16="http://schemas.microsoft.com/office/drawing/2014/main" id="{7B49F51A-B2C7-88C5-46CF-248200994EA7}"/>
               </a:ext>
             </a:extLst>
           </p:cNvPr>
@@ -27054,7 +27744,7 @@
         <p:spPr>
           <a:xfrm>
             <a:off x="3463237" y="3061138"/>
-            <a:ext cx="956283" cy="367862"/>
+            <a:ext cx="956283" cy="735724"/>
           </a:xfrm>
           <a:custGeom>
             <a:avLst/>
@@ -27135,7 +27825,7 @@
           <p:cNvPr id="8" name="TextBox 7">
             <a:extLst>
               <a:ext uri="{FF2B5EF4-FFF2-40B4-BE49-F238E27FC236}">
-                <a16:creationId xmlns:a16="http://schemas.microsoft.com/office/drawing/2014/main" id="{AD3A87A2-2F08-AAB9-F7B4-7549CD72425D}"/>
+                <a16:creationId xmlns:a16="http://schemas.microsoft.com/office/drawing/2014/main" id="{5EEBB685-6401-CF6B-B3E2-A292642215D7}"/>
               </a:ext>
             </a:extLst>
           </p:cNvPr>
@@ -27144,8 +27834,8 @@
         </p:nvSpPr>
         <p:spPr>
           <a:xfrm>
-            <a:off x="9741850" y="3429000"/>
-            <a:ext cx="1756467" cy="646331"/>
+            <a:off x="4528719" y="4753308"/>
+            <a:ext cx="1978422" cy="923330"/>
           </a:xfrm>
           <a:prstGeom prst="rect">
             <a:avLst/>
@@ -27165,21 +27855,42 @@
           <a:p>
             <a:pPr algn="ctr"/>
             <a:r>
-              <a:rPr lang="en-US" dirty="0">
-                <a:cs typeface="Consolas" panose="020B0609020204030204" pitchFamily="49" charset="0"/>
-              </a:rPr>
-              <a:t>Never called: </a:t>
-            </a:r>
-            <a:br>
-              <a:rPr lang="en-US" dirty="0">
-                <a:cs typeface="Consolas" panose="020B0609020204030204" pitchFamily="49" charset="0"/>
-              </a:rPr>
-            </a:br>
-            <a:r>
-              <a:rPr lang="en-US" dirty="0">
-                <a:cs typeface="Consolas" panose="020B0609020204030204" pitchFamily="49" charset="0"/>
-              </a:rPr>
-              <a:t>it’s dead code.</a:t>
+              <a:rPr lang="en-US" b="1" dirty="0">
+                <a:cs typeface="Consolas" panose="020B0609020204030204" pitchFamily="49" charset="0"/>
+              </a:rPr>
+              <a:t>Important</a:t>
+            </a:r>
+            <a:r>
+              <a:rPr lang="en-US" dirty="0">
+                <a:cs typeface="Consolas" panose="020B0609020204030204" pitchFamily="49" charset="0"/>
+              </a:rPr>
+              <a:t>: </a:t>
+            </a:r>
+            <a:r>
+              <a:rPr lang="en-US" dirty="0">
+                <a:latin typeface="Consolas" panose="020B0609020204030204" pitchFamily="49" charset="0"/>
+                <a:cs typeface="Consolas" panose="020B0609020204030204" pitchFamily="49" charset="0"/>
+              </a:rPr>
+              <a:t>n</a:t>
+            </a:r>
+            <a:r>
+              <a:rPr lang="en-US" dirty="0">
+                <a:cs typeface="Consolas" panose="020B0609020204030204" pitchFamily="49" charset="0"/>
+              </a:rPr>
+              <a:t> is incremented for each call to </a:t>
+            </a:r>
+            <a:r>
+              <a:rPr lang="en-US" dirty="0">
+                <a:latin typeface="Consolas" panose="020B0609020204030204" pitchFamily="49" charset="0"/>
+                <a:cs typeface="Consolas" panose="020B0609020204030204" pitchFamily="49" charset="0"/>
+              </a:rPr>
+              <a:t>b</a:t>
+            </a:r>
+            <a:r>
+              <a:rPr lang="en-US" dirty="0">
+                <a:cs typeface="Consolas" panose="020B0609020204030204" pitchFamily="49" charset="0"/>
+              </a:rPr>
+              <a:t>.</a:t>
             </a:r>
           </a:p>
         </p:txBody>
@@ -27189,20 +27900,20 @@
           <p:cNvPr id="10" name="Straight Arrow Connector 9">
             <a:extLst>
               <a:ext uri="{FF2B5EF4-FFF2-40B4-BE49-F238E27FC236}">
-                <a16:creationId xmlns:a16="http://schemas.microsoft.com/office/drawing/2014/main" id="{92A1B89C-A155-C635-2C4E-C4922A18BA38}"/>
+                <a16:creationId xmlns:a16="http://schemas.microsoft.com/office/drawing/2014/main" id="{10F54C10-D80B-1853-67BB-5803D9FA604A}"/>
               </a:ext>
             </a:extLst>
           </p:cNvPr>
           <p:cNvCxnSpPr>
             <a:cxnSpLocks/>
-            <a:stCxn id="8" idx="1"/>
+            <a:stCxn id="8" idx="0"/>
           </p:cNvCxnSpPr>
           <p:nvPr/>
         </p:nvCxnSpPr>
         <p:spPr>
-          <a:xfrm flipH="1">
-            <a:off x="8950454" y="3752166"/>
-            <a:ext cx="791396" cy="0"/>
+          <a:xfrm flipH="1" flipV="1">
+            <a:off x="5423338" y="4004441"/>
+            <a:ext cx="94592" cy="748867"/>
           </a:xfrm>
           <a:prstGeom prst="straightConnector1">
             <a:avLst/>
@@ -27226,6 +27937,588 @@
           </a:fontRef>
         </p:style>
       </p:cxnSp>
+      <p:sp>
+        <p:nvSpPr>
+          <p:cNvPr id="12" name="TextBox 11">
+            <a:extLst>
+              <a:ext uri="{FF2B5EF4-FFF2-40B4-BE49-F238E27FC236}">
+                <a16:creationId xmlns:a16="http://schemas.microsoft.com/office/drawing/2014/main" id="{05C8D7F6-A0EF-ADC2-C879-FADBBB9F396F}"/>
+              </a:ext>
+            </a:extLst>
+          </p:cNvPr>
+          <p:cNvSpPr txBox="1"/>
+          <p:nvPr/>
+        </p:nvSpPr>
+        <p:spPr>
+          <a:xfrm>
+            <a:off x="7233895" y="1586303"/>
+            <a:ext cx="1121829" cy="646331"/>
+          </a:xfrm>
+          <a:prstGeom prst="rect">
+            <a:avLst/>
+          </a:prstGeom>
+          <a:solidFill>
+            <a:schemeClr val="accent3">
+              <a:lumMod val="20000"/>
+              <a:lumOff val="80000"/>
+            </a:schemeClr>
+          </a:solidFill>
+        </p:spPr>
+        <p:txBody>
+          <a:bodyPr wrap="square" rtlCol="0">
+            <a:spAutoFit/>
+          </a:bodyPr>
+          <a:lstStyle/>
+          <a:p>
+            <a:pPr algn="ctr"/>
+            <a:r>
+              <a:rPr lang="en-US" dirty="0">
+                <a:cs typeface="Consolas" panose="020B0609020204030204" pitchFamily="49" charset="0"/>
+              </a:rPr>
+              <a:t>To call it:</a:t>
+            </a:r>
+            <a:br>
+              <a:rPr lang="en-US" dirty="0">
+                <a:cs typeface="Consolas" panose="020B0609020204030204" pitchFamily="49" charset="0"/>
+              </a:rPr>
+            </a:br>
+            <a:r>
+              <a:rPr lang="en-US" dirty="0">
+                <a:latin typeface="Consolas" panose="020B0609020204030204" pitchFamily="49" charset="0"/>
+                <a:cs typeface="Consolas" panose="020B0609020204030204" pitchFamily="49" charset="0"/>
+              </a:rPr>
+              <a:t>b(1);</a:t>
+            </a:r>
+          </a:p>
+        </p:txBody>
+      </p:sp>
+      <mc:AlternateContent xmlns:mc="http://schemas.openxmlformats.org/markup-compatibility/2006">
+        <mc:Choice xmlns:p14="http://schemas.microsoft.com/office/powerpoint/2010/main" Requires="p14">
+          <p:contentPart p14:bwMode="auto" r:id="rId2">
+            <p14:nvContentPartPr>
+              <p14:cNvPr id="5" name="Ink 4">
+                <a:extLst>
+                  <a:ext uri="{FF2B5EF4-FFF2-40B4-BE49-F238E27FC236}">
+                    <a16:creationId xmlns:a16="http://schemas.microsoft.com/office/drawing/2014/main" id="{152BA2F9-B6A3-796D-F1F1-E9957E110956}"/>
+                  </a:ext>
+                </a:extLst>
+              </p14:cNvPr>
+              <p14:cNvContentPartPr/>
+              <p14:nvPr/>
+            </p14:nvContentPartPr>
+            <p14:xfrm>
+              <a:off x="4502160" y="3200400"/>
+              <a:ext cx="4305600" cy="800640"/>
+            </p14:xfrm>
+          </p:contentPart>
+        </mc:Choice>
+        <mc:Fallback>
+          <p:pic>
+            <p:nvPicPr>
+              <p:cNvPr id="5" name="Ink 4">
+                <a:extLst>
+                  <a:ext uri="{FF2B5EF4-FFF2-40B4-BE49-F238E27FC236}">
+                    <a16:creationId xmlns:a16="http://schemas.microsoft.com/office/drawing/2014/main" id="{152BA2F9-B6A3-796D-F1F1-E9957E110956}"/>
+                  </a:ext>
+                </a:extLst>
+              </p:cNvPr>
+              <p:cNvPicPr/>
+              <p:nvPr/>
+            </p:nvPicPr>
+            <p:blipFill>
+              <a:blip r:embed="rId3"/>
+              <a:stretch>
+                <a:fillRect/>
+              </a:stretch>
+            </p:blipFill>
+            <p:spPr>
+              <a:xfrm>
+                <a:off x="4492800" y="3191040"/>
+                <a:ext cx="4324320" cy="819360"/>
+              </a:xfrm>
+              <a:prstGeom prst="rect">
+                <a:avLst/>
+              </a:prstGeom>
+            </p:spPr>
+          </p:pic>
+        </mc:Fallback>
+      </mc:AlternateContent>
+    </p:spTree>
+    <p:extLst>
+      <p:ext uri="{BB962C8B-B14F-4D97-AF65-F5344CB8AC3E}">
+        <p14:creationId xmlns:p14="http://schemas.microsoft.com/office/powerpoint/2010/main" val="260107413"/>
+      </p:ext>
+    </p:extLst>
+  </p:cSld>
+  <p:clrMapOvr>
+    <a:masterClrMapping/>
+  </p:clrMapOvr>
+</p:sld>
+</file>
+
+<file path=ppt/slides/slide51.xml><?xml version="1.0" encoding="utf-8"?>
+<p:sld xmlns:a="http://schemas.openxmlformats.org/drawingml/2006/main" xmlns:r="http://schemas.openxmlformats.org/officeDocument/2006/relationships" xmlns:p="http://schemas.openxmlformats.org/presentationml/2006/main">
+  <p:cSld>
+    <p:spTree>
+      <p:nvGrpSpPr>
+        <p:cNvPr id="1" name="">
+          <a:extLst>
+            <a:ext uri="{FF2B5EF4-FFF2-40B4-BE49-F238E27FC236}">
+              <a16:creationId xmlns:a16="http://schemas.microsoft.com/office/drawing/2014/main" id="{9BAF38B9-CC5F-020B-806C-A00B056DD51F}"/>
+            </a:ext>
+          </a:extLst>
+        </p:cNvPr>
+        <p:cNvGrpSpPr/>
+        <p:nvPr/>
+      </p:nvGrpSpPr>
+      <p:grpSpPr>
+        <a:xfrm>
+          <a:off x="0" y="0"/>
+          <a:ext cx="0" cy="0"/>
+          <a:chOff x="0" y="0"/>
+          <a:chExt cx="0" cy="0"/>
+        </a:xfrm>
+      </p:grpSpPr>
+      <p:sp>
+        <p:nvSpPr>
+          <p:cNvPr id="2" name="Title 1">
+            <a:extLst>
+              <a:ext uri="{FF2B5EF4-FFF2-40B4-BE49-F238E27FC236}">
+                <a16:creationId xmlns:a16="http://schemas.microsoft.com/office/drawing/2014/main" id="{326251CA-BE74-F9B5-F230-EE295AADF54E}"/>
+              </a:ext>
+            </a:extLst>
+          </p:cNvPr>
+          <p:cNvSpPr>
+            <a:spLocks noGrp="1"/>
+          </p:cNvSpPr>
+          <p:nvPr>
+            <p:ph type="title"/>
+          </p:nvPr>
+        </p:nvSpPr>
+        <p:spPr>
+          <a:xfrm>
+            <a:off x="838200" y="365125"/>
+            <a:ext cx="2766848" cy="1325563"/>
+          </a:xfrm>
+        </p:spPr>
+        <p:txBody>
+          <a:bodyPr/>
+          <a:lstStyle/>
+          <a:p>
+            <a:r>
+              <a:rPr lang="en-US" dirty="0"/>
+              <a:t>Recursion</a:t>
+            </a:r>
+          </a:p>
+        </p:txBody>
+      </p:sp>
+      <p:sp>
+        <p:nvSpPr>
+          <p:cNvPr id="6" name="TextBox 5">
+            <a:extLst>
+              <a:ext uri="{FF2B5EF4-FFF2-40B4-BE49-F238E27FC236}">
+                <a16:creationId xmlns:a16="http://schemas.microsoft.com/office/drawing/2014/main" id="{EF318B78-38EA-0732-476B-915EADC08226}"/>
+              </a:ext>
+            </a:extLst>
+          </p:cNvPr>
+          <p:cNvSpPr txBox="1"/>
+          <p:nvPr/>
+        </p:nvSpPr>
+        <p:spPr>
+          <a:xfrm>
+            <a:off x="3941379" y="2837793"/>
+            <a:ext cx="5112297" cy="1569660"/>
+          </a:xfrm>
+          <a:prstGeom prst="rect">
+            <a:avLst/>
+          </a:prstGeom>
+          <a:noFill/>
+        </p:spPr>
+        <p:txBody>
+          <a:bodyPr wrap="none" rtlCol="0">
+            <a:spAutoFit/>
+          </a:bodyPr>
+          <a:lstStyle/>
+          <a:p>
+            <a:r>
+              <a:rPr lang="en-US" sz="2400" dirty="0">
+                <a:latin typeface="Consolas" panose="020B0609020204030204" pitchFamily="49" charset="0"/>
+                <a:cs typeface="Consolas" panose="020B0609020204030204" pitchFamily="49" charset="0"/>
+              </a:rPr>
+              <a:t>void </a:t>
+            </a:r>
+            <a:r>
+              <a:rPr lang="en-US" sz="2400" dirty="0" err="1">
+                <a:solidFill>
+                  <a:srgbClr val="FF0000"/>
+                </a:solidFill>
+                <a:latin typeface="Consolas" panose="020B0609020204030204" pitchFamily="49" charset="0"/>
+                <a:cs typeface="Consolas" panose="020B0609020204030204" pitchFamily="49" charset="0"/>
+              </a:rPr>
+              <a:t>b_bad</a:t>
+            </a:r>
+            <a:r>
+              <a:rPr lang="en-US" sz="2400" dirty="0">
+                <a:latin typeface="Consolas" panose="020B0609020204030204" pitchFamily="49" charset="0"/>
+                <a:cs typeface="Consolas" panose="020B0609020204030204" pitchFamily="49" charset="0"/>
+              </a:rPr>
+              <a:t>(int n) {</a:t>
+            </a:r>
+          </a:p>
+          <a:p>
+            <a:r>
+              <a:rPr lang="en-US" sz="2400" dirty="0">
+                <a:latin typeface="Consolas" panose="020B0609020204030204" pitchFamily="49" charset="0"/>
+                <a:cs typeface="Consolas" panose="020B0609020204030204" pitchFamily="49" charset="0"/>
+              </a:rPr>
+              <a:t>   </a:t>
+            </a:r>
+            <a:r>
+              <a:rPr lang="en-US" sz="2400" dirty="0" err="1">
+                <a:solidFill>
+                  <a:srgbClr val="FF0000"/>
+                </a:solidFill>
+                <a:latin typeface="Consolas" panose="020B0609020204030204" pitchFamily="49" charset="0"/>
+                <a:cs typeface="Consolas" panose="020B0609020204030204" pitchFamily="49" charset="0"/>
+              </a:rPr>
+              <a:t>b_bad</a:t>
+            </a:r>
+            <a:r>
+              <a:rPr lang="en-US" sz="2400" dirty="0">
+                <a:latin typeface="Consolas" panose="020B0609020204030204" pitchFamily="49" charset="0"/>
+                <a:cs typeface="Consolas" panose="020B0609020204030204" pitchFamily="49" charset="0"/>
+              </a:rPr>
+              <a:t>(n + 1);</a:t>
+            </a:r>
+          </a:p>
+          <a:p>
+            <a:r>
+              <a:rPr lang="en-US" sz="2400" dirty="0">
+                <a:latin typeface="Consolas" panose="020B0609020204030204" pitchFamily="49" charset="0"/>
+                <a:cs typeface="Consolas" panose="020B0609020204030204" pitchFamily="49" charset="0"/>
+              </a:rPr>
+              <a:t>   </a:t>
+            </a:r>
+            <a:r>
+              <a:rPr lang="en-US" sz="2400" dirty="0" err="1">
+                <a:latin typeface="Consolas" panose="020B0609020204030204" pitchFamily="49" charset="0"/>
+                <a:cs typeface="Consolas" panose="020B0609020204030204" pitchFamily="49" charset="0"/>
+              </a:rPr>
+              <a:t>cout</a:t>
+            </a:r>
+            <a:r>
+              <a:rPr lang="en-US" sz="2400" dirty="0">
+                <a:latin typeface="Consolas" panose="020B0609020204030204" pitchFamily="49" charset="0"/>
+                <a:cs typeface="Consolas" panose="020B0609020204030204" pitchFamily="49" charset="0"/>
+              </a:rPr>
+              <a:t> &lt;&lt; n &lt;&lt; ": Hello!\n";</a:t>
+            </a:r>
+          </a:p>
+          <a:p>
+            <a:r>
+              <a:rPr lang="en-US" sz="2400" dirty="0">
+                <a:latin typeface="Consolas" panose="020B0609020204030204" pitchFamily="49" charset="0"/>
+                <a:cs typeface="Consolas" panose="020B0609020204030204" pitchFamily="49" charset="0"/>
+              </a:rPr>
+              <a:t>}</a:t>
+            </a:r>
+          </a:p>
+        </p:txBody>
+      </p:sp>
+      <p:sp>
+        <p:nvSpPr>
+          <p:cNvPr id="3" name="TextBox 2">
+            <a:extLst>
+              <a:ext uri="{FF2B5EF4-FFF2-40B4-BE49-F238E27FC236}">
+                <a16:creationId xmlns:a16="http://schemas.microsoft.com/office/drawing/2014/main" id="{1B49BBA9-9F1B-A12C-32DA-201578840440}"/>
+              </a:ext>
+            </a:extLst>
+          </p:cNvPr>
+          <p:cNvSpPr txBox="1"/>
+          <p:nvPr/>
+        </p:nvSpPr>
+        <p:spPr>
+          <a:xfrm>
+            <a:off x="3941378" y="1536174"/>
+            <a:ext cx="1873319" cy="646331"/>
+          </a:xfrm>
+          <a:prstGeom prst="rect">
+            <a:avLst/>
+          </a:prstGeom>
+          <a:solidFill>
+            <a:schemeClr val="accent3">
+              <a:lumMod val="20000"/>
+              <a:lumOff val="80000"/>
+            </a:schemeClr>
+          </a:solidFill>
+        </p:spPr>
+        <p:txBody>
+          <a:bodyPr wrap="square" rtlCol="0">
+            <a:spAutoFit/>
+          </a:bodyPr>
+          <a:lstStyle/>
+          <a:p>
+            <a:pPr algn="ctr"/>
+            <a:r>
+              <a:rPr lang="en-US" dirty="0">
+                <a:cs typeface="Consolas" panose="020B0609020204030204" pitchFamily="49" charset="0"/>
+              </a:rPr>
+              <a:t>This version never calls </a:t>
+            </a:r>
+            <a:r>
+              <a:rPr lang="en-US" dirty="0" err="1">
+                <a:latin typeface="Consolas" panose="020B0609020204030204" pitchFamily="49" charset="0"/>
+                <a:cs typeface="Consolas" panose="020B0609020204030204" pitchFamily="49" charset="0"/>
+              </a:rPr>
+              <a:t>cout</a:t>
+            </a:r>
+            <a:r>
+              <a:rPr lang="en-US" dirty="0">
+                <a:cs typeface="Consolas" panose="020B0609020204030204" pitchFamily="49" charset="0"/>
+              </a:rPr>
+              <a:t>.</a:t>
+            </a:r>
+          </a:p>
+        </p:txBody>
+      </p:sp>
+      <p:sp>
+        <p:nvSpPr>
+          <p:cNvPr id="4" name="Freeform 3">
+            <a:extLst>
+              <a:ext uri="{FF2B5EF4-FFF2-40B4-BE49-F238E27FC236}">
+                <a16:creationId xmlns:a16="http://schemas.microsoft.com/office/drawing/2014/main" id="{003E1B28-42EF-5B35-7CFA-B2187542836F}"/>
+              </a:ext>
+            </a:extLst>
+          </p:cNvPr>
+          <p:cNvSpPr/>
+          <p:nvPr/>
+        </p:nvSpPr>
+        <p:spPr>
+          <a:xfrm>
+            <a:off x="3463237" y="3061138"/>
+            <a:ext cx="956283" cy="367862"/>
+          </a:xfrm>
+          <a:custGeom>
+            <a:avLst/>
+            <a:gdLst>
+              <a:gd name="csX0" fmla="*/ 956283 w 956283"/>
+              <a:gd name="csY0" fmla="*/ 735724 h 735724"/>
+              <a:gd name="csX1" fmla="*/ 10352 w 956283"/>
+              <a:gd name="csY1" fmla="*/ 220717 h 735724"/>
+              <a:gd name="csX2" fmla="*/ 535869 w 956283"/>
+              <a:gd name="csY2" fmla="*/ 0 h 735724"/>
+            </a:gdLst>
+            <a:ahLst/>
+            <a:cxnLst>
+              <a:cxn ang="0">
+                <a:pos x="csX0" y="csY0"/>
+              </a:cxn>
+              <a:cxn ang="0">
+                <a:pos x="csX1" y="csY1"/>
+              </a:cxn>
+              <a:cxn ang="0">
+                <a:pos x="csX2" y="csY2"/>
+              </a:cxn>
+            </a:cxnLst>
+            <a:rect l="l" t="t" r="r" b="b"/>
+            <a:pathLst>
+              <a:path w="956283" h="735724">
+                <a:moveTo>
+                  <a:pt x="956283" y="735724"/>
+                </a:moveTo>
+                <a:cubicBezTo>
+                  <a:pt x="518352" y="539531"/>
+                  <a:pt x="80421" y="343338"/>
+                  <a:pt x="10352" y="220717"/>
+                </a:cubicBezTo>
+                <a:cubicBezTo>
+                  <a:pt x="-59717" y="98096"/>
+                  <a:pt x="238076" y="49048"/>
+                  <a:pt x="535869" y="0"/>
+                </a:cubicBezTo>
+              </a:path>
+            </a:pathLst>
+          </a:custGeom>
+          <a:noFill/>
+          <a:ln>
+            <a:solidFill>
+              <a:srgbClr val="FF0000"/>
+            </a:solidFill>
+            <a:tailEnd type="triangle"/>
+          </a:ln>
+        </p:spPr>
+        <p:style>
+          <a:lnRef idx="2">
+            <a:schemeClr val="accent1">
+              <a:shade val="15000"/>
+            </a:schemeClr>
+          </a:lnRef>
+          <a:fillRef idx="1">
+            <a:schemeClr val="accent1"/>
+          </a:fillRef>
+          <a:effectRef idx="0">
+            <a:schemeClr val="accent1"/>
+          </a:effectRef>
+          <a:fontRef idx="minor">
+            <a:schemeClr val="lt1"/>
+          </a:fontRef>
+        </p:style>
+        <p:txBody>
+          <a:bodyPr rtlCol="0" anchor="ctr"/>
+          <a:lstStyle/>
+          <a:p>
+            <a:pPr algn="ctr"/>
+            <a:endParaRPr lang="en-US"/>
+          </a:p>
+        </p:txBody>
+      </p:sp>
+      <p:sp>
+        <p:nvSpPr>
+          <p:cNvPr id="8" name="TextBox 7">
+            <a:extLst>
+              <a:ext uri="{FF2B5EF4-FFF2-40B4-BE49-F238E27FC236}">
+                <a16:creationId xmlns:a16="http://schemas.microsoft.com/office/drawing/2014/main" id="{AD3A87A2-2F08-AAB9-F7B4-7549CD72425D}"/>
+              </a:ext>
+            </a:extLst>
+          </p:cNvPr>
+          <p:cNvSpPr txBox="1"/>
+          <p:nvPr/>
+        </p:nvSpPr>
+        <p:spPr>
+          <a:xfrm>
+            <a:off x="9741850" y="3429000"/>
+            <a:ext cx="1756467" cy="646331"/>
+          </a:xfrm>
+          <a:prstGeom prst="rect">
+            <a:avLst/>
+          </a:prstGeom>
+          <a:solidFill>
+            <a:schemeClr val="accent3">
+              <a:lumMod val="20000"/>
+              <a:lumOff val="80000"/>
+            </a:schemeClr>
+          </a:solidFill>
+        </p:spPr>
+        <p:txBody>
+          <a:bodyPr wrap="square" rtlCol="0">
+            <a:spAutoFit/>
+          </a:bodyPr>
+          <a:lstStyle/>
+          <a:p>
+            <a:pPr algn="ctr"/>
+            <a:r>
+              <a:rPr lang="en-US" dirty="0">
+                <a:cs typeface="Consolas" panose="020B0609020204030204" pitchFamily="49" charset="0"/>
+              </a:rPr>
+              <a:t>Never called: </a:t>
+            </a:r>
+            <a:br>
+              <a:rPr lang="en-US" dirty="0">
+                <a:cs typeface="Consolas" panose="020B0609020204030204" pitchFamily="49" charset="0"/>
+              </a:rPr>
+            </a:br>
+            <a:r>
+              <a:rPr lang="en-US" dirty="0">
+                <a:cs typeface="Consolas" panose="020B0609020204030204" pitchFamily="49" charset="0"/>
+              </a:rPr>
+              <a:t>it’s dead code.</a:t>
+            </a:r>
+          </a:p>
+        </p:txBody>
+      </p:sp>
+      <p:cxnSp>
+        <p:nvCxnSpPr>
+          <p:cNvPr id="10" name="Straight Arrow Connector 9">
+            <a:extLst>
+              <a:ext uri="{FF2B5EF4-FFF2-40B4-BE49-F238E27FC236}">
+                <a16:creationId xmlns:a16="http://schemas.microsoft.com/office/drawing/2014/main" id="{92A1B89C-A155-C635-2C4E-C4922A18BA38}"/>
+              </a:ext>
+            </a:extLst>
+          </p:cNvPr>
+          <p:cNvCxnSpPr>
+            <a:cxnSpLocks/>
+            <a:stCxn id="8" idx="1"/>
+          </p:cNvCxnSpPr>
+          <p:nvPr/>
+        </p:nvCxnSpPr>
+        <p:spPr>
+          <a:xfrm flipH="1">
+            <a:off x="8950454" y="3752166"/>
+            <a:ext cx="791396" cy="0"/>
+          </a:xfrm>
+          <a:prstGeom prst="straightConnector1">
+            <a:avLst/>
+          </a:prstGeom>
+          <a:ln>
+            <a:tailEnd type="triangle"/>
+          </a:ln>
+        </p:spPr>
+        <p:style>
+          <a:lnRef idx="2">
+            <a:schemeClr val="accent1"/>
+          </a:lnRef>
+          <a:fillRef idx="0">
+            <a:schemeClr val="accent1"/>
+          </a:fillRef>
+          <a:effectRef idx="1">
+            <a:schemeClr val="accent1"/>
+          </a:effectRef>
+          <a:fontRef idx="minor">
+            <a:schemeClr val="tx1"/>
+          </a:fontRef>
+        </p:style>
+      </p:cxnSp>
+      <mc:AlternateContent xmlns:mc="http://schemas.openxmlformats.org/markup-compatibility/2006">
+        <mc:Choice xmlns:p14="http://schemas.microsoft.com/office/powerpoint/2010/main" Requires="p14">
+          <p:contentPart p14:bwMode="auto" r:id="rId2">
+            <p14:nvContentPartPr>
+              <p14:cNvPr id="5" name="Ink 4">
+                <a:extLst>
+                  <a:ext uri="{FF2B5EF4-FFF2-40B4-BE49-F238E27FC236}">
+                    <a16:creationId xmlns:a16="http://schemas.microsoft.com/office/drawing/2014/main" id="{C8C28E1E-B9E2-D9E5-2FDE-76CAE9D2258C}"/>
+                  </a:ext>
+                </a:extLst>
+              </p14:cNvPr>
+              <p14:cNvContentPartPr/>
+              <p14:nvPr/>
+            </p14:nvContentPartPr>
+            <p14:xfrm>
+              <a:off x="4502160" y="3758400"/>
+              <a:ext cx="3956400" cy="154080"/>
+            </p14:xfrm>
+          </p:contentPart>
+        </mc:Choice>
+        <mc:Fallback>
+          <p:pic>
+            <p:nvPicPr>
+              <p:cNvPr id="5" name="Ink 4">
+                <a:extLst>
+                  <a:ext uri="{FF2B5EF4-FFF2-40B4-BE49-F238E27FC236}">
+                    <a16:creationId xmlns:a16="http://schemas.microsoft.com/office/drawing/2014/main" id="{C8C28E1E-B9E2-D9E5-2FDE-76CAE9D2258C}"/>
+                  </a:ext>
+                </a:extLst>
+              </p:cNvPr>
+              <p:cNvPicPr/>
+              <p:nvPr/>
+            </p:nvPicPr>
+            <p:blipFill>
+              <a:blip r:embed="rId3"/>
+              <a:stretch>
+                <a:fillRect/>
+              </a:stretch>
+            </p:blipFill>
+            <p:spPr>
+              <a:xfrm>
+                <a:off x="4492800" y="3749040"/>
+                <a:ext cx="3975120" cy="172800"/>
+              </a:xfrm>
+              <a:prstGeom prst="rect">
+                <a:avLst/>
+              </a:prstGeom>
+            </p:spPr>
+          </p:pic>
+        </mc:Fallback>
+      </mc:AlternateContent>
     </p:spTree>
     <p:extLst>
       <p:ext uri="{BB962C8B-B14F-4D97-AF65-F5344CB8AC3E}">
@@ -27239,7 +28532,7 @@
 </p:sld>
 </file>
 
-<file path=ppt/slides/slide51.xml><?xml version="1.0" encoding="utf-8"?>
+<file path=ppt/slides/slide52.xml><?xml version="1.0" encoding="utf-8"?>
 <p:sld xmlns:a="http://schemas.openxmlformats.org/drawingml/2006/main" xmlns:r="http://schemas.openxmlformats.org/officeDocument/2006/relationships" xmlns:p="http://schemas.openxmlformats.org/presentationml/2006/main">
   <p:cSld>
     <p:spTree>
@@ -27599,6 +28892,57 @@
           </a:p>
         </p:txBody>
       </p:sp>
+      <mc:AlternateContent xmlns:mc="http://schemas.openxmlformats.org/markup-compatibility/2006">
+        <mc:Choice xmlns:p14="http://schemas.microsoft.com/office/powerpoint/2010/main" Requires="p14">
+          <p:contentPart p14:bwMode="auto" r:id="rId2">
+            <p14:nvContentPartPr>
+              <p14:cNvPr id="4" name="Ink 3">
+                <a:extLst>
+                  <a:ext uri="{FF2B5EF4-FFF2-40B4-BE49-F238E27FC236}">
+                    <a16:creationId xmlns:a16="http://schemas.microsoft.com/office/drawing/2014/main" id="{A9F536AB-73F4-740B-A277-BDEAE14BCA86}"/>
+                  </a:ext>
+                </a:extLst>
+              </p14:cNvPr>
+              <p14:cNvContentPartPr/>
+              <p14:nvPr/>
+            </p14:nvContentPartPr>
+            <p14:xfrm>
+              <a:off x="4896000" y="3244320"/>
+              <a:ext cx="1632240" cy="1861920"/>
+            </p14:xfrm>
+          </p:contentPart>
+        </mc:Choice>
+        <mc:Fallback>
+          <p:pic>
+            <p:nvPicPr>
+              <p:cNvPr id="4" name="Ink 3">
+                <a:extLst>
+                  <a:ext uri="{FF2B5EF4-FFF2-40B4-BE49-F238E27FC236}">
+                    <a16:creationId xmlns:a16="http://schemas.microsoft.com/office/drawing/2014/main" id="{A9F536AB-73F4-740B-A277-BDEAE14BCA86}"/>
+                  </a:ext>
+                </a:extLst>
+              </p:cNvPr>
+              <p:cNvPicPr/>
+              <p:nvPr/>
+            </p:nvPicPr>
+            <p:blipFill>
+              <a:blip r:embed="rId3"/>
+              <a:stretch>
+                <a:fillRect/>
+              </a:stretch>
+            </p:blipFill>
+            <p:spPr>
+              <a:xfrm>
+                <a:off x="4886640" y="3234960"/>
+                <a:ext cx="1650960" cy="1880640"/>
+              </a:xfrm>
+              <a:prstGeom prst="rect">
+                <a:avLst/>
+              </a:prstGeom>
+            </p:spPr>
+          </p:pic>
+        </mc:Fallback>
+      </mc:AlternateContent>
     </p:spTree>
     <p:extLst>
       <p:ext uri="{BB962C8B-B14F-4D97-AF65-F5344CB8AC3E}">
@@ -27612,7 +28956,7 @@
 </p:sld>
 </file>
 
-<file path=ppt/slides/slide52.xml><?xml version="1.0" encoding="utf-8"?>
+<file path=ppt/slides/slide53.xml><?xml version="1.0" encoding="utf-8"?>
 <p:sld xmlns:a="http://schemas.openxmlformats.org/drawingml/2006/main" xmlns:r="http://schemas.openxmlformats.org/officeDocument/2006/relationships" xmlns:p="http://schemas.openxmlformats.org/presentationml/2006/main">
   <p:cSld>
     <p:spTree>
@@ -28029,6 +29373,57 @@
           </a:p>
         </p:txBody>
       </p:sp>
+      <mc:AlternateContent xmlns:mc="http://schemas.openxmlformats.org/markup-compatibility/2006">
+        <mc:Choice xmlns:p14="http://schemas.microsoft.com/office/powerpoint/2010/main" Requires="p14">
+          <p:contentPart p14:bwMode="auto" r:id="rId2">
+            <p14:nvContentPartPr>
+              <p14:cNvPr id="4" name="Ink 3">
+                <a:extLst>
+                  <a:ext uri="{FF2B5EF4-FFF2-40B4-BE49-F238E27FC236}">
+                    <a16:creationId xmlns:a16="http://schemas.microsoft.com/office/drawing/2014/main" id="{5E421557-739B-C646-5BFC-A166F87A5153}"/>
+                  </a:ext>
+                </a:extLst>
+              </p14:cNvPr>
+              <p14:cNvContentPartPr/>
+              <p14:nvPr/>
+            </p14:nvContentPartPr>
+            <p14:xfrm>
+              <a:off x="6330960" y="4711680"/>
+              <a:ext cx="2298960" cy="140040"/>
+            </p14:xfrm>
+          </p:contentPart>
+        </mc:Choice>
+        <mc:Fallback>
+          <p:pic>
+            <p:nvPicPr>
+              <p:cNvPr id="4" name="Ink 3">
+                <a:extLst>
+                  <a:ext uri="{FF2B5EF4-FFF2-40B4-BE49-F238E27FC236}">
+                    <a16:creationId xmlns:a16="http://schemas.microsoft.com/office/drawing/2014/main" id="{5E421557-739B-C646-5BFC-A166F87A5153}"/>
+                  </a:ext>
+                </a:extLst>
+              </p:cNvPr>
+              <p:cNvPicPr/>
+              <p:nvPr/>
+            </p:nvPicPr>
+            <p:blipFill>
+              <a:blip r:embed="rId3"/>
+              <a:stretch>
+                <a:fillRect/>
+              </a:stretch>
+            </p:blipFill>
+            <p:spPr>
+              <a:xfrm>
+                <a:off x="6321600" y="4702320"/>
+                <a:ext cx="2317680" cy="158760"/>
+              </a:xfrm>
+              <a:prstGeom prst="rect">
+                <a:avLst/>
+              </a:prstGeom>
+            </p:spPr>
+          </p:pic>
+        </mc:Fallback>
+      </mc:AlternateContent>
     </p:spTree>
     <p:extLst>
       <p:ext uri="{BB962C8B-B14F-4D97-AF65-F5344CB8AC3E}">
@@ -28042,7 +29437,7 @@
 </p:sld>
 </file>
 
-<file path=ppt/slides/slide53.xml><?xml version="1.0" encoding="utf-8"?>
+<file path=ppt/slides/slide54.xml><?xml version="1.0" encoding="utf-8"?>
 <p:sld xmlns:a="http://schemas.openxmlformats.org/drawingml/2006/main" xmlns:r="http://schemas.openxmlformats.org/officeDocument/2006/relationships" xmlns:p="http://schemas.openxmlformats.org/presentationml/2006/main">
   <p:cSld>
     <p:spTree>
@@ -28560,6 +29955,57 @@
           </a:p>
         </p:txBody>
       </p:sp>
+      <mc:AlternateContent xmlns:mc="http://schemas.openxmlformats.org/markup-compatibility/2006">
+        <mc:Choice xmlns:p14="http://schemas.microsoft.com/office/powerpoint/2010/main" Requires="p14">
+          <p:contentPart p14:bwMode="auto" r:id="rId2">
+            <p14:nvContentPartPr>
+              <p14:cNvPr id="4" name="Ink 3">
+                <a:extLst>
+                  <a:ext uri="{FF2B5EF4-FFF2-40B4-BE49-F238E27FC236}">
+                    <a16:creationId xmlns:a16="http://schemas.microsoft.com/office/drawing/2014/main" id="{D683FAF6-B185-B2D6-C4CA-C4FDB628E24E}"/>
+                  </a:ext>
+                </a:extLst>
+              </p14:cNvPr>
+              <p14:cNvContentPartPr/>
+              <p14:nvPr/>
+            </p14:nvContentPartPr>
+            <p14:xfrm>
+              <a:off x="635040" y="3155040"/>
+              <a:ext cx="8477640" cy="2039760"/>
+            </p14:xfrm>
+          </p:contentPart>
+        </mc:Choice>
+        <mc:Fallback>
+          <p:pic>
+            <p:nvPicPr>
+              <p:cNvPr id="4" name="Ink 3">
+                <a:extLst>
+                  <a:ext uri="{FF2B5EF4-FFF2-40B4-BE49-F238E27FC236}">
+                    <a16:creationId xmlns:a16="http://schemas.microsoft.com/office/drawing/2014/main" id="{D683FAF6-B185-B2D6-C4CA-C4FDB628E24E}"/>
+                  </a:ext>
+                </a:extLst>
+              </p:cNvPr>
+              <p:cNvPicPr/>
+              <p:nvPr/>
+            </p:nvPicPr>
+            <p:blipFill>
+              <a:blip r:embed="rId3"/>
+              <a:stretch>
+                <a:fillRect/>
+              </a:stretch>
+            </p:blipFill>
+            <p:spPr>
+              <a:xfrm>
+                <a:off x="625680" y="3145680"/>
+                <a:ext cx="8496360" cy="2058480"/>
+              </a:xfrm>
+              <a:prstGeom prst="rect">
+                <a:avLst/>
+              </a:prstGeom>
+            </p:spPr>
+          </p:pic>
+        </mc:Fallback>
+      </mc:AlternateContent>
     </p:spTree>
     <p:extLst>
       <p:ext uri="{BB962C8B-B14F-4D97-AF65-F5344CB8AC3E}">
@@ -28573,7 +30019,7 @@
 </p:sld>
 </file>
 
-<file path=ppt/slides/slide54.xml><?xml version="1.0" encoding="utf-8"?>
+<file path=ppt/slides/slide55.xml><?xml version="1.0" encoding="utf-8"?>
 <p:sld xmlns:a="http://schemas.openxmlformats.org/drawingml/2006/main" xmlns:r="http://schemas.openxmlformats.org/officeDocument/2006/relationships" xmlns:p="http://schemas.openxmlformats.org/presentationml/2006/main">
   <p:cSld>
     <p:spTree>
@@ -28967,6 +30413,57 @@
           </a:p>
         </p:txBody>
       </p:sp>
+      <mc:AlternateContent xmlns:mc="http://schemas.openxmlformats.org/markup-compatibility/2006">
+        <mc:Choice xmlns:p14="http://schemas.microsoft.com/office/powerpoint/2010/main" Requires="p14">
+          <p:contentPart p14:bwMode="auto" r:id="rId2">
+            <p14:nvContentPartPr>
+              <p14:cNvPr id="4" name="Ink 3">
+                <a:extLst>
+                  <a:ext uri="{FF2B5EF4-FFF2-40B4-BE49-F238E27FC236}">
+                    <a16:creationId xmlns:a16="http://schemas.microsoft.com/office/drawing/2014/main" id="{4A65B0FA-2AE1-C226-F0C8-BD62D6F9E2D5}"/>
+                  </a:ext>
+                </a:extLst>
+              </p14:cNvPr>
+              <p14:cNvContentPartPr/>
+              <p14:nvPr/>
+            </p14:nvContentPartPr>
+            <p14:xfrm>
+              <a:off x="5213520" y="3625560"/>
+              <a:ext cx="3631680" cy="1512000"/>
+            </p14:xfrm>
+          </p:contentPart>
+        </mc:Choice>
+        <mc:Fallback>
+          <p:pic>
+            <p:nvPicPr>
+              <p:cNvPr id="4" name="Ink 3">
+                <a:extLst>
+                  <a:ext uri="{FF2B5EF4-FFF2-40B4-BE49-F238E27FC236}">
+                    <a16:creationId xmlns:a16="http://schemas.microsoft.com/office/drawing/2014/main" id="{4A65B0FA-2AE1-C226-F0C8-BD62D6F9E2D5}"/>
+                  </a:ext>
+                </a:extLst>
+              </p:cNvPr>
+              <p:cNvPicPr/>
+              <p:nvPr/>
+            </p:nvPicPr>
+            <p:blipFill>
+              <a:blip r:embed="rId3"/>
+              <a:stretch>
+                <a:fillRect/>
+              </a:stretch>
+            </p:blipFill>
+            <p:spPr>
+              <a:xfrm>
+                <a:off x="5204160" y="3616200"/>
+                <a:ext cx="3650400" cy="1530720"/>
+              </a:xfrm>
+              <a:prstGeom prst="rect">
+                <a:avLst/>
+              </a:prstGeom>
+            </p:spPr>
+          </p:pic>
+        </mc:Fallback>
+      </mc:AlternateContent>
     </p:spTree>
     <p:extLst>
       <p:ext uri="{BB962C8B-B14F-4D97-AF65-F5344CB8AC3E}">
@@ -28980,7 +30477,7 @@
 </p:sld>
 </file>
 
-<file path=ppt/slides/slide55.xml><?xml version="1.0" encoding="utf-8"?>
+<file path=ppt/slides/slide56.xml><?xml version="1.0" encoding="utf-8"?>
 <p:sld xmlns:a="http://schemas.openxmlformats.org/drawingml/2006/main" xmlns:r="http://schemas.openxmlformats.org/officeDocument/2006/relationships" xmlns:p="http://schemas.openxmlformats.org/presentationml/2006/main">
   <p:cSld>
     <p:spTree>
@@ -29543,7 +31040,7 @@
 </p:sld>
 </file>
 
-<file path=ppt/slides/slide56.xml><?xml version="1.0" encoding="utf-8"?>
+<file path=ppt/slides/slide57.xml><?xml version="1.0" encoding="utf-8"?>
 <p:sld xmlns:a="http://schemas.openxmlformats.org/drawingml/2006/main" xmlns:r="http://schemas.openxmlformats.org/officeDocument/2006/relationships" xmlns:p="http://schemas.openxmlformats.org/presentationml/2006/main">
   <p:cSld>
     <p:spTree>
@@ -30163,7 +31660,7 @@
 </p:sld>
 </file>
 
-<file path=ppt/slides/slide57.xml><?xml version="1.0" encoding="utf-8"?>
+<file path=ppt/slides/slide58.xml><?xml version="1.0" encoding="utf-8"?>
 <p:sld xmlns:a="http://schemas.openxmlformats.org/drawingml/2006/main" xmlns:r="http://schemas.openxmlformats.org/officeDocument/2006/relationships" xmlns:p="http://schemas.openxmlformats.org/presentationml/2006/main">
   <p:cSld>
     <p:spTree>
@@ -30919,7 +32416,7 @@
 </p:sld>
 </file>
 
-<file path=ppt/slides/slide58.xml><?xml version="1.0" encoding="utf-8"?>
+<file path=ppt/slides/slide59.xml><?xml version="1.0" encoding="utf-8"?>
 <p:sld xmlns:a="http://schemas.openxmlformats.org/drawingml/2006/main" xmlns:r="http://schemas.openxmlformats.org/officeDocument/2006/relationships" xmlns:p="http://schemas.openxmlformats.org/presentationml/2006/main">
   <p:cSld>
     <p:spTree>
@@ -31246,363 +32743,61 @@
           </a:p>
         </p:txBody>
       </p:sp>
+      <mc:AlternateContent xmlns:mc="http://schemas.openxmlformats.org/markup-compatibility/2006">
+        <mc:Choice xmlns:p14="http://schemas.microsoft.com/office/powerpoint/2010/main" Requires="p14">
+          <p:contentPart p14:bwMode="auto" r:id="rId2">
+            <p14:nvContentPartPr>
+              <p14:cNvPr id="4" name="Ink 3">
+                <a:extLst>
+                  <a:ext uri="{FF2B5EF4-FFF2-40B4-BE49-F238E27FC236}">
+                    <a16:creationId xmlns:a16="http://schemas.microsoft.com/office/drawing/2014/main" id="{E1780A5C-BB11-B3A2-FE44-0351638C516A}"/>
+                  </a:ext>
+                </a:extLst>
+              </p14:cNvPr>
+              <p14:cNvContentPartPr/>
+              <p14:nvPr/>
+            </p14:nvContentPartPr>
+            <p14:xfrm>
+              <a:off x="3505320" y="3441240"/>
+              <a:ext cx="2914920" cy="984960"/>
+            </p14:xfrm>
+          </p:contentPart>
+        </mc:Choice>
+        <mc:Fallback>
+          <p:pic>
+            <p:nvPicPr>
+              <p:cNvPr id="4" name="Ink 3">
+                <a:extLst>
+                  <a:ext uri="{FF2B5EF4-FFF2-40B4-BE49-F238E27FC236}">
+                    <a16:creationId xmlns:a16="http://schemas.microsoft.com/office/drawing/2014/main" id="{E1780A5C-BB11-B3A2-FE44-0351638C516A}"/>
+                  </a:ext>
+                </a:extLst>
+              </p:cNvPr>
+              <p:cNvPicPr/>
+              <p:nvPr/>
+            </p:nvPicPr>
+            <p:blipFill>
+              <a:blip r:embed="rId3"/>
+              <a:stretch>
+                <a:fillRect/>
+              </a:stretch>
+            </p:blipFill>
+            <p:spPr>
+              <a:xfrm>
+                <a:off x="3495960" y="3431880"/>
+                <a:ext cx="2933640" cy="1003680"/>
+              </a:xfrm>
+              <a:prstGeom prst="rect">
+                <a:avLst/>
+              </a:prstGeom>
+            </p:spPr>
+          </p:pic>
+        </mc:Fallback>
+      </mc:AlternateContent>
     </p:spTree>
     <p:extLst>
       <p:ext uri="{BB962C8B-B14F-4D97-AF65-F5344CB8AC3E}">
         <p14:creationId xmlns:p14="http://schemas.microsoft.com/office/powerpoint/2010/main" val="68701332"/>
-      </p:ext>
-    </p:extLst>
-  </p:cSld>
-  <p:clrMapOvr>
-    <a:masterClrMapping/>
-  </p:clrMapOvr>
-</p:sld>
-</file>
-
-<file path=ppt/slides/slide59.xml><?xml version="1.0" encoding="utf-8"?>
-<p:sld xmlns:a="http://schemas.openxmlformats.org/drawingml/2006/main" xmlns:r="http://schemas.openxmlformats.org/officeDocument/2006/relationships" xmlns:p="http://schemas.openxmlformats.org/presentationml/2006/main">
-  <p:cSld>
-    <p:spTree>
-      <p:nvGrpSpPr>
-        <p:cNvPr id="1" name="">
-          <a:extLst>
-            <a:ext uri="{FF2B5EF4-FFF2-40B4-BE49-F238E27FC236}">
-              <a16:creationId xmlns:a16="http://schemas.microsoft.com/office/drawing/2014/main" id="{F6D0E42A-ADA1-48B9-F0CB-5ED15C27A1A9}"/>
-            </a:ext>
-          </a:extLst>
-        </p:cNvPr>
-        <p:cNvGrpSpPr/>
-        <p:nvPr/>
-      </p:nvGrpSpPr>
-      <p:grpSpPr>
-        <a:xfrm>
-          <a:off x="0" y="0"/>
-          <a:ext cx="0" cy="0"/>
-          <a:chOff x="0" y="0"/>
-          <a:chExt cx="0" cy="0"/>
-        </a:xfrm>
-      </p:grpSpPr>
-      <p:sp>
-        <p:nvSpPr>
-          <p:cNvPr id="2" name="Title 1">
-            <a:extLst>
-              <a:ext uri="{FF2B5EF4-FFF2-40B4-BE49-F238E27FC236}">
-                <a16:creationId xmlns:a16="http://schemas.microsoft.com/office/drawing/2014/main" id="{6271A3FC-1148-C854-CFA6-C7B131601ACF}"/>
-              </a:ext>
-            </a:extLst>
-          </p:cNvPr>
-          <p:cNvSpPr>
-            <a:spLocks noGrp="1"/>
-          </p:cNvSpPr>
-          <p:nvPr>
-            <p:ph type="title"/>
-          </p:nvPr>
-        </p:nvSpPr>
-        <p:spPr>
-          <a:xfrm>
-            <a:off x="838200" y="365125"/>
-            <a:ext cx="2766848" cy="1325563"/>
-          </a:xfrm>
-        </p:spPr>
-        <p:txBody>
-          <a:bodyPr/>
-          <a:lstStyle/>
-          <a:p>
-            <a:r>
-              <a:rPr lang="en-US" dirty="0"/>
-              <a:t>Recursion</a:t>
-            </a:r>
-          </a:p>
-        </p:txBody>
-      </p:sp>
-      <p:sp>
-        <p:nvSpPr>
-          <p:cNvPr id="3" name="TextBox 2">
-            <a:extLst>
-              <a:ext uri="{FF2B5EF4-FFF2-40B4-BE49-F238E27FC236}">
-                <a16:creationId xmlns:a16="http://schemas.microsoft.com/office/drawing/2014/main" id="{D5D62FCA-3A04-BF0A-E5EB-31C380120B9B}"/>
-              </a:ext>
-            </a:extLst>
-          </p:cNvPr>
-          <p:cNvSpPr txBox="1"/>
-          <p:nvPr/>
-        </p:nvSpPr>
-        <p:spPr>
-          <a:xfrm>
-            <a:off x="4363586" y="1229023"/>
-            <a:ext cx="2245033" cy="1200329"/>
-          </a:xfrm>
-          <a:prstGeom prst="rect">
-            <a:avLst/>
-          </a:prstGeom>
-          <a:solidFill>
-            <a:schemeClr val="accent3">
-              <a:lumMod val="20000"/>
-              <a:lumOff val="80000"/>
-            </a:schemeClr>
-          </a:solidFill>
-        </p:spPr>
-        <p:txBody>
-          <a:bodyPr wrap="square" rtlCol="0">
-            <a:spAutoFit/>
-          </a:bodyPr>
-          <a:lstStyle/>
-          <a:p>
-            <a:pPr algn="ctr"/>
-            <a:r>
-              <a:rPr lang="en-US" dirty="0">
-                <a:cs typeface="Consolas" panose="020B0609020204030204" pitchFamily="49" charset="0"/>
-              </a:rPr>
-              <a:t>This function is a modification of </a:t>
-            </a:r>
-            <a:r>
-              <a:rPr lang="en-US" dirty="0" err="1">
-                <a:latin typeface="Consolas" panose="020B0609020204030204" pitchFamily="49" charset="0"/>
-                <a:cs typeface="Consolas" panose="020B0609020204030204" pitchFamily="49" charset="0"/>
-              </a:rPr>
-              <a:t>say_hello</a:t>
-            </a:r>
-            <a:r>
-              <a:rPr lang="en-US" dirty="0">
-                <a:cs typeface="Consolas" panose="020B0609020204030204" pitchFamily="49" charset="0"/>
-              </a:rPr>
-              <a:t>, but just printing numbers …</a:t>
-            </a:r>
-          </a:p>
-        </p:txBody>
-      </p:sp>
-      <p:sp>
-        <p:nvSpPr>
-          <p:cNvPr id="7" name="TextBox 6">
-            <a:extLst>
-              <a:ext uri="{FF2B5EF4-FFF2-40B4-BE49-F238E27FC236}">
-                <a16:creationId xmlns:a16="http://schemas.microsoft.com/office/drawing/2014/main" id="{A5BCB2B8-008E-38A9-7E53-6207532CE2E5}"/>
-              </a:ext>
-            </a:extLst>
-          </p:cNvPr>
-          <p:cNvSpPr txBox="1"/>
-          <p:nvPr/>
-        </p:nvSpPr>
-        <p:spPr>
-          <a:xfrm>
-            <a:off x="2919846" y="3117273"/>
-            <a:ext cx="4432624" cy="2308324"/>
-          </a:xfrm>
-          <a:prstGeom prst="rect">
-            <a:avLst/>
-          </a:prstGeom>
-          <a:noFill/>
-        </p:spPr>
-        <p:txBody>
-          <a:bodyPr wrap="none" rtlCol="0">
-            <a:spAutoFit/>
-          </a:bodyPr>
-          <a:lstStyle/>
-          <a:p>
-            <a:r>
-              <a:rPr lang="en-US" sz="2400" dirty="0">
-                <a:latin typeface="Consolas" panose="020B0609020204030204" pitchFamily="49" charset="0"/>
-                <a:cs typeface="Consolas" panose="020B0609020204030204" pitchFamily="49" charset="0"/>
-              </a:rPr>
-              <a:t>void </a:t>
-            </a:r>
-            <a:r>
-              <a:rPr lang="en-US" sz="2400" dirty="0" err="1">
-                <a:latin typeface="Consolas" panose="020B0609020204030204" pitchFamily="49" charset="0"/>
-                <a:cs typeface="Consolas" panose="020B0609020204030204" pitchFamily="49" charset="0"/>
-              </a:rPr>
-              <a:t>count_down</a:t>
-            </a:r>
-            <a:r>
-              <a:rPr lang="en-US" sz="2400" dirty="0">
-                <a:latin typeface="Consolas" panose="020B0609020204030204" pitchFamily="49" charset="0"/>
-                <a:cs typeface="Consolas" panose="020B0609020204030204" pitchFamily="49" charset="0"/>
-              </a:rPr>
-              <a:t>(int n) {</a:t>
-            </a:r>
-          </a:p>
-          <a:p>
-            <a:r>
-              <a:rPr lang="en-US" sz="2400" dirty="0">
-                <a:latin typeface="Consolas" panose="020B0609020204030204" pitchFamily="49" charset="0"/>
-                <a:cs typeface="Consolas" panose="020B0609020204030204" pitchFamily="49" charset="0"/>
-              </a:rPr>
-              <a:t>   if (n &gt; 0) {</a:t>
-            </a:r>
-          </a:p>
-          <a:p>
-            <a:r>
-              <a:rPr lang="en-US" sz="2400" dirty="0">
-                <a:latin typeface="Consolas" panose="020B0609020204030204" pitchFamily="49" charset="0"/>
-                <a:cs typeface="Consolas" panose="020B0609020204030204" pitchFamily="49" charset="0"/>
-              </a:rPr>
-              <a:t>      </a:t>
-            </a:r>
-            <a:r>
-              <a:rPr lang="en-US" sz="2400" dirty="0" err="1">
-                <a:latin typeface="Consolas" panose="020B0609020204030204" pitchFamily="49" charset="0"/>
-                <a:cs typeface="Consolas" panose="020B0609020204030204" pitchFamily="49" charset="0"/>
-              </a:rPr>
-              <a:t>cout</a:t>
-            </a:r>
-            <a:r>
-              <a:rPr lang="en-US" sz="2400" dirty="0">
-                <a:latin typeface="Consolas" panose="020B0609020204030204" pitchFamily="49" charset="0"/>
-                <a:cs typeface="Consolas" panose="020B0609020204030204" pitchFamily="49" charset="0"/>
-              </a:rPr>
-              <a:t> &lt;&lt; n &lt;&lt; "\n";</a:t>
-            </a:r>
-          </a:p>
-          <a:p>
-            <a:r>
-              <a:rPr lang="en-US" sz="2400" dirty="0">
-                <a:latin typeface="Consolas" panose="020B0609020204030204" pitchFamily="49" charset="0"/>
-                <a:cs typeface="Consolas" panose="020B0609020204030204" pitchFamily="49" charset="0"/>
-              </a:rPr>
-              <a:t>      </a:t>
-            </a:r>
-            <a:r>
-              <a:rPr lang="en-US" sz="2400" dirty="0" err="1">
-                <a:latin typeface="Consolas" panose="020B0609020204030204" pitchFamily="49" charset="0"/>
-                <a:cs typeface="Consolas" panose="020B0609020204030204" pitchFamily="49" charset="0"/>
-              </a:rPr>
-              <a:t>count_down</a:t>
-            </a:r>
-            <a:r>
-              <a:rPr lang="en-US" sz="2400" dirty="0">
-                <a:latin typeface="Consolas" panose="020B0609020204030204" pitchFamily="49" charset="0"/>
-                <a:cs typeface="Consolas" panose="020B0609020204030204" pitchFamily="49" charset="0"/>
-              </a:rPr>
-              <a:t>(n - 1); </a:t>
-            </a:r>
-          </a:p>
-          <a:p>
-            <a:r>
-              <a:rPr lang="en-US" sz="2400" dirty="0">
-                <a:latin typeface="Consolas" panose="020B0609020204030204" pitchFamily="49" charset="0"/>
-                <a:cs typeface="Consolas" panose="020B0609020204030204" pitchFamily="49" charset="0"/>
-              </a:rPr>
-              <a:t>   }</a:t>
-            </a:r>
-          </a:p>
-          <a:p>
-            <a:r>
-              <a:rPr lang="en-US" sz="2400" dirty="0">
-                <a:latin typeface="Consolas" panose="020B0609020204030204" pitchFamily="49" charset="0"/>
-                <a:cs typeface="Consolas" panose="020B0609020204030204" pitchFamily="49" charset="0"/>
-              </a:rPr>
-              <a:t>}</a:t>
-            </a:r>
-          </a:p>
-        </p:txBody>
-      </p:sp>
-      <p:sp>
-        <p:nvSpPr>
-          <p:cNvPr id="9" name="TextBox 8">
-            <a:extLst>
-              <a:ext uri="{FF2B5EF4-FFF2-40B4-BE49-F238E27FC236}">
-                <a16:creationId xmlns:a16="http://schemas.microsoft.com/office/drawing/2014/main" id="{64FA6B3B-C92E-2F44-22AA-D843D9909BBB}"/>
-              </a:ext>
-            </a:extLst>
-          </p:cNvPr>
-          <p:cNvSpPr txBox="1"/>
-          <p:nvPr/>
-        </p:nvSpPr>
-        <p:spPr>
-          <a:xfrm>
-            <a:off x="9339683" y="2747941"/>
-            <a:ext cx="2393604" cy="2677656"/>
-          </a:xfrm>
-          <a:prstGeom prst="rect">
-            <a:avLst/>
-          </a:prstGeom>
-          <a:noFill/>
-        </p:spPr>
-        <p:txBody>
-          <a:bodyPr wrap="none" rtlCol="0">
-            <a:spAutoFit/>
-          </a:bodyPr>
-          <a:lstStyle/>
-          <a:p>
-            <a:pPr algn="ctr"/>
-            <a:r>
-              <a:rPr lang="en-US" sz="2400" dirty="0" err="1">
-                <a:latin typeface="Consolas" panose="020B0609020204030204" pitchFamily="49" charset="0"/>
-                <a:cs typeface="Consolas" panose="020B0609020204030204" pitchFamily="49" charset="0"/>
-              </a:rPr>
-              <a:t>count_down</a:t>
-            </a:r>
-            <a:r>
-              <a:rPr lang="en-US" sz="2400" dirty="0">
-                <a:latin typeface="Consolas" panose="020B0609020204030204" pitchFamily="49" charset="0"/>
-                <a:cs typeface="Consolas" panose="020B0609020204030204" pitchFamily="49" charset="0"/>
-              </a:rPr>
-              <a:t>(5)</a:t>
-            </a:r>
-          </a:p>
-          <a:p>
-            <a:pPr algn="ctr"/>
-            <a:endParaRPr lang="en-US" sz="2400" dirty="0">
-              <a:latin typeface="Consolas" panose="020B0609020204030204" pitchFamily="49" charset="0"/>
-              <a:cs typeface="Consolas" panose="020B0609020204030204" pitchFamily="49" charset="0"/>
-            </a:endParaRPr>
-          </a:p>
-          <a:p>
-            <a:pPr algn="ctr"/>
-            <a:r>
-              <a:rPr lang="en-US" sz="2400" dirty="0">
-                <a:latin typeface="Consolas" panose="020B0609020204030204" pitchFamily="49" charset="0"/>
-                <a:cs typeface="Consolas" panose="020B0609020204030204" pitchFamily="49" charset="0"/>
-              </a:rPr>
-              <a:t>5</a:t>
-            </a:r>
-          </a:p>
-          <a:p>
-            <a:pPr algn="ctr"/>
-            <a:r>
-              <a:rPr lang="en-US" sz="2400" dirty="0">
-                <a:latin typeface="Consolas" panose="020B0609020204030204" pitchFamily="49" charset="0"/>
-                <a:cs typeface="Consolas" panose="020B0609020204030204" pitchFamily="49" charset="0"/>
-              </a:rPr>
-              <a:t>4</a:t>
-            </a:r>
-          </a:p>
-          <a:p>
-            <a:pPr algn="ctr"/>
-            <a:r>
-              <a:rPr lang="en-US" sz="2400" dirty="0">
-                <a:latin typeface="Consolas" panose="020B0609020204030204" pitchFamily="49" charset="0"/>
-                <a:cs typeface="Consolas" panose="020B0609020204030204" pitchFamily="49" charset="0"/>
-              </a:rPr>
-              <a:t>3</a:t>
-            </a:r>
-          </a:p>
-          <a:p>
-            <a:pPr algn="ctr"/>
-            <a:r>
-              <a:rPr lang="en-US" sz="2400" dirty="0">
-                <a:latin typeface="Consolas" panose="020B0609020204030204" pitchFamily="49" charset="0"/>
-                <a:cs typeface="Consolas" panose="020B0609020204030204" pitchFamily="49" charset="0"/>
-              </a:rPr>
-              <a:t>2</a:t>
-            </a:r>
-          </a:p>
-          <a:p>
-            <a:pPr algn="ctr"/>
-            <a:r>
-              <a:rPr lang="en-US" sz="2400" dirty="0">
-                <a:latin typeface="Consolas" panose="020B0609020204030204" pitchFamily="49" charset="0"/>
-                <a:cs typeface="Consolas" panose="020B0609020204030204" pitchFamily="49" charset="0"/>
-              </a:rPr>
-              <a:t>1</a:t>
-            </a:r>
-          </a:p>
-        </p:txBody>
-      </p:sp>
-    </p:spTree>
-    <p:extLst>
-      <p:ext uri="{BB962C8B-B14F-4D97-AF65-F5344CB8AC3E}">
-        <p14:creationId xmlns:p14="http://schemas.microsoft.com/office/powerpoint/2010/main" val="3204258560"/>
       </p:ext>
     </p:extLst>
   </p:cSld>
@@ -32116,6 +33311,410 @@
         <p:cNvPr id="1" name="">
           <a:extLst>
             <a:ext uri="{FF2B5EF4-FFF2-40B4-BE49-F238E27FC236}">
+              <a16:creationId xmlns:a16="http://schemas.microsoft.com/office/drawing/2014/main" id="{F6D0E42A-ADA1-48B9-F0CB-5ED15C27A1A9}"/>
+            </a:ext>
+          </a:extLst>
+        </p:cNvPr>
+        <p:cNvGrpSpPr/>
+        <p:nvPr/>
+      </p:nvGrpSpPr>
+      <p:grpSpPr>
+        <a:xfrm>
+          <a:off x="0" y="0"/>
+          <a:ext cx="0" cy="0"/>
+          <a:chOff x="0" y="0"/>
+          <a:chExt cx="0" cy="0"/>
+        </a:xfrm>
+      </p:grpSpPr>
+      <p:sp>
+        <p:nvSpPr>
+          <p:cNvPr id="2" name="Title 1">
+            <a:extLst>
+              <a:ext uri="{FF2B5EF4-FFF2-40B4-BE49-F238E27FC236}">
+                <a16:creationId xmlns:a16="http://schemas.microsoft.com/office/drawing/2014/main" id="{6271A3FC-1148-C854-CFA6-C7B131601ACF}"/>
+              </a:ext>
+            </a:extLst>
+          </p:cNvPr>
+          <p:cNvSpPr>
+            <a:spLocks noGrp="1"/>
+          </p:cNvSpPr>
+          <p:nvPr>
+            <p:ph type="title"/>
+          </p:nvPr>
+        </p:nvSpPr>
+        <p:spPr>
+          <a:xfrm>
+            <a:off x="838200" y="365125"/>
+            <a:ext cx="2766848" cy="1325563"/>
+          </a:xfrm>
+        </p:spPr>
+        <p:txBody>
+          <a:bodyPr/>
+          <a:lstStyle/>
+          <a:p>
+            <a:r>
+              <a:rPr lang="en-US" dirty="0"/>
+              <a:t>Recursion</a:t>
+            </a:r>
+          </a:p>
+        </p:txBody>
+      </p:sp>
+      <p:sp>
+        <p:nvSpPr>
+          <p:cNvPr id="3" name="TextBox 2">
+            <a:extLst>
+              <a:ext uri="{FF2B5EF4-FFF2-40B4-BE49-F238E27FC236}">
+                <a16:creationId xmlns:a16="http://schemas.microsoft.com/office/drawing/2014/main" id="{D5D62FCA-3A04-BF0A-E5EB-31C380120B9B}"/>
+              </a:ext>
+            </a:extLst>
+          </p:cNvPr>
+          <p:cNvSpPr txBox="1"/>
+          <p:nvPr/>
+        </p:nvSpPr>
+        <p:spPr>
+          <a:xfrm>
+            <a:off x="4363586" y="1229023"/>
+            <a:ext cx="2245033" cy="1200329"/>
+          </a:xfrm>
+          <a:prstGeom prst="rect">
+            <a:avLst/>
+          </a:prstGeom>
+          <a:solidFill>
+            <a:schemeClr val="accent3">
+              <a:lumMod val="20000"/>
+              <a:lumOff val="80000"/>
+            </a:schemeClr>
+          </a:solidFill>
+        </p:spPr>
+        <p:txBody>
+          <a:bodyPr wrap="square" rtlCol="0">
+            <a:spAutoFit/>
+          </a:bodyPr>
+          <a:lstStyle/>
+          <a:p>
+            <a:pPr algn="ctr"/>
+            <a:r>
+              <a:rPr lang="en-US" dirty="0">
+                <a:cs typeface="Consolas" panose="020B0609020204030204" pitchFamily="49" charset="0"/>
+              </a:rPr>
+              <a:t>This function is a modification of </a:t>
+            </a:r>
+            <a:r>
+              <a:rPr lang="en-US" dirty="0" err="1">
+                <a:latin typeface="Consolas" panose="020B0609020204030204" pitchFamily="49" charset="0"/>
+                <a:cs typeface="Consolas" panose="020B0609020204030204" pitchFamily="49" charset="0"/>
+              </a:rPr>
+              <a:t>say_hello</a:t>
+            </a:r>
+            <a:r>
+              <a:rPr lang="en-US" dirty="0">
+                <a:cs typeface="Consolas" panose="020B0609020204030204" pitchFamily="49" charset="0"/>
+              </a:rPr>
+              <a:t>, but just printing numbers …</a:t>
+            </a:r>
+          </a:p>
+        </p:txBody>
+      </p:sp>
+      <p:sp>
+        <p:nvSpPr>
+          <p:cNvPr id="7" name="TextBox 6">
+            <a:extLst>
+              <a:ext uri="{FF2B5EF4-FFF2-40B4-BE49-F238E27FC236}">
+                <a16:creationId xmlns:a16="http://schemas.microsoft.com/office/drawing/2014/main" id="{A5BCB2B8-008E-38A9-7E53-6207532CE2E5}"/>
+              </a:ext>
+            </a:extLst>
+          </p:cNvPr>
+          <p:cNvSpPr txBox="1"/>
+          <p:nvPr/>
+        </p:nvSpPr>
+        <p:spPr>
+          <a:xfrm>
+            <a:off x="2919846" y="3117273"/>
+            <a:ext cx="4432624" cy="2308324"/>
+          </a:xfrm>
+          <a:prstGeom prst="rect">
+            <a:avLst/>
+          </a:prstGeom>
+          <a:noFill/>
+        </p:spPr>
+        <p:txBody>
+          <a:bodyPr wrap="none" rtlCol="0">
+            <a:spAutoFit/>
+          </a:bodyPr>
+          <a:lstStyle/>
+          <a:p>
+            <a:r>
+              <a:rPr lang="en-US" sz="2400" dirty="0">
+                <a:latin typeface="Consolas" panose="020B0609020204030204" pitchFamily="49" charset="0"/>
+                <a:cs typeface="Consolas" panose="020B0609020204030204" pitchFamily="49" charset="0"/>
+              </a:rPr>
+              <a:t>void </a:t>
+            </a:r>
+            <a:r>
+              <a:rPr lang="en-US" sz="2400" dirty="0" err="1">
+                <a:latin typeface="Consolas" panose="020B0609020204030204" pitchFamily="49" charset="0"/>
+                <a:cs typeface="Consolas" panose="020B0609020204030204" pitchFamily="49" charset="0"/>
+              </a:rPr>
+              <a:t>count_down</a:t>
+            </a:r>
+            <a:r>
+              <a:rPr lang="en-US" sz="2400" dirty="0">
+                <a:latin typeface="Consolas" panose="020B0609020204030204" pitchFamily="49" charset="0"/>
+                <a:cs typeface="Consolas" panose="020B0609020204030204" pitchFamily="49" charset="0"/>
+              </a:rPr>
+              <a:t>(int n) {</a:t>
+            </a:r>
+          </a:p>
+          <a:p>
+            <a:r>
+              <a:rPr lang="en-US" sz="2400" dirty="0">
+                <a:latin typeface="Consolas" panose="020B0609020204030204" pitchFamily="49" charset="0"/>
+                <a:cs typeface="Consolas" panose="020B0609020204030204" pitchFamily="49" charset="0"/>
+              </a:rPr>
+              <a:t>   if (n &gt; 0) {</a:t>
+            </a:r>
+          </a:p>
+          <a:p>
+            <a:r>
+              <a:rPr lang="en-US" sz="2400" dirty="0">
+                <a:latin typeface="Consolas" panose="020B0609020204030204" pitchFamily="49" charset="0"/>
+                <a:cs typeface="Consolas" panose="020B0609020204030204" pitchFamily="49" charset="0"/>
+              </a:rPr>
+              <a:t>      </a:t>
+            </a:r>
+            <a:r>
+              <a:rPr lang="en-US" sz="2400" dirty="0" err="1">
+                <a:latin typeface="Consolas" panose="020B0609020204030204" pitchFamily="49" charset="0"/>
+                <a:cs typeface="Consolas" panose="020B0609020204030204" pitchFamily="49" charset="0"/>
+              </a:rPr>
+              <a:t>cout</a:t>
+            </a:r>
+            <a:r>
+              <a:rPr lang="en-US" sz="2400" dirty="0">
+                <a:latin typeface="Consolas" panose="020B0609020204030204" pitchFamily="49" charset="0"/>
+                <a:cs typeface="Consolas" panose="020B0609020204030204" pitchFamily="49" charset="0"/>
+              </a:rPr>
+              <a:t> &lt;&lt; n &lt;&lt; "\n";</a:t>
+            </a:r>
+          </a:p>
+          <a:p>
+            <a:r>
+              <a:rPr lang="en-US" sz="2400" dirty="0">
+                <a:latin typeface="Consolas" panose="020B0609020204030204" pitchFamily="49" charset="0"/>
+                <a:cs typeface="Consolas" panose="020B0609020204030204" pitchFamily="49" charset="0"/>
+              </a:rPr>
+              <a:t>      </a:t>
+            </a:r>
+            <a:r>
+              <a:rPr lang="en-US" sz="2400" dirty="0" err="1">
+                <a:latin typeface="Consolas" panose="020B0609020204030204" pitchFamily="49" charset="0"/>
+                <a:cs typeface="Consolas" panose="020B0609020204030204" pitchFamily="49" charset="0"/>
+              </a:rPr>
+              <a:t>count_down</a:t>
+            </a:r>
+            <a:r>
+              <a:rPr lang="en-US" sz="2400" dirty="0">
+                <a:latin typeface="Consolas" panose="020B0609020204030204" pitchFamily="49" charset="0"/>
+                <a:cs typeface="Consolas" panose="020B0609020204030204" pitchFamily="49" charset="0"/>
+              </a:rPr>
+              <a:t>(n - 1); </a:t>
+            </a:r>
+          </a:p>
+          <a:p>
+            <a:r>
+              <a:rPr lang="en-US" sz="2400" dirty="0">
+                <a:latin typeface="Consolas" panose="020B0609020204030204" pitchFamily="49" charset="0"/>
+                <a:cs typeface="Consolas" panose="020B0609020204030204" pitchFamily="49" charset="0"/>
+              </a:rPr>
+              <a:t>   }</a:t>
+            </a:r>
+          </a:p>
+          <a:p>
+            <a:r>
+              <a:rPr lang="en-US" sz="2400" dirty="0">
+                <a:latin typeface="Consolas" panose="020B0609020204030204" pitchFamily="49" charset="0"/>
+                <a:cs typeface="Consolas" panose="020B0609020204030204" pitchFamily="49" charset="0"/>
+              </a:rPr>
+              <a:t>}</a:t>
+            </a:r>
+          </a:p>
+        </p:txBody>
+      </p:sp>
+      <p:sp>
+        <p:nvSpPr>
+          <p:cNvPr id="9" name="TextBox 8">
+            <a:extLst>
+              <a:ext uri="{FF2B5EF4-FFF2-40B4-BE49-F238E27FC236}">
+                <a16:creationId xmlns:a16="http://schemas.microsoft.com/office/drawing/2014/main" id="{64FA6B3B-C92E-2F44-22AA-D843D9909BBB}"/>
+              </a:ext>
+            </a:extLst>
+          </p:cNvPr>
+          <p:cNvSpPr txBox="1"/>
+          <p:nvPr/>
+        </p:nvSpPr>
+        <p:spPr>
+          <a:xfrm>
+            <a:off x="9339683" y="2747941"/>
+            <a:ext cx="2393604" cy="2677656"/>
+          </a:xfrm>
+          <a:prstGeom prst="rect">
+            <a:avLst/>
+          </a:prstGeom>
+          <a:noFill/>
+        </p:spPr>
+        <p:txBody>
+          <a:bodyPr wrap="none" rtlCol="0">
+            <a:spAutoFit/>
+          </a:bodyPr>
+          <a:lstStyle/>
+          <a:p>
+            <a:pPr algn="ctr"/>
+            <a:r>
+              <a:rPr lang="en-US" sz="2400" dirty="0" err="1">
+                <a:latin typeface="Consolas" panose="020B0609020204030204" pitchFamily="49" charset="0"/>
+                <a:cs typeface="Consolas" panose="020B0609020204030204" pitchFamily="49" charset="0"/>
+              </a:rPr>
+              <a:t>count_down</a:t>
+            </a:r>
+            <a:r>
+              <a:rPr lang="en-US" sz="2400" dirty="0">
+                <a:latin typeface="Consolas" panose="020B0609020204030204" pitchFamily="49" charset="0"/>
+                <a:cs typeface="Consolas" panose="020B0609020204030204" pitchFamily="49" charset="0"/>
+              </a:rPr>
+              <a:t>(5)</a:t>
+            </a:r>
+          </a:p>
+          <a:p>
+            <a:pPr algn="ctr"/>
+            <a:endParaRPr lang="en-US" sz="2400" dirty="0">
+              <a:latin typeface="Consolas" panose="020B0609020204030204" pitchFamily="49" charset="0"/>
+              <a:cs typeface="Consolas" panose="020B0609020204030204" pitchFamily="49" charset="0"/>
+            </a:endParaRPr>
+          </a:p>
+          <a:p>
+            <a:pPr algn="ctr"/>
+            <a:r>
+              <a:rPr lang="en-US" sz="2400" dirty="0">
+                <a:latin typeface="Consolas" panose="020B0609020204030204" pitchFamily="49" charset="0"/>
+                <a:cs typeface="Consolas" panose="020B0609020204030204" pitchFamily="49" charset="0"/>
+              </a:rPr>
+              <a:t>5</a:t>
+            </a:r>
+          </a:p>
+          <a:p>
+            <a:pPr algn="ctr"/>
+            <a:r>
+              <a:rPr lang="en-US" sz="2400" dirty="0">
+                <a:latin typeface="Consolas" panose="020B0609020204030204" pitchFamily="49" charset="0"/>
+                <a:cs typeface="Consolas" panose="020B0609020204030204" pitchFamily="49" charset="0"/>
+              </a:rPr>
+              <a:t>4</a:t>
+            </a:r>
+          </a:p>
+          <a:p>
+            <a:pPr algn="ctr"/>
+            <a:r>
+              <a:rPr lang="en-US" sz="2400" dirty="0">
+                <a:latin typeface="Consolas" panose="020B0609020204030204" pitchFamily="49" charset="0"/>
+                <a:cs typeface="Consolas" panose="020B0609020204030204" pitchFamily="49" charset="0"/>
+              </a:rPr>
+              <a:t>3</a:t>
+            </a:r>
+          </a:p>
+          <a:p>
+            <a:pPr algn="ctr"/>
+            <a:r>
+              <a:rPr lang="en-US" sz="2400" dirty="0">
+                <a:latin typeface="Consolas" panose="020B0609020204030204" pitchFamily="49" charset="0"/>
+                <a:cs typeface="Consolas" panose="020B0609020204030204" pitchFamily="49" charset="0"/>
+              </a:rPr>
+              <a:t>2</a:t>
+            </a:r>
+          </a:p>
+          <a:p>
+            <a:pPr algn="ctr"/>
+            <a:r>
+              <a:rPr lang="en-US" sz="2400" dirty="0">
+                <a:latin typeface="Consolas" panose="020B0609020204030204" pitchFamily="49" charset="0"/>
+                <a:cs typeface="Consolas" panose="020B0609020204030204" pitchFamily="49" charset="0"/>
+              </a:rPr>
+              <a:t>1</a:t>
+            </a:r>
+          </a:p>
+        </p:txBody>
+      </p:sp>
+      <mc:AlternateContent xmlns:mc="http://schemas.openxmlformats.org/markup-compatibility/2006">
+        <mc:Choice xmlns:p14="http://schemas.microsoft.com/office/powerpoint/2010/main" Requires="p14">
+          <p:contentPart p14:bwMode="auto" r:id="rId2">
+            <p14:nvContentPartPr>
+              <p14:cNvPr id="4" name="Ink 3">
+                <a:extLst>
+                  <a:ext uri="{FF2B5EF4-FFF2-40B4-BE49-F238E27FC236}">
+                    <a16:creationId xmlns:a16="http://schemas.microsoft.com/office/drawing/2014/main" id="{CEACED12-10A0-0190-1F85-A91789F864DB}"/>
+                  </a:ext>
+                </a:extLst>
+              </p14:cNvPr>
+              <p14:cNvContentPartPr/>
+              <p14:nvPr/>
+            </p14:nvContentPartPr>
+            <p14:xfrm>
+              <a:off x="4292640" y="3898800"/>
+              <a:ext cx="692640" cy="13320"/>
+            </p14:xfrm>
+          </p:contentPart>
+        </mc:Choice>
+        <mc:Fallback>
+          <p:pic>
+            <p:nvPicPr>
+              <p:cNvPr id="4" name="Ink 3">
+                <a:extLst>
+                  <a:ext uri="{FF2B5EF4-FFF2-40B4-BE49-F238E27FC236}">
+                    <a16:creationId xmlns:a16="http://schemas.microsoft.com/office/drawing/2014/main" id="{CEACED12-10A0-0190-1F85-A91789F864DB}"/>
+                  </a:ext>
+                </a:extLst>
+              </p:cNvPr>
+              <p:cNvPicPr/>
+              <p:nvPr/>
+            </p:nvPicPr>
+            <p:blipFill>
+              <a:blip r:embed="rId3"/>
+              <a:stretch>
+                <a:fillRect/>
+              </a:stretch>
+            </p:blipFill>
+            <p:spPr>
+              <a:xfrm>
+                <a:off x="4283280" y="3889440"/>
+                <a:ext cx="711360" cy="32040"/>
+              </a:xfrm>
+              <a:prstGeom prst="rect">
+                <a:avLst/>
+              </a:prstGeom>
+            </p:spPr>
+          </p:pic>
+        </mc:Fallback>
+      </mc:AlternateContent>
+    </p:spTree>
+    <p:extLst>
+      <p:ext uri="{BB962C8B-B14F-4D97-AF65-F5344CB8AC3E}">
+        <p14:creationId xmlns:p14="http://schemas.microsoft.com/office/powerpoint/2010/main" val="3204258560"/>
+      </p:ext>
+    </p:extLst>
+  </p:cSld>
+  <p:clrMapOvr>
+    <a:masterClrMapping/>
+  </p:clrMapOvr>
+</p:sld>
+</file>
+
+<file path=ppt/slides/slide61.xml><?xml version="1.0" encoding="utf-8"?>
+<p:sld xmlns:a="http://schemas.openxmlformats.org/drawingml/2006/main" xmlns:r="http://schemas.openxmlformats.org/officeDocument/2006/relationships" xmlns:p="http://schemas.openxmlformats.org/presentationml/2006/main">
+  <p:cSld>
+    <p:spTree>
+      <p:nvGrpSpPr>
+        <p:cNvPr id="1" name="">
+          <a:extLst>
+            <a:ext uri="{FF2B5EF4-FFF2-40B4-BE49-F238E27FC236}">
               <a16:creationId xmlns:a16="http://schemas.microsoft.com/office/drawing/2014/main" id="{FF712C0A-6916-F9B2-5FE0-5B85C5185614}"/>
             </a:ext>
           </a:extLst>
@@ -32488,6 +34087,57 @@
           </a:p>
         </p:txBody>
       </p:sp>
+      <mc:AlternateContent xmlns:mc="http://schemas.openxmlformats.org/markup-compatibility/2006">
+        <mc:Choice xmlns:p14="http://schemas.microsoft.com/office/powerpoint/2010/main" Requires="p14">
+          <p:contentPart p14:bwMode="auto" r:id="rId2">
+            <p14:nvContentPartPr>
+              <p14:cNvPr id="5" name="Ink 4">
+                <a:extLst>
+                  <a:ext uri="{FF2B5EF4-FFF2-40B4-BE49-F238E27FC236}">
+                    <a16:creationId xmlns:a16="http://schemas.microsoft.com/office/drawing/2014/main" id="{87064FAC-C2EC-B7E2-A810-3D23145CBFE4}"/>
+                  </a:ext>
+                </a:extLst>
+              </p14:cNvPr>
+              <p14:cNvContentPartPr/>
+              <p14:nvPr/>
+            </p14:nvContentPartPr>
+            <p14:xfrm>
+              <a:off x="4756320" y="3987720"/>
+              <a:ext cx="1543320" cy="591120"/>
+            </p14:xfrm>
+          </p:contentPart>
+        </mc:Choice>
+        <mc:Fallback>
+          <p:pic>
+            <p:nvPicPr>
+              <p:cNvPr id="5" name="Ink 4">
+                <a:extLst>
+                  <a:ext uri="{FF2B5EF4-FFF2-40B4-BE49-F238E27FC236}">
+                    <a16:creationId xmlns:a16="http://schemas.microsoft.com/office/drawing/2014/main" id="{87064FAC-C2EC-B7E2-A810-3D23145CBFE4}"/>
+                  </a:ext>
+                </a:extLst>
+              </p:cNvPr>
+              <p:cNvPicPr/>
+              <p:nvPr/>
+            </p:nvPicPr>
+            <p:blipFill>
+              <a:blip r:embed="rId3"/>
+              <a:stretch>
+                <a:fillRect/>
+              </a:stretch>
+            </p:blipFill>
+            <p:spPr>
+              <a:xfrm>
+                <a:off x="4746960" y="3978360"/>
+                <a:ext cx="1562040" cy="609840"/>
+              </a:xfrm>
+              <a:prstGeom prst="rect">
+                <a:avLst/>
+              </a:prstGeom>
+            </p:spPr>
+          </p:pic>
+        </mc:Fallback>
+      </mc:AlternateContent>
     </p:spTree>
     <p:extLst>
       <p:ext uri="{BB962C8B-B14F-4D97-AF65-F5344CB8AC3E}">
@@ -32501,7 +34151,7 @@
 </p:sld>
 </file>
 
-<file path=ppt/slides/slide61.xml><?xml version="1.0" encoding="utf-8"?>
+<file path=ppt/slides/slide62.xml><?xml version="1.0" encoding="utf-8"?>
 <p:sld xmlns:a="http://schemas.openxmlformats.org/drawingml/2006/main" xmlns:r="http://schemas.openxmlformats.org/officeDocument/2006/relationships" xmlns:p="http://schemas.openxmlformats.org/presentationml/2006/main">
   <p:cSld>
     <p:spTree>
@@ -32911,6 +34561,57 @@
           </a:fontRef>
         </p:style>
       </p:cxnSp>
+      <mc:AlternateContent xmlns:mc="http://schemas.openxmlformats.org/markup-compatibility/2006">
+        <mc:Choice xmlns:p14="http://schemas.microsoft.com/office/powerpoint/2010/main" Requires="p14">
+          <p:contentPart p14:bwMode="auto" r:id="rId2">
+            <p14:nvContentPartPr>
+              <p14:cNvPr id="3" name="Ink 2">
+                <a:extLst>
+                  <a:ext uri="{FF2B5EF4-FFF2-40B4-BE49-F238E27FC236}">
+                    <a16:creationId xmlns:a16="http://schemas.microsoft.com/office/drawing/2014/main" id="{243EB508-FF95-568E-8FD5-C95EFBA7E561}"/>
+                  </a:ext>
+                </a:extLst>
+              </p14:cNvPr>
+              <p14:cNvContentPartPr/>
+              <p14:nvPr/>
+            </p14:nvContentPartPr>
+            <p14:xfrm>
+              <a:off x="3911760" y="4317480"/>
+              <a:ext cx="1632240" cy="426240"/>
+            </p14:xfrm>
+          </p:contentPart>
+        </mc:Choice>
+        <mc:Fallback>
+          <p:pic>
+            <p:nvPicPr>
+              <p:cNvPr id="3" name="Ink 2">
+                <a:extLst>
+                  <a:ext uri="{FF2B5EF4-FFF2-40B4-BE49-F238E27FC236}">
+                    <a16:creationId xmlns:a16="http://schemas.microsoft.com/office/drawing/2014/main" id="{243EB508-FF95-568E-8FD5-C95EFBA7E561}"/>
+                  </a:ext>
+                </a:extLst>
+              </p:cNvPr>
+              <p:cNvPicPr/>
+              <p:nvPr/>
+            </p:nvPicPr>
+            <p:blipFill>
+              <a:blip r:embed="rId3"/>
+              <a:stretch>
+                <a:fillRect/>
+              </a:stretch>
+            </p:blipFill>
+            <p:spPr>
+              <a:xfrm>
+                <a:off x="3902400" y="4308120"/>
+                <a:ext cx="1650960" cy="444960"/>
+              </a:xfrm>
+              <a:prstGeom prst="rect">
+                <a:avLst/>
+              </a:prstGeom>
+            </p:spPr>
+          </p:pic>
+        </mc:Fallback>
+      </mc:AlternateContent>
     </p:spTree>
     <p:extLst>
       <p:ext uri="{BB962C8B-B14F-4D97-AF65-F5344CB8AC3E}">
@@ -32924,7 +34625,7 @@
 </p:sld>
 </file>
 
-<file path=ppt/slides/slide62.xml><?xml version="1.0" encoding="utf-8"?>
+<file path=ppt/slides/slide63.xml><?xml version="1.0" encoding="utf-8"?>
 <p:sld xmlns:a="http://schemas.openxmlformats.org/drawingml/2006/main" xmlns:r="http://schemas.openxmlformats.org/officeDocument/2006/relationships" xmlns:p="http://schemas.openxmlformats.org/presentationml/2006/main">
   <p:cSld>
     <p:spTree>
@@ -33555,7 +35256,7 @@
 </p:sld>
 </file>
 
-<file path=ppt/slides/slide63.xml><?xml version="1.0" encoding="utf-8"?>
+<file path=ppt/slides/slide64.xml><?xml version="1.0" encoding="utf-8"?>
 <p:sld xmlns:a="http://schemas.openxmlformats.org/drawingml/2006/main" xmlns:r="http://schemas.openxmlformats.org/officeDocument/2006/relationships" xmlns:p="http://schemas.openxmlformats.org/presentationml/2006/main">
   <p:cSld>
     <p:spTree>
@@ -33948,6 +35649,57 @@
           </a:p>
         </p:txBody>
       </p:sp>
+      <mc:AlternateContent xmlns:mc="http://schemas.openxmlformats.org/markup-compatibility/2006">
+        <mc:Choice xmlns:p14="http://schemas.microsoft.com/office/powerpoint/2010/main" Requires="p14">
+          <p:contentPart p14:bwMode="auto" r:id="rId2">
+            <p14:nvContentPartPr>
+              <p14:cNvPr id="3" name="Ink 2">
+                <a:extLst>
+                  <a:ext uri="{FF2B5EF4-FFF2-40B4-BE49-F238E27FC236}">
+                    <a16:creationId xmlns:a16="http://schemas.microsoft.com/office/drawing/2014/main" id="{78A2985A-0B7E-A677-177E-846D7A0DE131}"/>
+                  </a:ext>
+                </a:extLst>
+              </p14:cNvPr>
+              <p14:cNvContentPartPr/>
+              <p14:nvPr/>
+            </p14:nvContentPartPr>
+            <p14:xfrm>
+              <a:off x="2959200" y="3098160"/>
+              <a:ext cx="6559920" cy="3004560"/>
+            </p14:xfrm>
+          </p:contentPart>
+        </mc:Choice>
+        <mc:Fallback>
+          <p:pic>
+            <p:nvPicPr>
+              <p:cNvPr id="3" name="Ink 2">
+                <a:extLst>
+                  <a:ext uri="{FF2B5EF4-FFF2-40B4-BE49-F238E27FC236}">
+                    <a16:creationId xmlns:a16="http://schemas.microsoft.com/office/drawing/2014/main" id="{78A2985A-0B7E-A677-177E-846D7A0DE131}"/>
+                  </a:ext>
+                </a:extLst>
+              </p:cNvPr>
+              <p:cNvPicPr/>
+              <p:nvPr/>
+            </p:nvPicPr>
+            <p:blipFill>
+              <a:blip r:embed="rId3"/>
+              <a:stretch>
+                <a:fillRect/>
+              </a:stretch>
+            </p:blipFill>
+            <p:spPr>
+              <a:xfrm>
+                <a:off x="2949840" y="3088800"/>
+                <a:ext cx="6578640" cy="3023280"/>
+              </a:xfrm>
+              <a:prstGeom prst="rect">
+                <a:avLst/>
+              </a:prstGeom>
+            </p:spPr>
+          </p:pic>
+        </mc:Fallback>
+      </mc:AlternateContent>
     </p:spTree>
     <p:extLst>
       <p:ext uri="{BB962C8B-B14F-4D97-AF65-F5344CB8AC3E}">
@@ -33961,7 +35713,7 @@
 </p:sld>
 </file>
 
-<file path=ppt/slides/slide64.xml><?xml version="1.0" encoding="utf-8"?>
+<file path=ppt/slides/slide65.xml><?xml version="1.0" encoding="utf-8"?>
 <p:sld xmlns:a="http://schemas.openxmlformats.org/drawingml/2006/main" xmlns:r="http://schemas.openxmlformats.org/officeDocument/2006/relationships" xmlns:p="http://schemas.openxmlformats.org/presentationml/2006/main">
   <p:cSld>
     <p:spTree>
@@ -34155,6 +35907,57 @@
           </a:p>
         </p:txBody>
       </p:sp>
+      <mc:AlternateContent xmlns:mc="http://schemas.openxmlformats.org/markup-compatibility/2006">
+        <mc:Choice xmlns:p14="http://schemas.microsoft.com/office/powerpoint/2010/main" Requires="p14">
+          <p:contentPart p14:bwMode="auto" r:id="rId2">
+            <p14:nvContentPartPr>
+              <p14:cNvPr id="4" name="Ink 3">
+                <a:extLst>
+                  <a:ext uri="{FF2B5EF4-FFF2-40B4-BE49-F238E27FC236}">
+                    <a16:creationId xmlns:a16="http://schemas.microsoft.com/office/drawing/2014/main" id="{C109CAA6-C4C5-3AF6-1086-04A7423C6805}"/>
+                  </a:ext>
+                </a:extLst>
+              </p14:cNvPr>
+              <p14:cNvContentPartPr/>
+              <p14:nvPr/>
+            </p14:nvContentPartPr>
+            <p14:xfrm>
+              <a:off x="2070000" y="2856960"/>
+              <a:ext cx="3854880" cy="3499920"/>
+            </p14:xfrm>
+          </p:contentPart>
+        </mc:Choice>
+        <mc:Fallback>
+          <p:pic>
+            <p:nvPicPr>
+              <p:cNvPr id="4" name="Ink 3">
+                <a:extLst>
+                  <a:ext uri="{FF2B5EF4-FFF2-40B4-BE49-F238E27FC236}">
+                    <a16:creationId xmlns:a16="http://schemas.microsoft.com/office/drawing/2014/main" id="{C109CAA6-C4C5-3AF6-1086-04A7423C6805}"/>
+                  </a:ext>
+                </a:extLst>
+              </p:cNvPr>
+              <p:cNvPicPr/>
+              <p:nvPr/>
+            </p:nvPicPr>
+            <p:blipFill>
+              <a:blip r:embed="rId3"/>
+              <a:stretch>
+                <a:fillRect/>
+              </a:stretch>
+            </p:blipFill>
+            <p:spPr>
+              <a:xfrm>
+                <a:off x="2060640" y="2847600"/>
+                <a:ext cx="3873600" cy="3518640"/>
+              </a:xfrm>
+              <a:prstGeom prst="rect">
+                <a:avLst/>
+              </a:prstGeom>
+            </p:spPr>
+          </p:pic>
+        </mc:Fallback>
+      </mc:AlternateContent>
     </p:spTree>
     <p:extLst>
       <p:ext uri="{BB962C8B-B14F-4D97-AF65-F5344CB8AC3E}">
@@ -34168,7 +35971,7 @@
 </p:sld>
 </file>
 
-<file path=ppt/slides/slide65.xml><?xml version="1.0" encoding="utf-8"?>
+<file path=ppt/slides/slide66.xml><?xml version="1.0" encoding="utf-8"?>
 <p:sld xmlns:a="http://schemas.openxmlformats.org/drawingml/2006/main" xmlns:r="http://schemas.openxmlformats.org/officeDocument/2006/relationships" xmlns:p="http://schemas.openxmlformats.org/presentationml/2006/main">
   <p:cSld>
     <p:spTree>
@@ -34424,7 +36227,7 @@
 </p:sld>
 </file>
 
-<file path=ppt/slides/slide66.xml><?xml version="1.0" encoding="utf-8"?>
+<file path=ppt/slides/slide67.xml><?xml version="1.0" encoding="utf-8"?>
 <p:sld xmlns:a="http://schemas.openxmlformats.org/drawingml/2006/main" xmlns:r="http://schemas.openxmlformats.org/officeDocument/2006/relationships" xmlns:p="http://schemas.openxmlformats.org/presentationml/2006/main">
   <p:cSld>
     <p:spTree>
@@ -34789,6 +36592,57 @@
           </a:p>
         </p:txBody>
       </p:sp>
+      <mc:AlternateContent xmlns:mc="http://schemas.openxmlformats.org/markup-compatibility/2006">
+        <mc:Choice xmlns:p14="http://schemas.microsoft.com/office/powerpoint/2010/main" Requires="p14">
+          <p:contentPart p14:bwMode="auto" r:id="rId2">
+            <p14:nvContentPartPr>
+              <p14:cNvPr id="5" name="Ink 4">
+                <a:extLst>
+                  <a:ext uri="{FF2B5EF4-FFF2-40B4-BE49-F238E27FC236}">
+                    <a16:creationId xmlns:a16="http://schemas.microsoft.com/office/drawing/2014/main" id="{84EC2D86-C0E2-68A5-D2EC-4B6702FA8CA6}"/>
+                  </a:ext>
+                </a:extLst>
+              </p14:cNvPr>
+              <p14:cNvContentPartPr/>
+              <p14:nvPr/>
+            </p14:nvContentPartPr>
+            <p14:xfrm>
+              <a:off x="4019400" y="4876200"/>
+              <a:ext cx="3245400" cy="121680"/>
+            </p14:xfrm>
+          </p:contentPart>
+        </mc:Choice>
+        <mc:Fallback>
+          <p:pic>
+            <p:nvPicPr>
+              <p:cNvPr id="5" name="Ink 4">
+                <a:extLst>
+                  <a:ext uri="{FF2B5EF4-FFF2-40B4-BE49-F238E27FC236}">
+                    <a16:creationId xmlns:a16="http://schemas.microsoft.com/office/drawing/2014/main" id="{84EC2D86-C0E2-68A5-D2EC-4B6702FA8CA6}"/>
+                  </a:ext>
+                </a:extLst>
+              </p:cNvPr>
+              <p:cNvPicPr/>
+              <p:nvPr/>
+            </p:nvPicPr>
+            <p:blipFill>
+              <a:blip r:embed="rId3"/>
+              <a:stretch>
+                <a:fillRect/>
+              </a:stretch>
+            </p:blipFill>
+            <p:spPr>
+              <a:xfrm>
+                <a:off x="4010040" y="4866840"/>
+                <a:ext cx="3264120" cy="140400"/>
+              </a:xfrm>
+              <a:prstGeom prst="rect">
+                <a:avLst/>
+              </a:prstGeom>
+            </p:spPr>
+          </p:pic>
+        </mc:Fallback>
+      </mc:AlternateContent>
     </p:spTree>
     <p:extLst>
       <p:ext uri="{BB962C8B-B14F-4D97-AF65-F5344CB8AC3E}">
@@ -34802,7 +36656,7 @@
 </p:sld>
 </file>
 
-<file path=ppt/slides/slide67.xml><?xml version="1.0" encoding="utf-8"?>
+<file path=ppt/slides/slide68.xml><?xml version="1.0" encoding="utf-8"?>
 <p:sld xmlns:a="http://schemas.openxmlformats.org/drawingml/2006/main" xmlns:r="http://schemas.openxmlformats.org/officeDocument/2006/relationships" xmlns:p="http://schemas.openxmlformats.org/presentationml/2006/main">
   <p:cSld>
     <p:spTree>
@@ -35049,6 +36903,57 @@
           </a:p>
         </p:txBody>
       </p:sp>
+      <mc:AlternateContent xmlns:mc="http://schemas.openxmlformats.org/markup-compatibility/2006">
+        <mc:Choice xmlns:p14="http://schemas.microsoft.com/office/powerpoint/2010/main" Requires="p14">
+          <p:contentPart p14:bwMode="auto" r:id="rId2">
+            <p14:nvContentPartPr>
+              <p14:cNvPr id="4" name="Ink 3">
+                <a:extLst>
+                  <a:ext uri="{FF2B5EF4-FFF2-40B4-BE49-F238E27FC236}">
+                    <a16:creationId xmlns:a16="http://schemas.microsoft.com/office/drawing/2014/main" id="{109C3384-F519-9268-F9C1-1D6F6CA955E4}"/>
+                  </a:ext>
+                </a:extLst>
+              </p14:cNvPr>
+              <p14:cNvContentPartPr/>
+              <p14:nvPr/>
+            </p14:nvContentPartPr>
+            <p14:xfrm>
+              <a:off x="1511280" y="1358640"/>
+              <a:ext cx="5226480" cy="4274280"/>
+            </p14:xfrm>
+          </p:contentPart>
+        </mc:Choice>
+        <mc:Fallback>
+          <p:pic>
+            <p:nvPicPr>
+              <p:cNvPr id="4" name="Ink 3">
+                <a:extLst>
+                  <a:ext uri="{FF2B5EF4-FFF2-40B4-BE49-F238E27FC236}">
+                    <a16:creationId xmlns:a16="http://schemas.microsoft.com/office/drawing/2014/main" id="{109C3384-F519-9268-F9C1-1D6F6CA955E4}"/>
+                  </a:ext>
+                </a:extLst>
+              </p:cNvPr>
+              <p:cNvPicPr/>
+              <p:nvPr/>
+            </p:nvPicPr>
+            <p:blipFill>
+              <a:blip r:embed="rId3"/>
+              <a:stretch>
+                <a:fillRect/>
+              </a:stretch>
+            </p:blipFill>
+            <p:spPr>
+              <a:xfrm>
+                <a:off x="1501920" y="1349280"/>
+                <a:ext cx="5245200" cy="4293000"/>
+              </a:xfrm>
+              <a:prstGeom prst="rect">
+                <a:avLst/>
+              </a:prstGeom>
+            </p:spPr>
+          </p:pic>
+        </mc:Fallback>
+      </mc:AlternateContent>
     </p:spTree>
     <p:extLst>
       <p:ext uri="{BB962C8B-B14F-4D97-AF65-F5344CB8AC3E}">
@@ -35062,7 +36967,7 @@
 </p:sld>
 </file>
 
-<file path=ppt/slides/slide68.xml><?xml version="1.0" encoding="utf-8"?>
+<file path=ppt/slides/slide69.xml><?xml version="1.0" encoding="utf-8"?>
 <p:sld xmlns:a="http://schemas.openxmlformats.org/drawingml/2006/main" xmlns:r="http://schemas.openxmlformats.org/officeDocument/2006/relationships" xmlns:p="http://schemas.openxmlformats.org/presentationml/2006/main">
   <p:cSld>
     <p:spTree>
@@ -35578,185 +37483,61 @@
           </a:p>
         </p:txBody>
       </p:sp>
+      <mc:AlternateContent xmlns:mc="http://schemas.openxmlformats.org/markup-compatibility/2006">
+        <mc:Choice xmlns:p14="http://schemas.microsoft.com/office/powerpoint/2010/main" Requires="p14">
+          <p:contentPart p14:bwMode="auto" r:id="rId2">
+            <p14:nvContentPartPr>
+              <p14:cNvPr id="6" name="Ink 5">
+                <a:extLst>
+                  <a:ext uri="{FF2B5EF4-FFF2-40B4-BE49-F238E27FC236}">
+                    <a16:creationId xmlns:a16="http://schemas.microsoft.com/office/drawing/2014/main" id="{426EF93F-0B1A-D516-BC9F-9BDDB8843AA7}"/>
+                  </a:ext>
+                </a:extLst>
+              </p14:cNvPr>
+              <p14:cNvContentPartPr/>
+              <p14:nvPr/>
+            </p14:nvContentPartPr>
+            <p14:xfrm>
+              <a:off x="2387520" y="2640960"/>
+              <a:ext cx="3099240" cy="96840"/>
+            </p14:xfrm>
+          </p:contentPart>
+        </mc:Choice>
+        <mc:Fallback>
+          <p:pic>
+            <p:nvPicPr>
+              <p:cNvPr id="6" name="Ink 5">
+                <a:extLst>
+                  <a:ext uri="{FF2B5EF4-FFF2-40B4-BE49-F238E27FC236}">
+                    <a16:creationId xmlns:a16="http://schemas.microsoft.com/office/drawing/2014/main" id="{426EF93F-0B1A-D516-BC9F-9BDDB8843AA7}"/>
+                  </a:ext>
+                </a:extLst>
+              </p:cNvPr>
+              <p:cNvPicPr/>
+              <p:nvPr/>
+            </p:nvPicPr>
+            <p:blipFill>
+              <a:blip r:embed="rId3"/>
+              <a:stretch>
+                <a:fillRect/>
+              </a:stretch>
+            </p:blipFill>
+            <p:spPr>
+              <a:xfrm>
+                <a:off x="2378160" y="2631600"/>
+                <a:ext cx="3117960" cy="115560"/>
+              </a:xfrm>
+              <a:prstGeom prst="rect">
+                <a:avLst/>
+              </a:prstGeom>
+            </p:spPr>
+          </p:pic>
+        </mc:Fallback>
+      </mc:AlternateContent>
     </p:spTree>
     <p:extLst>
       <p:ext uri="{BB962C8B-B14F-4D97-AF65-F5344CB8AC3E}">
         <p14:creationId xmlns:p14="http://schemas.microsoft.com/office/powerpoint/2010/main" val="3993124709"/>
-      </p:ext>
-    </p:extLst>
-  </p:cSld>
-  <p:clrMapOvr>
-    <a:masterClrMapping/>
-  </p:clrMapOvr>
-</p:sld>
-</file>
-
-<file path=ppt/slides/slide69.xml><?xml version="1.0" encoding="utf-8"?>
-<p:sld xmlns:a="http://schemas.openxmlformats.org/drawingml/2006/main" xmlns:r="http://schemas.openxmlformats.org/officeDocument/2006/relationships" xmlns:p="http://schemas.openxmlformats.org/presentationml/2006/main">
-  <p:cSld>
-    <p:spTree>
-      <p:nvGrpSpPr>
-        <p:cNvPr id="1" name=""/>
-        <p:cNvGrpSpPr/>
-        <p:nvPr/>
-      </p:nvGrpSpPr>
-      <p:grpSpPr>
-        <a:xfrm>
-          <a:off x="0" y="0"/>
-          <a:ext cx="0" cy="0"/>
-          <a:chOff x="0" y="0"/>
-          <a:chExt cx="0" cy="0"/>
-        </a:xfrm>
-      </p:grpSpPr>
-      <p:sp>
-        <p:nvSpPr>
-          <p:cNvPr id="2" name="Title 1">
-            <a:extLst>
-              <a:ext uri="{FF2B5EF4-FFF2-40B4-BE49-F238E27FC236}">
-                <a16:creationId xmlns:a16="http://schemas.microsoft.com/office/drawing/2014/main" id="{091DD2F6-B20C-743C-349F-9B7D84963C23}"/>
-              </a:ext>
-            </a:extLst>
-          </p:cNvPr>
-          <p:cNvSpPr>
-            <a:spLocks noGrp="1"/>
-          </p:cNvSpPr>
-          <p:nvPr>
-            <p:ph type="title"/>
-          </p:nvPr>
-        </p:nvSpPr>
-        <p:spPr/>
-        <p:txBody>
-          <a:bodyPr/>
-          <a:lstStyle/>
-          <a:p>
-            <a:r>
-              <a:rPr lang="en-US" dirty="0"/>
-              <a:t>Recursion with vectors (arrays)</a:t>
-            </a:r>
-          </a:p>
-        </p:txBody>
-      </p:sp>
-      <p:sp>
-        <p:nvSpPr>
-          <p:cNvPr id="3" name="Content Placeholder 2">
-            <a:extLst>
-              <a:ext uri="{FF2B5EF4-FFF2-40B4-BE49-F238E27FC236}">
-                <a16:creationId xmlns:a16="http://schemas.microsoft.com/office/drawing/2014/main" id="{193E8AFE-D242-A0A1-C142-EFA132B40431}"/>
-              </a:ext>
-            </a:extLst>
-          </p:cNvPr>
-          <p:cNvSpPr>
-            <a:spLocks noGrp="1"/>
-          </p:cNvSpPr>
-          <p:nvPr>
-            <p:ph idx="1"/>
-          </p:nvPr>
-        </p:nvSpPr>
-        <p:spPr/>
-        <p:txBody>
-          <a:bodyPr>
-            <a:normAutofit fontScale="92500" lnSpcReduction="10000"/>
-          </a:bodyPr>
-          <a:lstStyle/>
-          <a:p>
-            <a:pPr marL="0" indent="0">
-              <a:buNone/>
-            </a:pPr>
-            <a:r>
-              <a:rPr lang="en-US" dirty="0"/>
-              <a:t>Suppose we want to use recursion to sum the elements of the </a:t>
-            </a:r>
-            <a:br>
-              <a:rPr lang="en-US" dirty="0"/>
-            </a:br>
-            <a:r>
-              <a:rPr lang="en-US" dirty="0"/>
-              <a:t>vector {4, 2, 3, 5}.</a:t>
-            </a:r>
-          </a:p>
-          <a:p>
-            <a:pPr marL="0" indent="0">
-              <a:buNone/>
-            </a:pPr>
-            <a:endParaRPr lang="en-US" dirty="0"/>
-          </a:p>
-          <a:p>
-            <a:pPr marL="0" indent="0">
-              <a:buNone/>
-            </a:pPr>
-            <a:r>
-              <a:rPr lang="en-US" b="1" dirty="0"/>
-              <a:t>Base case</a:t>
-            </a:r>
-            <a:r>
-              <a:rPr lang="en-US" dirty="0"/>
-              <a:t>: sum({}) = 0</a:t>
-            </a:r>
-          </a:p>
-          <a:p>
-            <a:pPr marL="0" indent="0">
-              <a:buNone/>
-            </a:pPr>
-            <a:r>
-              <a:rPr lang="en-US" b="1" dirty="0"/>
-              <a:t>Recursive case</a:t>
-            </a:r>
-            <a:r>
-              <a:rPr lang="en-US" dirty="0"/>
-              <a:t>: sum({4, 2, 3, 5}) = 4 + sum({2, 3, 5})</a:t>
-            </a:r>
-          </a:p>
-          <a:p>
-            <a:pPr marL="0" indent="0">
-              <a:buNone/>
-            </a:pPr>
-            <a:r>
-              <a:rPr lang="en-US" dirty="0"/>
-              <a:t>                                                                      = 4 + (2 + sum({3, 5}))</a:t>
-            </a:r>
-          </a:p>
-          <a:p>
-            <a:pPr marL="0" indent="0">
-              <a:buNone/>
-            </a:pPr>
-            <a:r>
-              <a:rPr lang="en-US" dirty="0"/>
-              <a:t>                                                                      = 4 + (2 + (3 + sum({5})))</a:t>
-            </a:r>
-          </a:p>
-          <a:p>
-            <a:pPr marL="0" indent="0">
-              <a:buNone/>
-            </a:pPr>
-            <a:r>
-              <a:rPr lang="en-US" dirty="0"/>
-              <a:t>                                                                      = 4 + (2 + (3 + (5 + sum({}))))</a:t>
-            </a:r>
-          </a:p>
-          <a:p>
-            <a:pPr marL="0" indent="0">
-              <a:buNone/>
-            </a:pPr>
-            <a:r>
-              <a:rPr lang="en-US" dirty="0"/>
-              <a:t>                                                                      = 4 + (2 + (3 + (5 + 0)))</a:t>
-            </a:r>
-          </a:p>
-          <a:p>
-            <a:pPr marL="0" indent="0">
-              <a:buNone/>
-            </a:pPr>
-            <a:r>
-              <a:rPr lang="en-US" dirty="0"/>
-              <a:t>                                                                      = 14</a:t>
-            </a:r>
-          </a:p>
-        </p:txBody>
-      </p:sp>
-    </p:spTree>
-    <p:extLst>
-      <p:ext uri="{BB962C8B-B14F-4D97-AF65-F5344CB8AC3E}">
-        <p14:creationId xmlns:p14="http://schemas.microsoft.com/office/powerpoint/2010/main" val="2460270636"/>
       </p:ext>
     </p:extLst>
   </p:cSld>
@@ -36218,6 +37999,232 @@
   <p:cSld>
     <p:spTree>
       <p:nvGrpSpPr>
+        <p:cNvPr id="1" name=""/>
+        <p:cNvGrpSpPr/>
+        <p:nvPr/>
+      </p:nvGrpSpPr>
+      <p:grpSpPr>
+        <a:xfrm>
+          <a:off x="0" y="0"/>
+          <a:ext cx="0" cy="0"/>
+          <a:chOff x="0" y="0"/>
+          <a:chExt cx="0" cy="0"/>
+        </a:xfrm>
+      </p:grpSpPr>
+      <p:sp>
+        <p:nvSpPr>
+          <p:cNvPr id="2" name="Title 1">
+            <a:extLst>
+              <a:ext uri="{FF2B5EF4-FFF2-40B4-BE49-F238E27FC236}">
+                <a16:creationId xmlns:a16="http://schemas.microsoft.com/office/drawing/2014/main" id="{091DD2F6-B20C-743C-349F-9B7D84963C23}"/>
+              </a:ext>
+            </a:extLst>
+          </p:cNvPr>
+          <p:cNvSpPr>
+            <a:spLocks noGrp="1"/>
+          </p:cNvSpPr>
+          <p:nvPr>
+            <p:ph type="title"/>
+          </p:nvPr>
+        </p:nvSpPr>
+        <p:spPr/>
+        <p:txBody>
+          <a:bodyPr/>
+          <a:lstStyle/>
+          <a:p>
+            <a:r>
+              <a:rPr lang="en-US" dirty="0"/>
+              <a:t>Recursion with vectors (arrays)</a:t>
+            </a:r>
+          </a:p>
+        </p:txBody>
+      </p:sp>
+      <p:sp>
+        <p:nvSpPr>
+          <p:cNvPr id="3" name="Content Placeholder 2">
+            <a:extLst>
+              <a:ext uri="{FF2B5EF4-FFF2-40B4-BE49-F238E27FC236}">
+                <a16:creationId xmlns:a16="http://schemas.microsoft.com/office/drawing/2014/main" id="{193E8AFE-D242-A0A1-C142-EFA132B40431}"/>
+              </a:ext>
+            </a:extLst>
+          </p:cNvPr>
+          <p:cNvSpPr>
+            <a:spLocks noGrp="1"/>
+          </p:cNvSpPr>
+          <p:nvPr>
+            <p:ph idx="1"/>
+          </p:nvPr>
+        </p:nvSpPr>
+        <p:spPr/>
+        <p:txBody>
+          <a:bodyPr>
+            <a:normAutofit fontScale="92500" lnSpcReduction="10000"/>
+          </a:bodyPr>
+          <a:lstStyle/>
+          <a:p>
+            <a:pPr marL="0" indent="0">
+              <a:buNone/>
+            </a:pPr>
+            <a:r>
+              <a:rPr lang="en-US" dirty="0"/>
+              <a:t>Suppose we want to use recursion to sum the elements of the </a:t>
+            </a:r>
+            <a:br>
+              <a:rPr lang="en-US" dirty="0"/>
+            </a:br>
+            <a:r>
+              <a:rPr lang="en-US" dirty="0"/>
+              <a:t>vector {4, 2, 3, 5}.</a:t>
+            </a:r>
+          </a:p>
+          <a:p>
+            <a:pPr marL="0" indent="0">
+              <a:buNone/>
+            </a:pPr>
+            <a:endParaRPr lang="en-US" dirty="0"/>
+          </a:p>
+          <a:p>
+            <a:pPr marL="0" indent="0">
+              <a:buNone/>
+            </a:pPr>
+            <a:r>
+              <a:rPr lang="en-US" b="1" dirty="0"/>
+              <a:t>Base case</a:t>
+            </a:r>
+            <a:r>
+              <a:rPr lang="en-US" dirty="0"/>
+              <a:t>: sum({}) = 0</a:t>
+            </a:r>
+          </a:p>
+          <a:p>
+            <a:pPr marL="0" indent="0">
+              <a:buNone/>
+            </a:pPr>
+            <a:r>
+              <a:rPr lang="en-US" b="1" dirty="0"/>
+              <a:t>Recursive case</a:t>
+            </a:r>
+            <a:r>
+              <a:rPr lang="en-US" dirty="0"/>
+              <a:t>: sum({4, 2, 3, 5}) = 4 + sum({2, 3, 5})</a:t>
+            </a:r>
+          </a:p>
+          <a:p>
+            <a:pPr marL="0" indent="0">
+              <a:buNone/>
+            </a:pPr>
+            <a:r>
+              <a:rPr lang="en-US" dirty="0"/>
+              <a:t>                                                                      = 4 + (2 + sum({3, 5}))</a:t>
+            </a:r>
+          </a:p>
+          <a:p>
+            <a:pPr marL="0" indent="0">
+              <a:buNone/>
+            </a:pPr>
+            <a:r>
+              <a:rPr lang="en-US" dirty="0"/>
+              <a:t>                                                                      = 4 + (2 + (3 + sum({5})))</a:t>
+            </a:r>
+          </a:p>
+          <a:p>
+            <a:pPr marL="0" indent="0">
+              <a:buNone/>
+            </a:pPr>
+            <a:r>
+              <a:rPr lang="en-US" dirty="0"/>
+              <a:t>                                                                      = 4 + (2 + (3 + (5 + sum({}))))</a:t>
+            </a:r>
+          </a:p>
+          <a:p>
+            <a:pPr marL="0" indent="0">
+              <a:buNone/>
+            </a:pPr>
+            <a:r>
+              <a:rPr lang="en-US" dirty="0"/>
+              <a:t>                                                                      = 4 + (2 + (3 + (5 + 0)))</a:t>
+            </a:r>
+          </a:p>
+          <a:p>
+            <a:pPr marL="0" indent="0">
+              <a:buNone/>
+            </a:pPr>
+            <a:r>
+              <a:rPr lang="en-US" dirty="0"/>
+              <a:t>                                                                      = 14</a:t>
+            </a:r>
+          </a:p>
+        </p:txBody>
+      </p:sp>
+      <mc:AlternateContent xmlns:mc="http://schemas.openxmlformats.org/markup-compatibility/2006">
+        <mc:Choice xmlns:p14="http://schemas.microsoft.com/office/powerpoint/2010/main" Requires="p14">
+          <p:contentPart p14:bwMode="auto" r:id="rId2">
+            <p14:nvContentPartPr>
+              <p14:cNvPr id="4" name="Ink 3">
+                <a:extLst>
+                  <a:ext uri="{FF2B5EF4-FFF2-40B4-BE49-F238E27FC236}">
+                    <a16:creationId xmlns:a16="http://schemas.microsoft.com/office/drawing/2014/main" id="{3127CB6B-8516-7A30-7416-EE2CF98561F7}"/>
+                  </a:ext>
+                </a:extLst>
+              </p14:cNvPr>
+              <p14:cNvContentPartPr/>
+              <p14:nvPr/>
+            </p14:nvContentPartPr>
+            <p14:xfrm>
+              <a:off x="1314360" y="2298240"/>
+              <a:ext cx="7480800" cy="3398760"/>
+            </p14:xfrm>
+          </p:contentPart>
+        </mc:Choice>
+        <mc:Fallback>
+          <p:pic>
+            <p:nvPicPr>
+              <p:cNvPr id="4" name="Ink 3">
+                <a:extLst>
+                  <a:ext uri="{FF2B5EF4-FFF2-40B4-BE49-F238E27FC236}">
+                    <a16:creationId xmlns:a16="http://schemas.microsoft.com/office/drawing/2014/main" id="{3127CB6B-8516-7A30-7416-EE2CF98561F7}"/>
+                  </a:ext>
+                </a:extLst>
+              </p:cNvPr>
+              <p:cNvPicPr/>
+              <p:nvPr/>
+            </p:nvPicPr>
+            <p:blipFill>
+              <a:blip r:embed="rId3"/>
+              <a:stretch>
+                <a:fillRect/>
+              </a:stretch>
+            </p:blipFill>
+            <p:spPr>
+              <a:xfrm>
+                <a:off x="1305000" y="2288880"/>
+                <a:ext cx="7499520" cy="3417480"/>
+              </a:xfrm>
+              <a:prstGeom prst="rect">
+                <a:avLst/>
+              </a:prstGeom>
+            </p:spPr>
+          </p:pic>
+        </mc:Fallback>
+      </mc:AlternateContent>
+    </p:spTree>
+    <p:extLst>
+      <p:ext uri="{BB962C8B-B14F-4D97-AF65-F5344CB8AC3E}">
+        <p14:creationId xmlns:p14="http://schemas.microsoft.com/office/powerpoint/2010/main" val="2460270636"/>
+      </p:ext>
+    </p:extLst>
+  </p:cSld>
+  <p:clrMapOvr>
+    <a:masterClrMapping/>
+  </p:clrMapOvr>
+</p:sld>
+</file>
+
+<file path=ppt/slides/slide71.xml><?xml version="1.0" encoding="utf-8"?>
+<p:sld xmlns:a="http://schemas.openxmlformats.org/drawingml/2006/main" xmlns:r="http://schemas.openxmlformats.org/officeDocument/2006/relationships" xmlns:p="http://schemas.openxmlformats.org/presentationml/2006/main">
+  <p:cSld>
+    <p:spTree>
+      <p:nvGrpSpPr>
         <p:cNvPr id="1" name="">
           <a:extLst>
             <a:ext uri="{FF2B5EF4-FFF2-40B4-BE49-F238E27FC236}">
@@ -36570,6 +38577,57 @@
           </a:fontRef>
         </p:style>
       </p:cxnSp>
+      <mc:AlternateContent xmlns:mc="http://schemas.openxmlformats.org/markup-compatibility/2006">
+        <mc:Choice xmlns:p14="http://schemas.microsoft.com/office/powerpoint/2010/main" Requires="p14">
+          <p:contentPart p14:bwMode="auto" r:id="rId2">
+            <p14:nvContentPartPr>
+              <p14:cNvPr id="5" name="Ink 4">
+                <a:extLst>
+                  <a:ext uri="{FF2B5EF4-FFF2-40B4-BE49-F238E27FC236}">
+                    <a16:creationId xmlns:a16="http://schemas.microsoft.com/office/drawing/2014/main" id="{C62D0B6B-D70E-4545-68F2-AA3F19BCB1A3}"/>
+                  </a:ext>
+                </a:extLst>
+              </p14:cNvPr>
+              <p14:cNvContentPartPr/>
+              <p14:nvPr/>
+            </p14:nvContentPartPr>
+            <p14:xfrm>
+              <a:off x="6661080" y="3803040"/>
+              <a:ext cx="819720" cy="127800"/>
+            </p14:xfrm>
+          </p:contentPart>
+        </mc:Choice>
+        <mc:Fallback>
+          <p:pic>
+            <p:nvPicPr>
+              <p:cNvPr id="5" name="Ink 4">
+                <a:extLst>
+                  <a:ext uri="{FF2B5EF4-FFF2-40B4-BE49-F238E27FC236}">
+                    <a16:creationId xmlns:a16="http://schemas.microsoft.com/office/drawing/2014/main" id="{C62D0B6B-D70E-4545-68F2-AA3F19BCB1A3}"/>
+                  </a:ext>
+                </a:extLst>
+              </p:cNvPr>
+              <p:cNvPicPr/>
+              <p:nvPr/>
+            </p:nvPicPr>
+            <p:blipFill>
+              <a:blip r:embed="rId3"/>
+              <a:stretch>
+                <a:fillRect/>
+              </a:stretch>
+            </p:blipFill>
+            <p:spPr>
+              <a:xfrm>
+                <a:off x="6651720" y="3793680"/>
+                <a:ext cx="838440" cy="146520"/>
+              </a:xfrm>
+              <a:prstGeom prst="rect">
+                <a:avLst/>
+              </a:prstGeom>
+            </p:spPr>
+          </p:pic>
+        </mc:Fallback>
+      </mc:AlternateContent>
     </p:spTree>
     <p:extLst>
       <p:ext uri="{BB962C8B-B14F-4D97-AF65-F5344CB8AC3E}">
@@ -36583,7 +38641,7 @@
 </p:sld>
 </file>
 
-<file path=ppt/slides/slide71.xml><?xml version="1.0" encoding="utf-8"?>
+<file path=ppt/slides/slide72.xml><?xml version="1.0" encoding="utf-8"?>
 <p:sld xmlns:a="http://schemas.openxmlformats.org/drawingml/2006/main" xmlns:r="http://schemas.openxmlformats.org/officeDocument/2006/relationships" xmlns:p="http://schemas.openxmlformats.org/presentationml/2006/main">
   <p:cSld>
     <p:spTree>
@@ -36912,6 +38970,57 @@
           </a:fontRef>
         </p:style>
       </p:cxnSp>
+      <mc:AlternateContent xmlns:mc="http://schemas.openxmlformats.org/markup-compatibility/2006">
+        <mc:Choice xmlns:p14="http://schemas.microsoft.com/office/powerpoint/2010/main" Requires="p14">
+          <p:contentPart p14:bwMode="auto" r:id="rId2">
+            <p14:nvContentPartPr>
+              <p14:cNvPr id="4" name="Ink 3">
+                <a:extLst>
+                  <a:ext uri="{FF2B5EF4-FFF2-40B4-BE49-F238E27FC236}">
+                    <a16:creationId xmlns:a16="http://schemas.microsoft.com/office/drawing/2014/main" id="{06A88A9C-838E-8076-AD8A-69BD04C73A78}"/>
+                  </a:ext>
+                </a:extLst>
+              </p14:cNvPr>
+              <p14:cNvContentPartPr/>
+              <p14:nvPr/>
+            </p14:nvContentPartPr>
+            <p14:xfrm>
+              <a:off x="1936080" y="1873080"/>
+              <a:ext cx="6179760" cy="4274640"/>
+            </p14:xfrm>
+          </p:contentPart>
+        </mc:Choice>
+        <mc:Fallback>
+          <p:pic>
+            <p:nvPicPr>
+              <p:cNvPr id="4" name="Ink 3">
+                <a:extLst>
+                  <a:ext uri="{FF2B5EF4-FFF2-40B4-BE49-F238E27FC236}">
+                    <a16:creationId xmlns:a16="http://schemas.microsoft.com/office/drawing/2014/main" id="{06A88A9C-838E-8076-AD8A-69BD04C73A78}"/>
+                  </a:ext>
+                </a:extLst>
+              </p:cNvPr>
+              <p:cNvPicPr/>
+              <p:nvPr/>
+            </p:nvPicPr>
+            <p:blipFill>
+              <a:blip r:embed="rId3"/>
+              <a:stretch>
+                <a:fillRect/>
+              </a:stretch>
+            </p:blipFill>
+            <p:spPr>
+              <a:xfrm>
+                <a:off x="1926720" y="1863720"/>
+                <a:ext cx="6198480" cy="4293360"/>
+              </a:xfrm>
+              <a:prstGeom prst="rect">
+                <a:avLst/>
+              </a:prstGeom>
+            </p:spPr>
+          </p:pic>
+        </mc:Fallback>
+      </mc:AlternateContent>
     </p:spTree>
     <p:extLst>
       <p:ext uri="{BB962C8B-B14F-4D97-AF65-F5344CB8AC3E}">
@@ -36925,7 +39034,7 @@
 </p:sld>
 </file>
 
-<file path=ppt/slides/slide72.xml><?xml version="1.0" encoding="utf-8"?>
+<file path=ppt/slides/slide73.xml><?xml version="1.0" encoding="utf-8"?>
 <p:sld xmlns:a="http://schemas.openxmlformats.org/drawingml/2006/main" xmlns:r="http://schemas.openxmlformats.org/officeDocument/2006/relationships" xmlns:p="http://schemas.openxmlformats.org/presentationml/2006/main">
   <p:cSld>
     <p:spTree>
@@ -37213,6 +39322,57 @@
           </a:p>
         </p:txBody>
       </p:sp>
+      <mc:AlternateContent xmlns:mc="http://schemas.openxmlformats.org/markup-compatibility/2006">
+        <mc:Choice xmlns:p14="http://schemas.microsoft.com/office/powerpoint/2010/main" Requires="p14">
+          <p:contentPart p14:bwMode="auto" r:id="rId2">
+            <p14:nvContentPartPr>
+              <p14:cNvPr id="4" name="Ink 3">
+                <a:extLst>
+                  <a:ext uri="{FF2B5EF4-FFF2-40B4-BE49-F238E27FC236}">
+                    <a16:creationId xmlns:a16="http://schemas.microsoft.com/office/drawing/2014/main" id="{FD72EEA4-E16F-AB21-829F-2B84AC6CA2DE}"/>
+                  </a:ext>
+                </a:extLst>
+              </p14:cNvPr>
+              <p14:cNvContentPartPr/>
+              <p14:nvPr/>
+            </p14:nvContentPartPr>
+            <p14:xfrm>
+              <a:off x="2990880" y="3505320"/>
+              <a:ext cx="4667760" cy="2585160"/>
+            </p14:xfrm>
+          </p:contentPart>
+        </mc:Choice>
+        <mc:Fallback>
+          <p:pic>
+            <p:nvPicPr>
+              <p:cNvPr id="4" name="Ink 3">
+                <a:extLst>
+                  <a:ext uri="{FF2B5EF4-FFF2-40B4-BE49-F238E27FC236}">
+                    <a16:creationId xmlns:a16="http://schemas.microsoft.com/office/drawing/2014/main" id="{FD72EEA4-E16F-AB21-829F-2B84AC6CA2DE}"/>
+                  </a:ext>
+                </a:extLst>
+              </p:cNvPr>
+              <p:cNvPicPr/>
+              <p:nvPr/>
+            </p:nvPicPr>
+            <p:blipFill>
+              <a:blip r:embed="rId3"/>
+              <a:stretch>
+                <a:fillRect/>
+              </a:stretch>
+            </p:blipFill>
+            <p:spPr>
+              <a:xfrm>
+                <a:off x="2981520" y="3495960"/>
+                <a:ext cx="4686480" cy="2603880"/>
+              </a:xfrm>
+              <a:prstGeom prst="rect">
+                <a:avLst/>
+              </a:prstGeom>
+            </p:spPr>
+          </p:pic>
+        </mc:Fallback>
+      </mc:AlternateContent>
     </p:spTree>
     <p:extLst>
       <p:ext uri="{BB962C8B-B14F-4D97-AF65-F5344CB8AC3E}">
@@ -37226,7 +39386,7 @@
 </p:sld>
 </file>
 
-<file path=ppt/slides/slide73.xml><?xml version="1.0" encoding="utf-8"?>
+<file path=ppt/slides/slide74.xml><?xml version="1.0" encoding="utf-8"?>
 <p:sld xmlns:a="http://schemas.openxmlformats.org/drawingml/2006/main" xmlns:r="http://schemas.openxmlformats.org/officeDocument/2006/relationships" xmlns:p="http://schemas.openxmlformats.org/presentationml/2006/main">
   <p:cSld>
     <p:spTree>
@@ -37554,6 +39714,57 @@
           </a:p>
         </p:txBody>
       </p:sp>
+      <mc:AlternateContent xmlns:mc="http://schemas.openxmlformats.org/markup-compatibility/2006">
+        <mc:Choice xmlns:p14="http://schemas.microsoft.com/office/powerpoint/2010/main" Requires="p14">
+          <p:contentPart p14:bwMode="auto" r:id="rId2">
+            <p14:nvContentPartPr>
+              <p14:cNvPr id="2" name="Ink 1">
+                <a:extLst>
+                  <a:ext uri="{FF2B5EF4-FFF2-40B4-BE49-F238E27FC236}">
+                    <a16:creationId xmlns:a16="http://schemas.microsoft.com/office/drawing/2014/main" id="{B11A4F3A-3A57-71F4-D320-030302590B2D}"/>
+                  </a:ext>
+                </a:extLst>
+              </p14:cNvPr>
+              <p14:cNvContentPartPr/>
+              <p14:nvPr/>
+            </p14:nvContentPartPr>
+            <p14:xfrm>
+              <a:off x="1949400" y="526320"/>
+              <a:ext cx="7264800" cy="3087360"/>
+            </p14:xfrm>
+          </p:contentPart>
+        </mc:Choice>
+        <mc:Fallback>
+          <p:pic>
+            <p:nvPicPr>
+              <p:cNvPr id="2" name="Ink 1">
+                <a:extLst>
+                  <a:ext uri="{FF2B5EF4-FFF2-40B4-BE49-F238E27FC236}">
+                    <a16:creationId xmlns:a16="http://schemas.microsoft.com/office/drawing/2014/main" id="{B11A4F3A-3A57-71F4-D320-030302590B2D}"/>
+                  </a:ext>
+                </a:extLst>
+              </p:cNvPr>
+              <p:cNvPicPr/>
+              <p:nvPr/>
+            </p:nvPicPr>
+            <p:blipFill>
+              <a:blip r:embed="rId3"/>
+              <a:stretch>
+                <a:fillRect/>
+              </a:stretch>
+            </p:blipFill>
+            <p:spPr>
+              <a:xfrm>
+                <a:off x="1940040" y="516960"/>
+                <a:ext cx="7283520" cy="3106080"/>
+              </a:xfrm>
+              <a:prstGeom prst="rect">
+                <a:avLst/>
+              </a:prstGeom>
+            </p:spPr>
+          </p:pic>
+        </mc:Fallback>
+      </mc:AlternateContent>
     </p:spTree>
     <p:extLst>
       <p:ext uri="{BB962C8B-B14F-4D97-AF65-F5344CB8AC3E}">
@@ -37567,7 +39778,7 @@
 </p:sld>
 </file>
 
-<file path=ppt/slides/slide74.xml><?xml version="1.0" encoding="utf-8"?>
+<file path=ppt/slides/slide75.xml><?xml version="1.0" encoding="utf-8"?>
 <p:sld xmlns:a="http://schemas.openxmlformats.org/drawingml/2006/main" xmlns:r="http://schemas.openxmlformats.org/officeDocument/2006/relationships" xmlns:p="http://schemas.openxmlformats.org/presentationml/2006/main">
   <p:cSld>
     <p:spTree>
@@ -37979,6 +40190,57 @@
           </a:p>
         </p:txBody>
       </p:sp>
+      <mc:AlternateContent xmlns:mc="http://schemas.openxmlformats.org/markup-compatibility/2006">
+        <mc:Choice xmlns:p14="http://schemas.microsoft.com/office/powerpoint/2010/main" Requires="p14">
+          <p:contentPart p14:bwMode="auto" r:id="rId2">
+            <p14:nvContentPartPr>
+              <p14:cNvPr id="4" name="Ink 3">
+                <a:extLst>
+                  <a:ext uri="{FF2B5EF4-FFF2-40B4-BE49-F238E27FC236}">
+                    <a16:creationId xmlns:a16="http://schemas.microsoft.com/office/drawing/2014/main" id="{EC9634BF-0381-79C1-C24E-98FB8649D12C}"/>
+                  </a:ext>
+                </a:extLst>
+              </p14:cNvPr>
+              <p14:cNvContentPartPr/>
+              <p14:nvPr/>
+            </p14:nvContentPartPr>
+            <p14:xfrm>
+              <a:off x="2387520" y="3067200"/>
+              <a:ext cx="4192200" cy="1467360"/>
+            </p14:xfrm>
+          </p:contentPart>
+        </mc:Choice>
+        <mc:Fallback>
+          <p:pic>
+            <p:nvPicPr>
+              <p:cNvPr id="4" name="Ink 3">
+                <a:extLst>
+                  <a:ext uri="{FF2B5EF4-FFF2-40B4-BE49-F238E27FC236}">
+                    <a16:creationId xmlns:a16="http://schemas.microsoft.com/office/drawing/2014/main" id="{EC9634BF-0381-79C1-C24E-98FB8649D12C}"/>
+                  </a:ext>
+                </a:extLst>
+              </p:cNvPr>
+              <p:cNvPicPr/>
+              <p:nvPr/>
+            </p:nvPicPr>
+            <p:blipFill>
+              <a:blip r:embed="rId3"/>
+              <a:stretch>
+                <a:fillRect/>
+              </a:stretch>
+            </p:blipFill>
+            <p:spPr>
+              <a:xfrm>
+                <a:off x="2378160" y="3057840"/>
+                <a:ext cx="4210920" cy="1486080"/>
+              </a:xfrm>
+              <a:prstGeom prst="rect">
+                <a:avLst/>
+              </a:prstGeom>
+            </p:spPr>
+          </p:pic>
+        </mc:Fallback>
+      </mc:AlternateContent>
     </p:spTree>
     <p:extLst>
       <p:ext uri="{BB962C8B-B14F-4D97-AF65-F5344CB8AC3E}">
